--- a/Conference_ppt/08-Transform data with Azure Data Factory or Synapse Pipelines.pptx
+++ b/Conference_ppt/08-Transform data with Azure Data Factory or Synapse Pipelines.pptx
@@ -6,10 +6,10 @@
     <p:sldMasterId id="2147483692" r:id="rId2"/>
   </p:sldMasterIdLst>
   <p:notesMasterIdLst>
-    <p:notesMasterId r:id="rId12"/>
+    <p:notesMasterId r:id="rId13"/>
   </p:notesMasterIdLst>
   <p:handoutMasterIdLst>
-    <p:handoutMasterId r:id="rId13"/>
+    <p:handoutMasterId r:id="rId14"/>
   </p:handoutMasterIdLst>
   <p:sldIdLst>
     <p:sldId id="256" r:id="rId3"/>
@@ -18,9 +18,10 @@
     <p:sldId id="419" r:id="rId6"/>
     <p:sldId id="258" r:id="rId7"/>
     <p:sldId id="2076137762" r:id="rId8"/>
-    <p:sldId id="421" r:id="rId9"/>
-    <p:sldId id="424" r:id="rId10"/>
-    <p:sldId id="2076137761" r:id="rId11"/>
+    <p:sldId id="2076137763" r:id="rId9"/>
+    <p:sldId id="421" r:id="rId10"/>
+    <p:sldId id="424" r:id="rId11"/>
+    <p:sldId id="2076137761" r:id="rId12"/>
   </p:sldIdLst>
   <p:sldSz cx="12192000" cy="6858000"/>
   <p:notesSz cx="6858000" cy="9144000"/>
@@ -235,7 +236,7 @@
           <a:p>
             <a:fld id="{2B56BDA5-FBCC-43E1-957B-02AF36889AD5}" type="datetimeFigureOut">
               <a:rPr lang="en-US" smtClean="0"/>
-              <a:t>11/27/2021</a:t>
+              <a:t>12/4/2021</a:t>
             </a:fld>
             <a:endParaRPr lang="en-US"/>
           </a:p>
@@ -412,7 +413,7 @@
           <a:p>
             <a:fld id="{8F44CDF0-0D54-4AFE-B409-D6358A9BB9A1}" type="datetimeFigureOut">
               <a:rPr lang="en-US" smtClean="0"/>
-              <a:t>11/27/2021</a:t>
+              <a:t>12/4/2021</a:t>
             </a:fld>
             <a:endParaRPr lang="en-US"/>
           </a:p>
@@ -853,6 +854,395 @@
 </p:notes>
 </file>
 
+<file path=ppt/notesSlides/notesSlide10.xml><?xml version="1.0" encoding="utf-8"?>
+<p:notes xmlns:a="http://schemas.openxmlformats.org/drawingml/2006/main" xmlns:r="http://schemas.openxmlformats.org/officeDocument/2006/relationships" xmlns:p="http://schemas.openxmlformats.org/presentationml/2006/main">
+  <p:cSld>
+    <p:spTree>
+      <p:nvGrpSpPr>
+        <p:cNvPr id="1" name=""/>
+        <p:cNvGrpSpPr/>
+        <p:nvPr/>
+      </p:nvGrpSpPr>
+      <p:grpSpPr>
+        <a:xfrm>
+          <a:off x="0" y="0"/>
+          <a:ext cx="0" cy="0"/>
+          <a:chOff x="0" y="0"/>
+          <a:chExt cx="0" cy="0"/>
+        </a:xfrm>
+      </p:grpSpPr>
+      <p:sp>
+        <p:nvSpPr>
+          <p:cNvPr id="2" name="Slide Image Placeholder 1"/>
+          <p:cNvSpPr>
+            <a:spLocks noGrp="1" noRot="1" noChangeAspect="1"/>
+          </p:cNvSpPr>
+          <p:nvPr>
+            <p:ph type="sldImg"/>
+          </p:nvPr>
+        </p:nvSpPr>
+        <p:spPr/>
+      </p:sp>
+      <p:sp>
+        <p:nvSpPr>
+          <p:cNvPr id="3" name="Notes Placeholder 2"/>
+          <p:cNvSpPr>
+            <a:spLocks noGrp="1"/>
+          </p:cNvSpPr>
+          <p:nvPr>
+            <p:ph type="body" idx="1"/>
+          </p:nvPr>
+        </p:nvSpPr>
+        <p:spPr/>
+        <p:txBody>
+          <a:bodyPr/>
+          <a:lstStyle/>
+          <a:p>
+            <a:pPr algn="l" rtl="0" fontAlgn="base"/>
+            <a:r>
+              <a:rPr lang="en-US" sz="1200" b="1" i="0" u="none" strike="noStrike" dirty="0">
+                <a:solidFill>
+                  <a:srgbClr val="000000"/>
+                </a:solidFill>
+                <a:effectLst/>
+                <a:latin typeface="Helvetica Neue"/>
+              </a:rPr>
+              <a:t>TALKING POINTS</a:t>
+            </a:r>
+            <a:r>
+              <a:rPr lang="en-US" sz="1200" b="0" i="0" dirty="0">
+                <a:effectLst/>
+                <a:latin typeface="Helvetica Neue"/>
+              </a:rPr>
+              <a:t>​</a:t>
+            </a:r>
+            <a:endParaRPr lang="en-US" b="0" i="0" dirty="0">
+              <a:effectLst/>
+            </a:endParaRPr>
+          </a:p>
+          <a:p>
+            <a:pPr algn="l" rtl="0" fontAlgn="base"/>
+            <a:r>
+              <a:rPr lang="en-US" sz="1200" b="0" i="0" dirty="0">
+                <a:effectLst/>
+                <a:latin typeface="Helvetica Neue"/>
+              </a:rPr>
+              <a:t>​</a:t>
+            </a:r>
+            <a:endParaRPr lang="en-US" b="0" i="0" dirty="0">
+              <a:effectLst/>
+            </a:endParaRPr>
+          </a:p>
+          <a:p>
+            <a:pPr algn="l" rtl="0" fontAlgn="base"/>
+            <a:r>
+              <a:rPr lang="en-US" sz="1200" b="0" i="0" u="none" strike="noStrike" dirty="0">
+                <a:solidFill>
+                  <a:srgbClr val="000000"/>
+                </a:solidFill>
+                <a:effectLst/>
+                <a:latin typeface="Helvetica Neue"/>
+              </a:rPr>
+              <a:t>This slide links to our content on Microsoft Learn</a:t>
+            </a:r>
+            <a:endParaRPr lang="en-US" b="0" i="0" dirty="0">
+              <a:effectLst/>
+            </a:endParaRPr>
+          </a:p>
+          <a:p>
+            <a:endParaRPr lang="en-US" dirty="0"/>
+          </a:p>
+        </p:txBody>
+      </p:sp>
+      <p:sp>
+        <p:nvSpPr>
+          <p:cNvPr id="4" name="Header Placeholder 3"/>
+          <p:cNvSpPr>
+            <a:spLocks noGrp="1"/>
+          </p:cNvSpPr>
+          <p:nvPr>
+            <p:ph type="hdr" sz="quarter" idx="10"/>
+          </p:nvPr>
+        </p:nvSpPr>
+        <p:spPr/>
+        <p:txBody>
+          <a:bodyPr/>
+          <a:lstStyle/>
+          <a:p>
+            <a:pPr marL="0" marR="0" lvl="0" indent="0" algn="l" defTabSz="412667" rtl="0" eaLnBrk="1" fontAlgn="auto" latinLnBrk="0" hangingPunct="0">
+              <a:lnSpc>
+                <a:spcPct val="70000"/>
+              </a:lnSpc>
+              <a:spcBef>
+                <a:spcPts val="0"/>
+              </a:spcBef>
+              <a:spcAft>
+                <a:spcPts val="0"/>
+              </a:spcAft>
+              <a:buClrTx/>
+              <a:buSzTx/>
+              <a:buFontTx/>
+              <a:buNone/>
+              <a:tabLst/>
+              <a:defRPr/>
+            </a:pPr>
+            <a:endParaRPr kumimoji="0" lang="en-US" sz="5599" b="0" i="0" u="none" strike="noStrike" kern="0" cap="none" spc="-112" normalizeH="0" baseline="0" noProof="0" dirty="0">
+              <a:ln>
+                <a:noFill/>
+              </a:ln>
+              <a:solidFill>
+                <a:srgbClr val="FFFFFF"/>
+              </a:solidFill>
+              <a:effectLst/>
+              <a:uLnTx/>
+              <a:uFillTx/>
+              <a:latin typeface="Segoe UI Semibold"/>
+              <a:cs typeface="Segoe UI Semibold"/>
+              <a:sym typeface="Segoe UI Semibold"/>
+            </a:endParaRPr>
+          </a:p>
+        </p:txBody>
+      </p:sp>
+      <p:sp>
+        <p:nvSpPr>
+          <p:cNvPr id="5" name="Footer Placeholder 4"/>
+          <p:cNvSpPr>
+            <a:spLocks noGrp="1"/>
+          </p:cNvSpPr>
+          <p:nvPr>
+            <p:ph type="ftr" sz="quarter" idx="11"/>
+          </p:nvPr>
+        </p:nvSpPr>
+        <p:spPr/>
+        <p:txBody>
+          <a:bodyPr/>
+          <a:lstStyle/>
+          <a:p>
+            <a:pPr marL="0" marR="0" lvl="0" indent="0" algn="l" defTabSz="914099" rtl="0" eaLnBrk="0" fontAlgn="auto" latinLnBrk="0" hangingPunct="0">
+              <a:lnSpc>
+                <a:spcPct val="70000"/>
+              </a:lnSpc>
+              <a:spcBef>
+                <a:spcPts val="0"/>
+              </a:spcBef>
+              <a:spcAft>
+                <a:spcPts val="0"/>
+              </a:spcAft>
+              <a:buClrTx/>
+              <a:buSzTx/>
+              <a:buFontTx/>
+              <a:buNone/>
+              <a:tabLst/>
+              <a:defRPr/>
+            </a:pPr>
+            <a:r>
+              <a:rPr kumimoji="0" lang="en-US" sz="400" b="0" i="0" u="none" strike="noStrike" kern="0" cap="none" spc="-112" normalizeH="0" baseline="0" noProof="0" dirty="0">
+                <a:ln>
+                  <a:noFill/>
+                </a:ln>
+                <a:gradFill>
+                  <a:gsLst>
+                    <a:gs pos="0">
+                      <a:prstClr val="black"/>
+                    </a:gs>
+                    <a:gs pos="100000">
+                      <a:prstClr val="black"/>
+                    </a:gs>
+                  </a:gsLst>
+                  <a:lin ang="5400000" scaled="0"/>
+                </a:gradFill>
+                <a:effectLst/>
+                <a:uLnTx/>
+                <a:uFillTx/>
+                <a:latin typeface="Segoe UI" pitchFamily="34" charset="0"/>
+                <a:ea typeface="Segoe UI" pitchFamily="34" charset="0"/>
+                <a:cs typeface="Segoe UI" pitchFamily="34" charset="0"/>
+                <a:sym typeface="Segoe UI Semibold"/>
+              </a:rPr>
+              <a:t>© Microsoft Corporation. All rights reserved. MICROSOFT MAKES NO WARRANTIES, EXPRESS, IMPLIED OR STATUTORY, AS TO THE INFORMATION IN THIS PRESENTATION.</a:t>
+            </a:r>
+          </a:p>
+        </p:txBody>
+      </p:sp>
+      <p:sp>
+        <p:nvSpPr>
+          <p:cNvPr id="6" name="Date Placeholder 5"/>
+          <p:cNvSpPr>
+            <a:spLocks noGrp="1"/>
+          </p:cNvSpPr>
+          <p:nvPr>
+            <p:ph type="dt" idx="12"/>
+          </p:nvPr>
+        </p:nvSpPr>
+        <p:spPr/>
+        <p:txBody>
+          <a:bodyPr/>
+          <a:lstStyle/>
+          <a:p>
+            <a:pPr marL="0" marR="0" lvl="0" indent="0" algn="l" defTabSz="412667" rtl="0" eaLnBrk="1" fontAlgn="auto" latinLnBrk="0" hangingPunct="0">
+              <a:lnSpc>
+                <a:spcPct val="70000"/>
+              </a:lnSpc>
+              <a:spcBef>
+                <a:spcPts val="0"/>
+              </a:spcBef>
+              <a:spcAft>
+                <a:spcPts val="0"/>
+              </a:spcAft>
+              <a:buClrTx/>
+              <a:buSzTx/>
+              <a:buFontTx/>
+              <a:buNone/>
+              <a:tabLst/>
+              <a:defRPr/>
+            </a:pPr>
+            <a:fld id="{54A7B7B7-C694-4FC8-B0BD-20DAA0A272F9}" type="datetime8">
+              <a:rPr kumimoji="0" lang="en-US" sz="5599" b="0" i="0" u="none" strike="noStrike" kern="0" cap="none" spc="-112" normalizeH="0" baseline="0" noProof="0" smtClean="0">
+                <a:ln>
+                  <a:noFill/>
+                </a:ln>
+                <a:solidFill>
+                  <a:srgbClr val="FFFFFF"/>
+                </a:solidFill>
+                <a:effectLst/>
+                <a:uLnTx/>
+                <a:uFillTx/>
+                <a:latin typeface="Segoe UI Semibold"/>
+                <a:cs typeface="Segoe UI Semibold"/>
+                <a:sym typeface="Segoe UI Semibold"/>
+              </a:rPr>
+              <a:pPr marL="0" marR="0" lvl="0" indent="0" algn="l" defTabSz="412667" rtl="0" eaLnBrk="1" fontAlgn="auto" latinLnBrk="0" hangingPunct="0">
+                <a:lnSpc>
+                  <a:spcPct val="70000"/>
+                </a:lnSpc>
+                <a:spcBef>
+                  <a:spcPts val="0"/>
+                </a:spcBef>
+                <a:spcAft>
+                  <a:spcPts val="0"/>
+                </a:spcAft>
+                <a:buClrTx/>
+                <a:buSzTx/>
+                <a:buFontTx/>
+                <a:buNone/>
+                <a:tabLst/>
+                <a:defRPr/>
+              </a:pPr>
+              <a:t>12/4/2021 2:27 PM</a:t>
+            </a:fld>
+            <a:endParaRPr kumimoji="0" lang="en-US" sz="5599" b="0" i="0" u="none" strike="noStrike" kern="0" cap="none" spc="-112" normalizeH="0" baseline="0" noProof="0" dirty="0">
+              <a:ln>
+                <a:noFill/>
+              </a:ln>
+              <a:solidFill>
+                <a:srgbClr val="FFFFFF"/>
+              </a:solidFill>
+              <a:effectLst/>
+              <a:uLnTx/>
+              <a:uFillTx/>
+              <a:latin typeface="Segoe UI Semibold"/>
+              <a:cs typeface="Segoe UI Semibold"/>
+              <a:sym typeface="Segoe UI Semibold"/>
+            </a:endParaRPr>
+          </a:p>
+        </p:txBody>
+      </p:sp>
+      <p:sp>
+        <p:nvSpPr>
+          <p:cNvPr id="7" name="Slide Number Placeholder 6"/>
+          <p:cNvSpPr>
+            <a:spLocks noGrp="1"/>
+          </p:cNvSpPr>
+          <p:nvPr>
+            <p:ph type="sldNum" sz="quarter" idx="13"/>
+          </p:nvPr>
+        </p:nvSpPr>
+        <p:spPr/>
+        <p:txBody>
+          <a:bodyPr/>
+          <a:lstStyle/>
+          <a:p>
+            <a:pPr marL="0" marR="0" lvl="0" indent="0" algn="l" defTabSz="412667" rtl="0" eaLnBrk="1" fontAlgn="auto" latinLnBrk="0" hangingPunct="0">
+              <a:lnSpc>
+                <a:spcPct val="70000"/>
+              </a:lnSpc>
+              <a:spcBef>
+                <a:spcPts val="0"/>
+              </a:spcBef>
+              <a:spcAft>
+                <a:spcPts val="0"/>
+              </a:spcAft>
+              <a:buClrTx/>
+              <a:buSzTx/>
+              <a:buFontTx/>
+              <a:buNone/>
+              <a:tabLst/>
+              <a:defRPr/>
+            </a:pPr>
+            <a:fld id="{B4008EB6-D09E-4580-8CD6-DDB14511944F}" type="slidenum">
+              <a:rPr kumimoji="0" lang="en-US" sz="5599" b="0" i="0" u="none" strike="noStrike" kern="0" cap="none" spc="-112" normalizeH="0" baseline="0" noProof="0" smtClean="0">
+                <a:ln>
+                  <a:noFill/>
+                </a:ln>
+                <a:solidFill>
+                  <a:srgbClr val="FFFFFF"/>
+                </a:solidFill>
+                <a:effectLst/>
+                <a:uLnTx/>
+                <a:uFillTx/>
+                <a:latin typeface="Segoe UI Semibold"/>
+                <a:cs typeface="Segoe UI Semibold"/>
+                <a:sym typeface="Segoe UI Semibold"/>
+              </a:rPr>
+              <a:pPr marL="0" marR="0" lvl="0" indent="0" algn="l" defTabSz="412667" rtl="0" eaLnBrk="1" fontAlgn="auto" latinLnBrk="0" hangingPunct="0">
+                <a:lnSpc>
+                  <a:spcPct val="70000"/>
+                </a:lnSpc>
+                <a:spcBef>
+                  <a:spcPts val="0"/>
+                </a:spcBef>
+                <a:spcAft>
+                  <a:spcPts val="0"/>
+                </a:spcAft>
+                <a:buClrTx/>
+                <a:buSzTx/>
+                <a:buFontTx/>
+                <a:buNone/>
+                <a:tabLst/>
+                <a:defRPr/>
+              </a:pPr>
+              <a:t>10</a:t>
+            </a:fld>
+            <a:endParaRPr kumimoji="0" lang="en-US" sz="5599" b="0" i="0" u="none" strike="noStrike" kern="0" cap="none" spc="-112" normalizeH="0" baseline="0" noProof="0" dirty="0">
+              <a:ln>
+                <a:noFill/>
+              </a:ln>
+              <a:solidFill>
+                <a:srgbClr val="FFFFFF"/>
+              </a:solidFill>
+              <a:effectLst/>
+              <a:uLnTx/>
+              <a:uFillTx/>
+              <a:latin typeface="Segoe UI Semibold"/>
+              <a:cs typeface="Segoe UI Semibold"/>
+              <a:sym typeface="Segoe UI Semibold"/>
+            </a:endParaRPr>
+          </a:p>
+        </p:txBody>
+      </p:sp>
+    </p:spTree>
+    <p:extLst>
+      <p:ext uri="{BB962C8B-B14F-4D97-AF65-F5344CB8AC3E}">
+        <p14:creationId xmlns:p14="http://schemas.microsoft.com/office/powerpoint/2010/main" val="1291553221"/>
+      </p:ext>
+    </p:extLst>
+  </p:cSld>
+  <p:clrMapOvr>
+    <a:masterClrMapping/>
+  </p:clrMapOvr>
+</p:notes>
+</file>
+
 <file path=ppt/notesSlides/notesSlide2.xml><?xml version="1.0" encoding="utf-8"?>
 <p:notes xmlns:a="http://schemas.openxmlformats.org/drawingml/2006/main" xmlns:r="http://schemas.openxmlformats.org/officeDocument/2006/relationships" xmlns:p="http://schemas.openxmlformats.org/presentationml/2006/main">
   <p:cSld>
@@ -2442,32 +2832,6 @@
           <a:bodyPr/>
           <a:lstStyle/>
           <a:p>
-            <a:pPr marL="0" marR="0" lvl="0" indent="0" defTabSz="228554" eaLnBrk="1" fontAlgn="auto" latinLnBrk="0" hangingPunct="1">
-              <a:lnSpc>
-                <a:spcPct val="117999"/>
-              </a:lnSpc>
-              <a:spcBef>
-                <a:spcPts val="0"/>
-              </a:spcBef>
-              <a:spcAft>
-                <a:spcPts val="0"/>
-              </a:spcAft>
-              <a:buClrTx/>
-              <a:buSzTx/>
-              <a:buFontTx/>
-              <a:buNone/>
-              <a:tabLst/>
-              <a:defRPr/>
-            </a:pPr>
-            <a:r>
-              <a:rPr lang="en-US" sz="1200" b="1" dirty="0"/>
-              <a:t>Talking points</a:t>
-            </a:r>
-          </a:p>
-          <a:p>
-            <a:endParaRPr lang="en-US" sz="1200" dirty="0"/>
-          </a:p>
-          <a:p>
             <a:r>
               <a:rPr lang="en-US" sz="1200" dirty="0"/>
               <a:t>Let’s dive into Mapping data flows</a:t>
@@ -2714,170 +3078,7 @@
             </a:r>
           </a:p>
           <a:p>
-            <a:endParaRPr lang="en-US" sz="1200" dirty="0"/>
-          </a:p>
-          <a:p>
-            <a:pPr marL="0" marR="0" lvl="0" indent="0" algn="l" defTabSz="914400" rtl="0" eaLnBrk="1" fontAlgn="auto" latinLnBrk="0" hangingPunct="1">
-              <a:lnSpc>
-                <a:spcPct val="100000"/>
-              </a:lnSpc>
-              <a:spcBef>
-                <a:spcPts val="0"/>
-              </a:spcBef>
-              <a:spcAft>
-                <a:spcPts val="0"/>
-              </a:spcAft>
-              <a:buClrTx/>
-              <a:buSzTx/>
-              <a:buFontTx/>
-              <a:buNone/>
-              <a:tabLst/>
-              <a:defRPr/>
-            </a:pPr>
-            <a:r>
-              <a:rPr lang="en-US" sz="1200" dirty="0"/>
-              <a:t>Like many data transformation tools, Mapping Data Flow in Azure Data factory supports a great variety of data transformations.</a:t>
-            </a:r>
-          </a:p>
-          <a:p>
-            <a:pPr marL="0" marR="0" lvl="0" indent="0" algn="l" defTabSz="914400" rtl="0" eaLnBrk="1" fontAlgn="auto" latinLnBrk="0" hangingPunct="1">
-              <a:lnSpc>
-                <a:spcPct val="100000"/>
-              </a:lnSpc>
-              <a:spcBef>
-                <a:spcPts val="0"/>
-              </a:spcBef>
-              <a:spcAft>
-                <a:spcPts val="0"/>
-              </a:spcAft>
-              <a:buClrTx/>
-              <a:buSzTx/>
-              <a:buFontTx/>
-              <a:buNone/>
-              <a:tabLst/>
-              <a:defRPr/>
-            </a:pPr>
-            <a:endParaRPr lang="en-US" sz="1200" dirty="0"/>
-          </a:p>
-          <a:p>
-            <a:r>
-              <a:rPr lang="en-US" b="1" dirty="0"/>
-              <a:t>Instructor notes and guidance.</a:t>
-            </a:r>
-          </a:p>
-          <a:p>
-            <a:endParaRPr lang="en-US" sz="1200" dirty="0"/>
-          </a:p>
-          <a:p>
-            <a:r>
-              <a:rPr lang="en-US" sz="1200" b="0" i="0" u="none" strike="noStrike" kern="1200" dirty="0">
-                <a:solidFill>
-                  <a:schemeClr val="tx1"/>
-                </a:solidFill>
-                <a:effectLst/>
-                <a:latin typeface="Segoe UI" panose="020B0502040204020203" pitchFamily="34" charset="0"/>
-                <a:ea typeface="+mn-ea"/>
-                <a:cs typeface="+mn-cs"/>
-              </a:rPr>
-              <a:t>Note that this content is valid for both Azure Data Factory and Azure Synapse Pipelines. Consider showing an example through a demo, you should consider replaying some of the activities done in the lab. The feedback from MCTs about DP200 is that many students needed help the ADF lab, so replaying the mapping data flow should be considered</a:t>
-            </a:r>
-            <a:endParaRPr lang="en-US" sz="1200" dirty="0"/>
-          </a:p>
-          <a:p>
-            <a:pPr marL="228600" indent="-228600">
-              <a:buAutoNum type="arabicPeriod"/>
-            </a:pPr>
-            <a:endParaRPr lang="en-US" sz="1200" dirty="0"/>
-          </a:p>
-          <a:p>
-            <a:pPr marL="0" marR="0" lvl="0" indent="0" algn="l" defTabSz="932742" rtl="0" eaLnBrk="1" fontAlgn="auto" latinLnBrk="0" hangingPunct="1">
-              <a:lnSpc>
-                <a:spcPct val="90000"/>
-              </a:lnSpc>
-              <a:spcBef>
-                <a:spcPts val="0"/>
-              </a:spcBef>
-              <a:spcAft>
-                <a:spcPts val="340"/>
-              </a:spcAft>
-              <a:buClrTx/>
-              <a:buSzTx/>
-              <a:buFontTx/>
-              <a:buNone/>
-              <a:tabLst/>
-              <a:defRPr/>
-            </a:pPr>
-            <a:r>
-              <a:rPr lang="en-US" sz="1200" b="1" dirty="0"/>
-              <a:t>Recommended reading for this slide</a:t>
-            </a:r>
-          </a:p>
-          <a:p>
-            <a:endParaRPr lang="en-US" sz="1200" b="0" i="0" u="none" strike="noStrike" kern="1200" dirty="0">
-              <a:solidFill>
-                <a:schemeClr val="tx1"/>
-              </a:solidFill>
-              <a:effectLst/>
-              <a:latin typeface="+mn-lt"/>
-              <a:ea typeface="+mn-ea"/>
-              <a:cs typeface="+mn-cs"/>
-            </a:endParaRPr>
-          </a:p>
-          <a:p>
-            <a:r>
-              <a:rPr lang="en-GB" dirty="0">
-                <a:hlinkClick r:id="rId3"/>
-              </a:rPr>
-              <a:t>Code-free transformation at scale with Azure Data Factory - Learn | Microsoft Docs</a:t>
-            </a:r>
-            <a:endParaRPr lang="en-US" sz="1200" b="0" i="0" u="none" strike="noStrike" kern="1200" dirty="0">
-              <a:solidFill>
-                <a:schemeClr val="tx1"/>
-              </a:solidFill>
-              <a:effectLst/>
-              <a:latin typeface="+mn-lt"/>
-              <a:ea typeface="+mn-ea"/>
-              <a:cs typeface="+mn-cs"/>
-            </a:endParaRPr>
-          </a:p>
-          <a:p>
-            <a:endParaRPr lang="en-US" sz="1200" b="0" i="0" u="none" strike="noStrike" kern="1200" dirty="0">
-              <a:solidFill>
-                <a:schemeClr val="tx1"/>
-              </a:solidFill>
-              <a:effectLst/>
-              <a:latin typeface="+mn-lt"/>
-              <a:ea typeface="+mn-ea"/>
-              <a:cs typeface="+mn-cs"/>
-            </a:endParaRPr>
-          </a:p>
-          <a:p>
-            <a:pPr marL="0" marR="0" lvl="0" indent="0" algn="l" defTabSz="932742" rtl="0" eaLnBrk="1" fontAlgn="auto" latinLnBrk="0" hangingPunct="1">
-              <a:lnSpc>
-                <a:spcPct val="90000"/>
-              </a:lnSpc>
-              <a:spcBef>
-                <a:spcPts val="0"/>
-              </a:spcBef>
-              <a:spcAft>
-                <a:spcPts val="340"/>
-              </a:spcAft>
-              <a:buClrTx/>
-              <a:buSzTx/>
-              <a:buFontTx/>
-              <a:buNone/>
-              <a:tabLst/>
-              <a:defRPr/>
-            </a:pPr>
-            <a:endParaRPr lang="en-US" sz="1200" kern="1200" dirty="0">
-              <a:solidFill>
-                <a:schemeClr val="tx1"/>
-              </a:solidFill>
-              <a:effectLst/>
-              <a:latin typeface="Segoe UI Light" pitchFamily="34" charset="0"/>
-              <a:ea typeface="+mn-ea"/>
-              <a:cs typeface="+mn-cs"/>
-            </a:endParaRPr>
+            <a:endParaRPr lang="en-US" dirty="0"/>
           </a:p>
         </p:txBody>
       </p:sp>
@@ -2907,7 +3108,7 @@
     </p:spTree>
     <p:extLst>
       <p:ext uri="{BB962C8B-B14F-4D97-AF65-F5344CB8AC3E}">
-        <p14:creationId xmlns:p14="http://schemas.microsoft.com/office/powerpoint/2010/main" val="2806206160"/>
+        <p14:creationId xmlns:p14="http://schemas.microsoft.com/office/powerpoint/2010/main" val="4232631778"/>
       </p:ext>
     </p:extLst>
   </p:cSld>
@@ -2961,119 +3162,304 @@
           <a:bodyPr/>
           <a:lstStyle/>
           <a:p>
-            <a:pPr algn="l" rtl="0" fontAlgn="base"/>
-            <a:r>
-              <a:rPr lang="en-US" sz="1200" b="1" i="0" u="none" strike="noStrike" dirty="0">
+            <a:pPr marL="0" marR="0" lvl="0" indent="0" defTabSz="228554" eaLnBrk="1" fontAlgn="auto" latinLnBrk="0" hangingPunct="1">
+              <a:lnSpc>
+                <a:spcPct val="117999"/>
+              </a:lnSpc>
+              <a:spcBef>
+                <a:spcPts val="0"/>
+              </a:spcBef>
+              <a:spcAft>
+                <a:spcPts val="0"/>
+              </a:spcAft>
+              <a:buClrTx/>
+              <a:buSzTx/>
+              <a:buFontTx/>
+              <a:buNone/>
+              <a:tabLst/>
+              <a:defRPr/>
+            </a:pPr>
+            <a:r>
+              <a:rPr lang="en-US" sz="1200" b="1" dirty="0"/>
+              <a:t>Talking points</a:t>
+            </a:r>
+          </a:p>
+          <a:p>
+            <a:endParaRPr lang="en-US" sz="1200" dirty="0"/>
+          </a:p>
+          <a:p>
+            <a:pPr marL="0" marR="0" lvl="0" indent="0" algn="l" defTabSz="914400" rtl="0" eaLnBrk="1" fontAlgn="auto" latinLnBrk="0" hangingPunct="1">
+              <a:lnSpc>
+                <a:spcPct val="100000"/>
+              </a:lnSpc>
+              <a:spcBef>
+                <a:spcPts val="0"/>
+              </a:spcBef>
+              <a:spcAft>
+                <a:spcPts val="0"/>
+              </a:spcAft>
+              <a:buClrTx/>
+              <a:buSzTx/>
+              <a:buFontTx/>
+              <a:buNone/>
+              <a:tabLst/>
+              <a:defRPr/>
+            </a:pPr>
+            <a:r>
+              <a:rPr lang="en-US" sz="1200" dirty="0"/>
+              <a:t>Like many data transformation tools, Mapping Data Flow in Azure Data factory supports a great variety of data transformations.</a:t>
+            </a:r>
+          </a:p>
+          <a:p>
+            <a:pPr marL="0" marR="0" lvl="0" indent="0" algn="l" defTabSz="914400" rtl="0" eaLnBrk="1" fontAlgn="auto" latinLnBrk="0" hangingPunct="1">
+              <a:lnSpc>
+                <a:spcPct val="100000"/>
+              </a:lnSpc>
+              <a:spcBef>
+                <a:spcPts val="0"/>
+              </a:spcBef>
+              <a:spcAft>
+                <a:spcPts val="0"/>
+              </a:spcAft>
+              <a:buClrTx/>
+              <a:buSzTx/>
+              <a:buFontTx/>
+              <a:buNone/>
+              <a:tabLst/>
+              <a:defRPr/>
+            </a:pPr>
+            <a:endParaRPr lang="en-US" sz="1200" dirty="0"/>
+          </a:p>
+          <a:p>
+            <a:pPr marL="0" marR="0" lvl="0" indent="0" algn="l" defTabSz="914400" rtl="0" eaLnBrk="1" fontAlgn="auto" latinLnBrk="0" hangingPunct="1">
+              <a:lnSpc>
+                <a:spcPct val="100000"/>
+              </a:lnSpc>
+              <a:spcBef>
+                <a:spcPts val="0"/>
+              </a:spcBef>
+              <a:spcAft>
+                <a:spcPts val="0"/>
+              </a:spcAft>
+              <a:buClrTx/>
+              <a:buSzTx/>
+              <a:buFontTx/>
+              <a:buNone/>
+              <a:tabLst/>
+              <a:defRPr/>
+            </a:pPr>
+            <a:r>
+              <a:rPr lang="en-US" sz="1200" dirty="0"/>
+              <a:t>Talk about various transformation options:</a:t>
+            </a:r>
+          </a:p>
+          <a:p>
+            <a:pPr marL="0" marR="0" lvl="0" indent="0" algn="l" defTabSz="914400" rtl="0" eaLnBrk="1" fontAlgn="auto" latinLnBrk="0" hangingPunct="1">
+              <a:lnSpc>
+                <a:spcPct val="100000"/>
+              </a:lnSpc>
+              <a:spcBef>
+                <a:spcPts val="0"/>
+              </a:spcBef>
+              <a:spcAft>
+                <a:spcPts val="0"/>
+              </a:spcAft>
+              <a:buClrTx/>
+              <a:buSzTx/>
+              <a:buFontTx/>
+              <a:buNone/>
+              <a:tabLst/>
+              <a:defRPr/>
+            </a:pPr>
+            <a:endParaRPr lang="en-US" sz="1200" dirty="0"/>
+          </a:p>
+          <a:p>
+            <a:pPr marL="171450" marR="0" lvl="0" indent="-171450" algn="l" defTabSz="914400" rtl="0" eaLnBrk="1" fontAlgn="auto" latinLnBrk="0" hangingPunct="1">
+              <a:lnSpc>
+                <a:spcPct val="100000"/>
+              </a:lnSpc>
+              <a:spcBef>
+                <a:spcPts val="0"/>
+              </a:spcBef>
+              <a:spcAft>
+                <a:spcPts val="0"/>
+              </a:spcAft>
+              <a:buClrTx/>
+              <a:buSzTx/>
+              <a:buFont typeface="Arial" panose="020B0604020202020204" pitchFamily="34" charset="0"/>
+              <a:buChar char="•"/>
+              <a:tabLst/>
+              <a:defRPr/>
+            </a:pPr>
+            <a:r>
+              <a:rPr lang="en-US" sz="1200" dirty="0"/>
+              <a:t>Aggregations</a:t>
+            </a:r>
+          </a:p>
+          <a:p>
+            <a:pPr marL="171450" marR="0" lvl="0" indent="-171450" algn="l" defTabSz="914400" rtl="0" eaLnBrk="1" fontAlgn="auto" latinLnBrk="0" hangingPunct="1">
+              <a:lnSpc>
+                <a:spcPct val="100000"/>
+              </a:lnSpc>
+              <a:spcBef>
+                <a:spcPts val="0"/>
+              </a:spcBef>
+              <a:spcAft>
+                <a:spcPts val="0"/>
+              </a:spcAft>
+              <a:buClrTx/>
+              <a:buSzTx/>
+              <a:buFont typeface="Arial" panose="020B0604020202020204" pitchFamily="34" charset="0"/>
+              <a:buChar char="•"/>
+              <a:tabLst/>
+              <a:defRPr/>
+            </a:pPr>
+            <a:r>
+              <a:rPr lang="en-US" sz="1200" dirty="0"/>
+              <a:t>Joins</a:t>
+            </a:r>
+          </a:p>
+          <a:p>
+            <a:pPr marL="171450" marR="0" lvl="0" indent="-171450" algn="l" defTabSz="914400" rtl="0" eaLnBrk="1" fontAlgn="auto" latinLnBrk="0" hangingPunct="1">
+              <a:lnSpc>
+                <a:spcPct val="100000"/>
+              </a:lnSpc>
+              <a:spcBef>
+                <a:spcPts val="0"/>
+              </a:spcBef>
+              <a:spcAft>
+                <a:spcPts val="0"/>
+              </a:spcAft>
+              <a:buClrTx/>
+              <a:buSzTx/>
+              <a:buFont typeface="Arial" panose="020B0604020202020204" pitchFamily="34" charset="0"/>
+              <a:buChar char="•"/>
+              <a:tabLst/>
+              <a:defRPr/>
+            </a:pPr>
+            <a:r>
+              <a:rPr lang="en-US" sz="1200" dirty="0"/>
+              <a:t>Derived columns</a:t>
+            </a:r>
+          </a:p>
+          <a:p>
+            <a:pPr marL="171450" marR="0" lvl="0" indent="-171450" algn="l" defTabSz="914400" rtl="0" eaLnBrk="1" fontAlgn="auto" latinLnBrk="0" hangingPunct="1">
+              <a:lnSpc>
+                <a:spcPct val="100000"/>
+              </a:lnSpc>
+              <a:spcBef>
+                <a:spcPts val="0"/>
+              </a:spcBef>
+              <a:spcAft>
+                <a:spcPts val="0"/>
+              </a:spcAft>
+              <a:buClrTx/>
+              <a:buSzTx/>
+              <a:buFont typeface="Arial" panose="020B0604020202020204" pitchFamily="34" charset="0"/>
+              <a:buChar char="•"/>
+              <a:tabLst/>
+              <a:defRPr/>
+            </a:pPr>
+            <a:r>
+              <a:rPr lang="en-US" sz="1200" dirty="0"/>
+              <a:t>Flatten</a:t>
+            </a:r>
+          </a:p>
+          <a:p>
+            <a:pPr marL="171450" marR="0" lvl="0" indent="-171450" algn="l" defTabSz="914400" rtl="0" eaLnBrk="1" fontAlgn="auto" latinLnBrk="0" hangingPunct="1">
+              <a:lnSpc>
+                <a:spcPct val="100000"/>
+              </a:lnSpc>
+              <a:spcBef>
+                <a:spcPts val="0"/>
+              </a:spcBef>
+              <a:spcAft>
+                <a:spcPts val="0"/>
+              </a:spcAft>
+              <a:buClrTx/>
+              <a:buSzTx/>
+              <a:buFont typeface="Arial" panose="020B0604020202020204" pitchFamily="34" charset="0"/>
+              <a:buChar char="•"/>
+              <a:tabLst/>
+              <a:defRPr/>
+            </a:pPr>
+            <a:r>
+              <a:rPr lang="en-US" sz="1200" dirty="0"/>
+              <a:t>Filter</a:t>
+            </a:r>
+          </a:p>
+          <a:p>
+            <a:pPr marL="171450" marR="0" lvl="0" indent="-171450" algn="l" defTabSz="914400" rtl="0" eaLnBrk="1" fontAlgn="auto" latinLnBrk="0" hangingPunct="1">
+              <a:lnSpc>
+                <a:spcPct val="100000"/>
+              </a:lnSpc>
+              <a:spcBef>
+                <a:spcPts val="0"/>
+              </a:spcBef>
+              <a:spcAft>
+                <a:spcPts val="0"/>
+              </a:spcAft>
+              <a:buClrTx/>
+              <a:buSzTx/>
+              <a:buFont typeface="Arial" panose="020B0604020202020204" pitchFamily="34" charset="0"/>
+              <a:buChar char="•"/>
+              <a:tabLst/>
+              <a:defRPr/>
+            </a:pPr>
+            <a:r>
+              <a:rPr lang="en-US" sz="1200" dirty="0"/>
+              <a:t>Etc.</a:t>
+            </a:r>
+          </a:p>
+          <a:p>
+            <a:pPr marL="0" marR="0" lvl="0" indent="0" algn="l" defTabSz="914400" rtl="0" eaLnBrk="1" fontAlgn="auto" latinLnBrk="0" hangingPunct="1">
+              <a:lnSpc>
+                <a:spcPct val="100000"/>
+              </a:lnSpc>
+              <a:spcBef>
+                <a:spcPts val="0"/>
+              </a:spcBef>
+              <a:spcAft>
+                <a:spcPts val="0"/>
+              </a:spcAft>
+              <a:buClrTx/>
+              <a:buSzTx/>
+              <a:buFontTx/>
+              <a:buNone/>
+              <a:tabLst/>
+              <a:defRPr/>
+            </a:pPr>
+            <a:endParaRPr lang="en-US" sz="1200" dirty="0"/>
+          </a:p>
+          <a:p>
+            <a:r>
+              <a:rPr lang="en-US" b="1" dirty="0"/>
+              <a:t>Instructor notes and guidance.</a:t>
+            </a:r>
+          </a:p>
+          <a:p>
+            <a:endParaRPr lang="en-US" sz="1200" dirty="0"/>
+          </a:p>
+          <a:p>
+            <a:r>
+              <a:rPr lang="en-US" sz="1200" b="0" i="0" u="none" strike="noStrike" kern="1200" dirty="0">
                 <a:solidFill>
-                  <a:srgbClr val="000000"/>
+                  <a:schemeClr val="tx1"/>
                 </a:solidFill>
                 <a:effectLst/>
-                <a:latin typeface="Helvetica Neue"/>
+                <a:latin typeface="Segoe UI" panose="020B0502040204020203" pitchFamily="34" charset="0"/>
+                <a:ea typeface="+mn-ea"/>
+                <a:cs typeface="+mn-cs"/>
               </a:rPr>
-              <a:t>TALKING POINTS</a:t>
-            </a:r>
-            <a:r>
-              <a:rPr lang="en-US" sz="1200" b="0" i="0" dirty="0">
-                <a:effectLst/>
-                <a:latin typeface="Helvetica Neue"/>
-              </a:rPr>
-              <a:t>​</a:t>
-            </a:r>
-            <a:endParaRPr lang="en-US" b="0" i="0" dirty="0">
-              <a:effectLst/>
-            </a:endParaRPr>
-          </a:p>
-          <a:p>
-            <a:pPr algn="l" rtl="0" fontAlgn="base"/>
-            <a:r>
-              <a:rPr lang="en-US" sz="1200" b="0" i="0" dirty="0">
-                <a:effectLst/>
-                <a:latin typeface="Helvetica Neue"/>
-              </a:rPr>
-              <a:t>​</a:t>
-            </a:r>
-            <a:endParaRPr lang="en-US" b="0" i="0" dirty="0">
-              <a:effectLst/>
-            </a:endParaRPr>
-          </a:p>
-          <a:p>
-            <a:pPr algn="l" rtl="0" fontAlgn="base"/>
-            <a:r>
-              <a:rPr lang="en-US" sz="1200" b="0" i="0" u="none" strike="noStrike" dirty="0">
-                <a:solidFill>
-                  <a:srgbClr val="000000"/>
-                </a:solidFill>
-                <a:effectLst/>
-                <a:latin typeface="Helvetica Neue"/>
-              </a:rPr>
-              <a:t>Let’s put this into reality and show you how it works.</a:t>
-            </a:r>
-            <a:r>
-              <a:rPr lang="en-US" sz="1200" b="0" i="0" dirty="0">
-                <a:effectLst/>
-                <a:latin typeface="Helvetica Neue"/>
-              </a:rPr>
-              <a:t>​</a:t>
-            </a:r>
-          </a:p>
-          <a:p>
-            <a:pPr algn="l" rtl="0" fontAlgn="base"/>
-            <a:endParaRPr lang="en-US" b="0" i="0" dirty="0">
-              <a:effectLst/>
-            </a:endParaRPr>
-          </a:p>
-          <a:p>
-            <a:r>
-              <a:rPr lang="en-US" sz="1200" b="0" i="0" dirty="0">
-                <a:effectLst/>
-                <a:latin typeface="Helvetica Neue"/>
-              </a:rPr>
-              <a:t>​</a:t>
-            </a:r>
-            <a:r>
-              <a:rPr lang="en-US" dirty="0"/>
-              <a:t>This lab </a:t>
-            </a:r>
-            <a:r>
-              <a:rPr lang="en-GB" b="0" i="0" dirty="0">
-                <a:solidFill>
-                  <a:srgbClr val="24292E"/>
-                </a:solidFill>
-                <a:effectLst/>
-                <a:latin typeface="-apple-system"/>
-              </a:rPr>
-              <a:t>teaches students how to build data integration pipelines to ingest data from multiple data sources, transform data using mapping data flows and notebooks, and perform data movement into one or more data sinks.</a:t>
-            </a:r>
-          </a:p>
-          <a:p>
-            <a:endParaRPr lang="en-GB" b="0" i="0" dirty="0">
-              <a:solidFill>
-                <a:srgbClr val="24292E"/>
-              </a:solidFill>
-              <a:effectLst/>
-              <a:latin typeface="-apple-system"/>
-            </a:endParaRPr>
-          </a:p>
-          <a:p>
-            <a:r>
-              <a:rPr lang="en-GB" b="0" i="0" dirty="0">
-                <a:solidFill>
-                  <a:srgbClr val="24292E"/>
-                </a:solidFill>
-                <a:effectLst/>
-                <a:latin typeface="-apple-system"/>
-              </a:rPr>
-              <a:t>In exercise 1. the students will create the required objects; namely SQL tables, that will be used to store the data that is ingested by the mapping data flow. Then they will define the required linked services to connect to the data sources to consume the data, followed by pointing to the datasets within the linked services. Note that the students will be dealing with a poorly formatted data while creating these datasets, and how to handle it in a linked service.</a:t>
-            </a:r>
-          </a:p>
-          <a:p>
-            <a:endParaRPr lang="en-GB" b="0" i="0" dirty="0">
-              <a:solidFill>
-                <a:srgbClr val="24292E"/>
-              </a:solidFill>
-              <a:effectLst/>
-              <a:latin typeface="-apple-system"/>
-            </a:endParaRPr>
+              <a:t>Note that this content is valid for both Azure Data Factory and Azure Synapse Pipelines. Consider showing an example through a demo, you should consider replaying some of the activities done in the lab. The feedback from MCTs about DP200 is that many students needed help the ADF lab, so replaying the mapping data flow should be considered</a:t>
+            </a:r>
+            <a:endParaRPr lang="en-US" sz="1200" dirty="0"/>
+          </a:p>
+          <a:p>
+            <a:pPr marL="228600" indent="-228600">
+              <a:buAutoNum type="arabicPeriod"/>
+            </a:pPr>
+            <a:endParaRPr lang="en-US" sz="1200" dirty="0"/>
           </a:p>
           <a:p>
             <a:pPr marL="0" marR="0" lvl="0" indent="0" algn="l" defTabSz="932742" rtl="0" eaLnBrk="1" fontAlgn="auto" latinLnBrk="0" hangingPunct="1">
@@ -3094,15 +3480,70 @@
               <a:defRPr/>
             </a:pPr>
             <a:r>
-              <a:rPr lang="en-GB" b="0" i="0" dirty="0">
+              <a:rPr lang="en-US" sz="1200" b="1" dirty="0"/>
+              <a:t>Recommended reading for this slide</a:t>
+            </a:r>
+          </a:p>
+          <a:p>
+            <a:endParaRPr lang="en-US" sz="1200" b="0" i="0" u="none" strike="noStrike" kern="1200" dirty="0">
+              <a:solidFill>
+                <a:schemeClr val="tx1"/>
+              </a:solidFill>
+              <a:effectLst/>
+              <a:latin typeface="+mn-lt"/>
+              <a:ea typeface="+mn-ea"/>
+              <a:cs typeface="+mn-cs"/>
+            </a:endParaRPr>
+          </a:p>
+          <a:p>
+            <a:pPr marL="171450" indent="-171450">
+              <a:buFont typeface="Arial" panose="020B0604020202020204" pitchFamily="34" charset="0"/>
+              <a:buChar char="•"/>
+            </a:pPr>
+            <a:r>
+              <a:rPr lang="en-US" sz="1200" b="0" i="0" u="none" strike="noStrike" kern="1200" dirty="0">
                 <a:solidFill>
-                  <a:srgbClr val="24292E"/>
+                  <a:schemeClr val="tx1"/>
                 </a:solidFill>
                 <a:effectLst/>
-                <a:latin typeface="-apple-system"/>
+                <a:latin typeface="+mn-lt"/>
+                <a:ea typeface="+mn-ea"/>
+                <a:cs typeface="+mn-cs"/>
               </a:rPr>
-              <a:t>In exercise 2, and exercise 3, the students will use a Mapping Data Flow to create a campaign analytics data pipeline, and the top product purchases respectively. This gives the students a couple of examples of how the Mapping data flow can be used to transform data using Azure Data Factory/Azure Synapse pipelines.</a:t>
-            </a:r>
+              <a:t>https://docs.microsoft.com/en-us/azure/data-factory/data-flow-transformation-overview</a:t>
+            </a:r>
+          </a:p>
+          <a:p>
+            <a:pPr marL="171450" indent="-171450">
+              <a:buFont typeface="Arial" panose="020B0604020202020204" pitchFamily="34" charset="0"/>
+              <a:buChar char="•"/>
+            </a:pPr>
+            <a:r>
+              <a:rPr lang="en-GB" dirty="0">
+                <a:hlinkClick r:id="rId3"/>
+              </a:rPr>
+              <a:t>Code-free transformation at scale with Azure Data Factory - Learn | Microsoft Docs</a:t>
+            </a:r>
+            <a:endParaRPr lang="en-US" sz="1200" b="0" i="0" u="none" strike="noStrike" kern="1200" dirty="0">
+              <a:solidFill>
+                <a:schemeClr val="tx1"/>
+              </a:solidFill>
+              <a:effectLst/>
+              <a:latin typeface="+mn-lt"/>
+              <a:ea typeface="+mn-ea"/>
+              <a:cs typeface="+mn-cs"/>
+            </a:endParaRPr>
+          </a:p>
+          <a:p>
+            <a:endParaRPr lang="en-US" sz="1200" b="0" i="0" u="none" strike="noStrike" kern="1200" dirty="0">
+              <a:solidFill>
+                <a:schemeClr val="tx1"/>
+              </a:solidFill>
+              <a:effectLst/>
+              <a:latin typeface="+mn-lt"/>
+              <a:ea typeface="+mn-ea"/>
+              <a:cs typeface="+mn-cs"/>
+            </a:endParaRPr>
           </a:p>
           <a:p>
             <a:pPr marL="0" marR="0" lvl="0" indent="0" algn="l" defTabSz="932742" rtl="0" eaLnBrk="1" fontAlgn="auto" latinLnBrk="0" hangingPunct="1">
@@ -3122,48 +3563,14 @@
               <a:tabLst/>
               <a:defRPr/>
             </a:pPr>
-            <a:endParaRPr lang="en-GB" b="0" i="0" dirty="0">
+            <a:endParaRPr lang="en-US" sz="1200" kern="1200" dirty="0">
               <a:solidFill>
-                <a:srgbClr val="24292E"/>
+                <a:schemeClr val="tx1"/>
               </a:solidFill>
               <a:effectLst/>
-              <a:latin typeface="-apple-system"/>
-            </a:endParaRPr>
-          </a:p>
-          <a:p>
-            <a:pPr marL="0" marR="0" lvl="0" indent="0" algn="l" defTabSz="932742" rtl="0" eaLnBrk="1" fontAlgn="auto" latinLnBrk="0" hangingPunct="1">
-              <a:lnSpc>
-                <a:spcPct val="90000"/>
-              </a:lnSpc>
-              <a:spcBef>
-                <a:spcPts val="0"/>
-              </a:spcBef>
-              <a:spcAft>
-                <a:spcPts val="340"/>
-              </a:spcAft>
-              <a:buClrTx/>
-              <a:buSzTx/>
-              <a:buFontTx/>
-              <a:buNone/>
-              <a:tabLst/>
-              <a:defRPr/>
-            </a:pPr>
-            <a:r>
-              <a:rPr lang="en-GB" b="0" i="0" dirty="0">
-                <a:solidFill>
-                  <a:srgbClr val="24292E"/>
-                </a:solidFill>
-                <a:effectLst/>
-                <a:latin typeface="-apple-system"/>
-              </a:rPr>
-              <a:t>In exercise 4, the students will trigger the execution of their work, and learn how they can monitor the execution of the pipelines that they have created.</a:t>
-            </a:r>
-            <a:endParaRPr lang="en-US" dirty="0"/>
-          </a:p>
-          <a:p>
-            <a:pPr algn="l" rtl="0" fontAlgn="base"/>
-            <a:endParaRPr lang="en-US" b="0" i="0" dirty="0">
-              <a:effectLst/>
+              <a:latin typeface="Segoe UI Light" pitchFamily="34" charset="0"/>
+              <a:ea typeface="+mn-ea"/>
+              <a:cs typeface="+mn-cs"/>
             </a:endParaRPr>
           </a:p>
         </p:txBody>
@@ -3194,7 +3601,7 @@
     </p:spTree>
     <p:extLst>
       <p:ext uri="{BB962C8B-B14F-4D97-AF65-F5344CB8AC3E}">
-        <p14:creationId xmlns:p14="http://schemas.microsoft.com/office/powerpoint/2010/main" val="1674645597"/>
+        <p14:creationId xmlns:p14="http://schemas.microsoft.com/office/powerpoint/2010/main" val="2806206160"/>
       </p:ext>
     </p:extLst>
   </p:cSld>
@@ -3293,41 +3700,85 @@
                 <a:effectLst/>
                 <a:latin typeface="Helvetica Neue"/>
               </a:rPr>
-              <a:t>This slide links to our content on Microsoft Learn</a:t>
-            </a:r>
+              <a:t>Let’s put this into reality and show you how it works.</a:t>
+            </a:r>
+            <a:r>
+              <a:rPr lang="en-US" sz="1200" b="0" i="0" dirty="0">
+                <a:effectLst/>
+                <a:latin typeface="Helvetica Neue"/>
+              </a:rPr>
+              <a:t>​</a:t>
+            </a:r>
+          </a:p>
+          <a:p>
+            <a:pPr algn="l" rtl="0" fontAlgn="base"/>
             <a:endParaRPr lang="en-US" b="0" i="0" dirty="0">
               <a:effectLst/>
             </a:endParaRPr>
           </a:p>
           <a:p>
-            <a:endParaRPr lang="en-US" dirty="0"/>
-          </a:p>
-        </p:txBody>
-      </p:sp>
-      <p:sp>
-        <p:nvSpPr>
-          <p:cNvPr id="4" name="Header Placeholder 3"/>
-          <p:cNvSpPr>
-            <a:spLocks noGrp="1"/>
-          </p:cNvSpPr>
-          <p:nvPr>
-            <p:ph type="hdr" sz="quarter" idx="10"/>
-          </p:nvPr>
-        </p:nvSpPr>
-        <p:spPr/>
-        <p:txBody>
-          <a:bodyPr/>
-          <a:lstStyle/>
-          <a:p>
-            <a:pPr marL="0" marR="0" lvl="0" indent="0" algn="l" defTabSz="412667" rtl="0" eaLnBrk="1" fontAlgn="auto" latinLnBrk="0" hangingPunct="0">
+            <a:r>
+              <a:rPr lang="en-US" sz="1200" b="0" i="0" dirty="0">
+                <a:effectLst/>
+                <a:latin typeface="Helvetica Neue"/>
+              </a:rPr>
+              <a:t>​</a:t>
+            </a:r>
+            <a:r>
+              <a:rPr lang="en-US" dirty="0"/>
+              <a:t>This lab </a:t>
+            </a:r>
+            <a:r>
+              <a:rPr lang="en-GB" b="0" i="0" dirty="0">
+                <a:solidFill>
+                  <a:srgbClr val="24292E"/>
+                </a:solidFill>
+                <a:effectLst/>
+                <a:latin typeface="-apple-system"/>
+              </a:rPr>
+              <a:t>teaches students how to build data integration pipelines to ingest data from multiple data sources, transform data using mapping data flows and notebooks, and perform data movement into one or more data sinks.</a:t>
+            </a:r>
+          </a:p>
+          <a:p>
+            <a:endParaRPr lang="en-GB" b="0" i="0" dirty="0">
+              <a:solidFill>
+                <a:srgbClr val="24292E"/>
+              </a:solidFill>
+              <a:effectLst/>
+              <a:latin typeface="-apple-system"/>
+            </a:endParaRPr>
+          </a:p>
+          <a:p>
+            <a:r>
+              <a:rPr lang="en-GB" b="0" i="0" dirty="0">
+                <a:solidFill>
+                  <a:srgbClr val="24292E"/>
+                </a:solidFill>
+                <a:effectLst/>
+                <a:latin typeface="-apple-system"/>
+              </a:rPr>
+              <a:t>In exercise 1. the students will create the required objects; namely SQL tables, that will be used to store the data that is ingested by the mapping data flow. Then they will define the required linked services to connect to the data sources to consume the data, followed by pointing to the datasets within the linked services. Note that the students will be dealing with a poorly formatted data while creating these datasets, and how to handle it in a linked service.</a:t>
+            </a:r>
+          </a:p>
+          <a:p>
+            <a:endParaRPr lang="en-GB" b="0" i="0" dirty="0">
+              <a:solidFill>
+                <a:srgbClr val="24292E"/>
+              </a:solidFill>
+              <a:effectLst/>
+              <a:latin typeface="-apple-system"/>
+            </a:endParaRPr>
+          </a:p>
+          <a:p>
+            <a:pPr marL="0" marR="0" lvl="0" indent="0" algn="l" defTabSz="932742" rtl="0" eaLnBrk="1" fontAlgn="auto" latinLnBrk="0" hangingPunct="1">
               <a:lnSpc>
-                <a:spcPct val="70000"/>
+                <a:spcPct val="90000"/>
               </a:lnSpc>
               <a:spcBef>
                 <a:spcPts val="0"/>
               </a:spcBef>
               <a:spcAft>
-                <a:spcPts val="0"/>
+                <a:spcPts val="340"/>
               </a:spcAft>
               <a:buClrTx/>
               <a:buSzTx/>
@@ -3336,47 +3787,27 @@
               <a:tabLst/>
               <a:defRPr/>
             </a:pPr>
-            <a:endParaRPr kumimoji="0" lang="en-US" sz="5599" b="0" i="0" u="none" strike="noStrike" kern="0" cap="none" spc="-112" normalizeH="0" baseline="0" noProof="0" dirty="0">
-              <a:ln>
-                <a:noFill/>
-              </a:ln>
-              <a:solidFill>
-                <a:srgbClr val="FFFFFF"/>
-              </a:solidFill>
-              <a:effectLst/>
-              <a:uLnTx/>
-              <a:uFillTx/>
-              <a:latin typeface="Segoe UI Semibold"/>
-              <a:cs typeface="Segoe UI Semibold"/>
-              <a:sym typeface="Segoe UI Semibold"/>
-            </a:endParaRPr>
-          </a:p>
-        </p:txBody>
-      </p:sp>
-      <p:sp>
-        <p:nvSpPr>
-          <p:cNvPr id="5" name="Footer Placeholder 4"/>
-          <p:cNvSpPr>
-            <a:spLocks noGrp="1"/>
-          </p:cNvSpPr>
-          <p:nvPr>
-            <p:ph type="ftr" sz="quarter" idx="11"/>
-          </p:nvPr>
-        </p:nvSpPr>
-        <p:spPr/>
-        <p:txBody>
-          <a:bodyPr/>
-          <a:lstStyle/>
-          <a:p>
-            <a:pPr marL="0" marR="0" lvl="0" indent="0" algn="l" defTabSz="914099" rtl="0" eaLnBrk="0" fontAlgn="auto" latinLnBrk="0" hangingPunct="0">
+            <a:r>
+              <a:rPr lang="en-GB" b="0" i="0" dirty="0">
+                <a:solidFill>
+                  <a:srgbClr val="24292E"/>
+                </a:solidFill>
+                <a:effectLst/>
+                <a:latin typeface="-apple-system"/>
+              </a:rPr>
+              <a:t>In exercise 2, and exercise 3, the students will use a Mapping Data Flow to create a campaign analytics data pipeline, and the top product purchases respectively. This gives the students a couple of examples of how the Mapping data flow can be used to transform data using Azure Data Factory/Azure Synapse pipelines.</a:t>
+            </a:r>
+          </a:p>
+          <a:p>
+            <a:pPr marL="0" marR="0" lvl="0" indent="0" algn="l" defTabSz="932742" rtl="0" eaLnBrk="1" fontAlgn="auto" latinLnBrk="0" hangingPunct="1">
               <a:lnSpc>
-                <a:spcPct val="70000"/>
+                <a:spcPct val="90000"/>
               </a:lnSpc>
               <a:spcBef>
                 <a:spcPts val="0"/>
               </a:spcBef>
               <a:spcAft>
-                <a:spcPts val="0"/>
+                <a:spcPts val="340"/>
               </a:spcAft>
               <a:buClrTx/>
               <a:buSzTx/>
@@ -3385,59 +3816,24 @@
               <a:tabLst/>
               <a:defRPr/>
             </a:pPr>
-            <a:r>
-              <a:rPr kumimoji="0" lang="en-US" sz="400" b="0" i="0" u="none" strike="noStrike" kern="0" cap="none" spc="-112" normalizeH="0" baseline="0" noProof="0" dirty="0">
-                <a:ln>
-                  <a:noFill/>
-                </a:ln>
-                <a:gradFill>
-                  <a:gsLst>
-                    <a:gs pos="0">
-                      <a:prstClr val="black"/>
-                    </a:gs>
-                    <a:gs pos="100000">
-                      <a:prstClr val="black"/>
-                    </a:gs>
-                  </a:gsLst>
-                  <a:lin ang="5400000" scaled="0"/>
-                </a:gradFill>
-                <a:effectLst/>
-                <a:uLnTx/>
-                <a:uFillTx/>
-                <a:latin typeface="Segoe UI" pitchFamily="34" charset="0"/>
-                <a:ea typeface="Segoe UI" pitchFamily="34" charset="0"/>
-                <a:cs typeface="Segoe UI" pitchFamily="34" charset="0"/>
-                <a:sym typeface="Segoe UI Semibold"/>
-              </a:rPr>
-              <a:t>© Microsoft Corporation. All rights reserved. MICROSOFT MAKES NO WARRANTIES, EXPRESS, IMPLIED OR STATUTORY, AS TO THE INFORMATION IN THIS PRESENTATION.</a:t>
-            </a:r>
-          </a:p>
-        </p:txBody>
-      </p:sp>
-      <p:sp>
-        <p:nvSpPr>
-          <p:cNvPr id="6" name="Date Placeholder 5"/>
-          <p:cNvSpPr>
-            <a:spLocks noGrp="1"/>
-          </p:cNvSpPr>
-          <p:nvPr>
-            <p:ph type="dt" idx="12"/>
-          </p:nvPr>
-        </p:nvSpPr>
-        <p:spPr/>
-        <p:txBody>
-          <a:bodyPr/>
-          <a:lstStyle/>
-          <a:p>
-            <a:pPr marL="0" marR="0" lvl="0" indent="0" algn="l" defTabSz="412667" rtl="0" eaLnBrk="1" fontAlgn="auto" latinLnBrk="0" hangingPunct="0">
+            <a:endParaRPr lang="en-GB" b="0" i="0" dirty="0">
+              <a:solidFill>
+                <a:srgbClr val="24292E"/>
+              </a:solidFill>
+              <a:effectLst/>
+              <a:latin typeface="-apple-system"/>
+            </a:endParaRPr>
+          </a:p>
+          <a:p>
+            <a:pPr marL="0" marR="0" lvl="0" indent="0" algn="l" defTabSz="932742" rtl="0" eaLnBrk="1" fontAlgn="auto" latinLnBrk="0" hangingPunct="1">
               <a:lnSpc>
-                <a:spcPct val="70000"/>
+                <a:spcPct val="90000"/>
               </a:lnSpc>
               <a:spcBef>
                 <a:spcPts val="0"/>
               </a:spcBef>
               <a:spcAft>
-                <a:spcPts val="0"/>
+                <a:spcPts val="340"/>
               </a:spcAft>
               <a:buClrTx/>
               <a:buSzTx/>
@@ -3446,65 +3842,34 @@
               <a:tabLst/>
               <a:defRPr/>
             </a:pPr>
-            <a:fld id="{54A7B7B7-C694-4FC8-B0BD-20DAA0A272F9}" type="datetime8">
-              <a:rPr kumimoji="0" lang="en-US" sz="5599" b="0" i="0" u="none" strike="noStrike" kern="0" cap="none" spc="-112" normalizeH="0" baseline="0" noProof="0" smtClean="0">
-                <a:ln>
-                  <a:noFill/>
-                </a:ln>
+            <a:r>
+              <a:rPr lang="en-GB" b="0" i="0" dirty="0">
                 <a:solidFill>
-                  <a:srgbClr val="FFFFFF"/>
+                  <a:srgbClr val="24292E"/>
                 </a:solidFill>
                 <a:effectLst/>
-                <a:uLnTx/>
-                <a:uFillTx/>
-                <a:latin typeface="Segoe UI Semibold"/>
-                <a:cs typeface="Segoe UI Semibold"/>
-                <a:sym typeface="Segoe UI Semibold"/>
+                <a:latin typeface="-apple-system"/>
               </a:rPr>
-              <a:pPr marL="0" marR="0" lvl="0" indent="0" algn="l" defTabSz="412667" rtl="0" eaLnBrk="1" fontAlgn="auto" latinLnBrk="0" hangingPunct="0">
-                <a:lnSpc>
-                  <a:spcPct val="70000"/>
-                </a:lnSpc>
-                <a:spcBef>
-                  <a:spcPts val="0"/>
-                </a:spcBef>
-                <a:spcAft>
-                  <a:spcPts val="0"/>
-                </a:spcAft>
-                <a:buClrTx/>
-                <a:buSzTx/>
-                <a:buFontTx/>
-                <a:buNone/>
-                <a:tabLst/>
-                <a:defRPr/>
-              </a:pPr>
-              <a:t>11/27/2021 4:38 PM</a:t>
-            </a:fld>
-            <a:endParaRPr kumimoji="0" lang="en-US" sz="5599" b="0" i="0" u="none" strike="noStrike" kern="0" cap="none" spc="-112" normalizeH="0" baseline="0" noProof="0" dirty="0">
-              <a:ln>
-                <a:noFill/>
-              </a:ln>
-              <a:solidFill>
-                <a:srgbClr val="FFFFFF"/>
-              </a:solidFill>
+              <a:t>In exercise 4, the students will trigger the execution of their work, and learn how they can monitor the execution of the pipelines that they have created.</a:t>
+            </a:r>
+            <a:endParaRPr lang="en-US" dirty="0"/>
+          </a:p>
+          <a:p>
+            <a:pPr algn="l" rtl="0" fontAlgn="base"/>
+            <a:endParaRPr lang="en-US" b="0" i="0" dirty="0">
               <a:effectLst/>
-              <a:uLnTx/>
-              <a:uFillTx/>
-              <a:latin typeface="Segoe UI Semibold"/>
-              <a:cs typeface="Segoe UI Semibold"/>
-              <a:sym typeface="Segoe UI Semibold"/>
             </a:endParaRPr>
           </a:p>
         </p:txBody>
       </p:sp>
       <p:sp>
         <p:nvSpPr>
-          <p:cNvPr id="7" name="Slide Number Placeholder 6"/>
+          <p:cNvPr id="4" name="Slide Number Placeholder 3"/>
           <p:cNvSpPr>
             <a:spLocks noGrp="1"/>
           </p:cNvSpPr>
           <p:nvPr>
-            <p:ph type="sldNum" sz="quarter" idx="13"/>
+            <p:ph type="sldNum" sz="quarter" idx="5"/>
           </p:nvPr>
         </p:nvSpPr>
         <p:spPr/>
@@ -3512,78 +3877,18 @@
           <a:bodyPr/>
           <a:lstStyle/>
           <a:p>
-            <a:pPr marL="0" marR="0" lvl="0" indent="0" algn="l" defTabSz="412667" rtl="0" eaLnBrk="1" fontAlgn="auto" latinLnBrk="0" hangingPunct="0">
-              <a:lnSpc>
-                <a:spcPct val="70000"/>
-              </a:lnSpc>
-              <a:spcBef>
-                <a:spcPts val="0"/>
-              </a:spcBef>
-              <a:spcAft>
-                <a:spcPts val="0"/>
-              </a:spcAft>
-              <a:buClrTx/>
-              <a:buSzTx/>
-              <a:buFontTx/>
-              <a:buNone/>
-              <a:tabLst/>
-              <a:defRPr/>
-            </a:pPr>
-            <a:fld id="{B4008EB6-D09E-4580-8CD6-DDB14511944F}" type="slidenum">
-              <a:rPr kumimoji="0" lang="en-US" sz="5599" b="0" i="0" u="none" strike="noStrike" kern="0" cap="none" spc="-112" normalizeH="0" baseline="0" noProof="0" smtClean="0">
-                <a:ln>
-                  <a:noFill/>
-                </a:ln>
-                <a:solidFill>
-                  <a:srgbClr val="FFFFFF"/>
-                </a:solidFill>
-                <a:effectLst/>
-                <a:uLnTx/>
-                <a:uFillTx/>
-                <a:latin typeface="Segoe UI Semibold"/>
-                <a:cs typeface="Segoe UI Semibold"/>
-                <a:sym typeface="Segoe UI Semibold"/>
-              </a:rPr>
-              <a:pPr marL="0" marR="0" lvl="0" indent="0" algn="l" defTabSz="412667" rtl="0" eaLnBrk="1" fontAlgn="auto" latinLnBrk="0" hangingPunct="0">
-                <a:lnSpc>
-                  <a:spcPct val="70000"/>
-                </a:lnSpc>
-                <a:spcBef>
-                  <a:spcPts val="0"/>
-                </a:spcBef>
-                <a:spcAft>
-                  <a:spcPts val="0"/>
-                </a:spcAft>
-                <a:buClrTx/>
-                <a:buSzTx/>
-                <a:buFontTx/>
-                <a:buNone/>
-                <a:tabLst/>
-                <a:defRPr/>
-              </a:pPr>
+            <a:fld id="{37E24C93-78CA-4AF0-9E77-825D60ABA46D}" type="slidenum">
+              <a:rPr lang="en-US" smtClean="0"/>
               <a:t>9</a:t>
             </a:fld>
-            <a:endParaRPr kumimoji="0" lang="en-US" sz="5599" b="0" i="0" u="none" strike="noStrike" kern="0" cap="none" spc="-112" normalizeH="0" baseline="0" noProof="0" dirty="0">
-              <a:ln>
-                <a:noFill/>
-              </a:ln>
-              <a:solidFill>
-                <a:srgbClr val="FFFFFF"/>
-              </a:solidFill>
-              <a:effectLst/>
-              <a:uLnTx/>
-              <a:uFillTx/>
-              <a:latin typeface="Segoe UI Semibold"/>
-              <a:cs typeface="Segoe UI Semibold"/>
-              <a:sym typeface="Segoe UI Semibold"/>
-            </a:endParaRPr>
+            <a:endParaRPr lang="en-US"/>
           </a:p>
         </p:txBody>
       </p:sp>
     </p:spTree>
     <p:extLst>
       <p:ext uri="{BB962C8B-B14F-4D97-AF65-F5344CB8AC3E}">
-        <p14:creationId xmlns:p14="http://schemas.microsoft.com/office/powerpoint/2010/main" val="1291553221"/>
+        <p14:creationId xmlns:p14="http://schemas.microsoft.com/office/powerpoint/2010/main" val="1674645597"/>
       </p:ext>
     </p:extLst>
   </p:cSld>
@@ -17012,7 +17317,7 @@
             </a:ln>
             <a:extLst>
               <a:ext uri="{C572A759-6A51-4108-AA02-DFA0A04FC94B}">
-                <ma14:wrappingTextBoxFlag xmlns="" xmlns:m="http://schemas.openxmlformats.org/officeDocument/2006/math" xmlns:a14="http://schemas.microsoft.com/office/drawing/2010/main" xmlns:ma14="http://schemas.microsoft.com/office/mac/drawingml/2011/main" val="1"/>
+                <ma14:wrappingTextBoxFlag xmlns:ma14="http://schemas.microsoft.com/office/mac/drawingml/2011/main" xmlns:a14="http://schemas.microsoft.com/office/drawing/2010/main" xmlns:m="http://schemas.openxmlformats.org/officeDocument/2006/math" xmlns="" val="1"/>
               </a:ext>
             </a:extLst>
           </p:spPr>
@@ -17060,7 +17365,7 @@
             </a:ln>
             <a:extLst>
               <a:ext uri="{C572A759-6A51-4108-AA02-DFA0A04FC94B}">
-                <ma14:wrappingTextBoxFlag xmlns="" xmlns:m="http://schemas.openxmlformats.org/officeDocument/2006/math" xmlns:a14="http://schemas.microsoft.com/office/drawing/2010/main" xmlns:ma14="http://schemas.microsoft.com/office/mac/drawingml/2011/main" val="1"/>
+                <ma14:wrappingTextBoxFlag xmlns:ma14="http://schemas.microsoft.com/office/mac/drawingml/2011/main" xmlns:a14="http://schemas.microsoft.com/office/drawing/2010/main" xmlns:m="http://schemas.openxmlformats.org/officeDocument/2006/math" xmlns="" val="1"/>
               </a:ext>
             </a:extLst>
           </p:spPr>
@@ -17108,7 +17413,7 @@
             </a:ln>
             <a:extLst>
               <a:ext uri="{C572A759-6A51-4108-AA02-DFA0A04FC94B}">
-                <ma14:wrappingTextBoxFlag xmlns="" xmlns:m="http://schemas.openxmlformats.org/officeDocument/2006/math" xmlns:a14="http://schemas.microsoft.com/office/drawing/2010/main" xmlns:ma14="http://schemas.microsoft.com/office/mac/drawingml/2011/main" val="1"/>
+                <ma14:wrappingTextBoxFlag xmlns:ma14="http://schemas.microsoft.com/office/mac/drawingml/2011/main" xmlns:a14="http://schemas.microsoft.com/office/drawing/2010/main" xmlns:m="http://schemas.openxmlformats.org/officeDocument/2006/math" xmlns="" val="1"/>
               </a:ext>
             </a:extLst>
           </p:spPr>
@@ -17160,7 +17465,7 @@
             </a:ln>
             <a:extLst>
               <a:ext uri="{C572A759-6A51-4108-AA02-DFA0A04FC94B}">
-                <ma14:wrappingTextBoxFlag xmlns="" xmlns:m="http://schemas.openxmlformats.org/officeDocument/2006/math" xmlns:a14="http://schemas.microsoft.com/office/drawing/2010/main" xmlns:ma14="http://schemas.microsoft.com/office/mac/drawingml/2011/main" val="1"/>
+                <ma14:wrappingTextBoxFlag xmlns:ma14="http://schemas.microsoft.com/office/mac/drawingml/2011/main" xmlns:a14="http://schemas.microsoft.com/office/drawing/2010/main" xmlns:m="http://schemas.openxmlformats.org/officeDocument/2006/math" xmlns="" val="1"/>
               </a:ext>
             </a:extLst>
           </p:spPr>
@@ -17208,7 +17513,7 @@
             </a:ln>
             <a:extLst>
               <a:ext uri="{C572A759-6A51-4108-AA02-DFA0A04FC94B}">
-                <ma14:wrappingTextBoxFlag xmlns="" xmlns:m="http://schemas.openxmlformats.org/officeDocument/2006/math" xmlns:a14="http://schemas.microsoft.com/office/drawing/2010/main" xmlns:ma14="http://schemas.microsoft.com/office/mac/drawingml/2011/main" val="1"/>
+                <ma14:wrappingTextBoxFlag xmlns:ma14="http://schemas.microsoft.com/office/mac/drawingml/2011/main" xmlns:a14="http://schemas.microsoft.com/office/drawing/2010/main" xmlns:m="http://schemas.openxmlformats.org/officeDocument/2006/math" xmlns="" val="1"/>
               </a:ext>
             </a:extLst>
           </p:spPr>
@@ -17256,7 +17561,7 @@
             </a:ln>
             <a:extLst>
               <a:ext uri="{C572A759-6A51-4108-AA02-DFA0A04FC94B}">
-                <ma14:wrappingTextBoxFlag xmlns="" xmlns:m="http://schemas.openxmlformats.org/officeDocument/2006/math" xmlns:a14="http://schemas.microsoft.com/office/drawing/2010/main" xmlns:ma14="http://schemas.microsoft.com/office/mac/drawingml/2011/main" val="1"/>
+                <ma14:wrappingTextBoxFlag xmlns:ma14="http://schemas.microsoft.com/office/mac/drawingml/2011/main" xmlns:a14="http://schemas.microsoft.com/office/drawing/2010/main" xmlns:m="http://schemas.openxmlformats.org/officeDocument/2006/math" xmlns="" val="1"/>
               </a:ext>
             </a:extLst>
           </p:spPr>
@@ -17313,7 +17618,7 @@
             </a:ln>
             <a:extLst>
               <a:ext uri="{C572A759-6A51-4108-AA02-DFA0A04FC94B}">
-                <ma14:wrappingTextBoxFlag xmlns="" xmlns:m="http://schemas.openxmlformats.org/officeDocument/2006/math" xmlns:a14="http://schemas.microsoft.com/office/drawing/2010/main" xmlns:ma14="http://schemas.microsoft.com/office/mac/drawingml/2011/main" val="1"/>
+                <ma14:wrappingTextBoxFlag xmlns:ma14="http://schemas.microsoft.com/office/mac/drawingml/2011/main" xmlns:a14="http://schemas.microsoft.com/office/drawing/2010/main" xmlns:m="http://schemas.openxmlformats.org/officeDocument/2006/math" xmlns="" val="1"/>
               </a:ext>
             </a:extLst>
           </p:spPr>
@@ -17371,7 +17676,7 @@
             </a:ln>
             <a:extLst>
               <a:ext uri="{C572A759-6A51-4108-AA02-DFA0A04FC94B}">
-                <ma14:wrappingTextBoxFlag xmlns="" xmlns:m="http://schemas.openxmlformats.org/officeDocument/2006/math" xmlns:a14="http://schemas.microsoft.com/office/drawing/2010/main" xmlns:ma14="http://schemas.microsoft.com/office/mac/drawingml/2011/main" val="1"/>
+                <ma14:wrappingTextBoxFlag xmlns:ma14="http://schemas.microsoft.com/office/mac/drawingml/2011/main" xmlns:a14="http://schemas.microsoft.com/office/drawing/2010/main" xmlns:m="http://schemas.openxmlformats.org/officeDocument/2006/math" xmlns="" val="1"/>
               </a:ext>
             </a:extLst>
           </p:spPr>
@@ -17419,7 +17724,7 @@
             </a:ln>
             <a:extLst>
               <a:ext uri="{C572A759-6A51-4108-AA02-DFA0A04FC94B}">
-                <ma14:wrappingTextBoxFlag xmlns="" xmlns:m="http://schemas.openxmlformats.org/officeDocument/2006/math" xmlns:a14="http://schemas.microsoft.com/office/drawing/2010/main" xmlns:ma14="http://schemas.microsoft.com/office/mac/drawingml/2011/main" val="1"/>
+                <ma14:wrappingTextBoxFlag xmlns:ma14="http://schemas.microsoft.com/office/mac/drawingml/2011/main" xmlns:a14="http://schemas.microsoft.com/office/drawing/2010/main" xmlns:m="http://schemas.openxmlformats.org/officeDocument/2006/math" xmlns="" val="1"/>
               </a:ext>
             </a:extLst>
           </p:spPr>
@@ -17467,7 +17772,7 @@
             </a:ln>
             <a:extLst>
               <a:ext uri="{C572A759-6A51-4108-AA02-DFA0A04FC94B}">
-                <ma14:wrappingTextBoxFlag xmlns="" xmlns:m="http://schemas.openxmlformats.org/officeDocument/2006/math" xmlns:a14="http://schemas.microsoft.com/office/drawing/2010/main" xmlns:ma14="http://schemas.microsoft.com/office/mac/drawingml/2011/main" val="1"/>
+                <ma14:wrappingTextBoxFlag xmlns:ma14="http://schemas.microsoft.com/office/mac/drawingml/2011/main" xmlns:a14="http://schemas.microsoft.com/office/drawing/2010/main" xmlns:m="http://schemas.openxmlformats.org/officeDocument/2006/math" xmlns="" val="1"/>
               </a:ext>
             </a:extLst>
           </p:spPr>
@@ -17515,7 +17820,7 @@
             </a:ln>
             <a:extLst>
               <a:ext uri="{C572A759-6A51-4108-AA02-DFA0A04FC94B}">
-                <ma14:wrappingTextBoxFlag xmlns="" xmlns:m="http://schemas.openxmlformats.org/officeDocument/2006/math" xmlns:a14="http://schemas.microsoft.com/office/drawing/2010/main" xmlns:ma14="http://schemas.microsoft.com/office/mac/drawingml/2011/main" val="1"/>
+                <ma14:wrappingTextBoxFlag xmlns:ma14="http://schemas.microsoft.com/office/mac/drawingml/2011/main" xmlns:a14="http://schemas.microsoft.com/office/drawing/2010/main" xmlns:m="http://schemas.openxmlformats.org/officeDocument/2006/math" xmlns="" val="1"/>
               </a:ext>
             </a:extLst>
           </p:spPr>
@@ -17573,7 +17878,7 @@
             </a:ln>
             <a:extLst>
               <a:ext uri="{C572A759-6A51-4108-AA02-DFA0A04FC94B}">
-                <ma14:wrappingTextBoxFlag xmlns="" xmlns:m="http://schemas.openxmlformats.org/officeDocument/2006/math" xmlns:a14="http://schemas.microsoft.com/office/drawing/2010/main" xmlns:ma14="http://schemas.microsoft.com/office/mac/drawingml/2011/main" val="1"/>
+                <ma14:wrappingTextBoxFlag xmlns:ma14="http://schemas.microsoft.com/office/mac/drawingml/2011/main" xmlns:a14="http://schemas.microsoft.com/office/drawing/2010/main" xmlns:m="http://schemas.openxmlformats.org/officeDocument/2006/math" xmlns="" val="1"/>
               </a:ext>
             </a:extLst>
           </p:spPr>
@@ -17630,7 +17935,7 @@
             </a:ln>
             <a:extLst>
               <a:ext uri="{C572A759-6A51-4108-AA02-DFA0A04FC94B}">
-                <ma14:wrappingTextBoxFlag xmlns="" xmlns:m="http://schemas.openxmlformats.org/officeDocument/2006/math" xmlns:a14="http://schemas.microsoft.com/office/drawing/2010/main" xmlns:ma14="http://schemas.microsoft.com/office/mac/drawingml/2011/main" val="1"/>
+                <ma14:wrappingTextBoxFlag xmlns:ma14="http://schemas.microsoft.com/office/mac/drawingml/2011/main" xmlns:a14="http://schemas.microsoft.com/office/drawing/2010/main" xmlns:m="http://schemas.openxmlformats.org/officeDocument/2006/math" xmlns="" val="1"/>
               </a:ext>
             </a:extLst>
           </p:spPr>
@@ -17678,7 +17983,7 @@
             </a:ln>
             <a:extLst>
               <a:ext uri="{C572A759-6A51-4108-AA02-DFA0A04FC94B}">
-                <ma14:wrappingTextBoxFlag xmlns="" xmlns:m="http://schemas.openxmlformats.org/officeDocument/2006/math" xmlns:a14="http://schemas.microsoft.com/office/drawing/2010/main" xmlns:ma14="http://schemas.microsoft.com/office/mac/drawingml/2011/main" val="1"/>
+                <ma14:wrappingTextBoxFlag xmlns:ma14="http://schemas.microsoft.com/office/mac/drawingml/2011/main" xmlns:a14="http://schemas.microsoft.com/office/drawing/2010/main" xmlns:m="http://schemas.openxmlformats.org/officeDocument/2006/math" xmlns="" val="1"/>
               </a:ext>
             </a:extLst>
           </p:spPr>
@@ -17730,7 +18035,7 @@
             </a:ln>
             <a:extLst>
               <a:ext uri="{C572A759-6A51-4108-AA02-DFA0A04FC94B}">
-                <ma14:wrappingTextBoxFlag xmlns="" xmlns:m="http://schemas.openxmlformats.org/officeDocument/2006/math" xmlns:a14="http://schemas.microsoft.com/office/drawing/2010/main" xmlns:ma14="http://schemas.microsoft.com/office/mac/drawingml/2011/main" val="1"/>
+                <ma14:wrappingTextBoxFlag xmlns:ma14="http://schemas.microsoft.com/office/mac/drawingml/2011/main" xmlns:a14="http://schemas.microsoft.com/office/drawing/2010/main" xmlns:m="http://schemas.openxmlformats.org/officeDocument/2006/math" xmlns="" val="1"/>
               </a:ext>
             </a:extLst>
           </p:spPr>
@@ -17788,7 +18093,7 @@
             </a:ln>
             <a:extLst>
               <a:ext uri="{C572A759-6A51-4108-AA02-DFA0A04FC94B}">
-                <ma14:wrappingTextBoxFlag xmlns="" xmlns:m="http://schemas.openxmlformats.org/officeDocument/2006/math" xmlns:a14="http://schemas.microsoft.com/office/drawing/2010/main" xmlns:ma14="http://schemas.microsoft.com/office/mac/drawingml/2011/main" val="1"/>
+                <ma14:wrappingTextBoxFlag xmlns:ma14="http://schemas.microsoft.com/office/mac/drawingml/2011/main" xmlns:a14="http://schemas.microsoft.com/office/drawing/2010/main" xmlns:m="http://schemas.openxmlformats.org/officeDocument/2006/math" xmlns="" val="1"/>
               </a:ext>
             </a:extLst>
           </p:spPr>
@@ -17836,7 +18141,7 @@
             </a:ln>
             <a:extLst>
               <a:ext uri="{C572A759-6A51-4108-AA02-DFA0A04FC94B}">
-                <ma14:wrappingTextBoxFlag xmlns="" xmlns:m="http://schemas.openxmlformats.org/officeDocument/2006/math" xmlns:a14="http://schemas.microsoft.com/office/drawing/2010/main" xmlns:ma14="http://schemas.microsoft.com/office/mac/drawingml/2011/main" val="1"/>
+                <ma14:wrappingTextBoxFlag xmlns:ma14="http://schemas.microsoft.com/office/mac/drawingml/2011/main" xmlns:a14="http://schemas.microsoft.com/office/drawing/2010/main" xmlns:m="http://schemas.openxmlformats.org/officeDocument/2006/math" xmlns="" val="1"/>
               </a:ext>
             </a:extLst>
           </p:spPr>
@@ -17889,7 +18194,7 @@
             </a:ln>
             <a:extLst>
               <a:ext uri="{C572A759-6A51-4108-AA02-DFA0A04FC94B}">
-                <ma14:wrappingTextBoxFlag xmlns="" xmlns:m="http://schemas.openxmlformats.org/officeDocument/2006/math" xmlns:a14="http://schemas.microsoft.com/office/drawing/2010/main" xmlns:ma14="http://schemas.microsoft.com/office/mac/drawingml/2011/main" val="1"/>
+                <ma14:wrappingTextBoxFlag xmlns:ma14="http://schemas.microsoft.com/office/mac/drawingml/2011/main" xmlns:a14="http://schemas.microsoft.com/office/drawing/2010/main" xmlns:m="http://schemas.openxmlformats.org/officeDocument/2006/math" xmlns="" val="1"/>
               </a:ext>
             </a:extLst>
           </p:spPr>
@@ -17937,7 +18242,7 @@
             </a:ln>
             <a:extLst>
               <a:ext uri="{C572A759-6A51-4108-AA02-DFA0A04FC94B}">
-                <ma14:wrappingTextBoxFlag xmlns="" xmlns:m="http://schemas.openxmlformats.org/officeDocument/2006/math" xmlns:a14="http://schemas.microsoft.com/office/drawing/2010/main" xmlns:ma14="http://schemas.microsoft.com/office/mac/drawingml/2011/main" val="1"/>
+                <ma14:wrappingTextBoxFlag xmlns:ma14="http://schemas.microsoft.com/office/mac/drawingml/2011/main" xmlns:a14="http://schemas.microsoft.com/office/drawing/2010/main" xmlns:m="http://schemas.openxmlformats.org/officeDocument/2006/math" xmlns="" val="1"/>
               </a:ext>
             </a:extLst>
           </p:spPr>
@@ -17989,7 +18294,7 @@
             </a:ln>
             <a:extLst>
               <a:ext uri="{C572A759-6A51-4108-AA02-DFA0A04FC94B}">
-                <ma14:wrappingTextBoxFlag xmlns="" xmlns:m="http://schemas.openxmlformats.org/officeDocument/2006/math" xmlns:a14="http://schemas.microsoft.com/office/drawing/2010/main" xmlns:ma14="http://schemas.microsoft.com/office/mac/drawingml/2011/main" val="1"/>
+                <ma14:wrappingTextBoxFlag xmlns:ma14="http://schemas.microsoft.com/office/mac/drawingml/2011/main" xmlns:a14="http://schemas.microsoft.com/office/drawing/2010/main" xmlns:m="http://schemas.openxmlformats.org/officeDocument/2006/math" xmlns="" val="1"/>
               </a:ext>
             </a:extLst>
           </p:spPr>
@@ -18037,7 +18342,7 @@
             </a:ln>
             <a:extLst>
               <a:ext uri="{C572A759-6A51-4108-AA02-DFA0A04FC94B}">
-                <ma14:wrappingTextBoxFlag xmlns="" xmlns:m="http://schemas.openxmlformats.org/officeDocument/2006/math" xmlns:a14="http://schemas.microsoft.com/office/drawing/2010/main" xmlns:ma14="http://schemas.microsoft.com/office/mac/drawingml/2011/main" val="1"/>
+                <ma14:wrappingTextBoxFlag xmlns:ma14="http://schemas.microsoft.com/office/mac/drawingml/2011/main" xmlns:a14="http://schemas.microsoft.com/office/drawing/2010/main" xmlns:m="http://schemas.openxmlformats.org/officeDocument/2006/math" xmlns="" val="1"/>
               </a:ext>
             </a:extLst>
           </p:spPr>
@@ -18091,7 +18396,7 @@
             </a:ln>
             <a:extLst>
               <a:ext uri="{C572A759-6A51-4108-AA02-DFA0A04FC94B}">
-                <ma14:wrappingTextBoxFlag xmlns="" xmlns:m="http://schemas.openxmlformats.org/officeDocument/2006/math" xmlns:a14="http://schemas.microsoft.com/office/drawing/2010/main" xmlns:ma14="http://schemas.microsoft.com/office/mac/drawingml/2011/main" val="1"/>
+                <ma14:wrappingTextBoxFlag xmlns:ma14="http://schemas.microsoft.com/office/mac/drawingml/2011/main" xmlns:a14="http://schemas.microsoft.com/office/drawing/2010/main" xmlns:m="http://schemas.openxmlformats.org/officeDocument/2006/math" xmlns="" val="1"/>
               </a:ext>
             </a:extLst>
           </p:spPr>
@@ -18148,7 +18453,7 @@
             </a:ln>
             <a:extLst>
               <a:ext uri="{C572A759-6A51-4108-AA02-DFA0A04FC94B}">
-                <ma14:wrappingTextBoxFlag xmlns="" xmlns:m="http://schemas.openxmlformats.org/officeDocument/2006/math" xmlns:a14="http://schemas.microsoft.com/office/drawing/2010/main" xmlns:ma14="http://schemas.microsoft.com/office/mac/drawingml/2011/main" val="1"/>
+                <ma14:wrappingTextBoxFlag xmlns:ma14="http://schemas.microsoft.com/office/mac/drawingml/2011/main" xmlns:a14="http://schemas.microsoft.com/office/drawing/2010/main" xmlns:m="http://schemas.openxmlformats.org/officeDocument/2006/math" xmlns="" val="1"/>
               </a:ext>
             </a:extLst>
           </p:spPr>
@@ -18206,7 +18511,7 @@
             </a:ln>
             <a:extLst>
               <a:ext uri="{C572A759-6A51-4108-AA02-DFA0A04FC94B}">
-                <ma14:wrappingTextBoxFlag xmlns="" xmlns:m="http://schemas.openxmlformats.org/officeDocument/2006/math" xmlns:a14="http://schemas.microsoft.com/office/drawing/2010/main" xmlns:ma14="http://schemas.microsoft.com/office/mac/drawingml/2011/main" val="1"/>
+                <ma14:wrappingTextBoxFlag xmlns:ma14="http://schemas.microsoft.com/office/mac/drawingml/2011/main" xmlns:a14="http://schemas.microsoft.com/office/drawing/2010/main" xmlns:m="http://schemas.openxmlformats.org/officeDocument/2006/math" xmlns="" val="1"/>
               </a:ext>
             </a:extLst>
           </p:spPr>
@@ -18287,7 +18592,7 @@
             </a:ln>
             <a:extLst>
               <a:ext uri="{C572A759-6A51-4108-AA02-DFA0A04FC94B}">
-                <ma14:wrappingTextBoxFlag xmlns="" xmlns:m="http://schemas.openxmlformats.org/officeDocument/2006/math" xmlns:a14="http://schemas.microsoft.com/office/drawing/2010/main" xmlns:ma14="http://schemas.microsoft.com/office/mac/drawingml/2011/main" val="1"/>
+                <ma14:wrappingTextBoxFlag xmlns:ma14="http://schemas.microsoft.com/office/mac/drawingml/2011/main" xmlns:a14="http://schemas.microsoft.com/office/drawing/2010/main" xmlns:m="http://schemas.openxmlformats.org/officeDocument/2006/math" xmlns="" val="1"/>
               </a:ext>
             </a:extLst>
           </p:spPr>
@@ -18345,7 +18650,7 @@
             </a:ln>
             <a:extLst>
               <a:ext uri="{C572A759-6A51-4108-AA02-DFA0A04FC94B}">
-                <ma14:wrappingTextBoxFlag xmlns="" xmlns:m="http://schemas.openxmlformats.org/officeDocument/2006/math" xmlns:a14="http://schemas.microsoft.com/office/drawing/2010/main" xmlns:ma14="http://schemas.microsoft.com/office/mac/drawingml/2011/main" val="1"/>
+                <ma14:wrappingTextBoxFlag xmlns:ma14="http://schemas.microsoft.com/office/mac/drawingml/2011/main" xmlns:a14="http://schemas.microsoft.com/office/drawing/2010/main" xmlns:m="http://schemas.openxmlformats.org/officeDocument/2006/math" xmlns="" val="1"/>
               </a:ext>
             </a:extLst>
           </p:spPr>
@@ -18403,7 +18708,7 @@
             </a:ln>
             <a:extLst>
               <a:ext uri="{C572A759-6A51-4108-AA02-DFA0A04FC94B}">
-                <ma14:wrappingTextBoxFlag xmlns="" xmlns:m="http://schemas.openxmlformats.org/officeDocument/2006/math" xmlns:a14="http://schemas.microsoft.com/office/drawing/2010/main" xmlns:ma14="http://schemas.microsoft.com/office/mac/drawingml/2011/main" val="1"/>
+                <ma14:wrappingTextBoxFlag xmlns:ma14="http://schemas.microsoft.com/office/mac/drawingml/2011/main" xmlns:a14="http://schemas.microsoft.com/office/drawing/2010/main" xmlns:m="http://schemas.openxmlformats.org/officeDocument/2006/math" xmlns="" val="1"/>
               </a:ext>
             </a:extLst>
           </p:spPr>
@@ -18461,7 +18766,7 @@
             </a:ln>
             <a:extLst>
               <a:ext uri="{C572A759-6A51-4108-AA02-DFA0A04FC94B}">
-                <ma14:wrappingTextBoxFlag xmlns="" xmlns:m="http://schemas.openxmlformats.org/officeDocument/2006/math" xmlns:a14="http://schemas.microsoft.com/office/drawing/2010/main" xmlns:ma14="http://schemas.microsoft.com/office/mac/drawingml/2011/main" val="1"/>
+                <ma14:wrappingTextBoxFlag xmlns:ma14="http://schemas.microsoft.com/office/mac/drawingml/2011/main" xmlns:a14="http://schemas.microsoft.com/office/drawing/2010/main" xmlns:m="http://schemas.openxmlformats.org/officeDocument/2006/math" xmlns="" val="1"/>
               </a:ext>
             </a:extLst>
           </p:spPr>
@@ -18509,7 +18814,7 @@
             </a:ln>
             <a:extLst>
               <a:ext uri="{C572A759-6A51-4108-AA02-DFA0A04FC94B}">
-                <ma14:wrappingTextBoxFlag xmlns="" xmlns:m="http://schemas.openxmlformats.org/officeDocument/2006/math" xmlns:a14="http://schemas.microsoft.com/office/drawing/2010/main" xmlns:ma14="http://schemas.microsoft.com/office/mac/drawingml/2011/main" val="1"/>
+                <ma14:wrappingTextBoxFlag xmlns:ma14="http://schemas.microsoft.com/office/mac/drawingml/2011/main" xmlns:a14="http://schemas.microsoft.com/office/drawing/2010/main" xmlns:m="http://schemas.openxmlformats.org/officeDocument/2006/math" xmlns="" val="1"/>
               </a:ext>
             </a:extLst>
           </p:spPr>
@@ -18557,7 +18862,7 @@
             </a:ln>
             <a:extLst>
               <a:ext uri="{C572A759-6A51-4108-AA02-DFA0A04FC94B}">
-                <ma14:wrappingTextBoxFlag xmlns="" xmlns:m="http://schemas.openxmlformats.org/officeDocument/2006/math" xmlns:a14="http://schemas.microsoft.com/office/drawing/2010/main" xmlns:ma14="http://schemas.microsoft.com/office/mac/drawingml/2011/main" val="1"/>
+                <ma14:wrappingTextBoxFlag xmlns:ma14="http://schemas.microsoft.com/office/mac/drawingml/2011/main" xmlns:a14="http://schemas.microsoft.com/office/drawing/2010/main" xmlns:m="http://schemas.openxmlformats.org/officeDocument/2006/math" xmlns="" val="1"/>
               </a:ext>
             </a:extLst>
           </p:spPr>
@@ -18611,7 +18916,7 @@
             </a:ln>
             <a:extLst>
               <a:ext uri="{C572A759-6A51-4108-AA02-DFA0A04FC94B}">
-                <ma14:wrappingTextBoxFlag xmlns="" xmlns:m="http://schemas.openxmlformats.org/officeDocument/2006/math" xmlns:a14="http://schemas.microsoft.com/office/drawing/2010/main" xmlns:ma14="http://schemas.microsoft.com/office/mac/drawingml/2011/main" val="1"/>
+                <ma14:wrappingTextBoxFlag xmlns:ma14="http://schemas.microsoft.com/office/mac/drawingml/2011/main" xmlns:a14="http://schemas.microsoft.com/office/drawing/2010/main" xmlns:m="http://schemas.openxmlformats.org/officeDocument/2006/math" xmlns="" val="1"/>
               </a:ext>
             </a:extLst>
           </p:spPr>
@@ -18665,7 +18970,7 @@
             </a:ln>
             <a:extLst>
               <a:ext uri="{C572A759-6A51-4108-AA02-DFA0A04FC94B}">
-                <ma14:wrappingTextBoxFlag xmlns="" xmlns:m="http://schemas.openxmlformats.org/officeDocument/2006/math" xmlns:a14="http://schemas.microsoft.com/office/drawing/2010/main" xmlns:ma14="http://schemas.microsoft.com/office/mac/drawingml/2011/main" val="1"/>
+                <ma14:wrappingTextBoxFlag xmlns:ma14="http://schemas.microsoft.com/office/mac/drawingml/2011/main" xmlns:a14="http://schemas.microsoft.com/office/drawing/2010/main" xmlns:m="http://schemas.openxmlformats.org/officeDocument/2006/math" xmlns="" val="1"/>
               </a:ext>
             </a:extLst>
           </p:spPr>
@@ -18718,7 +19023,7 @@
             </a:ln>
             <a:extLst>
               <a:ext uri="{C572A759-6A51-4108-AA02-DFA0A04FC94B}">
-                <ma14:wrappingTextBoxFlag xmlns="" xmlns:m="http://schemas.openxmlformats.org/officeDocument/2006/math" xmlns:a14="http://schemas.microsoft.com/office/drawing/2010/main" xmlns:ma14="http://schemas.microsoft.com/office/mac/drawingml/2011/main" val="1"/>
+                <ma14:wrappingTextBoxFlag xmlns:ma14="http://schemas.microsoft.com/office/mac/drawingml/2011/main" xmlns:a14="http://schemas.microsoft.com/office/drawing/2010/main" xmlns:m="http://schemas.openxmlformats.org/officeDocument/2006/math" xmlns="" val="1"/>
               </a:ext>
             </a:extLst>
           </p:spPr>
@@ -18771,7 +19076,7 @@
             </a:ln>
             <a:extLst>
               <a:ext uri="{C572A759-6A51-4108-AA02-DFA0A04FC94B}">
-                <ma14:wrappingTextBoxFlag xmlns="" xmlns:m="http://schemas.openxmlformats.org/officeDocument/2006/math" xmlns:a14="http://schemas.microsoft.com/office/drawing/2010/main" xmlns:ma14="http://schemas.microsoft.com/office/mac/drawingml/2011/main" val="1"/>
+                <ma14:wrappingTextBoxFlag xmlns:ma14="http://schemas.microsoft.com/office/mac/drawingml/2011/main" xmlns:a14="http://schemas.microsoft.com/office/drawing/2010/main" xmlns:m="http://schemas.openxmlformats.org/officeDocument/2006/math" xmlns="" val="1"/>
               </a:ext>
             </a:extLst>
           </p:spPr>
@@ -18824,7 +19129,7 @@
             </a:ln>
             <a:extLst>
               <a:ext uri="{C572A759-6A51-4108-AA02-DFA0A04FC94B}">
-                <ma14:wrappingTextBoxFlag xmlns="" xmlns:m="http://schemas.openxmlformats.org/officeDocument/2006/math" xmlns:a14="http://schemas.microsoft.com/office/drawing/2010/main" xmlns:ma14="http://schemas.microsoft.com/office/mac/drawingml/2011/main" val="1"/>
+                <ma14:wrappingTextBoxFlag xmlns:ma14="http://schemas.microsoft.com/office/mac/drawingml/2011/main" xmlns:a14="http://schemas.microsoft.com/office/drawing/2010/main" xmlns:m="http://schemas.openxmlformats.org/officeDocument/2006/math" xmlns="" val="1"/>
               </a:ext>
             </a:extLst>
           </p:spPr>
@@ -19001,7 +19306,7 @@
             </a:ln>
             <a:extLst>
               <a:ext uri="{C572A759-6A51-4108-AA02-DFA0A04FC94B}">
-                <ma14:wrappingTextBoxFlag xmlns="" xmlns:ma14="http://schemas.microsoft.com/office/mac/drawingml/2011/main" xmlns:a14="http://schemas.microsoft.com/office/drawing/2010/main" xmlns:m="http://schemas.openxmlformats.org/officeDocument/2006/math" val="1"/>
+                <ma14:wrappingTextBoxFlag xmlns:m="http://schemas.openxmlformats.org/officeDocument/2006/math" xmlns:a14="http://schemas.microsoft.com/office/drawing/2010/main" xmlns:ma14="http://schemas.microsoft.com/office/mac/drawingml/2011/main" xmlns="" val="1"/>
               </a:ext>
             </a:extLst>
           </p:spPr>
@@ -19049,7 +19354,7 @@
             </a:ln>
             <a:extLst>
               <a:ext uri="{C572A759-6A51-4108-AA02-DFA0A04FC94B}">
-                <ma14:wrappingTextBoxFlag xmlns="" xmlns:ma14="http://schemas.microsoft.com/office/mac/drawingml/2011/main" xmlns:a14="http://schemas.microsoft.com/office/drawing/2010/main" xmlns:m="http://schemas.openxmlformats.org/officeDocument/2006/math" val="1"/>
+                <ma14:wrappingTextBoxFlag xmlns:m="http://schemas.openxmlformats.org/officeDocument/2006/math" xmlns:a14="http://schemas.microsoft.com/office/drawing/2010/main" xmlns:ma14="http://schemas.microsoft.com/office/mac/drawingml/2011/main" xmlns="" val="1"/>
               </a:ext>
             </a:extLst>
           </p:spPr>
@@ -19097,7 +19402,7 @@
             </a:ln>
             <a:extLst>
               <a:ext uri="{C572A759-6A51-4108-AA02-DFA0A04FC94B}">
-                <ma14:wrappingTextBoxFlag xmlns="" xmlns:ma14="http://schemas.microsoft.com/office/mac/drawingml/2011/main" xmlns:a14="http://schemas.microsoft.com/office/drawing/2010/main" xmlns:m="http://schemas.openxmlformats.org/officeDocument/2006/math" val="1"/>
+                <ma14:wrappingTextBoxFlag xmlns:m="http://schemas.openxmlformats.org/officeDocument/2006/math" xmlns:a14="http://schemas.microsoft.com/office/drawing/2010/main" xmlns:ma14="http://schemas.microsoft.com/office/mac/drawingml/2011/main" xmlns="" val="1"/>
               </a:ext>
             </a:extLst>
           </p:spPr>
@@ -19149,7 +19454,7 @@
             </a:ln>
             <a:extLst>
               <a:ext uri="{C572A759-6A51-4108-AA02-DFA0A04FC94B}">
-                <ma14:wrappingTextBoxFlag xmlns="" xmlns:ma14="http://schemas.microsoft.com/office/mac/drawingml/2011/main" xmlns:a14="http://schemas.microsoft.com/office/drawing/2010/main" xmlns:m="http://schemas.openxmlformats.org/officeDocument/2006/math" val="1"/>
+                <ma14:wrappingTextBoxFlag xmlns:m="http://schemas.openxmlformats.org/officeDocument/2006/math" xmlns:a14="http://schemas.microsoft.com/office/drawing/2010/main" xmlns:ma14="http://schemas.microsoft.com/office/mac/drawingml/2011/main" xmlns="" val="1"/>
               </a:ext>
             </a:extLst>
           </p:spPr>
@@ -19197,7 +19502,7 @@
             </a:ln>
             <a:extLst>
               <a:ext uri="{C572A759-6A51-4108-AA02-DFA0A04FC94B}">
-                <ma14:wrappingTextBoxFlag xmlns="" xmlns:ma14="http://schemas.microsoft.com/office/mac/drawingml/2011/main" xmlns:a14="http://schemas.microsoft.com/office/drawing/2010/main" xmlns:m="http://schemas.openxmlformats.org/officeDocument/2006/math" val="1"/>
+                <ma14:wrappingTextBoxFlag xmlns:m="http://schemas.openxmlformats.org/officeDocument/2006/math" xmlns:a14="http://schemas.microsoft.com/office/drawing/2010/main" xmlns:ma14="http://schemas.microsoft.com/office/mac/drawingml/2011/main" xmlns="" val="1"/>
               </a:ext>
             </a:extLst>
           </p:spPr>
@@ -19245,7 +19550,7 @@
             </a:ln>
             <a:extLst>
               <a:ext uri="{C572A759-6A51-4108-AA02-DFA0A04FC94B}">
-                <ma14:wrappingTextBoxFlag xmlns="" xmlns:ma14="http://schemas.microsoft.com/office/mac/drawingml/2011/main" xmlns:a14="http://schemas.microsoft.com/office/drawing/2010/main" xmlns:m="http://schemas.openxmlformats.org/officeDocument/2006/math" val="1"/>
+                <ma14:wrappingTextBoxFlag xmlns:m="http://schemas.openxmlformats.org/officeDocument/2006/math" xmlns:a14="http://schemas.microsoft.com/office/drawing/2010/main" xmlns:ma14="http://schemas.microsoft.com/office/mac/drawingml/2011/main" xmlns="" val="1"/>
               </a:ext>
             </a:extLst>
           </p:spPr>
@@ -19302,7 +19607,7 @@
             </a:ln>
             <a:extLst>
               <a:ext uri="{C572A759-6A51-4108-AA02-DFA0A04FC94B}">
-                <ma14:wrappingTextBoxFlag xmlns="" xmlns:ma14="http://schemas.microsoft.com/office/mac/drawingml/2011/main" xmlns:a14="http://schemas.microsoft.com/office/drawing/2010/main" xmlns:m="http://schemas.openxmlformats.org/officeDocument/2006/math" val="1"/>
+                <ma14:wrappingTextBoxFlag xmlns:m="http://schemas.openxmlformats.org/officeDocument/2006/math" xmlns:a14="http://schemas.microsoft.com/office/drawing/2010/main" xmlns:ma14="http://schemas.microsoft.com/office/mac/drawingml/2011/main" xmlns="" val="1"/>
               </a:ext>
             </a:extLst>
           </p:spPr>
@@ -19360,7 +19665,7 @@
             </a:ln>
             <a:extLst>
               <a:ext uri="{C572A759-6A51-4108-AA02-DFA0A04FC94B}">
-                <ma14:wrappingTextBoxFlag xmlns="" xmlns:ma14="http://schemas.microsoft.com/office/mac/drawingml/2011/main" xmlns:a14="http://schemas.microsoft.com/office/drawing/2010/main" xmlns:m="http://schemas.openxmlformats.org/officeDocument/2006/math" val="1"/>
+                <ma14:wrappingTextBoxFlag xmlns:m="http://schemas.openxmlformats.org/officeDocument/2006/math" xmlns:a14="http://schemas.microsoft.com/office/drawing/2010/main" xmlns:ma14="http://schemas.microsoft.com/office/mac/drawingml/2011/main" xmlns="" val="1"/>
               </a:ext>
             </a:extLst>
           </p:spPr>
@@ -19408,7 +19713,7 @@
             </a:ln>
             <a:extLst>
               <a:ext uri="{C572A759-6A51-4108-AA02-DFA0A04FC94B}">
-                <ma14:wrappingTextBoxFlag xmlns="" xmlns:ma14="http://schemas.microsoft.com/office/mac/drawingml/2011/main" xmlns:a14="http://schemas.microsoft.com/office/drawing/2010/main" xmlns:m="http://schemas.openxmlformats.org/officeDocument/2006/math" val="1"/>
+                <ma14:wrappingTextBoxFlag xmlns:m="http://schemas.openxmlformats.org/officeDocument/2006/math" xmlns:a14="http://schemas.microsoft.com/office/drawing/2010/main" xmlns:ma14="http://schemas.microsoft.com/office/mac/drawingml/2011/main" xmlns="" val="1"/>
               </a:ext>
             </a:extLst>
           </p:spPr>
@@ -19456,7 +19761,7 @@
             </a:ln>
             <a:extLst>
               <a:ext uri="{C572A759-6A51-4108-AA02-DFA0A04FC94B}">
-                <ma14:wrappingTextBoxFlag xmlns="" xmlns:ma14="http://schemas.microsoft.com/office/mac/drawingml/2011/main" xmlns:a14="http://schemas.microsoft.com/office/drawing/2010/main" xmlns:m="http://schemas.openxmlformats.org/officeDocument/2006/math" val="1"/>
+                <ma14:wrappingTextBoxFlag xmlns:m="http://schemas.openxmlformats.org/officeDocument/2006/math" xmlns:a14="http://schemas.microsoft.com/office/drawing/2010/main" xmlns:ma14="http://schemas.microsoft.com/office/mac/drawingml/2011/main" xmlns="" val="1"/>
               </a:ext>
             </a:extLst>
           </p:spPr>
@@ -19504,7 +19809,7 @@
             </a:ln>
             <a:extLst>
               <a:ext uri="{C572A759-6A51-4108-AA02-DFA0A04FC94B}">
-                <ma14:wrappingTextBoxFlag xmlns="" xmlns:ma14="http://schemas.microsoft.com/office/mac/drawingml/2011/main" xmlns:a14="http://schemas.microsoft.com/office/drawing/2010/main" xmlns:m="http://schemas.openxmlformats.org/officeDocument/2006/math" val="1"/>
+                <ma14:wrappingTextBoxFlag xmlns:m="http://schemas.openxmlformats.org/officeDocument/2006/math" xmlns:a14="http://schemas.microsoft.com/office/drawing/2010/main" xmlns:ma14="http://schemas.microsoft.com/office/mac/drawingml/2011/main" xmlns="" val="1"/>
               </a:ext>
             </a:extLst>
           </p:spPr>
@@ -19562,7 +19867,7 @@
             </a:ln>
             <a:extLst>
               <a:ext uri="{C572A759-6A51-4108-AA02-DFA0A04FC94B}">
-                <ma14:wrappingTextBoxFlag xmlns="" xmlns:ma14="http://schemas.microsoft.com/office/mac/drawingml/2011/main" xmlns:a14="http://schemas.microsoft.com/office/drawing/2010/main" xmlns:m="http://schemas.openxmlformats.org/officeDocument/2006/math" val="1"/>
+                <ma14:wrappingTextBoxFlag xmlns:m="http://schemas.openxmlformats.org/officeDocument/2006/math" xmlns:a14="http://schemas.microsoft.com/office/drawing/2010/main" xmlns:ma14="http://schemas.microsoft.com/office/mac/drawingml/2011/main" xmlns="" val="1"/>
               </a:ext>
             </a:extLst>
           </p:spPr>
@@ -19619,7 +19924,7 @@
             </a:ln>
             <a:extLst>
               <a:ext uri="{C572A759-6A51-4108-AA02-DFA0A04FC94B}">
-                <ma14:wrappingTextBoxFlag xmlns="" xmlns:ma14="http://schemas.microsoft.com/office/mac/drawingml/2011/main" xmlns:a14="http://schemas.microsoft.com/office/drawing/2010/main" xmlns:m="http://schemas.openxmlformats.org/officeDocument/2006/math" val="1"/>
+                <ma14:wrappingTextBoxFlag xmlns:m="http://schemas.openxmlformats.org/officeDocument/2006/math" xmlns:a14="http://schemas.microsoft.com/office/drawing/2010/main" xmlns:ma14="http://schemas.microsoft.com/office/mac/drawingml/2011/main" xmlns="" val="1"/>
               </a:ext>
             </a:extLst>
           </p:spPr>
@@ -19667,7 +19972,7 @@
             </a:ln>
             <a:extLst>
               <a:ext uri="{C572A759-6A51-4108-AA02-DFA0A04FC94B}">
-                <ma14:wrappingTextBoxFlag xmlns="" xmlns:ma14="http://schemas.microsoft.com/office/mac/drawingml/2011/main" xmlns:a14="http://schemas.microsoft.com/office/drawing/2010/main" xmlns:m="http://schemas.openxmlformats.org/officeDocument/2006/math" val="1"/>
+                <ma14:wrappingTextBoxFlag xmlns:m="http://schemas.openxmlformats.org/officeDocument/2006/math" xmlns:a14="http://schemas.microsoft.com/office/drawing/2010/main" xmlns:ma14="http://schemas.microsoft.com/office/mac/drawingml/2011/main" xmlns="" val="1"/>
               </a:ext>
             </a:extLst>
           </p:spPr>
@@ -19719,7 +20024,7 @@
             </a:ln>
             <a:extLst>
               <a:ext uri="{C572A759-6A51-4108-AA02-DFA0A04FC94B}">
-                <ma14:wrappingTextBoxFlag xmlns="" xmlns:ma14="http://schemas.microsoft.com/office/mac/drawingml/2011/main" xmlns:a14="http://schemas.microsoft.com/office/drawing/2010/main" xmlns:m="http://schemas.openxmlformats.org/officeDocument/2006/math" val="1"/>
+                <ma14:wrappingTextBoxFlag xmlns:m="http://schemas.openxmlformats.org/officeDocument/2006/math" xmlns:a14="http://schemas.microsoft.com/office/drawing/2010/main" xmlns:ma14="http://schemas.microsoft.com/office/mac/drawingml/2011/main" xmlns="" val="1"/>
               </a:ext>
             </a:extLst>
           </p:spPr>
@@ -19777,7 +20082,7 @@
             </a:ln>
             <a:extLst>
               <a:ext uri="{C572A759-6A51-4108-AA02-DFA0A04FC94B}">
-                <ma14:wrappingTextBoxFlag xmlns="" xmlns:ma14="http://schemas.microsoft.com/office/mac/drawingml/2011/main" xmlns:a14="http://schemas.microsoft.com/office/drawing/2010/main" xmlns:m="http://schemas.openxmlformats.org/officeDocument/2006/math" val="1"/>
+                <ma14:wrappingTextBoxFlag xmlns:m="http://schemas.openxmlformats.org/officeDocument/2006/math" xmlns:a14="http://schemas.microsoft.com/office/drawing/2010/main" xmlns:ma14="http://schemas.microsoft.com/office/mac/drawingml/2011/main" xmlns="" val="1"/>
               </a:ext>
             </a:extLst>
           </p:spPr>
@@ -19825,7 +20130,7 @@
             </a:ln>
             <a:extLst>
               <a:ext uri="{C572A759-6A51-4108-AA02-DFA0A04FC94B}">
-                <ma14:wrappingTextBoxFlag xmlns="" xmlns:ma14="http://schemas.microsoft.com/office/mac/drawingml/2011/main" xmlns:a14="http://schemas.microsoft.com/office/drawing/2010/main" xmlns:m="http://schemas.openxmlformats.org/officeDocument/2006/math" val="1"/>
+                <ma14:wrappingTextBoxFlag xmlns:m="http://schemas.openxmlformats.org/officeDocument/2006/math" xmlns:a14="http://schemas.microsoft.com/office/drawing/2010/main" xmlns:ma14="http://schemas.microsoft.com/office/mac/drawingml/2011/main" xmlns="" val="1"/>
               </a:ext>
             </a:extLst>
           </p:spPr>
@@ -19878,7 +20183,7 @@
             </a:ln>
             <a:extLst>
               <a:ext uri="{C572A759-6A51-4108-AA02-DFA0A04FC94B}">
-                <ma14:wrappingTextBoxFlag xmlns="" xmlns:ma14="http://schemas.microsoft.com/office/mac/drawingml/2011/main" xmlns:a14="http://schemas.microsoft.com/office/drawing/2010/main" xmlns:m="http://schemas.openxmlformats.org/officeDocument/2006/math" val="1"/>
+                <ma14:wrappingTextBoxFlag xmlns:m="http://schemas.openxmlformats.org/officeDocument/2006/math" xmlns:a14="http://schemas.microsoft.com/office/drawing/2010/main" xmlns:ma14="http://schemas.microsoft.com/office/mac/drawingml/2011/main" xmlns="" val="1"/>
               </a:ext>
             </a:extLst>
           </p:spPr>
@@ -19926,7 +20231,7 @@
             </a:ln>
             <a:extLst>
               <a:ext uri="{C572A759-6A51-4108-AA02-DFA0A04FC94B}">
-                <ma14:wrappingTextBoxFlag xmlns="" xmlns:ma14="http://schemas.microsoft.com/office/mac/drawingml/2011/main" xmlns:a14="http://schemas.microsoft.com/office/drawing/2010/main" xmlns:m="http://schemas.openxmlformats.org/officeDocument/2006/math" val="1"/>
+                <ma14:wrappingTextBoxFlag xmlns:m="http://schemas.openxmlformats.org/officeDocument/2006/math" xmlns:a14="http://schemas.microsoft.com/office/drawing/2010/main" xmlns:ma14="http://schemas.microsoft.com/office/mac/drawingml/2011/main" xmlns="" val="1"/>
               </a:ext>
             </a:extLst>
           </p:spPr>
@@ -19978,7 +20283,7 @@
             </a:ln>
             <a:extLst>
               <a:ext uri="{C572A759-6A51-4108-AA02-DFA0A04FC94B}">
-                <ma14:wrappingTextBoxFlag xmlns="" xmlns:ma14="http://schemas.microsoft.com/office/mac/drawingml/2011/main" xmlns:a14="http://schemas.microsoft.com/office/drawing/2010/main" xmlns:m="http://schemas.openxmlformats.org/officeDocument/2006/math" val="1"/>
+                <ma14:wrappingTextBoxFlag xmlns:m="http://schemas.openxmlformats.org/officeDocument/2006/math" xmlns:a14="http://schemas.microsoft.com/office/drawing/2010/main" xmlns:ma14="http://schemas.microsoft.com/office/mac/drawingml/2011/main" xmlns="" val="1"/>
               </a:ext>
             </a:extLst>
           </p:spPr>
@@ -20026,7 +20331,7 @@
             </a:ln>
             <a:extLst>
               <a:ext uri="{C572A759-6A51-4108-AA02-DFA0A04FC94B}">
-                <ma14:wrappingTextBoxFlag xmlns="" xmlns:ma14="http://schemas.microsoft.com/office/mac/drawingml/2011/main" xmlns:a14="http://schemas.microsoft.com/office/drawing/2010/main" xmlns:m="http://schemas.openxmlformats.org/officeDocument/2006/math" val="1"/>
+                <ma14:wrappingTextBoxFlag xmlns:m="http://schemas.openxmlformats.org/officeDocument/2006/math" xmlns:a14="http://schemas.microsoft.com/office/drawing/2010/main" xmlns:ma14="http://schemas.microsoft.com/office/mac/drawingml/2011/main" xmlns="" val="1"/>
               </a:ext>
             </a:extLst>
           </p:spPr>
@@ -20080,7 +20385,7 @@
             </a:ln>
             <a:extLst>
               <a:ext uri="{C572A759-6A51-4108-AA02-DFA0A04FC94B}">
-                <ma14:wrappingTextBoxFlag xmlns="" xmlns:ma14="http://schemas.microsoft.com/office/mac/drawingml/2011/main" xmlns:a14="http://schemas.microsoft.com/office/drawing/2010/main" xmlns:m="http://schemas.openxmlformats.org/officeDocument/2006/math" val="1"/>
+                <ma14:wrappingTextBoxFlag xmlns:m="http://schemas.openxmlformats.org/officeDocument/2006/math" xmlns:a14="http://schemas.microsoft.com/office/drawing/2010/main" xmlns:ma14="http://schemas.microsoft.com/office/mac/drawingml/2011/main" xmlns="" val="1"/>
               </a:ext>
             </a:extLst>
           </p:spPr>
@@ -20137,7 +20442,7 @@
             </a:ln>
             <a:extLst>
               <a:ext uri="{C572A759-6A51-4108-AA02-DFA0A04FC94B}">
-                <ma14:wrappingTextBoxFlag xmlns="" xmlns:ma14="http://schemas.microsoft.com/office/mac/drawingml/2011/main" xmlns:a14="http://schemas.microsoft.com/office/drawing/2010/main" xmlns:m="http://schemas.openxmlformats.org/officeDocument/2006/math" val="1"/>
+                <ma14:wrappingTextBoxFlag xmlns:m="http://schemas.openxmlformats.org/officeDocument/2006/math" xmlns:a14="http://schemas.microsoft.com/office/drawing/2010/main" xmlns:ma14="http://schemas.microsoft.com/office/mac/drawingml/2011/main" xmlns="" val="1"/>
               </a:ext>
             </a:extLst>
           </p:spPr>
@@ -20195,7 +20500,7 @@
             </a:ln>
             <a:extLst>
               <a:ext uri="{C572A759-6A51-4108-AA02-DFA0A04FC94B}">
-                <ma14:wrappingTextBoxFlag xmlns="" xmlns:ma14="http://schemas.microsoft.com/office/mac/drawingml/2011/main" xmlns:a14="http://schemas.microsoft.com/office/drawing/2010/main" xmlns:m="http://schemas.openxmlformats.org/officeDocument/2006/math" val="1"/>
+                <ma14:wrappingTextBoxFlag xmlns:m="http://schemas.openxmlformats.org/officeDocument/2006/math" xmlns:a14="http://schemas.microsoft.com/office/drawing/2010/main" xmlns:ma14="http://schemas.microsoft.com/office/mac/drawingml/2011/main" xmlns="" val="1"/>
               </a:ext>
             </a:extLst>
           </p:spPr>
@@ -20276,7 +20581,7 @@
             </a:ln>
             <a:extLst>
               <a:ext uri="{C572A759-6A51-4108-AA02-DFA0A04FC94B}">
-                <ma14:wrappingTextBoxFlag xmlns="" xmlns:ma14="http://schemas.microsoft.com/office/mac/drawingml/2011/main" xmlns:a14="http://schemas.microsoft.com/office/drawing/2010/main" xmlns:m="http://schemas.openxmlformats.org/officeDocument/2006/math" val="1"/>
+                <ma14:wrappingTextBoxFlag xmlns:m="http://schemas.openxmlformats.org/officeDocument/2006/math" xmlns:a14="http://schemas.microsoft.com/office/drawing/2010/main" xmlns:ma14="http://schemas.microsoft.com/office/mac/drawingml/2011/main" xmlns="" val="1"/>
               </a:ext>
             </a:extLst>
           </p:spPr>
@@ -20334,7 +20639,7 @@
             </a:ln>
             <a:extLst>
               <a:ext uri="{C572A759-6A51-4108-AA02-DFA0A04FC94B}">
-                <ma14:wrappingTextBoxFlag xmlns="" xmlns:ma14="http://schemas.microsoft.com/office/mac/drawingml/2011/main" xmlns:a14="http://schemas.microsoft.com/office/drawing/2010/main" xmlns:m="http://schemas.openxmlformats.org/officeDocument/2006/math" val="1"/>
+                <ma14:wrappingTextBoxFlag xmlns:m="http://schemas.openxmlformats.org/officeDocument/2006/math" xmlns:a14="http://schemas.microsoft.com/office/drawing/2010/main" xmlns:ma14="http://schemas.microsoft.com/office/mac/drawingml/2011/main" xmlns="" val="1"/>
               </a:ext>
             </a:extLst>
           </p:spPr>
@@ -20392,7 +20697,7 @@
             </a:ln>
             <a:extLst>
               <a:ext uri="{C572A759-6A51-4108-AA02-DFA0A04FC94B}">
-                <ma14:wrappingTextBoxFlag xmlns="" xmlns:ma14="http://schemas.microsoft.com/office/mac/drawingml/2011/main" xmlns:a14="http://schemas.microsoft.com/office/drawing/2010/main" xmlns:m="http://schemas.openxmlformats.org/officeDocument/2006/math" val="1"/>
+                <ma14:wrappingTextBoxFlag xmlns:m="http://schemas.openxmlformats.org/officeDocument/2006/math" xmlns:a14="http://schemas.microsoft.com/office/drawing/2010/main" xmlns:ma14="http://schemas.microsoft.com/office/mac/drawingml/2011/main" xmlns="" val="1"/>
               </a:ext>
             </a:extLst>
           </p:spPr>
@@ -20450,7 +20755,7 @@
             </a:ln>
             <a:extLst>
               <a:ext uri="{C572A759-6A51-4108-AA02-DFA0A04FC94B}">
-                <ma14:wrappingTextBoxFlag xmlns="" xmlns:ma14="http://schemas.microsoft.com/office/mac/drawingml/2011/main" xmlns:a14="http://schemas.microsoft.com/office/drawing/2010/main" xmlns:m="http://schemas.openxmlformats.org/officeDocument/2006/math" val="1"/>
+                <ma14:wrappingTextBoxFlag xmlns:m="http://schemas.openxmlformats.org/officeDocument/2006/math" xmlns:a14="http://schemas.microsoft.com/office/drawing/2010/main" xmlns:ma14="http://schemas.microsoft.com/office/mac/drawingml/2011/main" xmlns="" val="1"/>
               </a:ext>
             </a:extLst>
           </p:spPr>
@@ -20498,7 +20803,7 @@
             </a:ln>
             <a:extLst>
               <a:ext uri="{C572A759-6A51-4108-AA02-DFA0A04FC94B}">
-                <ma14:wrappingTextBoxFlag xmlns="" xmlns:ma14="http://schemas.microsoft.com/office/mac/drawingml/2011/main" xmlns:a14="http://schemas.microsoft.com/office/drawing/2010/main" xmlns:m="http://schemas.openxmlformats.org/officeDocument/2006/math" val="1"/>
+                <ma14:wrappingTextBoxFlag xmlns:m="http://schemas.openxmlformats.org/officeDocument/2006/math" xmlns:a14="http://schemas.microsoft.com/office/drawing/2010/main" xmlns:ma14="http://schemas.microsoft.com/office/mac/drawingml/2011/main" xmlns="" val="1"/>
               </a:ext>
             </a:extLst>
           </p:spPr>
@@ -20546,7 +20851,7 @@
             </a:ln>
             <a:extLst>
               <a:ext uri="{C572A759-6A51-4108-AA02-DFA0A04FC94B}">
-                <ma14:wrappingTextBoxFlag xmlns="" xmlns:ma14="http://schemas.microsoft.com/office/mac/drawingml/2011/main" xmlns:a14="http://schemas.microsoft.com/office/drawing/2010/main" xmlns:m="http://schemas.openxmlformats.org/officeDocument/2006/math" val="1"/>
+                <ma14:wrappingTextBoxFlag xmlns:m="http://schemas.openxmlformats.org/officeDocument/2006/math" xmlns:a14="http://schemas.microsoft.com/office/drawing/2010/main" xmlns:ma14="http://schemas.microsoft.com/office/mac/drawingml/2011/main" xmlns="" val="1"/>
               </a:ext>
             </a:extLst>
           </p:spPr>
@@ -20600,7 +20905,7 @@
             </a:ln>
             <a:extLst>
               <a:ext uri="{C572A759-6A51-4108-AA02-DFA0A04FC94B}">
-                <ma14:wrappingTextBoxFlag xmlns="" xmlns:ma14="http://schemas.microsoft.com/office/mac/drawingml/2011/main" xmlns:a14="http://schemas.microsoft.com/office/drawing/2010/main" xmlns:m="http://schemas.openxmlformats.org/officeDocument/2006/math" val="1"/>
+                <ma14:wrappingTextBoxFlag xmlns:m="http://schemas.openxmlformats.org/officeDocument/2006/math" xmlns:a14="http://schemas.microsoft.com/office/drawing/2010/main" xmlns:ma14="http://schemas.microsoft.com/office/mac/drawingml/2011/main" xmlns="" val="1"/>
               </a:ext>
             </a:extLst>
           </p:spPr>
@@ -20654,7 +20959,7 @@
             </a:ln>
             <a:extLst>
               <a:ext uri="{C572A759-6A51-4108-AA02-DFA0A04FC94B}">
-                <ma14:wrappingTextBoxFlag xmlns="" xmlns:ma14="http://schemas.microsoft.com/office/mac/drawingml/2011/main" xmlns:a14="http://schemas.microsoft.com/office/drawing/2010/main" xmlns:m="http://schemas.openxmlformats.org/officeDocument/2006/math" val="1"/>
+                <ma14:wrappingTextBoxFlag xmlns:m="http://schemas.openxmlformats.org/officeDocument/2006/math" xmlns:a14="http://schemas.microsoft.com/office/drawing/2010/main" xmlns:ma14="http://schemas.microsoft.com/office/mac/drawingml/2011/main" xmlns="" val="1"/>
               </a:ext>
             </a:extLst>
           </p:spPr>
@@ -20707,7 +21012,7 @@
             </a:ln>
             <a:extLst>
               <a:ext uri="{C572A759-6A51-4108-AA02-DFA0A04FC94B}">
-                <ma14:wrappingTextBoxFlag xmlns="" xmlns:ma14="http://schemas.microsoft.com/office/mac/drawingml/2011/main" xmlns:a14="http://schemas.microsoft.com/office/drawing/2010/main" xmlns:m="http://schemas.openxmlformats.org/officeDocument/2006/math" val="1"/>
+                <ma14:wrappingTextBoxFlag xmlns:m="http://schemas.openxmlformats.org/officeDocument/2006/math" xmlns:a14="http://schemas.microsoft.com/office/drawing/2010/main" xmlns:ma14="http://schemas.microsoft.com/office/mac/drawingml/2011/main" xmlns="" val="1"/>
               </a:ext>
             </a:extLst>
           </p:spPr>
@@ -20760,7 +21065,7 @@
             </a:ln>
             <a:extLst>
               <a:ext uri="{C572A759-6A51-4108-AA02-DFA0A04FC94B}">
-                <ma14:wrappingTextBoxFlag xmlns="" xmlns:ma14="http://schemas.microsoft.com/office/mac/drawingml/2011/main" xmlns:a14="http://schemas.microsoft.com/office/drawing/2010/main" xmlns:m="http://schemas.openxmlformats.org/officeDocument/2006/math" val="1"/>
+                <ma14:wrappingTextBoxFlag xmlns:m="http://schemas.openxmlformats.org/officeDocument/2006/math" xmlns:a14="http://schemas.microsoft.com/office/drawing/2010/main" xmlns:ma14="http://schemas.microsoft.com/office/mac/drawingml/2011/main" xmlns="" val="1"/>
               </a:ext>
             </a:extLst>
           </p:spPr>
@@ -20813,7 +21118,7 @@
             </a:ln>
             <a:extLst>
               <a:ext uri="{C572A759-6A51-4108-AA02-DFA0A04FC94B}">
-                <ma14:wrappingTextBoxFlag xmlns="" xmlns:ma14="http://schemas.microsoft.com/office/mac/drawingml/2011/main" xmlns:a14="http://schemas.microsoft.com/office/drawing/2010/main" xmlns:m="http://schemas.openxmlformats.org/officeDocument/2006/math" val="1"/>
+                <ma14:wrappingTextBoxFlag xmlns:m="http://schemas.openxmlformats.org/officeDocument/2006/math" xmlns:a14="http://schemas.microsoft.com/office/drawing/2010/main" xmlns:ma14="http://schemas.microsoft.com/office/mac/drawingml/2011/main" xmlns="" val="1"/>
               </a:ext>
             </a:extLst>
           </p:spPr>
@@ -21990,7 +22295,7 @@
             </a:ln>
             <a:extLst>
               <a:ext uri="{C572A759-6A51-4108-AA02-DFA0A04FC94B}">
-                <ma14:wrappingTextBoxFlag xmlns="" xmlns:m="http://schemas.openxmlformats.org/officeDocument/2006/math" xmlns:a14="http://schemas.microsoft.com/office/drawing/2010/main" xmlns:ma14="http://schemas.microsoft.com/office/mac/drawingml/2011/main" val="1"/>
+                <ma14:wrappingTextBoxFlag xmlns:ma14="http://schemas.microsoft.com/office/mac/drawingml/2011/main" xmlns:a14="http://schemas.microsoft.com/office/drawing/2010/main" xmlns:m="http://schemas.openxmlformats.org/officeDocument/2006/math" xmlns="" val="1"/>
               </a:ext>
             </a:extLst>
           </p:spPr>
@@ -22038,7 +22343,7 @@
             </a:ln>
             <a:extLst>
               <a:ext uri="{C572A759-6A51-4108-AA02-DFA0A04FC94B}">
-                <ma14:wrappingTextBoxFlag xmlns="" xmlns:m="http://schemas.openxmlformats.org/officeDocument/2006/math" xmlns:a14="http://schemas.microsoft.com/office/drawing/2010/main" xmlns:ma14="http://schemas.microsoft.com/office/mac/drawingml/2011/main" val="1"/>
+                <ma14:wrappingTextBoxFlag xmlns:ma14="http://schemas.microsoft.com/office/mac/drawingml/2011/main" xmlns:a14="http://schemas.microsoft.com/office/drawing/2010/main" xmlns:m="http://schemas.openxmlformats.org/officeDocument/2006/math" xmlns="" val="1"/>
               </a:ext>
             </a:extLst>
           </p:spPr>
@@ -22086,7 +22391,7 @@
             </a:ln>
             <a:extLst>
               <a:ext uri="{C572A759-6A51-4108-AA02-DFA0A04FC94B}">
-                <ma14:wrappingTextBoxFlag xmlns="" xmlns:m="http://schemas.openxmlformats.org/officeDocument/2006/math" xmlns:a14="http://schemas.microsoft.com/office/drawing/2010/main" xmlns:ma14="http://schemas.microsoft.com/office/mac/drawingml/2011/main" val="1"/>
+                <ma14:wrappingTextBoxFlag xmlns:ma14="http://schemas.microsoft.com/office/mac/drawingml/2011/main" xmlns:a14="http://schemas.microsoft.com/office/drawing/2010/main" xmlns:m="http://schemas.openxmlformats.org/officeDocument/2006/math" xmlns="" val="1"/>
               </a:ext>
             </a:extLst>
           </p:spPr>
@@ -22138,7 +22443,7 @@
             </a:ln>
             <a:extLst>
               <a:ext uri="{C572A759-6A51-4108-AA02-DFA0A04FC94B}">
-                <ma14:wrappingTextBoxFlag xmlns="" xmlns:m="http://schemas.openxmlformats.org/officeDocument/2006/math" xmlns:a14="http://schemas.microsoft.com/office/drawing/2010/main" xmlns:ma14="http://schemas.microsoft.com/office/mac/drawingml/2011/main" val="1"/>
+                <ma14:wrappingTextBoxFlag xmlns:ma14="http://schemas.microsoft.com/office/mac/drawingml/2011/main" xmlns:a14="http://schemas.microsoft.com/office/drawing/2010/main" xmlns:m="http://schemas.openxmlformats.org/officeDocument/2006/math" xmlns="" val="1"/>
               </a:ext>
             </a:extLst>
           </p:spPr>
@@ -22186,7 +22491,7 @@
             </a:ln>
             <a:extLst>
               <a:ext uri="{C572A759-6A51-4108-AA02-DFA0A04FC94B}">
-                <ma14:wrappingTextBoxFlag xmlns="" xmlns:m="http://schemas.openxmlformats.org/officeDocument/2006/math" xmlns:a14="http://schemas.microsoft.com/office/drawing/2010/main" xmlns:ma14="http://schemas.microsoft.com/office/mac/drawingml/2011/main" val="1"/>
+                <ma14:wrappingTextBoxFlag xmlns:ma14="http://schemas.microsoft.com/office/mac/drawingml/2011/main" xmlns:a14="http://schemas.microsoft.com/office/drawing/2010/main" xmlns:m="http://schemas.openxmlformats.org/officeDocument/2006/math" xmlns="" val="1"/>
               </a:ext>
             </a:extLst>
           </p:spPr>
@@ -22234,7 +22539,7 @@
             </a:ln>
             <a:extLst>
               <a:ext uri="{C572A759-6A51-4108-AA02-DFA0A04FC94B}">
-                <ma14:wrappingTextBoxFlag xmlns="" xmlns:m="http://schemas.openxmlformats.org/officeDocument/2006/math" xmlns:a14="http://schemas.microsoft.com/office/drawing/2010/main" xmlns:ma14="http://schemas.microsoft.com/office/mac/drawingml/2011/main" val="1"/>
+                <ma14:wrappingTextBoxFlag xmlns:ma14="http://schemas.microsoft.com/office/mac/drawingml/2011/main" xmlns:a14="http://schemas.microsoft.com/office/drawing/2010/main" xmlns:m="http://schemas.openxmlformats.org/officeDocument/2006/math" xmlns="" val="1"/>
               </a:ext>
             </a:extLst>
           </p:spPr>
@@ -22291,7 +22596,7 @@
             </a:ln>
             <a:extLst>
               <a:ext uri="{C572A759-6A51-4108-AA02-DFA0A04FC94B}">
-                <ma14:wrappingTextBoxFlag xmlns="" xmlns:m="http://schemas.openxmlformats.org/officeDocument/2006/math" xmlns:a14="http://schemas.microsoft.com/office/drawing/2010/main" xmlns:ma14="http://schemas.microsoft.com/office/mac/drawingml/2011/main" val="1"/>
+                <ma14:wrappingTextBoxFlag xmlns:ma14="http://schemas.microsoft.com/office/mac/drawingml/2011/main" xmlns:a14="http://schemas.microsoft.com/office/drawing/2010/main" xmlns:m="http://schemas.openxmlformats.org/officeDocument/2006/math" xmlns="" val="1"/>
               </a:ext>
             </a:extLst>
           </p:spPr>
@@ -22349,7 +22654,7 @@
             </a:ln>
             <a:extLst>
               <a:ext uri="{C572A759-6A51-4108-AA02-DFA0A04FC94B}">
-                <ma14:wrappingTextBoxFlag xmlns="" xmlns:m="http://schemas.openxmlformats.org/officeDocument/2006/math" xmlns:a14="http://schemas.microsoft.com/office/drawing/2010/main" xmlns:ma14="http://schemas.microsoft.com/office/mac/drawingml/2011/main" val="1"/>
+                <ma14:wrappingTextBoxFlag xmlns:ma14="http://schemas.microsoft.com/office/mac/drawingml/2011/main" xmlns:a14="http://schemas.microsoft.com/office/drawing/2010/main" xmlns:m="http://schemas.openxmlformats.org/officeDocument/2006/math" xmlns="" val="1"/>
               </a:ext>
             </a:extLst>
           </p:spPr>
@@ -22397,7 +22702,7 @@
             </a:ln>
             <a:extLst>
               <a:ext uri="{C572A759-6A51-4108-AA02-DFA0A04FC94B}">
-                <ma14:wrappingTextBoxFlag xmlns="" xmlns:m="http://schemas.openxmlformats.org/officeDocument/2006/math" xmlns:a14="http://schemas.microsoft.com/office/drawing/2010/main" xmlns:ma14="http://schemas.microsoft.com/office/mac/drawingml/2011/main" val="1"/>
+                <ma14:wrappingTextBoxFlag xmlns:ma14="http://schemas.microsoft.com/office/mac/drawingml/2011/main" xmlns:a14="http://schemas.microsoft.com/office/drawing/2010/main" xmlns:m="http://schemas.openxmlformats.org/officeDocument/2006/math" xmlns="" val="1"/>
               </a:ext>
             </a:extLst>
           </p:spPr>
@@ -22445,7 +22750,7 @@
             </a:ln>
             <a:extLst>
               <a:ext uri="{C572A759-6A51-4108-AA02-DFA0A04FC94B}">
-                <ma14:wrappingTextBoxFlag xmlns="" xmlns:m="http://schemas.openxmlformats.org/officeDocument/2006/math" xmlns:a14="http://schemas.microsoft.com/office/drawing/2010/main" xmlns:ma14="http://schemas.microsoft.com/office/mac/drawingml/2011/main" val="1"/>
+                <ma14:wrappingTextBoxFlag xmlns:ma14="http://schemas.microsoft.com/office/mac/drawingml/2011/main" xmlns:a14="http://schemas.microsoft.com/office/drawing/2010/main" xmlns:m="http://schemas.openxmlformats.org/officeDocument/2006/math" xmlns="" val="1"/>
               </a:ext>
             </a:extLst>
           </p:spPr>
@@ -22493,7 +22798,7 @@
             </a:ln>
             <a:extLst>
               <a:ext uri="{C572A759-6A51-4108-AA02-DFA0A04FC94B}">
-                <ma14:wrappingTextBoxFlag xmlns="" xmlns:m="http://schemas.openxmlformats.org/officeDocument/2006/math" xmlns:a14="http://schemas.microsoft.com/office/drawing/2010/main" xmlns:ma14="http://schemas.microsoft.com/office/mac/drawingml/2011/main" val="1"/>
+                <ma14:wrappingTextBoxFlag xmlns:ma14="http://schemas.microsoft.com/office/mac/drawingml/2011/main" xmlns:a14="http://schemas.microsoft.com/office/drawing/2010/main" xmlns:m="http://schemas.openxmlformats.org/officeDocument/2006/math" xmlns="" val="1"/>
               </a:ext>
             </a:extLst>
           </p:spPr>
@@ -22551,7 +22856,7 @@
             </a:ln>
             <a:extLst>
               <a:ext uri="{C572A759-6A51-4108-AA02-DFA0A04FC94B}">
-                <ma14:wrappingTextBoxFlag xmlns="" xmlns:m="http://schemas.openxmlformats.org/officeDocument/2006/math" xmlns:a14="http://schemas.microsoft.com/office/drawing/2010/main" xmlns:ma14="http://schemas.microsoft.com/office/mac/drawingml/2011/main" val="1"/>
+                <ma14:wrappingTextBoxFlag xmlns:ma14="http://schemas.microsoft.com/office/mac/drawingml/2011/main" xmlns:a14="http://schemas.microsoft.com/office/drawing/2010/main" xmlns:m="http://schemas.openxmlformats.org/officeDocument/2006/math" xmlns="" val="1"/>
               </a:ext>
             </a:extLst>
           </p:spPr>
@@ -22608,7 +22913,7 @@
             </a:ln>
             <a:extLst>
               <a:ext uri="{C572A759-6A51-4108-AA02-DFA0A04FC94B}">
-                <ma14:wrappingTextBoxFlag xmlns="" xmlns:m="http://schemas.openxmlformats.org/officeDocument/2006/math" xmlns:a14="http://schemas.microsoft.com/office/drawing/2010/main" xmlns:ma14="http://schemas.microsoft.com/office/mac/drawingml/2011/main" val="1"/>
+                <ma14:wrappingTextBoxFlag xmlns:ma14="http://schemas.microsoft.com/office/mac/drawingml/2011/main" xmlns:a14="http://schemas.microsoft.com/office/drawing/2010/main" xmlns:m="http://schemas.openxmlformats.org/officeDocument/2006/math" xmlns="" val="1"/>
               </a:ext>
             </a:extLst>
           </p:spPr>
@@ -22656,7 +22961,7 @@
             </a:ln>
             <a:extLst>
               <a:ext uri="{C572A759-6A51-4108-AA02-DFA0A04FC94B}">
-                <ma14:wrappingTextBoxFlag xmlns="" xmlns:m="http://schemas.openxmlformats.org/officeDocument/2006/math" xmlns:a14="http://schemas.microsoft.com/office/drawing/2010/main" xmlns:ma14="http://schemas.microsoft.com/office/mac/drawingml/2011/main" val="1"/>
+                <ma14:wrappingTextBoxFlag xmlns:ma14="http://schemas.microsoft.com/office/mac/drawingml/2011/main" xmlns:a14="http://schemas.microsoft.com/office/drawing/2010/main" xmlns:m="http://schemas.openxmlformats.org/officeDocument/2006/math" xmlns="" val="1"/>
               </a:ext>
             </a:extLst>
           </p:spPr>
@@ -22708,7 +23013,7 @@
             </a:ln>
             <a:extLst>
               <a:ext uri="{C572A759-6A51-4108-AA02-DFA0A04FC94B}">
-                <ma14:wrappingTextBoxFlag xmlns="" xmlns:m="http://schemas.openxmlformats.org/officeDocument/2006/math" xmlns:a14="http://schemas.microsoft.com/office/drawing/2010/main" xmlns:ma14="http://schemas.microsoft.com/office/mac/drawingml/2011/main" val="1"/>
+                <ma14:wrappingTextBoxFlag xmlns:ma14="http://schemas.microsoft.com/office/mac/drawingml/2011/main" xmlns:a14="http://schemas.microsoft.com/office/drawing/2010/main" xmlns:m="http://schemas.openxmlformats.org/officeDocument/2006/math" xmlns="" val="1"/>
               </a:ext>
             </a:extLst>
           </p:spPr>
@@ -22766,7 +23071,7 @@
             </a:ln>
             <a:extLst>
               <a:ext uri="{C572A759-6A51-4108-AA02-DFA0A04FC94B}">
-                <ma14:wrappingTextBoxFlag xmlns="" xmlns:m="http://schemas.openxmlformats.org/officeDocument/2006/math" xmlns:a14="http://schemas.microsoft.com/office/drawing/2010/main" xmlns:ma14="http://schemas.microsoft.com/office/mac/drawingml/2011/main" val="1"/>
+                <ma14:wrappingTextBoxFlag xmlns:ma14="http://schemas.microsoft.com/office/mac/drawingml/2011/main" xmlns:a14="http://schemas.microsoft.com/office/drawing/2010/main" xmlns:m="http://schemas.openxmlformats.org/officeDocument/2006/math" xmlns="" val="1"/>
               </a:ext>
             </a:extLst>
           </p:spPr>
@@ -22814,7 +23119,7 @@
             </a:ln>
             <a:extLst>
               <a:ext uri="{C572A759-6A51-4108-AA02-DFA0A04FC94B}">
-                <ma14:wrappingTextBoxFlag xmlns="" xmlns:m="http://schemas.openxmlformats.org/officeDocument/2006/math" xmlns:a14="http://schemas.microsoft.com/office/drawing/2010/main" xmlns:ma14="http://schemas.microsoft.com/office/mac/drawingml/2011/main" val="1"/>
+                <ma14:wrappingTextBoxFlag xmlns:ma14="http://schemas.microsoft.com/office/mac/drawingml/2011/main" xmlns:a14="http://schemas.microsoft.com/office/drawing/2010/main" xmlns:m="http://schemas.openxmlformats.org/officeDocument/2006/math" xmlns="" val="1"/>
               </a:ext>
             </a:extLst>
           </p:spPr>
@@ -22867,7 +23172,7 @@
             </a:ln>
             <a:extLst>
               <a:ext uri="{C572A759-6A51-4108-AA02-DFA0A04FC94B}">
-                <ma14:wrappingTextBoxFlag xmlns="" xmlns:m="http://schemas.openxmlformats.org/officeDocument/2006/math" xmlns:a14="http://schemas.microsoft.com/office/drawing/2010/main" xmlns:ma14="http://schemas.microsoft.com/office/mac/drawingml/2011/main" val="1"/>
+                <ma14:wrappingTextBoxFlag xmlns:ma14="http://schemas.microsoft.com/office/mac/drawingml/2011/main" xmlns:a14="http://schemas.microsoft.com/office/drawing/2010/main" xmlns:m="http://schemas.openxmlformats.org/officeDocument/2006/math" xmlns="" val="1"/>
               </a:ext>
             </a:extLst>
           </p:spPr>
@@ -22915,7 +23220,7 @@
             </a:ln>
             <a:extLst>
               <a:ext uri="{C572A759-6A51-4108-AA02-DFA0A04FC94B}">
-                <ma14:wrappingTextBoxFlag xmlns="" xmlns:m="http://schemas.openxmlformats.org/officeDocument/2006/math" xmlns:a14="http://schemas.microsoft.com/office/drawing/2010/main" xmlns:ma14="http://schemas.microsoft.com/office/mac/drawingml/2011/main" val="1"/>
+                <ma14:wrappingTextBoxFlag xmlns:ma14="http://schemas.microsoft.com/office/mac/drawingml/2011/main" xmlns:a14="http://schemas.microsoft.com/office/drawing/2010/main" xmlns:m="http://schemas.openxmlformats.org/officeDocument/2006/math" xmlns="" val="1"/>
               </a:ext>
             </a:extLst>
           </p:spPr>
@@ -22967,7 +23272,7 @@
             </a:ln>
             <a:extLst>
               <a:ext uri="{C572A759-6A51-4108-AA02-DFA0A04FC94B}">
-                <ma14:wrappingTextBoxFlag xmlns="" xmlns:m="http://schemas.openxmlformats.org/officeDocument/2006/math" xmlns:a14="http://schemas.microsoft.com/office/drawing/2010/main" xmlns:ma14="http://schemas.microsoft.com/office/mac/drawingml/2011/main" val="1"/>
+                <ma14:wrappingTextBoxFlag xmlns:ma14="http://schemas.microsoft.com/office/mac/drawingml/2011/main" xmlns:a14="http://schemas.microsoft.com/office/drawing/2010/main" xmlns:m="http://schemas.openxmlformats.org/officeDocument/2006/math" xmlns="" val="1"/>
               </a:ext>
             </a:extLst>
           </p:spPr>
@@ -23015,7 +23320,7 @@
             </a:ln>
             <a:extLst>
               <a:ext uri="{C572A759-6A51-4108-AA02-DFA0A04FC94B}">
-                <ma14:wrappingTextBoxFlag xmlns="" xmlns:m="http://schemas.openxmlformats.org/officeDocument/2006/math" xmlns:a14="http://schemas.microsoft.com/office/drawing/2010/main" xmlns:ma14="http://schemas.microsoft.com/office/mac/drawingml/2011/main" val="1"/>
+                <ma14:wrappingTextBoxFlag xmlns:ma14="http://schemas.microsoft.com/office/mac/drawingml/2011/main" xmlns:a14="http://schemas.microsoft.com/office/drawing/2010/main" xmlns:m="http://schemas.openxmlformats.org/officeDocument/2006/math" xmlns="" val="1"/>
               </a:ext>
             </a:extLst>
           </p:spPr>
@@ -23069,7 +23374,7 @@
             </a:ln>
             <a:extLst>
               <a:ext uri="{C572A759-6A51-4108-AA02-DFA0A04FC94B}">
-                <ma14:wrappingTextBoxFlag xmlns="" xmlns:m="http://schemas.openxmlformats.org/officeDocument/2006/math" xmlns:a14="http://schemas.microsoft.com/office/drawing/2010/main" xmlns:ma14="http://schemas.microsoft.com/office/mac/drawingml/2011/main" val="1"/>
+                <ma14:wrappingTextBoxFlag xmlns:ma14="http://schemas.microsoft.com/office/mac/drawingml/2011/main" xmlns:a14="http://schemas.microsoft.com/office/drawing/2010/main" xmlns:m="http://schemas.openxmlformats.org/officeDocument/2006/math" xmlns="" val="1"/>
               </a:ext>
             </a:extLst>
           </p:spPr>
@@ -23126,7 +23431,7 @@
             </a:ln>
             <a:extLst>
               <a:ext uri="{C572A759-6A51-4108-AA02-DFA0A04FC94B}">
-                <ma14:wrappingTextBoxFlag xmlns="" xmlns:m="http://schemas.openxmlformats.org/officeDocument/2006/math" xmlns:a14="http://schemas.microsoft.com/office/drawing/2010/main" xmlns:ma14="http://schemas.microsoft.com/office/mac/drawingml/2011/main" val="1"/>
+                <ma14:wrappingTextBoxFlag xmlns:ma14="http://schemas.microsoft.com/office/mac/drawingml/2011/main" xmlns:a14="http://schemas.microsoft.com/office/drawing/2010/main" xmlns:m="http://schemas.openxmlformats.org/officeDocument/2006/math" xmlns="" val="1"/>
               </a:ext>
             </a:extLst>
           </p:spPr>
@@ -23184,7 +23489,7 @@
             </a:ln>
             <a:extLst>
               <a:ext uri="{C572A759-6A51-4108-AA02-DFA0A04FC94B}">
-                <ma14:wrappingTextBoxFlag xmlns="" xmlns:m="http://schemas.openxmlformats.org/officeDocument/2006/math" xmlns:a14="http://schemas.microsoft.com/office/drawing/2010/main" xmlns:ma14="http://schemas.microsoft.com/office/mac/drawingml/2011/main" val="1"/>
+                <ma14:wrappingTextBoxFlag xmlns:ma14="http://schemas.microsoft.com/office/mac/drawingml/2011/main" xmlns:a14="http://schemas.microsoft.com/office/drawing/2010/main" xmlns:m="http://schemas.openxmlformats.org/officeDocument/2006/math" xmlns="" val="1"/>
               </a:ext>
             </a:extLst>
           </p:spPr>
@@ -23265,7 +23570,7 @@
             </a:ln>
             <a:extLst>
               <a:ext uri="{C572A759-6A51-4108-AA02-DFA0A04FC94B}">
-                <ma14:wrappingTextBoxFlag xmlns="" xmlns:m="http://schemas.openxmlformats.org/officeDocument/2006/math" xmlns:a14="http://schemas.microsoft.com/office/drawing/2010/main" xmlns:ma14="http://schemas.microsoft.com/office/mac/drawingml/2011/main" val="1"/>
+                <ma14:wrappingTextBoxFlag xmlns:ma14="http://schemas.microsoft.com/office/mac/drawingml/2011/main" xmlns:a14="http://schemas.microsoft.com/office/drawing/2010/main" xmlns:m="http://schemas.openxmlformats.org/officeDocument/2006/math" xmlns="" val="1"/>
               </a:ext>
             </a:extLst>
           </p:spPr>
@@ -23323,7 +23628,7 @@
             </a:ln>
             <a:extLst>
               <a:ext uri="{C572A759-6A51-4108-AA02-DFA0A04FC94B}">
-                <ma14:wrappingTextBoxFlag xmlns="" xmlns:m="http://schemas.openxmlformats.org/officeDocument/2006/math" xmlns:a14="http://schemas.microsoft.com/office/drawing/2010/main" xmlns:ma14="http://schemas.microsoft.com/office/mac/drawingml/2011/main" val="1"/>
+                <ma14:wrappingTextBoxFlag xmlns:ma14="http://schemas.microsoft.com/office/mac/drawingml/2011/main" xmlns:a14="http://schemas.microsoft.com/office/drawing/2010/main" xmlns:m="http://schemas.openxmlformats.org/officeDocument/2006/math" xmlns="" val="1"/>
               </a:ext>
             </a:extLst>
           </p:spPr>
@@ -23381,7 +23686,7 @@
             </a:ln>
             <a:extLst>
               <a:ext uri="{C572A759-6A51-4108-AA02-DFA0A04FC94B}">
-                <ma14:wrappingTextBoxFlag xmlns="" xmlns:m="http://schemas.openxmlformats.org/officeDocument/2006/math" xmlns:a14="http://schemas.microsoft.com/office/drawing/2010/main" xmlns:ma14="http://schemas.microsoft.com/office/mac/drawingml/2011/main" val="1"/>
+                <ma14:wrappingTextBoxFlag xmlns:ma14="http://schemas.microsoft.com/office/mac/drawingml/2011/main" xmlns:a14="http://schemas.microsoft.com/office/drawing/2010/main" xmlns:m="http://schemas.openxmlformats.org/officeDocument/2006/math" xmlns="" val="1"/>
               </a:ext>
             </a:extLst>
           </p:spPr>
@@ -23439,7 +23744,7 @@
             </a:ln>
             <a:extLst>
               <a:ext uri="{C572A759-6A51-4108-AA02-DFA0A04FC94B}">
-                <ma14:wrappingTextBoxFlag xmlns="" xmlns:m="http://schemas.openxmlformats.org/officeDocument/2006/math" xmlns:a14="http://schemas.microsoft.com/office/drawing/2010/main" xmlns:ma14="http://schemas.microsoft.com/office/mac/drawingml/2011/main" val="1"/>
+                <ma14:wrappingTextBoxFlag xmlns:ma14="http://schemas.microsoft.com/office/mac/drawingml/2011/main" xmlns:a14="http://schemas.microsoft.com/office/drawing/2010/main" xmlns:m="http://schemas.openxmlformats.org/officeDocument/2006/math" xmlns="" val="1"/>
               </a:ext>
             </a:extLst>
           </p:spPr>
@@ -23487,7 +23792,7 @@
             </a:ln>
             <a:extLst>
               <a:ext uri="{C572A759-6A51-4108-AA02-DFA0A04FC94B}">
-                <ma14:wrappingTextBoxFlag xmlns="" xmlns:m="http://schemas.openxmlformats.org/officeDocument/2006/math" xmlns:a14="http://schemas.microsoft.com/office/drawing/2010/main" xmlns:ma14="http://schemas.microsoft.com/office/mac/drawingml/2011/main" val="1"/>
+                <ma14:wrappingTextBoxFlag xmlns:ma14="http://schemas.microsoft.com/office/mac/drawingml/2011/main" xmlns:a14="http://schemas.microsoft.com/office/drawing/2010/main" xmlns:m="http://schemas.openxmlformats.org/officeDocument/2006/math" xmlns="" val="1"/>
               </a:ext>
             </a:extLst>
           </p:spPr>
@@ -23535,7 +23840,7 @@
             </a:ln>
             <a:extLst>
               <a:ext uri="{C572A759-6A51-4108-AA02-DFA0A04FC94B}">
-                <ma14:wrappingTextBoxFlag xmlns="" xmlns:m="http://schemas.openxmlformats.org/officeDocument/2006/math" xmlns:a14="http://schemas.microsoft.com/office/drawing/2010/main" xmlns:ma14="http://schemas.microsoft.com/office/mac/drawingml/2011/main" val="1"/>
+                <ma14:wrappingTextBoxFlag xmlns:ma14="http://schemas.microsoft.com/office/mac/drawingml/2011/main" xmlns:a14="http://schemas.microsoft.com/office/drawing/2010/main" xmlns:m="http://schemas.openxmlformats.org/officeDocument/2006/math" xmlns="" val="1"/>
               </a:ext>
             </a:extLst>
           </p:spPr>
@@ -23589,7 +23894,7 @@
             </a:ln>
             <a:extLst>
               <a:ext uri="{C572A759-6A51-4108-AA02-DFA0A04FC94B}">
-                <ma14:wrappingTextBoxFlag xmlns="" xmlns:m="http://schemas.openxmlformats.org/officeDocument/2006/math" xmlns:a14="http://schemas.microsoft.com/office/drawing/2010/main" xmlns:ma14="http://schemas.microsoft.com/office/mac/drawingml/2011/main" val="1"/>
+                <ma14:wrappingTextBoxFlag xmlns:ma14="http://schemas.microsoft.com/office/mac/drawingml/2011/main" xmlns:a14="http://schemas.microsoft.com/office/drawing/2010/main" xmlns:m="http://schemas.openxmlformats.org/officeDocument/2006/math" xmlns="" val="1"/>
               </a:ext>
             </a:extLst>
           </p:spPr>
@@ -23643,7 +23948,7 @@
             </a:ln>
             <a:extLst>
               <a:ext uri="{C572A759-6A51-4108-AA02-DFA0A04FC94B}">
-                <ma14:wrappingTextBoxFlag xmlns="" xmlns:m="http://schemas.openxmlformats.org/officeDocument/2006/math" xmlns:a14="http://schemas.microsoft.com/office/drawing/2010/main" xmlns:ma14="http://schemas.microsoft.com/office/mac/drawingml/2011/main" val="1"/>
+                <ma14:wrappingTextBoxFlag xmlns:ma14="http://schemas.microsoft.com/office/mac/drawingml/2011/main" xmlns:a14="http://schemas.microsoft.com/office/drawing/2010/main" xmlns:m="http://schemas.openxmlformats.org/officeDocument/2006/math" xmlns="" val="1"/>
               </a:ext>
             </a:extLst>
           </p:spPr>
@@ -23696,7 +24001,7 @@
             </a:ln>
             <a:extLst>
               <a:ext uri="{C572A759-6A51-4108-AA02-DFA0A04FC94B}">
-                <ma14:wrappingTextBoxFlag xmlns="" xmlns:m="http://schemas.openxmlformats.org/officeDocument/2006/math" xmlns:a14="http://schemas.microsoft.com/office/drawing/2010/main" xmlns:ma14="http://schemas.microsoft.com/office/mac/drawingml/2011/main" val="1"/>
+                <ma14:wrappingTextBoxFlag xmlns:ma14="http://schemas.microsoft.com/office/mac/drawingml/2011/main" xmlns:a14="http://schemas.microsoft.com/office/drawing/2010/main" xmlns:m="http://schemas.openxmlformats.org/officeDocument/2006/math" xmlns="" val="1"/>
               </a:ext>
             </a:extLst>
           </p:spPr>
@@ -23749,7 +24054,7 @@
             </a:ln>
             <a:extLst>
               <a:ext uri="{C572A759-6A51-4108-AA02-DFA0A04FC94B}">
-                <ma14:wrappingTextBoxFlag xmlns="" xmlns:m="http://schemas.openxmlformats.org/officeDocument/2006/math" xmlns:a14="http://schemas.microsoft.com/office/drawing/2010/main" xmlns:ma14="http://schemas.microsoft.com/office/mac/drawingml/2011/main" val="1"/>
+                <ma14:wrappingTextBoxFlag xmlns:ma14="http://schemas.microsoft.com/office/mac/drawingml/2011/main" xmlns:a14="http://schemas.microsoft.com/office/drawing/2010/main" xmlns:m="http://schemas.openxmlformats.org/officeDocument/2006/math" xmlns="" val="1"/>
               </a:ext>
             </a:extLst>
           </p:spPr>
@@ -23802,7 +24107,7 @@
             </a:ln>
             <a:extLst>
               <a:ext uri="{C572A759-6A51-4108-AA02-DFA0A04FC94B}">
-                <ma14:wrappingTextBoxFlag xmlns="" xmlns:m="http://schemas.openxmlformats.org/officeDocument/2006/math" xmlns:a14="http://schemas.microsoft.com/office/drawing/2010/main" xmlns:ma14="http://schemas.microsoft.com/office/mac/drawingml/2011/main" val="1"/>
+                <ma14:wrappingTextBoxFlag xmlns:ma14="http://schemas.microsoft.com/office/mac/drawingml/2011/main" xmlns:a14="http://schemas.microsoft.com/office/drawing/2010/main" xmlns:m="http://schemas.openxmlformats.org/officeDocument/2006/math" xmlns="" val="1"/>
               </a:ext>
             </a:extLst>
           </p:spPr>
@@ -23979,7 +24284,7 @@
             </a:ln>
             <a:extLst>
               <a:ext uri="{C572A759-6A51-4108-AA02-DFA0A04FC94B}">
-                <ma14:wrappingTextBoxFlag xmlns="" xmlns:m="http://schemas.openxmlformats.org/officeDocument/2006/math" xmlns:a14="http://schemas.microsoft.com/office/drawing/2010/main" xmlns:ma14="http://schemas.microsoft.com/office/mac/drawingml/2011/main" val="1"/>
+                <ma14:wrappingTextBoxFlag xmlns:ma14="http://schemas.microsoft.com/office/mac/drawingml/2011/main" xmlns:a14="http://schemas.microsoft.com/office/drawing/2010/main" xmlns:m="http://schemas.openxmlformats.org/officeDocument/2006/math" xmlns="" val="1"/>
               </a:ext>
             </a:extLst>
           </p:spPr>
@@ -24027,7 +24332,7 @@
             </a:ln>
             <a:extLst>
               <a:ext uri="{C572A759-6A51-4108-AA02-DFA0A04FC94B}">
-                <ma14:wrappingTextBoxFlag xmlns="" xmlns:m="http://schemas.openxmlformats.org/officeDocument/2006/math" xmlns:a14="http://schemas.microsoft.com/office/drawing/2010/main" xmlns:ma14="http://schemas.microsoft.com/office/mac/drawingml/2011/main" val="1"/>
+                <ma14:wrappingTextBoxFlag xmlns:ma14="http://schemas.microsoft.com/office/mac/drawingml/2011/main" xmlns:a14="http://schemas.microsoft.com/office/drawing/2010/main" xmlns:m="http://schemas.openxmlformats.org/officeDocument/2006/math" xmlns="" val="1"/>
               </a:ext>
             </a:extLst>
           </p:spPr>
@@ -24075,7 +24380,7 @@
             </a:ln>
             <a:extLst>
               <a:ext uri="{C572A759-6A51-4108-AA02-DFA0A04FC94B}">
-                <ma14:wrappingTextBoxFlag xmlns="" xmlns:m="http://schemas.openxmlformats.org/officeDocument/2006/math" xmlns:a14="http://schemas.microsoft.com/office/drawing/2010/main" xmlns:ma14="http://schemas.microsoft.com/office/mac/drawingml/2011/main" val="1"/>
+                <ma14:wrappingTextBoxFlag xmlns:ma14="http://schemas.microsoft.com/office/mac/drawingml/2011/main" xmlns:a14="http://schemas.microsoft.com/office/drawing/2010/main" xmlns:m="http://schemas.openxmlformats.org/officeDocument/2006/math" xmlns="" val="1"/>
               </a:ext>
             </a:extLst>
           </p:spPr>
@@ -24127,7 +24432,7 @@
             </a:ln>
             <a:extLst>
               <a:ext uri="{C572A759-6A51-4108-AA02-DFA0A04FC94B}">
-                <ma14:wrappingTextBoxFlag xmlns="" xmlns:m="http://schemas.openxmlformats.org/officeDocument/2006/math" xmlns:a14="http://schemas.microsoft.com/office/drawing/2010/main" xmlns:ma14="http://schemas.microsoft.com/office/mac/drawingml/2011/main" val="1"/>
+                <ma14:wrappingTextBoxFlag xmlns:ma14="http://schemas.microsoft.com/office/mac/drawingml/2011/main" xmlns:a14="http://schemas.microsoft.com/office/drawing/2010/main" xmlns:m="http://schemas.openxmlformats.org/officeDocument/2006/math" xmlns="" val="1"/>
               </a:ext>
             </a:extLst>
           </p:spPr>
@@ -24175,7 +24480,7 @@
             </a:ln>
             <a:extLst>
               <a:ext uri="{C572A759-6A51-4108-AA02-DFA0A04FC94B}">
-                <ma14:wrappingTextBoxFlag xmlns="" xmlns:m="http://schemas.openxmlformats.org/officeDocument/2006/math" xmlns:a14="http://schemas.microsoft.com/office/drawing/2010/main" xmlns:ma14="http://schemas.microsoft.com/office/mac/drawingml/2011/main" val="1"/>
+                <ma14:wrappingTextBoxFlag xmlns:ma14="http://schemas.microsoft.com/office/mac/drawingml/2011/main" xmlns:a14="http://schemas.microsoft.com/office/drawing/2010/main" xmlns:m="http://schemas.openxmlformats.org/officeDocument/2006/math" xmlns="" val="1"/>
               </a:ext>
             </a:extLst>
           </p:spPr>
@@ -24223,7 +24528,7 @@
             </a:ln>
             <a:extLst>
               <a:ext uri="{C572A759-6A51-4108-AA02-DFA0A04FC94B}">
-                <ma14:wrappingTextBoxFlag xmlns="" xmlns:m="http://schemas.openxmlformats.org/officeDocument/2006/math" xmlns:a14="http://schemas.microsoft.com/office/drawing/2010/main" xmlns:ma14="http://schemas.microsoft.com/office/mac/drawingml/2011/main" val="1"/>
+                <ma14:wrappingTextBoxFlag xmlns:ma14="http://schemas.microsoft.com/office/mac/drawingml/2011/main" xmlns:a14="http://schemas.microsoft.com/office/drawing/2010/main" xmlns:m="http://schemas.openxmlformats.org/officeDocument/2006/math" xmlns="" val="1"/>
               </a:ext>
             </a:extLst>
           </p:spPr>
@@ -24280,7 +24585,7 @@
             </a:ln>
             <a:extLst>
               <a:ext uri="{C572A759-6A51-4108-AA02-DFA0A04FC94B}">
-                <ma14:wrappingTextBoxFlag xmlns="" xmlns:m="http://schemas.openxmlformats.org/officeDocument/2006/math" xmlns:a14="http://schemas.microsoft.com/office/drawing/2010/main" xmlns:ma14="http://schemas.microsoft.com/office/mac/drawingml/2011/main" val="1"/>
+                <ma14:wrappingTextBoxFlag xmlns:ma14="http://schemas.microsoft.com/office/mac/drawingml/2011/main" xmlns:a14="http://schemas.microsoft.com/office/drawing/2010/main" xmlns:m="http://schemas.openxmlformats.org/officeDocument/2006/math" xmlns="" val="1"/>
               </a:ext>
             </a:extLst>
           </p:spPr>
@@ -24338,7 +24643,7 @@
             </a:ln>
             <a:extLst>
               <a:ext uri="{C572A759-6A51-4108-AA02-DFA0A04FC94B}">
-                <ma14:wrappingTextBoxFlag xmlns="" xmlns:m="http://schemas.openxmlformats.org/officeDocument/2006/math" xmlns:a14="http://schemas.microsoft.com/office/drawing/2010/main" xmlns:ma14="http://schemas.microsoft.com/office/mac/drawingml/2011/main" val="1"/>
+                <ma14:wrappingTextBoxFlag xmlns:ma14="http://schemas.microsoft.com/office/mac/drawingml/2011/main" xmlns:a14="http://schemas.microsoft.com/office/drawing/2010/main" xmlns:m="http://schemas.openxmlformats.org/officeDocument/2006/math" xmlns="" val="1"/>
               </a:ext>
             </a:extLst>
           </p:spPr>
@@ -24386,7 +24691,7 @@
             </a:ln>
             <a:extLst>
               <a:ext uri="{C572A759-6A51-4108-AA02-DFA0A04FC94B}">
-                <ma14:wrappingTextBoxFlag xmlns="" xmlns:m="http://schemas.openxmlformats.org/officeDocument/2006/math" xmlns:a14="http://schemas.microsoft.com/office/drawing/2010/main" xmlns:ma14="http://schemas.microsoft.com/office/mac/drawingml/2011/main" val="1"/>
+                <ma14:wrappingTextBoxFlag xmlns:ma14="http://schemas.microsoft.com/office/mac/drawingml/2011/main" xmlns:a14="http://schemas.microsoft.com/office/drawing/2010/main" xmlns:m="http://schemas.openxmlformats.org/officeDocument/2006/math" xmlns="" val="1"/>
               </a:ext>
             </a:extLst>
           </p:spPr>
@@ -24434,7 +24739,7 @@
             </a:ln>
             <a:extLst>
               <a:ext uri="{C572A759-6A51-4108-AA02-DFA0A04FC94B}">
-                <ma14:wrappingTextBoxFlag xmlns="" xmlns:m="http://schemas.openxmlformats.org/officeDocument/2006/math" xmlns:a14="http://schemas.microsoft.com/office/drawing/2010/main" xmlns:ma14="http://schemas.microsoft.com/office/mac/drawingml/2011/main" val="1"/>
+                <ma14:wrappingTextBoxFlag xmlns:ma14="http://schemas.microsoft.com/office/mac/drawingml/2011/main" xmlns:a14="http://schemas.microsoft.com/office/drawing/2010/main" xmlns:m="http://schemas.openxmlformats.org/officeDocument/2006/math" xmlns="" val="1"/>
               </a:ext>
             </a:extLst>
           </p:spPr>
@@ -24482,7 +24787,7 @@
             </a:ln>
             <a:extLst>
               <a:ext uri="{C572A759-6A51-4108-AA02-DFA0A04FC94B}">
-                <ma14:wrappingTextBoxFlag xmlns="" xmlns:m="http://schemas.openxmlformats.org/officeDocument/2006/math" xmlns:a14="http://schemas.microsoft.com/office/drawing/2010/main" xmlns:ma14="http://schemas.microsoft.com/office/mac/drawingml/2011/main" val="1"/>
+                <ma14:wrappingTextBoxFlag xmlns:ma14="http://schemas.microsoft.com/office/mac/drawingml/2011/main" xmlns:a14="http://schemas.microsoft.com/office/drawing/2010/main" xmlns:m="http://schemas.openxmlformats.org/officeDocument/2006/math" xmlns="" val="1"/>
               </a:ext>
             </a:extLst>
           </p:spPr>
@@ -24540,7 +24845,7 @@
             </a:ln>
             <a:extLst>
               <a:ext uri="{C572A759-6A51-4108-AA02-DFA0A04FC94B}">
-                <ma14:wrappingTextBoxFlag xmlns="" xmlns:m="http://schemas.openxmlformats.org/officeDocument/2006/math" xmlns:a14="http://schemas.microsoft.com/office/drawing/2010/main" xmlns:ma14="http://schemas.microsoft.com/office/mac/drawingml/2011/main" val="1"/>
+                <ma14:wrappingTextBoxFlag xmlns:ma14="http://schemas.microsoft.com/office/mac/drawingml/2011/main" xmlns:a14="http://schemas.microsoft.com/office/drawing/2010/main" xmlns:m="http://schemas.openxmlformats.org/officeDocument/2006/math" xmlns="" val="1"/>
               </a:ext>
             </a:extLst>
           </p:spPr>
@@ -24597,7 +24902,7 @@
             </a:ln>
             <a:extLst>
               <a:ext uri="{C572A759-6A51-4108-AA02-DFA0A04FC94B}">
-                <ma14:wrappingTextBoxFlag xmlns="" xmlns:m="http://schemas.openxmlformats.org/officeDocument/2006/math" xmlns:a14="http://schemas.microsoft.com/office/drawing/2010/main" xmlns:ma14="http://schemas.microsoft.com/office/mac/drawingml/2011/main" val="1"/>
+                <ma14:wrappingTextBoxFlag xmlns:ma14="http://schemas.microsoft.com/office/mac/drawingml/2011/main" xmlns:a14="http://schemas.microsoft.com/office/drawing/2010/main" xmlns:m="http://schemas.openxmlformats.org/officeDocument/2006/math" xmlns="" val="1"/>
               </a:ext>
             </a:extLst>
           </p:spPr>
@@ -24645,7 +24950,7 @@
             </a:ln>
             <a:extLst>
               <a:ext uri="{C572A759-6A51-4108-AA02-DFA0A04FC94B}">
-                <ma14:wrappingTextBoxFlag xmlns="" xmlns:m="http://schemas.openxmlformats.org/officeDocument/2006/math" xmlns:a14="http://schemas.microsoft.com/office/drawing/2010/main" xmlns:ma14="http://schemas.microsoft.com/office/mac/drawingml/2011/main" val="1"/>
+                <ma14:wrappingTextBoxFlag xmlns:ma14="http://schemas.microsoft.com/office/mac/drawingml/2011/main" xmlns:a14="http://schemas.microsoft.com/office/drawing/2010/main" xmlns:m="http://schemas.openxmlformats.org/officeDocument/2006/math" xmlns="" val="1"/>
               </a:ext>
             </a:extLst>
           </p:spPr>
@@ -24697,7 +25002,7 @@
             </a:ln>
             <a:extLst>
               <a:ext uri="{C572A759-6A51-4108-AA02-DFA0A04FC94B}">
-                <ma14:wrappingTextBoxFlag xmlns="" xmlns:m="http://schemas.openxmlformats.org/officeDocument/2006/math" xmlns:a14="http://schemas.microsoft.com/office/drawing/2010/main" xmlns:ma14="http://schemas.microsoft.com/office/mac/drawingml/2011/main" val="1"/>
+                <ma14:wrappingTextBoxFlag xmlns:ma14="http://schemas.microsoft.com/office/mac/drawingml/2011/main" xmlns:a14="http://schemas.microsoft.com/office/drawing/2010/main" xmlns:m="http://schemas.openxmlformats.org/officeDocument/2006/math" xmlns="" val="1"/>
               </a:ext>
             </a:extLst>
           </p:spPr>
@@ -24755,7 +25060,7 @@
             </a:ln>
             <a:extLst>
               <a:ext uri="{C572A759-6A51-4108-AA02-DFA0A04FC94B}">
-                <ma14:wrappingTextBoxFlag xmlns="" xmlns:m="http://schemas.openxmlformats.org/officeDocument/2006/math" xmlns:a14="http://schemas.microsoft.com/office/drawing/2010/main" xmlns:ma14="http://schemas.microsoft.com/office/mac/drawingml/2011/main" val="1"/>
+                <ma14:wrappingTextBoxFlag xmlns:ma14="http://schemas.microsoft.com/office/mac/drawingml/2011/main" xmlns:a14="http://schemas.microsoft.com/office/drawing/2010/main" xmlns:m="http://schemas.openxmlformats.org/officeDocument/2006/math" xmlns="" val="1"/>
               </a:ext>
             </a:extLst>
           </p:spPr>
@@ -24803,7 +25108,7 @@
             </a:ln>
             <a:extLst>
               <a:ext uri="{C572A759-6A51-4108-AA02-DFA0A04FC94B}">
-                <ma14:wrappingTextBoxFlag xmlns="" xmlns:m="http://schemas.openxmlformats.org/officeDocument/2006/math" xmlns:a14="http://schemas.microsoft.com/office/drawing/2010/main" xmlns:ma14="http://schemas.microsoft.com/office/mac/drawingml/2011/main" val="1"/>
+                <ma14:wrappingTextBoxFlag xmlns:ma14="http://schemas.microsoft.com/office/mac/drawingml/2011/main" xmlns:a14="http://schemas.microsoft.com/office/drawing/2010/main" xmlns:m="http://schemas.openxmlformats.org/officeDocument/2006/math" xmlns="" val="1"/>
               </a:ext>
             </a:extLst>
           </p:spPr>
@@ -24856,7 +25161,7 @@
             </a:ln>
             <a:extLst>
               <a:ext uri="{C572A759-6A51-4108-AA02-DFA0A04FC94B}">
-                <ma14:wrappingTextBoxFlag xmlns="" xmlns:m="http://schemas.openxmlformats.org/officeDocument/2006/math" xmlns:a14="http://schemas.microsoft.com/office/drawing/2010/main" xmlns:ma14="http://schemas.microsoft.com/office/mac/drawingml/2011/main" val="1"/>
+                <ma14:wrappingTextBoxFlag xmlns:ma14="http://schemas.microsoft.com/office/mac/drawingml/2011/main" xmlns:a14="http://schemas.microsoft.com/office/drawing/2010/main" xmlns:m="http://schemas.openxmlformats.org/officeDocument/2006/math" xmlns="" val="1"/>
               </a:ext>
             </a:extLst>
           </p:spPr>
@@ -24904,7 +25209,7 @@
             </a:ln>
             <a:extLst>
               <a:ext uri="{C572A759-6A51-4108-AA02-DFA0A04FC94B}">
-                <ma14:wrappingTextBoxFlag xmlns="" xmlns:m="http://schemas.openxmlformats.org/officeDocument/2006/math" xmlns:a14="http://schemas.microsoft.com/office/drawing/2010/main" xmlns:ma14="http://schemas.microsoft.com/office/mac/drawingml/2011/main" val="1"/>
+                <ma14:wrappingTextBoxFlag xmlns:ma14="http://schemas.microsoft.com/office/mac/drawingml/2011/main" xmlns:a14="http://schemas.microsoft.com/office/drawing/2010/main" xmlns:m="http://schemas.openxmlformats.org/officeDocument/2006/math" xmlns="" val="1"/>
               </a:ext>
             </a:extLst>
           </p:spPr>
@@ -24956,7 +25261,7 @@
             </a:ln>
             <a:extLst>
               <a:ext uri="{C572A759-6A51-4108-AA02-DFA0A04FC94B}">
-                <ma14:wrappingTextBoxFlag xmlns="" xmlns:m="http://schemas.openxmlformats.org/officeDocument/2006/math" xmlns:a14="http://schemas.microsoft.com/office/drawing/2010/main" xmlns:ma14="http://schemas.microsoft.com/office/mac/drawingml/2011/main" val="1"/>
+                <ma14:wrappingTextBoxFlag xmlns:ma14="http://schemas.microsoft.com/office/mac/drawingml/2011/main" xmlns:a14="http://schemas.microsoft.com/office/drawing/2010/main" xmlns:m="http://schemas.openxmlformats.org/officeDocument/2006/math" xmlns="" val="1"/>
               </a:ext>
             </a:extLst>
           </p:spPr>
@@ -25004,7 +25309,7 @@
             </a:ln>
             <a:extLst>
               <a:ext uri="{C572A759-6A51-4108-AA02-DFA0A04FC94B}">
-                <ma14:wrappingTextBoxFlag xmlns="" xmlns:m="http://schemas.openxmlformats.org/officeDocument/2006/math" xmlns:a14="http://schemas.microsoft.com/office/drawing/2010/main" xmlns:ma14="http://schemas.microsoft.com/office/mac/drawingml/2011/main" val="1"/>
+                <ma14:wrappingTextBoxFlag xmlns:ma14="http://schemas.microsoft.com/office/mac/drawingml/2011/main" xmlns:a14="http://schemas.microsoft.com/office/drawing/2010/main" xmlns:m="http://schemas.openxmlformats.org/officeDocument/2006/math" xmlns="" val="1"/>
               </a:ext>
             </a:extLst>
           </p:spPr>
@@ -25058,7 +25363,7 @@
             </a:ln>
             <a:extLst>
               <a:ext uri="{C572A759-6A51-4108-AA02-DFA0A04FC94B}">
-                <ma14:wrappingTextBoxFlag xmlns="" xmlns:m="http://schemas.openxmlformats.org/officeDocument/2006/math" xmlns:a14="http://schemas.microsoft.com/office/drawing/2010/main" xmlns:ma14="http://schemas.microsoft.com/office/mac/drawingml/2011/main" val="1"/>
+                <ma14:wrappingTextBoxFlag xmlns:ma14="http://schemas.microsoft.com/office/mac/drawingml/2011/main" xmlns:a14="http://schemas.microsoft.com/office/drawing/2010/main" xmlns:m="http://schemas.openxmlformats.org/officeDocument/2006/math" xmlns="" val="1"/>
               </a:ext>
             </a:extLst>
           </p:spPr>
@@ -25115,7 +25420,7 @@
             </a:ln>
             <a:extLst>
               <a:ext uri="{C572A759-6A51-4108-AA02-DFA0A04FC94B}">
-                <ma14:wrappingTextBoxFlag xmlns="" xmlns:m="http://schemas.openxmlformats.org/officeDocument/2006/math" xmlns:a14="http://schemas.microsoft.com/office/drawing/2010/main" xmlns:ma14="http://schemas.microsoft.com/office/mac/drawingml/2011/main" val="1"/>
+                <ma14:wrappingTextBoxFlag xmlns:ma14="http://schemas.microsoft.com/office/mac/drawingml/2011/main" xmlns:a14="http://schemas.microsoft.com/office/drawing/2010/main" xmlns:m="http://schemas.openxmlformats.org/officeDocument/2006/math" xmlns="" val="1"/>
               </a:ext>
             </a:extLst>
           </p:spPr>
@@ -25173,7 +25478,7 @@
             </a:ln>
             <a:extLst>
               <a:ext uri="{C572A759-6A51-4108-AA02-DFA0A04FC94B}">
-                <ma14:wrappingTextBoxFlag xmlns="" xmlns:m="http://schemas.openxmlformats.org/officeDocument/2006/math" xmlns:a14="http://schemas.microsoft.com/office/drawing/2010/main" xmlns:ma14="http://schemas.microsoft.com/office/mac/drawingml/2011/main" val="1"/>
+                <ma14:wrappingTextBoxFlag xmlns:ma14="http://schemas.microsoft.com/office/mac/drawingml/2011/main" xmlns:a14="http://schemas.microsoft.com/office/drawing/2010/main" xmlns:m="http://schemas.openxmlformats.org/officeDocument/2006/math" xmlns="" val="1"/>
               </a:ext>
             </a:extLst>
           </p:spPr>
@@ -25254,7 +25559,7 @@
             </a:ln>
             <a:extLst>
               <a:ext uri="{C572A759-6A51-4108-AA02-DFA0A04FC94B}">
-                <ma14:wrappingTextBoxFlag xmlns="" xmlns:m="http://schemas.openxmlformats.org/officeDocument/2006/math" xmlns:a14="http://schemas.microsoft.com/office/drawing/2010/main" xmlns:ma14="http://schemas.microsoft.com/office/mac/drawingml/2011/main" val="1"/>
+                <ma14:wrappingTextBoxFlag xmlns:ma14="http://schemas.microsoft.com/office/mac/drawingml/2011/main" xmlns:a14="http://schemas.microsoft.com/office/drawing/2010/main" xmlns:m="http://schemas.openxmlformats.org/officeDocument/2006/math" xmlns="" val="1"/>
               </a:ext>
             </a:extLst>
           </p:spPr>
@@ -25312,7 +25617,7 @@
             </a:ln>
             <a:extLst>
               <a:ext uri="{C572A759-6A51-4108-AA02-DFA0A04FC94B}">
-                <ma14:wrappingTextBoxFlag xmlns="" xmlns:m="http://schemas.openxmlformats.org/officeDocument/2006/math" xmlns:a14="http://schemas.microsoft.com/office/drawing/2010/main" xmlns:ma14="http://schemas.microsoft.com/office/mac/drawingml/2011/main" val="1"/>
+                <ma14:wrappingTextBoxFlag xmlns:ma14="http://schemas.microsoft.com/office/mac/drawingml/2011/main" xmlns:a14="http://schemas.microsoft.com/office/drawing/2010/main" xmlns:m="http://schemas.openxmlformats.org/officeDocument/2006/math" xmlns="" val="1"/>
               </a:ext>
             </a:extLst>
           </p:spPr>
@@ -25370,7 +25675,7 @@
             </a:ln>
             <a:extLst>
               <a:ext uri="{C572A759-6A51-4108-AA02-DFA0A04FC94B}">
-                <ma14:wrappingTextBoxFlag xmlns="" xmlns:m="http://schemas.openxmlformats.org/officeDocument/2006/math" xmlns:a14="http://schemas.microsoft.com/office/drawing/2010/main" xmlns:ma14="http://schemas.microsoft.com/office/mac/drawingml/2011/main" val="1"/>
+                <ma14:wrappingTextBoxFlag xmlns:ma14="http://schemas.microsoft.com/office/mac/drawingml/2011/main" xmlns:a14="http://schemas.microsoft.com/office/drawing/2010/main" xmlns:m="http://schemas.openxmlformats.org/officeDocument/2006/math" xmlns="" val="1"/>
               </a:ext>
             </a:extLst>
           </p:spPr>
@@ -25428,7 +25733,7 @@
             </a:ln>
             <a:extLst>
               <a:ext uri="{C572A759-6A51-4108-AA02-DFA0A04FC94B}">
-                <ma14:wrappingTextBoxFlag xmlns="" xmlns:m="http://schemas.openxmlformats.org/officeDocument/2006/math" xmlns:a14="http://schemas.microsoft.com/office/drawing/2010/main" xmlns:ma14="http://schemas.microsoft.com/office/mac/drawingml/2011/main" val="1"/>
+                <ma14:wrappingTextBoxFlag xmlns:ma14="http://schemas.microsoft.com/office/mac/drawingml/2011/main" xmlns:a14="http://schemas.microsoft.com/office/drawing/2010/main" xmlns:m="http://schemas.openxmlformats.org/officeDocument/2006/math" xmlns="" val="1"/>
               </a:ext>
             </a:extLst>
           </p:spPr>
@@ -25476,7 +25781,7 @@
             </a:ln>
             <a:extLst>
               <a:ext uri="{C572A759-6A51-4108-AA02-DFA0A04FC94B}">
-                <ma14:wrappingTextBoxFlag xmlns="" xmlns:m="http://schemas.openxmlformats.org/officeDocument/2006/math" xmlns:a14="http://schemas.microsoft.com/office/drawing/2010/main" xmlns:ma14="http://schemas.microsoft.com/office/mac/drawingml/2011/main" val="1"/>
+                <ma14:wrappingTextBoxFlag xmlns:ma14="http://schemas.microsoft.com/office/mac/drawingml/2011/main" xmlns:a14="http://schemas.microsoft.com/office/drawing/2010/main" xmlns:m="http://schemas.openxmlformats.org/officeDocument/2006/math" xmlns="" val="1"/>
               </a:ext>
             </a:extLst>
           </p:spPr>
@@ -25524,7 +25829,7 @@
             </a:ln>
             <a:extLst>
               <a:ext uri="{C572A759-6A51-4108-AA02-DFA0A04FC94B}">
-                <ma14:wrappingTextBoxFlag xmlns="" xmlns:m="http://schemas.openxmlformats.org/officeDocument/2006/math" xmlns:a14="http://schemas.microsoft.com/office/drawing/2010/main" xmlns:ma14="http://schemas.microsoft.com/office/mac/drawingml/2011/main" val="1"/>
+                <ma14:wrappingTextBoxFlag xmlns:ma14="http://schemas.microsoft.com/office/mac/drawingml/2011/main" xmlns:a14="http://schemas.microsoft.com/office/drawing/2010/main" xmlns:m="http://schemas.openxmlformats.org/officeDocument/2006/math" xmlns="" val="1"/>
               </a:ext>
             </a:extLst>
           </p:spPr>
@@ -25578,7 +25883,7 @@
             </a:ln>
             <a:extLst>
               <a:ext uri="{C572A759-6A51-4108-AA02-DFA0A04FC94B}">
-                <ma14:wrappingTextBoxFlag xmlns="" xmlns:m="http://schemas.openxmlformats.org/officeDocument/2006/math" xmlns:a14="http://schemas.microsoft.com/office/drawing/2010/main" xmlns:ma14="http://schemas.microsoft.com/office/mac/drawingml/2011/main" val="1"/>
+                <ma14:wrappingTextBoxFlag xmlns:ma14="http://schemas.microsoft.com/office/mac/drawingml/2011/main" xmlns:a14="http://schemas.microsoft.com/office/drawing/2010/main" xmlns:m="http://schemas.openxmlformats.org/officeDocument/2006/math" xmlns="" val="1"/>
               </a:ext>
             </a:extLst>
           </p:spPr>
@@ -25632,7 +25937,7 @@
             </a:ln>
             <a:extLst>
               <a:ext uri="{C572A759-6A51-4108-AA02-DFA0A04FC94B}">
-                <ma14:wrappingTextBoxFlag xmlns="" xmlns:m="http://schemas.openxmlformats.org/officeDocument/2006/math" xmlns:a14="http://schemas.microsoft.com/office/drawing/2010/main" xmlns:ma14="http://schemas.microsoft.com/office/mac/drawingml/2011/main" val="1"/>
+                <ma14:wrappingTextBoxFlag xmlns:ma14="http://schemas.microsoft.com/office/mac/drawingml/2011/main" xmlns:a14="http://schemas.microsoft.com/office/drawing/2010/main" xmlns:m="http://schemas.openxmlformats.org/officeDocument/2006/math" xmlns="" val="1"/>
               </a:ext>
             </a:extLst>
           </p:spPr>
@@ -25685,7 +25990,7 @@
             </a:ln>
             <a:extLst>
               <a:ext uri="{C572A759-6A51-4108-AA02-DFA0A04FC94B}">
-                <ma14:wrappingTextBoxFlag xmlns="" xmlns:m="http://schemas.openxmlformats.org/officeDocument/2006/math" xmlns:a14="http://schemas.microsoft.com/office/drawing/2010/main" xmlns:ma14="http://schemas.microsoft.com/office/mac/drawingml/2011/main" val="1"/>
+                <ma14:wrappingTextBoxFlag xmlns:ma14="http://schemas.microsoft.com/office/mac/drawingml/2011/main" xmlns:a14="http://schemas.microsoft.com/office/drawing/2010/main" xmlns:m="http://schemas.openxmlformats.org/officeDocument/2006/math" xmlns="" val="1"/>
               </a:ext>
             </a:extLst>
           </p:spPr>
@@ -25738,7 +26043,7 @@
             </a:ln>
             <a:extLst>
               <a:ext uri="{C572A759-6A51-4108-AA02-DFA0A04FC94B}">
-                <ma14:wrappingTextBoxFlag xmlns="" xmlns:m="http://schemas.openxmlformats.org/officeDocument/2006/math" xmlns:a14="http://schemas.microsoft.com/office/drawing/2010/main" xmlns:ma14="http://schemas.microsoft.com/office/mac/drawingml/2011/main" val="1"/>
+                <ma14:wrappingTextBoxFlag xmlns:ma14="http://schemas.microsoft.com/office/mac/drawingml/2011/main" xmlns:a14="http://schemas.microsoft.com/office/drawing/2010/main" xmlns:m="http://schemas.openxmlformats.org/officeDocument/2006/math" xmlns="" val="1"/>
               </a:ext>
             </a:extLst>
           </p:spPr>
@@ -25791,7 +26096,7 @@
             </a:ln>
             <a:extLst>
               <a:ext uri="{C572A759-6A51-4108-AA02-DFA0A04FC94B}">
-                <ma14:wrappingTextBoxFlag xmlns="" xmlns:m="http://schemas.openxmlformats.org/officeDocument/2006/math" xmlns:a14="http://schemas.microsoft.com/office/drawing/2010/main" xmlns:ma14="http://schemas.microsoft.com/office/mac/drawingml/2011/main" val="1"/>
+                <ma14:wrappingTextBoxFlag xmlns:ma14="http://schemas.microsoft.com/office/mac/drawingml/2011/main" xmlns:a14="http://schemas.microsoft.com/office/drawing/2010/main" xmlns:m="http://schemas.openxmlformats.org/officeDocument/2006/math" xmlns="" val="1"/>
               </a:ext>
             </a:extLst>
           </p:spPr>
@@ -26065,7 +26370,7 @@
             </a:ln>
             <a:extLst>
               <a:ext uri="{C572A759-6A51-4108-AA02-DFA0A04FC94B}">
-                <ma14:wrappingTextBoxFlag xmlns="" xmlns:ma14="http://schemas.microsoft.com/office/mac/drawingml/2011/main" xmlns:a14="http://schemas.microsoft.com/office/drawing/2010/main" xmlns:m="http://schemas.openxmlformats.org/officeDocument/2006/math" val="1"/>
+                <ma14:wrappingTextBoxFlag xmlns:m="http://schemas.openxmlformats.org/officeDocument/2006/math" xmlns:a14="http://schemas.microsoft.com/office/drawing/2010/main" xmlns:ma14="http://schemas.microsoft.com/office/mac/drawingml/2011/main" xmlns="" val="1"/>
               </a:ext>
             </a:extLst>
           </p:spPr>
@@ -26113,7 +26418,7 @@
             </a:ln>
             <a:extLst>
               <a:ext uri="{C572A759-6A51-4108-AA02-DFA0A04FC94B}">
-                <ma14:wrappingTextBoxFlag xmlns="" xmlns:ma14="http://schemas.microsoft.com/office/mac/drawingml/2011/main" xmlns:a14="http://schemas.microsoft.com/office/drawing/2010/main" xmlns:m="http://schemas.openxmlformats.org/officeDocument/2006/math" val="1"/>
+                <ma14:wrappingTextBoxFlag xmlns:m="http://schemas.openxmlformats.org/officeDocument/2006/math" xmlns:a14="http://schemas.microsoft.com/office/drawing/2010/main" xmlns:ma14="http://schemas.microsoft.com/office/mac/drawingml/2011/main" xmlns="" val="1"/>
               </a:ext>
             </a:extLst>
           </p:spPr>
@@ -26161,7 +26466,7 @@
             </a:ln>
             <a:extLst>
               <a:ext uri="{C572A759-6A51-4108-AA02-DFA0A04FC94B}">
-                <ma14:wrappingTextBoxFlag xmlns="" xmlns:ma14="http://schemas.microsoft.com/office/mac/drawingml/2011/main" xmlns:a14="http://schemas.microsoft.com/office/drawing/2010/main" xmlns:m="http://schemas.openxmlformats.org/officeDocument/2006/math" val="1"/>
+                <ma14:wrappingTextBoxFlag xmlns:m="http://schemas.openxmlformats.org/officeDocument/2006/math" xmlns:a14="http://schemas.microsoft.com/office/drawing/2010/main" xmlns:ma14="http://schemas.microsoft.com/office/mac/drawingml/2011/main" xmlns="" val="1"/>
               </a:ext>
             </a:extLst>
           </p:spPr>
@@ -26213,7 +26518,7 @@
             </a:ln>
             <a:extLst>
               <a:ext uri="{C572A759-6A51-4108-AA02-DFA0A04FC94B}">
-                <ma14:wrappingTextBoxFlag xmlns="" xmlns:ma14="http://schemas.microsoft.com/office/mac/drawingml/2011/main" xmlns:a14="http://schemas.microsoft.com/office/drawing/2010/main" xmlns:m="http://schemas.openxmlformats.org/officeDocument/2006/math" val="1"/>
+                <ma14:wrappingTextBoxFlag xmlns:m="http://schemas.openxmlformats.org/officeDocument/2006/math" xmlns:a14="http://schemas.microsoft.com/office/drawing/2010/main" xmlns:ma14="http://schemas.microsoft.com/office/mac/drawingml/2011/main" xmlns="" val="1"/>
               </a:ext>
             </a:extLst>
           </p:spPr>
@@ -26261,7 +26566,7 @@
             </a:ln>
             <a:extLst>
               <a:ext uri="{C572A759-6A51-4108-AA02-DFA0A04FC94B}">
-                <ma14:wrappingTextBoxFlag xmlns="" xmlns:ma14="http://schemas.microsoft.com/office/mac/drawingml/2011/main" xmlns:a14="http://schemas.microsoft.com/office/drawing/2010/main" xmlns:m="http://schemas.openxmlformats.org/officeDocument/2006/math" val="1"/>
+                <ma14:wrappingTextBoxFlag xmlns:m="http://schemas.openxmlformats.org/officeDocument/2006/math" xmlns:a14="http://schemas.microsoft.com/office/drawing/2010/main" xmlns:ma14="http://schemas.microsoft.com/office/mac/drawingml/2011/main" xmlns="" val="1"/>
               </a:ext>
             </a:extLst>
           </p:spPr>
@@ -26309,7 +26614,7 @@
             </a:ln>
             <a:extLst>
               <a:ext uri="{C572A759-6A51-4108-AA02-DFA0A04FC94B}">
-                <ma14:wrappingTextBoxFlag xmlns="" xmlns:ma14="http://schemas.microsoft.com/office/mac/drawingml/2011/main" xmlns:a14="http://schemas.microsoft.com/office/drawing/2010/main" xmlns:m="http://schemas.openxmlformats.org/officeDocument/2006/math" val="1"/>
+                <ma14:wrappingTextBoxFlag xmlns:m="http://schemas.openxmlformats.org/officeDocument/2006/math" xmlns:a14="http://schemas.microsoft.com/office/drawing/2010/main" xmlns:ma14="http://schemas.microsoft.com/office/mac/drawingml/2011/main" xmlns="" val="1"/>
               </a:ext>
             </a:extLst>
           </p:spPr>
@@ -26366,7 +26671,7 @@
             </a:ln>
             <a:extLst>
               <a:ext uri="{C572A759-6A51-4108-AA02-DFA0A04FC94B}">
-                <ma14:wrappingTextBoxFlag xmlns="" xmlns:ma14="http://schemas.microsoft.com/office/mac/drawingml/2011/main" xmlns:a14="http://schemas.microsoft.com/office/drawing/2010/main" xmlns:m="http://schemas.openxmlformats.org/officeDocument/2006/math" val="1"/>
+                <ma14:wrappingTextBoxFlag xmlns:m="http://schemas.openxmlformats.org/officeDocument/2006/math" xmlns:a14="http://schemas.microsoft.com/office/drawing/2010/main" xmlns:ma14="http://schemas.microsoft.com/office/mac/drawingml/2011/main" xmlns="" val="1"/>
               </a:ext>
             </a:extLst>
           </p:spPr>
@@ -26424,7 +26729,7 @@
             </a:ln>
             <a:extLst>
               <a:ext uri="{C572A759-6A51-4108-AA02-DFA0A04FC94B}">
-                <ma14:wrappingTextBoxFlag xmlns="" xmlns:ma14="http://schemas.microsoft.com/office/mac/drawingml/2011/main" xmlns:a14="http://schemas.microsoft.com/office/drawing/2010/main" xmlns:m="http://schemas.openxmlformats.org/officeDocument/2006/math" val="1"/>
+                <ma14:wrappingTextBoxFlag xmlns:m="http://schemas.openxmlformats.org/officeDocument/2006/math" xmlns:a14="http://schemas.microsoft.com/office/drawing/2010/main" xmlns:ma14="http://schemas.microsoft.com/office/mac/drawingml/2011/main" xmlns="" val="1"/>
               </a:ext>
             </a:extLst>
           </p:spPr>
@@ -26472,7 +26777,7 @@
             </a:ln>
             <a:extLst>
               <a:ext uri="{C572A759-6A51-4108-AA02-DFA0A04FC94B}">
-                <ma14:wrappingTextBoxFlag xmlns="" xmlns:ma14="http://schemas.microsoft.com/office/mac/drawingml/2011/main" xmlns:a14="http://schemas.microsoft.com/office/drawing/2010/main" xmlns:m="http://schemas.openxmlformats.org/officeDocument/2006/math" val="1"/>
+                <ma14:wrappingTextBoxFlag xmlns:m="http://schemas.openxmlformats.org/officeDocument/2006/math" xmlns:a14="http://schemas.microsoft.com/office/drawing/2010/main" xmlns:ma14="http://schemas.microsoft.com/office/mac/drawingml/2011/main" xmlns="" val="1"/>
               </a:ext>
             </a:extLst>
           </p:spPr>
@@ -26520,7 +26825,7 @@
             </a:ln>
             <a:extLst>
               <a:ext uri="{C572A759-6A51-4108-AA02-DFA0A04FC94B}">
-                <ma14:wrappingTextBoxFlag xmlns="" xmlns:ma14="http://schemas.microsoft.com/office/mac/drawingml/2011/main" xmlns:a14="http://schemas.microsoft.com/office/drawing/2010/main" xmlns:m="http://schemas.openxmlformats.org/officeDocument/2006/math" val="1"/>
+                <ma14:wrappingTextBoxFlag xmlns:m="http://schemas.openxmlformats.org/officeDocument/2006/math" xmlns:a14="http://schemas.microsoft.com/office/drawing/2010/main" xmlns:ma14="http://schemas.microsoft.com/office/mac/drawingml/2011/main" xmlns="" val="1"/>
               </a:ext>
             </a:extLst>
           </p:spPr>
@@ -26568,7 +26873,7 @@
             </a:ln>
             <a:extLst>
               <a:ext uri="{C572A759-6A51-4108-AA02-DFA0A04FC94B}">
-                <ma14:wrappingTextBoxFlag xmlns="" xmlns:ma14="http://schemas.microsoft.com/office/mac/drawingml/2011/main" xmlns:a14="http://schemas.microsoft.com/office/drawing/2010/main" xmlns:m="http://schemas.openxmlformats.org/officeDocument/2006/math" val="1"/>
+                <ma14:wrappingTextBoxFlag xmlns:m="http://schemas.openxmlformats.org/officeDocument/2006/math" xmlns:a14="http://schemas.microsoft.com/office/drawing/2010/main" xmlns:ma14="http://schemas.microsoft.com/office/mac/drawingml/2011/main" xmlns="" val="1"/>
               </a:ext>
             </a:extLst>
           </p:spPr>
@@ -26626,7 +26931,7 @@
             </a:ln>
             <a:extLst>
               <a:ext uri="{C572A759-6A51-4108-AA02-DFA0A04FC94B}">
-                <ma14:wrappingTextBoxFlag xmlns="" xmlns:ma14="http://schemas.microsoft.com/office/mac/drawingml/2011/main" xmlns:a14="http://schemas.microsoft.com/office/drawing/2010/main" xmlns:m="http://schemas.openxmlformats.org/officeDocument/2006/math" val="1"/>
+                <ma14:wrappingTextBoxFlag xmlns:m="http://schemas.openxmlformats.org/officeDocument/2006/math" xmlns:a14="http://schemas.microsoft.com/office/drawing/2010/main" xmlns:ma14="http://schemas.microsoft.com/office/mac/drawingml/2011/main" xmlns="" val="1"/>
               </a:ext>
             </a:extLst>
           </p:spPr>
@@ -26683,7 +26988,7 @@
             </a:ln>
             <a:extLst>
               <a:ext uri="{C572A759-6A51-4108-AA02-DFA0A04FC94B}">
-                <ma14:wrappingTextBoxFlag xmlns="" xmlns:ma14="http://schemas.microsoft.com/office/mac/drawingml/2011/main" xmlns:a14="http://schemas.microsoft.com/office/drawing/2010/main" xmlns:m="http://schemas.openxmlformats.org/officeDocument/2006/math" val="1"/>
+                <ma14:wrappingTextBoxFlag xmlns:m="http://schemas.openxmlformats.org/officeDocument/2006/math" xmlns:a14="http://schemas.microsoft.com/office/drawing/2010/main" xmlns:ma14="http://schemas.microsoft.com/office/mac/drawingml/2011/main" xmlns="" val="1"/>
               </a:ext>
             </a:extLst>
           </p:spPr>
@@ -26731,7 +27036,7 @@
             </a:ln>
             <a:extLst>
               <a:ext uri="{C572A759-6A51-4108-AA02-DFA0A04FC94B}">
-                <ma14:wrappingTextBoxFlag xmlns="" xmlns:ma14="http://schemas.microsoft.com/office/mac/drawingml/2011/main" xmlns:a14="http://schemas.microsoft.com/office/drawing/2010/main" xmlns:m="http://schemas.openxmlformats.org/officeDocument/2006/math" val="1"/>
+                <ma14:wrappingTextBoxFlag xmlns:m="http://schemas.openxmlformats.org/officeDocument/2006/math" xmlns:a14="http://schemas.microsoft.com/office/drawing/2010/main" xmlns:ma14="http://schemas.microsoft.com/office/mac/drawingml/2011/main" xmlns="" val="1"/>
               </a:ext>
             </a:extLst>
           </p:spPr>
@@ -26783,7 +27088,7 @@
             </a:ln>
             <a:extLst>
               <a:ext uri="{C572A759-6A51-4108-AA02-DFA0A04FC94B}">
-                <ma14:wrappingTextBoxFlag xmlns="" xmlns:ma14="http://schemas.microsoft.com/office/mac/drawingml/2011/main" xmlns:a14="http://schemas.microsoft.com/office/drawing/2010/main" xmlns:m="http://schemas.openxmlformats.org/officeDocument/2006/math" val="1"/>
+                <ma14:wrappingTextBoxFlag xmlns:m="http://schemas.openxmlformats.org/officeDocument/2006/math" xmlns:a14="http://schemas.microsoft.com/office/drawing/2010/main" xmlns:ma14="http://schemas.microsoft.com/office/mac/drawingml/2011/main" xmlns="" val="1"/>
               </a:ext>
             </a:extLst>
           </p:spPr>
@@ -26841,7 +27146,7 @@
             </a:ln>
             <a:extLst>
               <a:ext uri="{C572A759-6A51-4108-AA02-DFA0A04FC94B}">
-                <ma14:wrappingTextBoxFlag xmlns="" xmlns:ma14="http://schemas.microsoft.com/office/mac/drawingml/2011/main" xmlns:a14="http://schemas.microsoft.com/office/drawing/2010/main" xmlns:m="http://schemas.openxmlformats.org/officeDocument/2006/math" val="1"/>
+                <ma14:wrappingTextBoxFlag xmlns:m="http://schemas.openxmlformats.org/officeDocument/2006/math" xmlns:a14="http://schemas.microsoft.com/office/drawing/2010/main" xmlns:ma14="http://schemas.microsoft.com/office/mac/drawingml/2011/main" xmlns="" val="1"/>
               </a:ext>
             </a:extLst>
           </p:spPr>
@@ -26889,7 +27194,7 @@
             </a:ln>
             <a:extLst>
               <a:ext uri="{C572A759-6A51-4108-AA02-DFA0A04FC94B}">
-                <ma14:wrappingTextBoxFlag xmlns="" xmlns:ma14="http://schemas.microsoft.com/office/mac/drawingml/2011/main" xmlns:a14="http://schemas.microsoft.com/office/drawing/2010/main" xmlns:m="http://schemas.openxmlformats.org/officeDocument/2006/math" val="1"/>
+                <ma14:wrappingTextBoxFlag xmlns:m="http://schemas.openxmlformats.org/officeDocument/2006/math" xmlns:a14="http://schemas.microsoft.com/office/drawing/2010/main" xmlns:ma14="http://schemas.microsoft.com/office/mac/drawingml/2011/main" xmlns="" val="1"/>
               </a:ext>
             </a:extLst>
           </p:spPr>
@@ -26942,7 +27247,7 @@
             </a:ln>
             <a:extLst>
               <a:ext uri="{C572A759-6A51-4108-AA02-DFA0A04FC94B}">
-                <ma14:wrappingTextBoxFlag xmlns="" xmlns:ma14="http://schemas.microsoft.com/office/mac/drawingml/2011/main" xmlns:a14="http://schemas.microsoft.com/office/drawing/2010/main" xmlns:m="http://schemas.openxmlformats.org/officeDocument/2006/math" val="1"/>
+                <ma14:wrappingTextBoxFlag xmlns:m="http://schemas.openxmlformats.org/officeDocument/2006/math" xmlns:a14="http://schemas.microsoft.com/office/drawing/2010/main" xmlns:ma14="http://schemas.microsoft.com/office/mac/drawingml/2011/main" xmlns="" val="1"/>
               </a:ext>
             </a:extLst>
           </p:spPr>
@@ -26990,7 +27295,7 @@
             </a:ln>
             <a:extLst>
               <a:ext uri="{C572A759-6A51-4108-AA02-DFA0A04FC94B}">
-                <ma14:wrappingTextBoxFlag xmlns="" xmlns:ma14="http://schemas.microsoft.com/office/mac/drawingml/2011/main" xmlns:a14="http://schemas.microsoft.com/office/drawing/2010/main" xmlns:m="http://schemas.openxmlformats.org/officeDocument/2006/math" val="1"/>
+                <ma14:wrappingTextBoxFlag xmlns:m="http://schemas.openxmlformats.org/officeDocument/2006/math" xmlns:a14="http://schemas.microsoft.com/office/drawing/2010/main" xmlns:ma14="http://schemas.microsoft.com/office/mac/drawingml/2011/main" xmlns="" val="1"/>
               </a:ext>
             </a:extLst>
           </p:spPr>
@@ -27042,7 +27347,7 @@
             </a:ln>
             <a:extLst>
               <a:ext uri="{C572A759-6A51-4108-AA02-DFA0A04FC94B}">
-                <ma14:wrappingTextBoxFlag xmlns="" xmlns:ma14="http://schemas.microsoft.com/office/mac/drawingml/2011/main" xmlns:a14="http://schemas.microsoft.com/office/drawing/2010/main" xmlns:m="http://schemas.openxmlformats.org/officeDocument/2006/math" val="1"/>
+                <ma14:wrappingTextBoxFlag xmlns:m="http://schemas.openxmlformats.org/officeDocument/2006/math" xmlns:a14="http://schemas.microsoft.com/office/drawing/2010/main" xmlns:ma14="http://schemas.microsoft.com/office/mac/drawingml/2011/main" xmlns="" val="1"/>
               </a:ext>
             </a:extLst>
           </p:spPr>
@@ -27090,7 +27395,7 @@
             </a:ln>
             <a:extLst>
               <a:ext uri="{C572A759-6A51-4108-AA02-DFA0A04FC94B}">
-                <ma14:wrappingTextBoxFlag xmlns="" xmlns:ma14="http://schemas.microsoft.com/office/mac/drawingml/2011/main" xmlns:a14="http://schemas.microsoft.com/office/drawing/2010/main" xmlns:m="http://schemas.openxmlformats.org/officeDocument/2006/math" val="1"/>
+                <ma14:wrappingTextBoxFlag xmlns:m="http://schemas.openxmlformats.org/officeDocument/2006/math" xmlns:a14="http://schemas.microsoft.com/office/drawing/2010/main" xmlns:ma14="http://schemas.microsoft.com/office/mac/drawingml/2011/main" xmlns="" val="1"/>
               </a:ext>
             </a:extLst>
           </p:spPr>
@@ -27144,7 +27449,7 @@
             </a:ln>
             <a:extLst>
               <a:ext uri="{C572A759-6A51-4108-AA02-DFA0A04FC94B}">
-                <ma14:wrappingTextBoxFlag xmlns="" xmlns:ma14="http://schemas.microsoft.com/office/mac/drawingml/2011/main" xmlns:a14="http://schemas.microsoft.com/office/drawing/2010/main" xmlns:m="http://schemas.openxmlformats.org/officeDocument/2006/math" val="1"/>
+                <ma14:wrappingTextBoxFlag xmlns:m="http://schemas.openxmlformats.org/officeDocument/2006/math" xmlns:a14="http://schemas.microsoft.com/office/drawing/2010/main" xmlns:ma14="http://schemas.microsoft.com/office/mac/drawingml/2011/main" xmlns="" val="1"/>
               </a:ext>
             </a:extLst>
           </p:spPr>
@@ -27201,7 +27506,7 @@
             </a:ln>
             <a:extLst>
               <a:ext uri="{C572A759-6A51-4108-AA02-DFA0A04FC94B}">
-                <ma14:wrappingTextBoxFlag xmlns="" xmlns:ma14="http://schemas.microsoft.com/office/mac/drawingml/2011/main" xmlns:a14="http://schemas.microsoft.com/office/drawing/2010/main" xmlns:m="http://schemas.openxmlformats.org/officeDocument/2006/math" val="1"/>
+                <ma14:wrappingTextBoxFlag xmlns:m="http://schemas.openxmlformats.org/officeDocument/2006/math" xmlns:a14="http://schemas.microsoft.com/office/drawing/2010/main" xmlns:ma14="http://schemas.microsoft.com/office/mac/drawingml/2011/main" xmlns="" val="1"/>
               </a:ext>
             </a:extLst>
           </p:spPr>
@@ -27259,7 +27564,7 @@
             </a:ln>
             <a:extLst>
               <a:ext uri="{C572A759-6A51-4108-AA02-DFA0A04FC94B}">
-                <ma14:wrappingTextBoxFlag xmlns="" xmlns:ma14="http://schemas.microsoft.com/office/mac/drawingml/2011/main" xmlns:a14="http://schemas.microsoft.com/office/drawing/2010/main" xmlns:m="http://schemas.openxmlformats.org/officeDocument/2006/math" val="1"/>
+                <ma14:wrappingTextBoxFlag xmlns:m="http://schemas.openxmlformats.org/officeDocument/2006/math" xmlns:a14="http://schemas.microsoft.com/office/drawing/2010/main" xmlns:ma14="http://schemas.microsoft.com/office/mac/drawingml/2011/main" xmlns="" val="1"/>
               </a:ext>
             </a:extLst>
           </p:spPr>
@@ -27340,7 +27645,7 @@
             </a:ln>
             <a:extLst>
               <a:ext uri="{C572A759-6A51-4108-AA02-DFA0A04FC94B}">
-                <ma14:wrappingTextBoxFlag xmlns="" xmlns:ma14="http://schemas.microsoft.com/office/mac/drawingml/2011/main" xmlns:a14="http://schemas.microsoft.com/office/drawing/2010/main" xmlns:m="http://schemas.openxmlformats.org/officeDocument/2006/math" val="1"/>
+                <ma14:wrappingTextBoxFlag xmlns:m="http://schemas.openxmlformats.org/officeDocument/2006/math" xmlns:a14="http://schemas.microsoft.com/office/drawing/2010/main" xmlns:ma14="http://schemas.microsoft.com/office/mac/drawingml/2011/main" xmlns="" val="1"/>
               </a:ext>
             </a:extLst>
           </p:spPr>
@@ -27398,7 +27703,7 @@
             </a:ln>
             <a:extLst>
               <a:ext uri="{C572A759-6A51-4108-AA02-DFA0A04FC94B}">
-                <ma14:wrappingTextBoxFlag xmlns="" xmlns:ma14="http://schemas.microsoft.com/office/mac/drawingml/2011/main" xmlns:a14="http://schemas.microsoft.com/office/drawing/2010/main" xmlns:m="http://schemas.openxmlformats.org/officeDocument/2006/math" val="1"/>
+                <ma14:wrappingTextBoxFlag xmlns:m="http://schemas.openxmlformats.org/officeDocument/2006/math" xmlns:a14="http://schemas.microsoft.com/office/drawing/2010/main" xmlns:ma14="http://schemas.microsoft.com/office/mac/drawingml/2011/main" xmlns="" val="1"/>
               </a:ext>
             </a:extLst>
           </p:spPr>
@@ -27456,7 +27761,7 @@
             </a:ln>
             <a:extLst>
               <a:ext uri="{C572A759-6A51-4108-AA02-DFA0A04FC94B}">
-                <ma14:wrappingTextBoxFlag xmlns="" xmlns:ma14="http://schemas.microsoft.com/office/mac/drawingml/2011/main" xmlns:a14="http://schemas.microsoft.com/office/drawing/2010/main" xmlns:m="http://schemas.openxmlformats.org/officeDocument/2006/math" val="1"/>
+                <ma14:wrappingTextBoxFlag xmlns:m="http://schemas.openxmlformats.org/officeDocument/2006/math" xmlns:a14="http://schemas.microsoft.com/office/drawing/2010/main" xmlns:ma14="http://schemas.microsoft.com/office/mac/drawingml/2011/main" xmlns="" val="1"/>
               </a:ext>
             </a:extLst>
           </p:spPr>
@@ -27514,7 +27819,7 @@
             </a:ln>
             <a:extLst>
               <a:ext uri="{C572A759-6A51-4108-AA02-DFA0A04FC94B}">
-                <ma14:wrappingTextBoxFlag xmlns="" xmlns:ma14="http://schemas.microsoft.com/office/mac/drawingml/2011/main" xmlns:a14="http://schemas.microsoft.com/office/drawing/2010/main" xmlns:m="http://schemas.openxmlformats.org/officeDocument/2006/math" val="1"/>
+                <ma14:wrappingTextBoxFlag xmlns:m="http://schemas.openxmlformats.org/officeDocument/2006/math" xmlns:a14="http://schemas.microsoft.com/office/drawing/2010/main" xmlns:ma14="http://schemas.microsoft.com/office/mac/drawingml/2011/main" xmlns="" val="1"/>
               </a:ext>
             </a:extLst>
           </p:spPr>
@@ -27562,7 +27867,7 @@
             </a:ln>
             <a:extLst>
               <a:ext uri="{C572A759-6A51-4108-AA02-DFA0A04FC94B}">
-                <ma14:wrappingTextBoxFlag xmlns="" xmlns:ma14="http://schemas.microsoft.com/office/mac/drawingml/2011/main" xmlns:a14="http://schemas.microsoft.com/office/drawing/2010/main" xmlns:m="http://schemas.openxmlformats.org/officeDocument/2006/math" val="1"/>
+                <ma14:wrappingTextBoxFlag xmlns:m="http://schemas.openxmlformats.org/officeDocument/2006/math" xmlns:a14="http://schemas.microsoft.com/office/drawing/2010/main" xmlns:ma14="http://schemas.microsoft.com/office/mac/drawingml/2011/main" xmlns="" val="1"/>
               </a:ext>
             </a:extLst>
           </p:spPr>
@@ -27610,7 +27915,7 @@
             </a:ln>
             <a:extLst>
               <a:ext uri="{C572A759-6A51-4108-AA02-DFA0A04FC94B}">
-                <ma14:wrappingTextBoxFlag xmlns="" xmlns:ma14="http://schemas.microsoft.com/office/mac/drawingml/2011/main" xmlns:a14="http://schemas.microsoft.com/office/drawing/2010/main" xmlns:m="http://schemas.openxmlformats.org/officeDocument/2006/math" val="1"/>
+                <ma14:wrappingTextBoxFlag xmlns:m="http://schemas.openxmlformats.org/officeDocument/2006/math" xmlns:a14="http://schemas.microsoft.com/office/drawing/2010/main" xmlns:ma14="http://schemas.microsoft.com/office/mac/drawingml/2011/main" xmlns="" val="1"/>
               </a:ext>
             </a:extLst>
           </p:spPr>
@@ -27664,7 +27969,7 @@
             </a:ln>
             <a:extLst>
               <a:ext uri="{C572A759-6A51-4108-AA02-DFA0A04FC94B}">
-                <ma14:wrappingTextBoxFlag xmlns="" xmlns:ma14="http://schemas.microsoft.com/office/mac/drawingml/2011/main" xmlns:a14="http://schemas.microsoft.com/office/drawing/2010/main" xmlns:m="http://schemas.openxmlformats.org/officeDocument/2006/math" val="1"/>
+                <ma14:wrappingTextBoxFlag xmlns:m="http://schemas.openxmlformats.org/officeDocument/2006/math" xmlns:a14="http://schemas.microsoft.com/office/drawing/2010/main" xmlns:ma14="http://schemas.microsoft.com/office/mac/drawingml/2011/main" xmlns="" val="1"/>
               </a:ext>
             </a:extLst>
           </p:spPr>
@@ -27718,7 +28023,7 @@
             </a:ln>
             <a:extLst>
               <a:ext uri="{C572A759-6A51-4108-AA02-DFA0A04FC94B}">
-                <ma14:wrappingTextBoxFlag xmlns="" xmlns:ma14="http://schemas.microsoft.com/office/mac/drawingml/2011/main" xmlns:a14="http://schemas.microsoft.com/office/drawing/2010/main" xmlns:m="http://schemas.openxmlformats.org/officeDocument/2006/math" val="1"/>
+                <ma14:wrappingTextBoxFlag xmlns:m="http://schemas.openxmlformats.org/officeDocument/2006/math" xmlns:a14="http://schemas.microsoft.com/office/drawing/2010/main" xmlns:ma14="http://schemas.microsoft.com/office/mac/drawingml/2011/main" xmlns="" val="1"/>
               </a:ext>
             </a:extLst>
           </p:spPr>
@@ -27771,7 +28076,7 @@
             </a:ln>
             <a:extLst>
               <a:ext uri="{C572A759-6A51-4108-AA02-DFA0A04FC94B}">
-                <ma14:wrappingTextBoxFlag xmlns="" xmlns:ma14="http://schemas.microsoft.com/office/mac/drawingml/2011/main" xmlns:a14="http://schemas.microsoft.com/office/drawing/2010/main" xmlns:m="http://schemas.openxmlformats.org/officeDocument/2006/math" val="1"/>
+                <ma14:wrappingTextBoxFlag xmlns:m="http://schemas.openxmlformats.org/officeDocument/2006/math" xmlns:a14="http://schemas.microsoft.com/office/drawing/2010/main" xmlns:ma14="http://schemas.microsoft.com/office/mac/drawingml/2011/main" xmlns="" val="1"/>
               </a:ext>
             </a:extLst>
           </p:spPr>
@@ -27824,7 +28129,7 @@
             </a:ln>
             <a:extLst>
               <a:ext uri="{C572A759-6A51-4108-AA02-DFA0A04FC94B}">
-                <ma14:wrappingTextBoxFlag xmlns="" xmlns:ma14="http://schemas.microsoft.com/office/mac/drawingml/2011/main" xmlns:a14="http://schemas.microsoft.com/office/drawing/2010/main" xmlns:m="http://schemas.openxmlformats.org/officeDocument/2006/math" val="1"/>
+                <ma14:wrappingTextBoxFlag xmlns:m="http://schemas.openxmlformats.org/officeDocument/2006/math" xmlns:a14="http://schemas.microsoft.com/office/drawing/2010/main" xmlns:ma14="http://schemas.microsoft.com/office/mac/drawingml/2011/main" xmlns="" val="1"/>
               </a:ext>
             </a:extLst>
           </p:spPr>
@@ -27877,7 +28182,7 @@
             </a:ln>
             <a:extLst>
               <a:ext uri="{C572A759-6A51-4108-AA02-DFA0A04FC94B}">
-                <ma14:wrappingTextBoxFlag xmlns="" xmlns:ma14="http://schemas.microsoft.com/office/mac/drawingml/2011/main" xmlns:a14="http://schemas.microsoft.com/office/drawing/2010/main" xmlns:m="http://schemas.openxmlformats.org/officeDocument/2006/math" val="1"/>
+                <ma14:wrappingTextBoxFlag xmlns:m="http://schemas.openxmlformats.org/officeDocument/2006/math" xmlns:a14="http://schemas.microsoft.com/office/drawing/2010/main" xmlns:ma14="http://schemas.microsoft.com/office/mac/drawingml/2011/main" xmlns="" val="1"/>
               </a:ext>
             </a:extLst>
           </p:spPr>
@@ -28181,7 +28486,7 @@
             </a:ln>
             <a:extLst>
               <a:ext uri="{C572A759-6A51-4108-AA02-DFA0A04FC94B}">
-                <ma14:wrappingTextBoxFlag xmlns="" xmlns:m="http://schemas.openxmlformats.org/officeDocument/2006/math" xmlns:a14="http://schemas.microsoft.com/office/drawing/2010/main" xmlns:ma14="http://schemas.microsoft.com/office/mac/drawingml/2011/main" val="1"/>
+                <ma14:wrappingTextBoxFlag xmlns:ma14="http://schemas.microsoft.com/office/mac/drawingml/2011/main" xmlns:a14="http://schemas.microsoft.com/office/drawing/2010/main" xmlns:m="http://schemas.openxmlformats.org/officeDocument/2006/math" xmlns="" val="1"/>
               </a:ext>
             </a:extLst>
           </p:spPr>
@@ -28229,7 +28534,7 @@
             </a:ln>
             <a:extLst>
               <a:ext uri="{C572A759-6A51-4108-AA02-DFA0A04FC94B}">
-                <ma14:wrappingTextBoxFlag xmlns="" xmlns:m="http://schemas.openxmlformats.org/officeDocument/2006/math" xmlns:a14="http://schemas.microsoft.com/office/drawing/2010/main" xmlns:ma14="http://schemas.microsoft.com/office/mac/drawingml/2011/main" val="1"/>
+                <ma14:wrappingTextBoxFlag xmlns:ma14="http://schemas.microsoft.com/office/mac/drawingml/2011/main" xmlns:a14="http://schemas.microsoft.com/office/drawing/2010/main" xmlns:m="http://schemas.openxmlformats.org/officeDocument/2006/math" xmlns="" val="1"/>
               </a:ext>
             </a:extLst>
           </p:spPr>
@@ -28277,7 +28582,7 @@
             </a:ln>
             <a:extLst>
               <a:ext uri="{C572A759-6A51-4108-AA02-DFA0A04FC94B}">
-                <ma14:wrappingTextBoxFlag xmlns="" xmlns:m="http://schemas.openxmlformats.org/officeDocument/2006/math" xmlns:a14="http://schemas.microsoft.com/office/drawing/2010/main" xmlns:ma14="http://schemas.microsoft.com/office/mac/drawingml/2011/main" val="1"/>
+                <ma14:wrappingTextBoxFlag xmlns:ma14="http://schemas.microsoft.com/office/mac/drawingml/2011/main" xmlns:a14="http://schemas.microsoft.com/office/drawing/2010/main" xmlns:m="http://schemas.openxmlformats.org/officeDocument/2006/math" xmlns="" val="1"/>
               </a:ext>
             </a:extLst>
           </p:spPr>
@@ -28329,7 +28634,7 @@
             </a:ln>
             <a:extLst>
               <a:ext uri="{C572A759-6A51-4108-AA02-DFA0A04FC94B}">
-                <ma14:wrappingTextBoxFlag xmlns="" xmlns:m="http://schemas.openxmlformats.org/officeDocument/2006/math" xmlns:a14="http://schemas.microsoft.com/office/drawing/2010/main" xmlns:ma14="http://schemas.microsoft.com/office/mac/drawingml/2011/main" val="1"/>
+                <ma14:wrappingTextBoxFlag xmlns:ma14="http://schemas.microsoft.com/office/mac/drawingml/2011/main" xmlns:a14="http://schemas.microsoft.com/office/drawing/2010/main" xmlns:m="http://schemas.openxmlformats.org/officeDocument/2006/math" xmlns="" val="1"/>
               </a:ext>
             </a:extLst>
           </p:spPr>
@@ -28377,7 +28682,7 @@
             </a:ln>
             <a:extLst>
               <a:ext uri="{C572A759-6A51-4108-AA02-DFA0A04FC94B}">
-                <ma14:wrappingTextBoxFlag xmlns="" xmlns:m="http://schemas.openxmlformats.org/officeDocument/2006/math" xmlns:a14="http://schemas.microsoft.com/office/drawing/2010/main" xmlns:ma14="http://schemas.microsoft.com/office/mac/drawingml/2011/main" val="1"/>
+                <ma14:wrappingTextBoxFlag xmlns:ma14="http://schemas.microsoft.com/office/mac/drawingml/2011/main" xmlns:a14="http://schemas.microsoft.com/office/drawing/2010/main" xmlns:m="http://schemas.openxmlformats.org/officeDocument/2006/math" xmlns="" val="1"/>
               </a:ext>
             </a:extLst>
           </p:spPr>
@@ -28425,7 +28730,7 @@
             </a:ln>
             <a:extLst>
               <a:ext uri="{C572A759-6A51-4108-AA02-DFA0A04FC94B}">
-                <ma14:wrappingTextBoxFlag xmlns="" xmlns:m="http://schemas.openxmlformats.org/officeDocument/2006/math" xmlns:a14="http://schemas.microsoft.com/office/drawing/2010/main" xmlns:ma14="http://schemas.microsoft.com/office/mac/drawingml/2011/main" val="1"/>
+                <ma14:wrappingTextBoxFlag xmlns:ma14="http://schemas.microsoft.com/office/mac/drawingml/2011/main" xmlns:a14="http://schemas.microsoft.com/office/drawing/2010/main" xmlns:m="http://schemas.openxmlformats.org/officeDocument/2006/math" xmlns="" val="1"/>
               </a:ext>
             </a:extLst>
           </p:spPr>
@@ -28482,7 +28787,7 @@
             </a:ln>
             <a:extLst>
               <a:ext uri="{C572A759-6A51-4108-AA02-DFA0A04FC94B}">
-                <ma14:wrappingTextBoxFlag xmlns="" xmlns:m="http://schemas.openxmlformats.org/officeDocument/2006/math" xmlns:a14="http://schemas.microsoft.com/office/drawing/2010/main" xmlns:ma14="http://schemas.microsoft.com/office/mac/drawingml/2011/main" val="1"/>
+                <ma14:wrappingTextBoxFlag xmlns:ma14="http://schemas.microsoft.com/office/mac/drawingml/2011/main" xmlns:a14="http://schemas.microsoft.com/office/drawing/2010/main" xmlns:m="http://schemas.openxmlformats.org/officeDocument/2006/math" xmlns="" val="1"/>
               </a:ext>
             </a:extLst>
           </p:spPr>
@@ -28540,7 +28845,7 @@
             </a:ln>
             <a:extLst>
               <a:ext uri="{C572A759-6A51-4108-AA02-DFA0A04FC94B}">
-                <ma14:wrappingTextBoxFlag xmlns="" xmlns:m="http://schemas.openxmlformats.org/officeDocument/2006/math" xmlns:a14="http://schemas.microsoft.com/office/drawing/2010/main" xmlns:ma14="http://schemas.microsoft.com/office/mac/drawingml/2011/main" val="1"/>
+                <ma14:wrappingTextBoxFlag xmlns:ma14="http://schemas.microsoft.com/office/mac/drawingml/2011/main" xmlns:a14="http://schemas.microsoft.com/office/drawing/2010/main" xmlns:m="http://schemas.openxmlformats.org/officeDocument/2006/math" xmlns="" val="1"/>
               </a:ext>
             </a:extLst>
           </p:spPr>
@@ -28588,7 +28893,7 @@
             </a:ln>
             <a:extLst>
               <a:ext uri="{C572A759-6A51-4108-AA02-DFA0A04FC94B}">
-                <ma14:wrappingTextBoxFlag xmlns="" xmlns:m="http://schemas.openxmlformats.org/officeDocument/2006/math" xmlns:a14="http://schemas.microsoft.com/office/drawing/2010/main" xmlns:ma14="http://schemas.microsoft.com/office/mac/drawingml/2011/main" val="1"/>
+                <ma14:wrappingTextBoxFlag xmlns:ma14="http://schemas.microsoft.com/office/mac/drawingml/2011/main" xmlns:a14="http://schemas.microsoft.com/office/drawing/2010/main" xmlns:m="http://schemas.openxmlformats.org/officeDocument/2006/math" xmlns="" val="1"/>
               </a:ext>
             </a:extLst>
           </p:spPr>
@@ -28636,7 +28941,7 @@
             </a:ln>
             <a:extLst>
               <a:ext uri="{C572A759-6A51-4108-AA02-DFA0A04FC94B}">
-                <ma14:wrappingTextBoxFlag xmlns="" xmlns:m="http://schemas.openxmlformats.org/officeDocument/2006/math" xmlns:a14="http://schemas.microsoft.com/office/drawing/2010/main" xmlns:ma14="http://schemas.microsoft.com/office/mac/drawingml/2011/main" val="1"/>
+                <ma14:wrappingTextBoxFlag xmlns:ma14="http://schemas.microsoft.com/office/mac/drawingml/2011/main" xmlns:a14="http://schemas.microsoft.com/office/drawing/2010/main" xmlns:m="http://schemas.openxmlformats.org/officeDocument/2006/math" xmlns="" val="1"/>
               </a:ext>
             </a:extLst>
           </p:spPr>
@@ -28684,7 +28989,7 @@
             </a:ln>
             <a:extLst>
               <a:ext uri="{C572A759-6A51-4108-AA02-DFA0A04FC94B}">
-                <ma14:wrappingTextBoxFlag xmlns="" xmlns:m="http://schemas.openxmlformats.org/officeDocument/2006/math" xmlns:a14="http://schemas.microsoft.com/office/drawing/2010/main" xmlns:ma14="http://schemas.microsoft.com/office/mac/drawingml/2011/main" val="1"/>
+                <ma14:wrappingTextBoxFlag xmlns:ma14="http://schemas.microsoft.com/office/mac/drawingml/2011/main" xmlns:a14="http://schemas.microsoft.com/office/drawing/2010/main" xmlns:m="http://schemas.openxmlformats.org/officeDocument/2006/math" xmlns="" val="1"/>
               </a:ext>
             </a:extLst>
           </p:spPr>
@@ -28742,7 +29047,7 @@
             </a:ln>
             <a:extLst>
               <a:ext uri="{C572A759-6A51-4108-AA02-DFA0A04FC94B}">
-                <ma14:wrappingTextBoxFlag xmlns="" xmlns:m="http://schemas.openxmlformats.org/officeDocument/2006/math" xmlns:a14="http://schemas.microsoft.com/office/drawing/2010/main" xmlns:ma14="http://schemas.microsoft.com/office/mac/drawingml/2011/main" val="1"/>
+                <ma14:wrappingTextBoxFlag xmlns:ma14="http://schemas.microsoft.com/office/mac/drawingml/2011/main" xmlns:a14="http://schemas.microsoft.com/office/drawing/2010/main" xmlns:m="http://schemas.openxmlformats.org/officeDocument/2006/math" xmlns="" val="1"/>
               </a:ext>
             </a:extLst>
           </p:spPr>
@@ -28799,7 +29104,7 @@
             </a:ln>
             <a:extLst>
               <a:ext uri="{C572A759-6A51-4108-AA02-DFA0A04FC94B}">
-                <ma14:wrappingTextBoxFlag xmlns="" xmlns:m="http://schemas.openxmlformats.org/officeDocument/2006/math" xmlns:a14="http://schemas.microsoft.com/office/drawing/2010/main" xmlns:ma14="http://schemas.microsoft.com/office/mac/drawingml/2011/main" val="1"/>
+                <ma14:wrappingTextBoxFlag xmlns:ma14="http://schemas.microsoft.com/office/mac/drawingml/2011/main" xmlns:a14="http://schemas.microsoft.com/office/drawing/2010/main" xmlns:m="http://schemas.openxmlformats.org/officeDocument/2006/math" xmlns="" val="1"/>
               </a:ext>
             </a:extLst>
           </p:spPr>
@@ -28847,7 +29152,7 @@
             </a:ln>
             <a:extLst>
               <a:ext uri="{C572A759-6A51-4108-AA02-DFA0A04FC94B}">
-                <ma14:wrappingTextBoxFlag xmlns="" xmlns:m="http://schemas.openxmlformats.org/officeDocument/2006/math" xmlns:a14="http://schemas.microsoft.com/office/drawing/2010/main" xmlns:ma14="http://schemas.microsoft.com/office/mac/drawingml/2011/main" val="1"/>
+                <ma14:wrappingTextBoxFlag xmlns:ma14="http://schemas.microsoft.com/office/mac/drawingml/2011/main" xmlns:a14="http://schemas.microsoft.com/office/drawing/2010/main" xmlns:m="http://schemas.openxmlformats.org/officeDocument/2006/math" xmlns="" val="1"/>
               </a:ext>
             </a:extLst>
           </p:spPr>
@@ -28899,7 +29204,7 @@
             </a:ln>
             <a:extLst>
               <a:ext uri="{C572A759-6A51-4108-AA02-DFA0A04FC94B}">
-                <ma14:wrappingTextBoxFlag xmlns="" xmlns:m="http://schemas.openxmlformats.org/officeDocument/2006/math" xmlns:a14="http://schemas.microsoft.com/office/drawing/2010/main" xmlns:ma14="http://schemas.microsoft.com/office/mac/drawingml/2011/main" val="1"/>
+                <ma14:wrappingTextBoxFlag xmlns:ma14="http://schemas.microsoft.com/office/mac/drawingml/2011/main" xmlns:a14="http://schemas.microsoft.com/office/drawing/2010/main" xmlns:m="http://schemas.openxmlformats.org/officeDocument/2006/math" xmlns="" val="1"/>
               </a:ext>
             </a:extLst>
           </p:spPr>
@@ -28957,7 +29262,7 @@
             </a:ln>
             <a:extLst>
               <a:ext uri="{C572A759-6A51-4108-AA02-DFA0A04FC94B}">
-                <ma14:wrappingTextBoxFlag xmlns="" xmlns:m="http://schemas.openxmlformats.org/officeDocument/2006/math" xmlns:a14="http://schemas.microsoft.com/office/drawing/2010/main" xmlns:ma14="http://schemas.microsoft.com/office/mac/drawingml/2011/main" val="1"/>
+                <ma14:wrappingTextBoxFlag xmlns:ma14="http://schemas.microsoft.com/office/mac/drawingml/2011/main" xmlns:a14="http://schemas.microsoft.com/office/drawing/2010/main" xmlns:m="http://schemas.openxmlformats.org/officeDocument/2006/math" xmlns="" val="1"/>
               </a:ext>
             </a:extLst>
           </p:spPr>
@@ -29005,7 +29310,7 @@
             </a:ln>
             <a:extLst>
               <a:ext uri="{C572A759-6A51-4108-AA02-DFA0A04FC94B}">
-                <ma14:wrappingTextBoxFlag xmlns="" xmlns:m="http://schemas.openxmlformats.org/officeDocument/2006/math" xmlns:a14="http://schemas.microsoft.com/office/drawing/2010/main" xmlns:ma14="http://schemas.microsoft.com/office/mac/drawingml/2011/main" val="1"/>
+                <ma14:wrappingTextBoxFlag xmlns:ma14="http://schemas.microsoft.com/office/mac/drawingml/2011/main" xmlns:a14="http://schemas.microsoft.com/office/drawing/2010/main" xmlns:m="http://schemas.openxmlformats.org/officeDocument/2006/math" xmlns="" val="1"/>
               </a:ext>
             </a:extLst>
           </p:spPr>
@@ -29058,7 +29363,7 @@
             </a:ln>
             <a:extLst>
               <a:ext uri="{C572A759-6A51-4108-AA02-DFA0A04FC94B}">
-                <ma14:wrappingTextBoxFlag xmlns="" xmlns:m="http://schemas.openxmlformats.org/officeDocument/2006/math" xmlns:a14="http://schemas.microsoft.com/office/drawing/2010/main" xmlns:ma14="http://schemas.microsoft.com/office/mac/drawingml/2011/main" val="1"/>
+                <ma14:wrappingTextBoxFlag xmlns:ma14="http://schemas.microsoft.com/office/mac/drawingml/2011/main" xmlns:a14="http://schemas.microsoft.com/office/drawing/2010/main" xmlns:m="http://schemas.openxmlformats.org/officeDocument/2006/math" xmlns="" val="1"/>
               </a:ext>
             </a:extLst>
           </p:spPr>
@@ -29106,7 +29411,7 @@
             </a:ln>
             <a:extLst>
               <a:ext uri="{C572A759-6A51-4108-AA02-DFA0A04FC94B}">
-                <ma14:wrappingTextBoxFlag xmlns="" xmlns:m="http://schemas.openxmlformats.org/officeDocument/2006/math" xmlns:a14="http://schemas.microsoft.com/office/drawing/2010/main" xmlns:ma14="http://schemas.microsoft.com/office/mac/drawingml/2011/main" val="1"/>
+                <ma14:wrappingTextBoxFlag xmlns:ma14="http://schemas.microsoft.com/office/mac/drawingml/2011/main" xmlns:a14="http://schemas.microsoft.com/office/drawing/2010/main" xmlns:m="http://schemas.openxmlformats.org/officeDocument/2006/math" xmlns="" val="1"/>
               </a:ext>
             </a:extLst>
           </p:spPr>
@@ -29158,7 +29463,7 @@
             </a:ln>
             <a:extLst>
               <a:ext uri="{C572A759-6A51-4108-AA02-DFA0A04FC94B}">
-                <ma14:wrappingTextBoxFlag xmlns="" xmlns:m="http://schemas.openxmlformats.org/officeDocument/2006/math" xmlns:a14="http://schemas.microsoft.com/office/drawing/2010/main" xmlns:ma14="http://schemas.microsoft.com/office/mac/drawingml/2011/main" val="1"/>
+                <ma14:wrappingTextBoxFlag xmlns:ma14="http://schemas.microsoft.com/office/mac/drawingml/2011/main" xmlns:a14="http://schemas.microsoft.com/office/drawing/2010/main" xmlns:m="http://schemas.openxmlformats.org/officeDocument/2006/math" xmlns="" val="1"/>
               </a:ext>
             </a:extLst>
           </p:spPr>
@@ -29206,7 +29511,7 @@
             </a:ln>
             <a:extLst>
               <a:ext uri="{C572A759-6A51-4108-AA02-DFA0A04FC94B}">
-                <ma14:wrappingTextBoxFlag xmlns="" xmlns:m="http://schemas.openxmlformats.org/officeDocument/2006/math" xmlns:a14="http://schemas.microsoft.com/office/drawing/2010/main" xmlns:ma14="http://schemas.microsoft.com/office/mac/drawingml/2011/main" val="1"/>
+                <ma14:wrappingTextBoxFlag xmlns:ma14="http://schemas.microsoft.com/office/mac/drawingml/2011/main" xmlns:a14="http://schemas.microsoft.com/office/drawing/2010/main" xmlns:m="http://schemas.openxmlformats.org/officeDocument/2006/math" xmlns="" val="1"/>
               </a:ext>
             </a:extLst>
           </p:spPr>
@@ -29260,7 +29565,7 @@
             </a:ln>
             <a:extLst>
               <a:ext uri="{C572A759-6A51-4108-AA02-DFA0A04FC94B}">
-                <ma14:wrappingTextBoxFlag xmlns="" xmlns:m="http://schemas.openxmlformats.org/officeDocument/2006/math" xmlns:a14="http://schemas.microsoft.com/office/drawing/2010/main" xmlns:ma14="http://schemas.microsoft.com/office/mac/drawingml/2011/main" val="1"/>
+                <ma14:wrappingTextBoxFlag xmlns:ma14="http://schemas.microsoft.com/office/mac/drawingml/2011/main" xmlns:a14="http://schemas.microsoft.com/office/drawing/2010/main" xmlns:m="http://schemas.openxmlformats.org/officeDocument/2006/math" xmlns="" val="1"/>
               </a:ext>
             </a:extLst>
           </p:spPr>
@@ -29317,7 +29622,7 @@
             </a:ln>
             <a:extLst>
               <a:ext uri="{C572A759-6A51-4108-AA02-DFA0A04FC94B}">
-                <ma14:wrappingTextBoxFlag xmlns="" xmlns:m="http://schemas.openxmlformats.org/officeDocument/2006/math" xmlns:a14="http://schemas.microsoft.com/office/drawing/2010/main" xmlns:ma14="http://schemas.microsoft.com/office/mac/drawingml/2011/main" val="1"/>
+                <ma14:wrappingTextBoxFlag xmlns:ma14="http://schemas.microsoft.com/office/mac/drawingml/2011/main" xmlns:a14="http://schemas.microsoft.com/office/drawing/2010/main" xmlns:m="http://schemas.openxmlformats.org/officeDocument/2006/math" xmlns="" val="1"/>
               </a:ext>
             </a:extLst>
           </p:spPr>
@@ -29375,7 +29680,7 @@
             </a:ln>
             <a:extLst>
               <a:ext uri="{C572A759-6A51-4108-AA02-DFA0A04FC94B}">
-                <ma14:wrappingTextBoxFlag xmlns="" xmlns:m="http://schemas.openxmlformats.org/officeDocument/2006/math" xmlns:a14="http://schemas.microsoft.com/office/drawing/2010/main" xmlns:ma14="http://schemas.microsoft.com/office/mac/drawingml/2011/main" val="1"/>
+                <ma14:wrappingTextBoxFlag xmlns:ma14="http://schemas.microsoft.com/office/mac/drawingml/2011/main" xmlns:a14="http://schemas.microsoft.com/office/drawing/2010/main" xmlns:m="http://schemas.openxmlformats.org/officeDocument/2006/math" xmlns="" val="1"/>
               </a:ext>
             </a:extLst>
           </p:spPr>
@@ -29456,7 +29761,7 @@
             </a:ln>
             <a:extLst>
               <a:ext uri="{C572A759-6A51-4108-AA02-DFA0A04FC94B}">
-                <ma14:wrappingTextBoxFlag xmlns="" xmlns:m="http://schemas.openxmlformats.org/officeDocument/2006/math" xmlns:a14="http://schemas.microsoft.com/office/drawing/2010/main" xmlns:ma14="http://schemas.microsoft.com/office/mac/drawingml/2011/main" val="1"/>
+                <ma14:wrappingTextBoxFlag xmlns:ma14="http://schemas.microsoft.com/office/mac/drawingml/2011/main" xmlns:a14="http://schemas.microsoft.com/office/drawing/2010/main" xmlns:m="http://schemas.openxmlformats.org/officeDocument/2006/math" xmlns="" val="1"/>
               </a:ext>
             </a:extLst>
           </p:spPr>
@@ -29514,7 +29819,7 @@
             </a:ln>
             <a:extLst>
               <a:ext uri="{C572A759-6A51-4108-AA02-DFA0A04FC94B}">
-                <ma14:wrappingTextBoxFlag xmlns="" xmlns:m="http://schemas.openxmlformats.org/officeDocument/2006/math" xmlns:a14="http://schemas.microsoft.com/office/drawing/2010/main" xmlns:ma14="http://schemas.microsoft.com/office/mac/drawingml/2011/main" val="1"/>
+                <ma14:wrappingTextBoxFlag xmlns:ma14="http://schemas.microsoft.com/office/mac/drawingml/2011/main" xmlns:a14="http://schemas.microsoft.com/office/drawing/2010/main" xmlns:m="http://schemas.openxmlformats.org/officeDocument/2006/math" xmlns="" val="1"/>
               </a:ext>
             </a:extLst>
           </p:spPr>
@@ -29572,7 +29877,7 @@
             </a:ln>
             <a:extLst>
               <a:ext uri="{C572A759-6A51-4108-AA02-DFA0A04FC94B}">
-                <ma14:wrappingTextBoxFlag xmlns="" xmlns:m="http://schemas.openxmlformats.org/officeDocument/2006/math" xmlns:a14="http://schemas.microsoft.com/office/drawing/2010/main" xmlns:ma14="http://schemas.microsoft.com/office/mac/drawingml/2011/main" val="1"/>
+                <ma14:wrappingTextBoxFlag xmlns:ma14="http://schemas.microsoft.com/office/mac/drawingml/2011/main" xmlns:a14="http://schemas.microsoft.com/office/drawing/2010/main" xmlns:m="http://schemas.openxmlformats.org/officeDocument/2006/math" xmlns="" val="1"/>
               </a:ext>
             </a:extLst>
           </p:spPr>
@@ -29630,7 +29935,7 @@
             </a:ln>
             <a:extLst>
               <a:ext uri="{C572A759-6A51-4108-AA02-DFA0A04FC94B}">
-                <ma14:wrappingTextBoxFlag xmlns="" xmlns:m="http://schemas.openxmlformats.org/officeDocument/2006/math" xmlns:a14="http://schemas.microsoft.com/office/drawing/2010/main" xmlns:ma14="http://schemas.microsoft.com/office/mac/drawingml/2011/main" val="1"/>
+                <ma14:wrappingTextBoxFlag xmlns:ma14="http://schemas.microsoft.com/office/mac/drawingml/2011/main" xmlns:a14="http://schemas.microsoft.com/office/drawing/2010/main" xmlns:m="http://schemas.openxmlformats.org/officeDocument/2006/math" xmlns="" val="1"/>
               </a:ext>
             </a:extLst>
           </p:spPr>
@@ -29678,7 +29983,7 @@
             </a:ln>
             <a:extLst>
               <a:ext uri="{C572A759-6A51-4108-AA02-DFA0A04FC94B}">
-                <ma14:wrappingTextBoxFlag xmlns="" xmlns:m="http://schemas.openxmlformats.org/officeDocument/2006/math" xmlns:a14="http://schemas.microsoft.com/office/drawing/2010/main" xmlns:ma14="http://schemas.microsoft.com/office/mac/drawingml/2011/main" val="1"/>
+                <ma14:wrappingTextBoxFlag xmlns:ma14="http://schemas.microsoft.com/office/mac/drawingml/2011/main" xmlns:a14="http://schemas.microsoft.com/office/drawing/2010/main" xmlns:m="http://schemas.openxmlformats.org/officeDocument/2006/math" xmlns="" val="1"/>
               </a:ext>
             </a:extLst>
           </p:spPr>
@@ -29726,7 +30031,7 @@
             </a:ln>
             <a:extLst>
               <a:ext uri="{C572A759-6A51-4108-AA02-DFA0A04FC94B}">
-                <ma14:wrappingTextBoxFlag xmlns="" xmlns:m="http://schemas.openxmlformats.org/officeDocument/2006/math" xmlns:a14="http://schemas.microsoft.com/office/drawing/2010/main" xmlns:ma14="http://schemas.microsoft.com/office/mac/drawingml/2011/main" val="1"/>
+                <ma14:wrappingTextBoxFlag xmlns:ma14="http://schemas.microsoft.com/office/mac/drawingml/2011/main" xmlns:a14="http://schemas.microsoft.com/office/drawing/2010/main" xmlns:m="http://schemas.openxmlformats.org/officeDocument/2006/math" xmlns="" val="1"/>
               </a:ext>
             </a:extLst>
           </p:spPr>
@@ -29780,7 +30085,7 @@
             </a:ln>
             <a:extLst>
               <a:ext uri="{C572A759-6A51-4108-AA02-DFA0A04FC94B}">
-                <ma14:wrappingTextBoxFlag xmlns="" xmlns:m="http://schemas.openxmlformats.org/officeDocument/2006/math" xmlns:a14="http://schemas.microsoft.com/office/drawing/2010/main" xmlns:ma14="http://schemas.microsoft.com/office/mac/drawingml/2011/main" val="1"/>
+                <ma14:wrappingTextBoxFlag xmlns:ma14="http://schemas.microsoft.com/office/mac/drawingml/2011/main" xmlns:a14="http://schemas.microsoft.com/office/drawing/2010/main" xmlns:m="http://schemas.openxmlformats.org/officeDocument/2006/math" xmlns="" val="1"/>
               </a:ext>
             </a:extLst>
           </p:spPr>
@@ -29834,7 +30139,7 @@
             </a:ln>
             <a:extLst>
               <a:ext uri="{C572A759-6A51-4108-AA02-DFA0A04FC94B}">
-                <ma14:wrappingTextBoxFlag xmlns="" xmlns:m="http://schemas.openxmlformats.org/officeDocument/2006/math" xmlns:a14="http://schemas.microsoft.com/office/drawing/2010/main" xmlns:ma14="http://schemas.microsoft.com/office/mac/drawingml/2011/main" val="1"/>
+                <ma14:wrappingTextBoxFlag xmlns:ma14="http://schemas.microsoft.com/office/mac/drawingml/2011/main" xmlns:a14="http://schemas.microsoft.com/office/drawing/2010/main" xmlns:m="http://schemas.openxmlformats.org/officeDocument/2006/math" xmlns="" val="1"/>
               </a:ext>
             </a:extLst>
           </p:spPr>
@@ -29887,7 +30192,7 @@
             </a:ln>
             <a:extLst>
               <a:ext uri="{C572A759-6A51-4108-AA02-DFA0A04FC94B}">
-                <ma14:wrappingTextBoxFlag xmlns="" xmlns:m="http://schemas.openxmlformats.org/officeDocument/2006/math" xmlns:a14="http://schemas.microsoft.com/office/drawing/2010/main" xmlns:ma14="http://schemas.microsoft.com/office/mac/drawingml/2011/main" val="1"/>
+                <ma14:wrappingTextBoxFlag xmlns:ma14="http://schemas.microsoft.com/office/mac/drawingml/2011/main" xmlns:a14="http://schemas.microsoft.com/office/drawing/2010/main" xmlns:m="http://schemas.openxmlformats.org/officeDocument/2006/math" xmlns="" val="1"/>
               </a:ext>
             </a:extLst>
           </p:spPr>
@@ -29940,7 +30245,7 @@
             </a:ln>
             <a:extLst>
               <a:ext uri="{C572A759-6A51-4108-AA02-DFA0A04FC94B}">
-                <ma14:wrappingTextBoxFlag xmlns="" xmlns:m="http://schemas.openxmlformats.org/officeDocument/2006/math" xmlns:a14="http://schemas.microsoft.com/office/drawing/2010/main" xmlns:ma14="http://schemas.microsoft.com/office/mac/drawingml/2011/main" val="1"/>
+                <ma14:wrappingTextBoxFlag xmlns:ma14="http://schemas.microsoft.com/office/mac/drawingml/2011/main" xmlns:a14="http://schemas.microsoft.com/office/drawing/2010/main" xmlns:m="http://schemas.openxmlformats.org/officeDocument/2006/math" xmlns="" val="1"/>
               </a:ext>
             </a:extLst>
           </p:spPr>
@@ -29993,7 +30298,7 @@
             </a:ln>
             <a:extLst>
               <a:ext uri="{C572A759-6A51-4108-AA02-DFA0A04FC94B}">
-                <ma14:wrappingTextBoxFlag xmlns="" xmlns:m="http://schemas.openxmlformats.org/officeDocument/2006/math" xmlns:a14="http://schemas.microsoft.com/office/drawing/2010/main" xmlns:ma14="http://schemas.microsoft.com/office/mac/drawingml/2011/main" val="1"/>
+                <ma14:wrappingTextBoxFlag xmlns:ma14="http://schemas.microsoft.com/office/mac/drawingml/2011/main" xmlns:a14="http://schemas.microsoft.com/office/drawing/2010/main" xmlns:m="http://schemas.openxmlformats.org/officeDocument/2006/math" xmlns="" val="1"/>
               </a:ext>
             </a:extLst>
           </p:spPr>
@@ -30311,7 +30616,7 @@
             </a:ln>
             <a:extLst>
               <a:ext uri="{C572A759-6A51-4108-AA02-DFA0A04FC94B}">
-                <ma14:wrappingTextBoxFlag xmlns="" xmlns:m="http://schemas.openxmlformats.org/officeDocument/2006/math" xmlns:a14="http://schemas.microsoft.com/office/drawing/2010/main" xmlns:ma14="http://schemas.microsoft.com/office/mac/drawingml/2011/main" val="1"/>
+                <ma14:wrappingTextBoxFlag xmlns:ma14="http://schemas.microsoft.com/office/mac/drawingml/2011/main" xmlns:a14="http://schemas.microsoft.com/office/drawing/2010/main" xmlns:m="http://schemas.openxmlformats.org/officeDocument/2006/math" xmlns="" val="1"/>
               </a:ext>
             </a:extLst>
           </p:spPr>
@@ -30359,7 +30664,7 @@
             </a:ln>
             <a:extLst>
               <a:ext uri="{C572A759-6A51-4108-AA02-DFA0A04FC94B}">
-                <ma14:wrappingTextBoxFlag xmlns="" xmlns:m="http://schemas.openxmlformats.org/officeDocument/2006/math" xmlns:a14="http://schemas.microsoft.com/office/drawing/2010/main" xmlns:ma14="http://schemas.microsoft.com/office/mac/drawingml/2011/main" val="1"/>
+                <ma14:wrappingTextBoxFlag xmlns:ma14="http://schemas.microsoft.com/office/mac/drawingml/2011/main" xmlns:a14="http://schemas.microsoft.com/office/drawing/2010/main" xmlns:m="http://schemas.openxmlformats.org/officeDocument/2006/math" xmlns="" val="1"/>
               </a:ext>
             </a:extLst>
           </p:spPr>
@@ -30407,7 +30712,7 @@
             </a:ln>
             <a:extLst>
               <a:ext uri="{C572A759-6A51-4108-AA02-DFA0A04FC94B}">
-                <ma14:wrappingTextBoxFlag xmlns="" xmlns:m="http://schemas.openxmlformats.org/officeDocument/2006/math" xmlns:a14="http://schemas.microsoft.com/office/drawing/2010/main" xmlns:ma14="http://schemas.microsoft.com/office/mac/drawingml/2011/main" val="1"/>
+                <ma14:wrappingTextBoxFlag xmlns:ma14="http://schemas.microsoft.com/office/mac/drawingml/2011/main" xmlns:a14="http://schemas.microsoft.com/office/drawing/2010/main" xmlns:m="http://schemas.openxmlformats.org/officeDocument/2006/math" xmlns="" val="1"/>
               </a:ext>
             </a:extLst>
           </p:spPr>
@@ -30459,7 +30764,7 @@
             </a:ln>
             <a:extLst>
               <a:ext uri="{C572A759-6A51-4108-AA02-DFA0A04FC94B}">
-                <ma14:wrappingTextBoxFlag xmlns="" xmlns:m="http://schemas.openxmlformats.org/officeDocument/2006/math" xmlns:a14="http://schemas.microsoft.com/office/drawing/2010/main" xmlns:ma14="http://schemas.microsoft.com/office/mac/drawingml/2011/main" val="1"/>
+                <ma14:wrappingTextBoxFlag xmlns:ma14="http://schemas.microsoft.com/office/mac/drawingml/2011/main" xmlns:a14="http://schemas.microsoft.com/office/drawing/2010/main" xmlns:m="http://schemas.openxmlformats.org/officeDocument/2006/math" xmlns="" val="1"/>
               </a:ext>
             </a:extLst>
           </p:spPr>
@@ -30507,7 +30812,7 @@
             </a:ln>
             <a:extLst>
               <a:ext uri="{C572A759-6A51-4108-AA02-DFA0A04FC94B}">
-                <ma14:wrappingTextBoxFlag xmlns="" xmlns:m="http://schemas.openxmlformats.org/officeDocument/2006/math" xmlns:a14="http://schemas.microsoft.com/office/drawing/2010/main" xmlns:ma14="http://schemas.microsoft.com/office/mac/drawingml/2011/main" val="1"/>
+                <ma14:wrappingTextBoxFlag xmlns:ma14="http://schemas.microsoft.com/office/mac/drawingml/2011/main" xmlns:a14="http://schemas.microsoft.com/office/drawing/2010/main" xmlns:m="http://schemas.openxmlformats.org/officeDocument/2006/math" xmlns="" val="1"/>
               </a:ext>
             </a:extLst>
           </p:spPr>
@@ -30555,7 +30860,7 @@
             </a:ln>
             <a:extLst>
               <a:ext uri="{C572A759-6A51-4108-AA02-DFA0A04FC94B}">
-                <ma14:wrappingTextBoxFlag xmlns="" xmlns:m="http://schemas.openxmlformats.org/officeDocument/2006/math" xmlns:a14="http://schemas.microsoft.com/office/drawing/2010/main" xmlns:ma14="http://schemas.microsoft.com/office/mac/drawingml/2011/main" val="1"/>
+                <ma14:wrappingTextBoxFlag xmlns:ma14="http://schemas.microsoft.com/office/mac/drawingml/2011/main" xmlns:a14="http://schemas.microsoft.com/office/drawing/2010/main" xmlns:m="http://schemas.openxmlformats.org/officeDocument/2006/math" xmlns="" val="1"/>
               </a:ext>
             </a:extLst>
           </p:spPr>
@@ -30612,7 +30917,7 @@
             </a:ln>
             <a:extLst>
               <a:ext uri="{C572A759-6A51-4108-AA02-DFA0A04FC94B}">
-                <ma14:wrappingTextBoxFlag xmlns="" xmlns:m="http://schemas.openxmlformats.org/officeDocument/2006/math" xmlns:a14="http://schemas.microsoft.com/office/drawing/2010/main" xmlns:ma14="http://schemas.microsoft.com/office/mac/drawingml/2011/main" val="1"/>
+                <ma14:wrappingTextBoxFlag xmlns:ma14="http://schemas.microsoft.com/office/mac/drawingml/2011/main" xmlns:a14="http://schemas.microsoft.com/office/drawing/2010/main" xmlns:m="http://schemas.openxmlformats.org/officeDocument/2006/math" xmlns="" val="1"/>
               </a:ext>
             </a:extLst>
           </p:spPr>
@@ -30670,7 +30975,7 @@
             </a:ln>
             <a:extLst>
               <a:ext uri="{C572A759-6A51-4108-AA02-DFA0A04FC94B}">
-                <ma14:wrappingTextBoxFlag xmlns="" xmlns:m="http://schemas.openxmlformats.org/officeDocument/2006/math" xmlns:a14="http://schemas.microsoft.com/office/drawing/2010/main" xmlns:ma14="http://schemas.microsoft.com/office/mac/drawingml/2011/main" val="1"/>
+                <ma14:wrappingTextBoxFlag xmlns:ma14="http://schemas.microsoft.com/office/mac/drawingml/2011/main" xmlns:a14="http://schemas.microsoft.com/office/drawing/2010/main" xmlns:m="http://schemas.openxmlformats.org/officeDocument/2006/math" xmlns="" val="1"/>
               </a:ext>
             </a:extLst>
           </p:spPr>
@@ -30718,7 +31023,7 @@
             </a:ln>
             <a:extLst>
               <a:ext uri="{C572A759-6A51-4108-AA02-DFA0A04FC94B}">
-                <ma14:wrappingTextBoxFlag xmlns="" xmlns:m="http://schemas.openxmlformats.org/officeDocument/2006/math" xmlns:a14="http://schemas.microsoft.com/office/drawing/2010/main" xmlns:ma14="http://schemas.microsoft.com/office/mac/drawingml/2011/main" val="1"/>
+                <ma14:wrappingTextBoxFlag xmlns:ma14="http://schemas.microsoft.com/office/mac/drawingml/2011/main" xmlns:a14="http://schemas.microsoft.com/office/drawing/2010/main" xmlns:m="http://schemas.openxmlformats.org/officeDocument/2006/math" xmlns="" val="1"/>
               </a:ext>
             </a:extLst>
           </p:spPr>
@@ -30766,7 +31071,7 @@
             </a:ln>
             <a:extLst>
               <a:ext uri="{C572A759-6A51-4108-AA02-DFA0A04FC94B}">
-                <ma14:wrappingTextBoxFlag xmlns="" xmlns:m="http://schemas.openxmlformats.org/officeDocument/2006/math" xmlns:a14="http://schemas.microsoft.com/office/drawing/2010/main" xmlns:ma14="http://schemas.microsoft.com/office/mac/drawingml/2011/main" val="1"/>
+                <ma14:wrappingTextBoxFlag xmlns:ma14="http://schemas.microsoft.com/office/mac/drawingml/2011/main" xmlns:a14="http://schemas.microsoft.com/office/drawing/2010/main" xmlns:m="http://schemas.openxmlformats.org/officeDocument/2006/math" xmlns="" val="1"/>
               </a:ext>
             </a:extLst>
           </p:spPr>
@@ -30814,7 +31119,7 @@
             </a:ln>
             <a:extLst>
               <a:ext uri="{C572A759-6A51-4108-AA02-DFA0A04FC94B}">
-                <ma14:wrappingTextBoxFlag xmlns="" xmlns:m="http://schemas.openxmlformats.org/officeDocument/2006/math" xmlns:a14="http://schemas.microsoft.com/office/drawing/2010/main" xmlns:ma14="http://schemas.microsoft.com/office/mac/drawingml/2011/main" val="1"/>
+                <ma14:wrappingTextBoxFlag xmlns:ma14="http://schemas.microsoft.com/office/mac/drawingml/2011/main" xmlns:a14="http://schemas.microsoft.com/office/drawing/2010/main" xmlns:m="http://schemas.openxmlformats.org/officeDocument/2006/math" xmlns="" val="1"/>
               </a:ext>
             </a:extLst>
           </p:spPr>
@@ -30872,7 +31177,7 @@
             </a:ln>
             <a:extLst>
               <a:ext uri="{C572A759-6A51-4108-AA02-DFA0A04FC94B}">
-                <ma14:wrappingTextBoxFlag xmlns="" xmlns:m="http://schemas.openxmlformats.org/officeDocument/2006/math" xmlns:a14="http://schemas.microsoft.com/office/drawing/2010/main" xmlns:ma14="http://schemas.microsoft.com/office/mac/drawingml/2011/main" val="1"/>
+                <ma14:wrappingTextBoxFlag xmlns:ma14="http://schemas.microsoft.com/office/mac/drawingml/2011/main" xmlns:a14="http://schemas.microsoft.com/office/drawing/2010/main" xmlns:m="http://schemas.openxmlformats.org/officeDocument/2006/math" xmlns="" val="1"/>
               </a:ext>
             </a:extLst>
           </p:spPr>
@@ -30929,7 +31234,7 @@
             </a:ln>
             <a:extLst>
               <a:ext uri="{C572A759-6A51-4108-AA02-DFA0A04FC94B}">
-                <ma14:wrappingTextBoxFlag xmlns="" xmlns:m="http://schemas.openxmlformats.org/officeDocument/2006/math" xmlns:a14="http://schemas.microsoft.com/office/drawing/2010/main" xmlns:ma14="http://schemas.microsoft.com/office/mac/drawingml/2011/main" val="1"/>
+                <ma14:wrappingTextBoxFlag xmlns:ma14="http://schemas.microsoft.com/office/mac/drawingml/2011/main" xmlns:a14="http://schemas.microsoft.com/office/drawing/2010/main" xmlns:m="http://schemas.openxmlformats.org/officeDocument/2006/math" xmlns="" val="1"/>
               </a:ext>
             </a:extLst>
           </p:spPr>
@@ -30977,7 +31282,7 @@
             </a:ln>
             <a:extLst>
               <a:ext uri="{C572A759-6A51-4108-AA02-DFA0A04FC94B}">
-                <ma14:wrappingTextBoxFlag xmlns="" xmlns:m="http://schemas.openxmlformats.org/officeDocument/2006/math" xmlns:a14="http://schemas.microsoft.com/office/drawing/2010/main" xmlns:ma14="http://schemas.microsoft.com/office/mac/drawingml/2011/main" val="1"/>
+                <ma14:wrappingTextBoxFlag xmlns:ma14="http://schemas.microsoft.com/office/mac/drawingml/2011/main" xmlns:a14="http://schemas.microsoft.com/office/drawing/2010/main" xmlns:m="http://schemas.openxmlformats.org/officeDocument/2006/math" xmlns="" val="1"/>
               </a:ext>
             </a:extLst>
           </p:spPr>
@@ -31029,7 +31334,7 @@
             </a:ln>
             <a:extLst>
               <a:ext uri="{C572A759-6A51-4108-AA02-DFA0A04FC94B}">
-                <ma14:wrappingTextBoxFlag xmlns="" xmlns:m="http://schemas.openxmlformats.org/officeDocument/2006/math" xmlns:a14="http://schemas.microsoft.com/office/drawing/2010/main" xmlns:ma14="http://schemas.microsoft.com/office/mac/drawingml/2011/main" val="1"/>
+                <ma14:wrappingTextBoxFlag xmlns:ma14="http://schemas.microsoft.com/office/mac/drawingml/2011/main" xmlns:a14="http://schemas.microsoft.com/office/drawing/2010/main" xmlns:m="http://schemas.openxmlformats.org/officeDocument/2006/math" xmlns="" val="1"/>
               </a:ext>
             </a:extLst>
           </p:spPr>
@@ -31087,7 +31392,7 @@
             </a:ln>
             <a:extLst>
               <a:ext uri="{C572A759-6A51-4108-AA02-DFA0A04FC94B}">
-                <ma14:wrappingTextBoxFlag xmlns="" xmlns:m="http://schemas.openxmlformats.org/officeDocument/2006/math" xmlns:a14="http://schemas.microsoft.com/office/drawing/2010/main" xmlns:ma14="http://schemas.microsoft.com/office/mac/drawingml/2011/main" val="1"/>
+                <ma14:wrappingTextBoxFlag xmlns:ma14="http://schemas.microsoft.com/office/mac/drawingml/2011/main" xmlns:a14="http://schemas.microsoft.com/office/drawing/2010/main" xmlns:m="http://schemas.openxmlformats.org/officeDocument/2006/math" xmlns="" val="1"/>
               </a:ext>
             </a:extLst>
           </p:spPr>
@@ -31135,7 +31440,7 @@
             </a:ln>
             <a:extLst>
               <a:ext uri="{C572A759-6A51-4108-AA02-DFA0A04FC94B}">
-                <ma14:wrappingTextBoxFlag xmlns="" xmlns:m="http://schemas.openxmlformats.org/officeDocument/2006/math" xmlns:a14="http://schemas.microsoft.com/office/drawing/2010/main" xmlns:ma14="http://schemas.microsoft.com/office/mac/drawingml/2011/main" val="1"/>
+                <ma14:wrappingTextBoxFlag xmlns:ma14="http://schemas.microsoft.com/office/mac/drawingml/2011/main" xmlns:a14="http://schemas.microsoft.com/office/drawing/2010/main" xmlns:m="http://schemas.openxmlformats.org/officeDocument/2006/math" xmlns="" val="1"/>
               </a:ext>
             </a:extLst>
           </p:spPr>
@@ -31188,7 +31493,7 @@
             </a:ln>
             <a:extLst>
               <a:ext uri="{C572A759-6A51-4108-AA02-DFA0A04FC94B}">
-                <ma14:wrappingTextBoxFlag xmlns="" xmlns:m="http://schemas.openxmlformats.org/officeDocument/2006/math" xmlns:a14="http://schemas.microsoft.com/office/drawing/2010/main" xmlns:ma14="http://schemas.microsoft.com/office/mac/drawingml/2011/main" val="1"/>
+                <ma14:wrappingTextBoxFlag xmlns:ma14="http://schemas.microsoft.com/office/mac/drawingml/2011/main" xmlns:a14="http://schemas.microsoft.com/office/drawing/2010/main" xmlns:m="http://schemas.openxmlformats.org/officeDocument/2006/math" xmlns="" val="1"/>
               </a:ext>
             </a:extLst>
           </p:spPr>
@@ -31236,7 +31541,7 @@
             </a:ln>
             <a:extLst>
               <a:ext uri="{C572A759-6A51-4108-AA02-DFA0A04FC94B}">
-                <ma14:wrappingTextBoxFlag xmlns="" xmlns:m="http://schemas.openxmlformats.org/officeDocument/2006/math" xmlns:a14="http://schemas.microsoft.com/office/drawing/2010/main" xmlns:ma14="http://schemas.microsoft.com/office/mac/drawingml/2011/main" val="1"/>
+                <ma14:wrappingTextBoxFlag xmlns:ma14="http://schemas.microsoft.com/office/mac/drawingml/2011/main" xmlns:a14="http://schemas.microsoft.com/office/drawing/2010/main" xmlns:m="http://schemas.openxmlformats.org/officeDocument/2006/math" xmlns="" val="1"/>
               </a:ext>
             </a:extLst>
           </p:spPr>
@@ -31288,7 +31593,7 @@
             </a:ln>
             <a:extLst>
               <a:ext uri="{C572A759-6A51-4108-AA02-DFA0A04FC94B}">
-                <ma14:wrappingTextBoxFlag xmlns="" xmlns:m="http://schemas.openxmlformats.org/officeDocument/2006/math" xmlns:a14="http://schemas.microsoft.com/office/drawing/2010/main" xmlns:ma14="http://schemas.microsoft.com/office/mac/drawingml/2011/main" val="1"/>
+                <ma14:wrappingTextBoxFlag xmlns:ma14="http://schemas.microsoft.com/office/mac/drawingml/2011/main" xmlns:a14="http://schemas.microsoft.com/office/drawing/2010/main" xmlns:m="http://schemas.openxmlformats.org/officeDocument/2006/math" xmlns="" val="1"/>
               </a:ext>
             </a:extLst>
           </p:spPr>
@@ -31336,7 +31641,7 @@
             </a:ln>
             <a:extLst>
               <a:ext uri="{C572A759-6A51-4108-AA02-DFA0A04FC94B}">
-                <ma14:wrappingTextBoxFlag xmlns="" xmlns:m="http://schemas.openxmlformats.org/officeDocument/2006/math" xmlns:a14="http://schemas.microsoft.com/office/drawing/2010/main" xmlns:ma14="http://schemas.microsoft.com/office/mac/drawingml/2011/main" val="1"/>
+                <ma14:wrappingTextBoxFlag xmlns:ma14="http://schemas.microsoft.com/office/mac/drawingml/2011/main" xmlns:a14="http://schemas.microsoft.com/office/drawing/2010/main" xmlns:m="http://schemas.openxmlformats.org/officeDocument/2006/math" xmlns="" val="1"/>
               </a:ext>
             </a:extLst>
           </p:spPr>
@@ -31390,7 +31695,7 @@
             </a:ln>
             <a:extLst>
               <a:ext uri="{C572A759-6A51-4108-AA02-DFA0A04FC94B}">
-                <ma14:wrappingTextBoxFlag xmlns="" xmlns:m="http://schemas.openxmlformats.org/officeDocument/2006/math" xmlns:a14="http://schemas.microsoft.com/office/drawing/2010/main" xmlns:ma14="http://schemas.microsoft.com/office/mac/drawingml/2011/main" val="1"/>
+                <ma14:wrappingTextBoxFlag xmlns:ma14="http://schemas.microsoft.com/office/mac/drawingml/2011/main" xmlns:a14="http://schemas.microsoft.com/office/drawing/2010/main" xmlns:m="http://schemas.openxmlformats.org/officeDocument/2006/math" xmlns="" val="1"/>
               </a:ext>
             </a:extLst>
           </p:spPr>
@@ -31447,7 +31752,7 @@
             </a:ln>
             <a:extLst>
               <a:ext uri="{C572A759-6A51-4108-AA02-DFA0A04FC94B}">
-                <ma14:wrappingTextBoxFlag xmlns="" xmlns:m="http://schemas.openxmlformats.org/officeDocument/2006/math" xmlns:a14="http://schemas.microsoft.com/office/drawing/2010/main" xmlns:ma14="http://schemas.microsoft.com/office/mac/drawingml/2011/main" val="1"/>
+                <ma14:wrappingTextBoxFlag xmlns:ma14="http://schemas.microsoft.com/office/mac/drawingml/2011/main" xmlns:a14="http://schemas.microsoft.com/office/drawing/2010/main" xmlns:m="http://schemas.openxmlformats.org/officeDocument/2006/math" xmlns="" val="1"/>
               </a:ext>
             </a:extLst>
           </p:spPr>
@@ -31505,7 +31810,7 @@
             </a:ln>
             <a:extLst>
               <a:ext uri="{C572A759-6A51-4108-AA02-DFA0A04FC94B}">
-                <ma14:wrappingTextBoxFlag xmlns="" xmlns:m="http://schemas.openxmlformats.org/officeDocument/2006/math" xmlns:a14="http://schemas.microsoft.com/office/drawing/2010/main" xmlns:ma14="http://schemas.microsoft.com/office/mac/drawingml/2011/main" val="1"/>
+                <ma14:wrappingTextBoxFlag xmlns:ma14="http://schemas.microsoft.com/office/mac/drawingml/2011/main" xmlns:a14="http://schemas.microsoft.com/office/drawing/2010/main" xmlns:m="http://schemas.openxmlformats.org/officeDocument/2006/math" xmlns="" val="1"/>
               </a:ext>
             </a:extLst>
           </p:spPr>
@@ -31586,7 +31891,7 @@
             </a:ln>
             <a:extLst>
               <a:ext uri="{C572A759-6A51-4108-AA02-DFA0A04FC94B}">
-                <ma14:wrappingTextBoxFlag xmlns="" xmlns:m="http://schemas.openxmlformats.org/officeDocument/2006/math" xmlns:a14="http://schemas.microsoft.com/office/drawing/2010/main" xmlns:ma14="http://schemas.microsoft.com/office/mac/drawingml/2011/main" val="1"/>
+                <ma14:wrappingTextBoxFlag xmlns:ma14="http://schemas.microsoft.com/office/mac/drawingml/2011/main" xmlns:a14="http://schemas.microsoft.com/office/drawing/2010/main" xmlns:m="http://schemas.openxmlformats.org/officeDocument/2006/math" xmlns="" val="1"/>
               </a:ext>
             </a:extLst>
           </p:spPr>
@@ -31644,7 +31949,7 @@
             </a:ln>
             <a:extLst>
               <a:ext uri="{C572A759-6A51-4108-AA02-DFA0A04FC94B}">
-                <ma14:wrappingTextBoxFlag xmlns="" xmlns:m="http://schemas.openxmlformats.org/officeDocument/2006/math" xmlns:a14="http://schemas.microsoft.com/office/drawing/2010/main" xmlns:ma14="http://schemas.microsoft.com/office/mac/drawingml/2011/main" val="1"/>
+                <ma14:wrappingTextBoxFlag xmlns:ma14="http://schemas.microsoft.com/office/mac/drawingml/2011/main" xmlns:a14="http://schemas.microsoft.com/office/drawing/2010/main" xmlns:m="http://schemas.openxmlformats.org/officeDocument/2006/math" xmlns="" val="1"/>
               </a:ext>
             </a:extLst>
           </p:spPr>
@@ -31702,7 +32007,7 @@
             </a:ln>
             <a:extLst>
               <a:ext uri="{C572A759-6A51-4108-AA02-DFA0A04FC94B}">
-                <ma14:wrappingTextBoxFlag xmlns="" xmlns:m="http://schemas.openxmlformats.org/officeDocument/2006/math" xmlns:a14="http://schemas.microsoft.com/office/drawing/2010/main" xmlns:ma14="http://schemas.microsoft.com/office/mac/drawingml/2011/main" val="1"/>
+                <ma14:wrappingTextBoxFlag xmlns:ma14="http://schemas.microsoft.com/office/mac/drawingml/2011/main" xmlns:a14="http://schemas.microsoft.com/office/drawing/2010/main" xmlns:m="http://schemas.openxmlformats.org/officeDocument/2006/math" xmlns="" val="1"/>
               </a:ext>
             </a:extLst>
           </p:spPr>
@@ -31760,7 +32065,7 @@
             </a:ln>
             <a:extLst>
               <a:ext uri="{C572A759-6A51-4108-AA02-DFA0A04FC94B}">
-                <ma14:wrappingTextBoxFlag xmlns="" xmlns:m="http://schemas.openxmlformats.org/officeDocument/2006/math" xmlns:a14="http://schemas.microsoft.com/office/drawing/2010/main" xmlns:ma14="http://schemas.microsoft.com/office/mac/drawingml/2011/main" val="1"/>
+                <ma14:wrappingTextBoxFlag xmlns:ma14="http://schemas.microsoft.com/office/mac/drawingml/2011/main" xmlns:a14="http://schemas.microsoft.com/office/drawing/2010/main" xmlns:m="http://schemas.openxmlformats.org/officeDocument/2006/math" xmlns="" val="1"/>
               </a:ext>
             </a:extLst>
           </p:spPr>
@@ -31808,7 +32113,7 @@
             </a:ln>
             <a:extLst>
               <a:ext uri="{C572A759-6A51-4108-AA02-DFA0A04FC94B}">
-                <ma14:wrappingTextBoxFlag xmlns="" xmlns:m="http://schemas.openxmlformats.org/officeDocument/2006/math" xmlns:a14="http://schemas.microsoft.com/office/drawing/2010/main" xmlns:ma14="http://schemas.microsoft.com/office/mac/drawingml/2011/main" val="1"/>
+                <ma14:wrappingTextBoxFlag xmlns:ma14="http://schemas.microsoft.com/office/mac/drawingml/2011/main" xmlns:a14="http://schemas.microsoft.com/office/drawing/2010/main" xmlns:m="http://schemas.openxmlformats.org/officeDocument/2006/math" xmlns="" val="1"/>
               </a:ext>
             </a:extLst>
           </p:spPr>
@@ -31856,7 +32161,7 @@
             </a:ln>
             <a:extLst>
               <a:ext uri="{C572A759-6A51-4108-AA02-DFA0A04FC94B}">
-                <ma14:wrappingTextBoxFlag xmlns="" xmlns:m="http://schemas.openxmlformats.org/officeDocument/2006/math" xmlns:a14="http://schemas.microsoft.com/office/drawing/2010/main" xmlns:ma14="http://schemas.microsoft.com/office/mac/drawingml/2011/main" val="1"/>
+                <ma14:wrappingTextBoxFlag xmlns:ma14="http://schemas.microsoft.com/office/mac/drawingml/2011/main" xmlns:a14="http://schemas.microsoft.com/office/drawing/2010/main" xmlns:m="http://schemas.openxmlformats.org/officeDocument/2006/math" xmlns="" val="1"/>
               </a:ext>
             </a:extLst>
           </p:spPr>
@@ -31910,7 +32215,7 @@
             </a:ln>
             <a:extLst>
               <a:ext uri="{C572A759-6A51-4108-AA02-DFA0A04FC94B}">
-                <ma14:wrappingTextBoxFlag xmlns="" xmlns:m="http://schemas.openxmlformats.org/officeDocument/2006/math" xmlns:a14="http://schemas.microsoft.com/office/drawing/2010/main" xmlns:ma14="http://schemas.microsoft.com/office/mac/drawingml/2011/main" val="1"/>
+                <ma14:wrappingTextBoxFlag xmlns:ma14="http://schemas.microsoft.com/office/mac/drawingml/2011/main" xmlns:a14="http://schemas.microsoft.com/office/drawing/2010/main" xmlns:m="http://schemas.openxmlformats.org/officeDocument/2006/math" xmlns="" val="1"/>
               </a:ext>
             </a:extLst>
           </p:spPr>
@@ -31964,7 +32269,7 @@
             </a:ln>
             <a:extLst>
               <a:ext uri="{C572A759-6A51-4108-AA02-DFA0A04FC94B}">
-                <ma14:wrappingTextBoxFlag xmlns="" xmlns:m="http://schemas.openxmlformats.org/officeDocument/2006/math" xmlns:a14="http://schemas.microsoft.com/office/drawing/2010/main" xmlns:ma14="http://schemas.microsoft.com/office/mac/drawingml/2011/main" val="1"/>
+                <ma14:wrappingTextBoxFlag xmlns:ma14="http://schemas.microsoft.com/office/mac/drawingml/2011/main" xmlns:a14="http://schemas.microsoft.com/office/drawing/2010/main" xmlns:m="http://schemas.openxmlformats.org/officeDocument/2006/math" xmlns="" val="1"/>
               </a:ext>
             </a:extLst>
           </p:spPr>
@@ -32017,7 +32322,7 @@
             </a:ln>
             <a:extLst>
               <a:ext uri="{C572A759-6A51-4108-AA02-DFA0A04FC94B}">
-                <ma14:wrappingTextBoxFlag xmlns="" xmlns:m="http://schemas.openxmlformats.org/officeDocument/2006/math" xmlns:a14="http://schemas.microsoft.com/office/drawing/2010/main" xmlns:ma14="http://schemas.microsoft.com/office/mac/drawingml/2011/main" val="1"/>
+                <ma14:wrappingTextBoxFlag xmlns:ma14="http://schemas.microsoft.com/office/mac/drawingml/2011/main" xmlns:a14="http://schemas.microsoft.com/office/drawing/2010/main" xmlns:m="http://schemas.openxmlformats.org/officeDocument/2006/math" xmlns="" val="1"/>
               </a:ext>
             </a:extLst>
           </p:spPr>
@@ -32070,7 +32375,7 @@
             </a:ln>
             <a:extLst>
               <a:ext uri="{C572A759-6A51-4108-AA02-DFA0A04FC94B}">
-                <ma14:wrappingTextBoxFlag xmlns="" xmlns:m="http://schemas.openxmlformats.org/officeDocument/2006/math" xmlns:a14="http://schemas.microsoft.com/office/drawing/2010/main" xmlns:ma14="http://schemas.microsoft.com/office/mac/drawingml/2011/main" val="1"/>
+                <ma14:wrappingTextBoxFlag xmlns:ma14="http://schemas.microsoft.com/office/mac/drawingml/2011/main" xmlns:a14="http://schemas.microsoft.com/office/drawing/2010/main" xmlns:m="http://schemas.openxmlformats.org/officeDocument/2006/math" xmlns="" val="1"/>
               </a:ext>
             </a:extLst>
           </p:spPr>
@@ -32123,7 +32428,7 @@
             </a:ln>
             <a:extLst>
               <a:ext uri="{C572A759-6A51-4108-AA02-DFA0A04FC94B}">
-                <ma14:wrappingTextBoxFlag xmlns="" xmlns:m="http://schemas.openxmlformats.org/officeDocument/2006/math" xmlns:a14="http://schemas.microsoft.com/office/drawing/2010/main" xmlns:ma14="http://schemas.microsoft.com/office/mac/drawingml/2011/main" val="1"/>
+                <ma14:wrappingTextBoxFlag xmlns:ma14="http://schemas.microsoft.com/office/mac/drawingml/2011/main" xmlns:a14="http://schemas.microsoft.com/office/drawing/2010/main" xmlns:m="http://schemas.openxmlformats.org/officeDocument/2006/math" xmlns="" val="1"/>
               </a:ext>
             </a:extLst>
           </p:spPr>
@@ -32738,7 +33043,7 @@
             </a:ln>
             <a:extLst>
               <a:ext uri="{C572A759-6A51-4108-AA02-DFA0A04FC94B}">
-                <ma14:wrappingTextBoxFlag xmlns="" xmlns:ma14="http://schemas.microsoft.com/office/mac/drawingml/2011/main" xmlns:a14="http://schemas.microsoft.com/office/drawing/2010/main" xmlns:m="http://schemas.openxmlformats.org/officeDocument/2006/math" val="1"/>
+                <ma14:wrappingTextBoxFlag xmlns:m="http://schemas.openxmlformats.org/officeDocument/2006/math" xmlns:a14="http://schemas.microsoft.com/office/drawing/2010/main" xmlns:ma14="http://schemas.microsoft.com/office/mac/drawingml/2011/main" xmlns="" val="1"/>
               </a:ext>
             </a:extLst>
           </p:spPr>
@@ -32786,7 +33091,7 @@
             </a:ln>
             <a:extLst>
               <a:ext uri="{C572A759-6A51-4108-AA02-DFA0A04FC94B}">
-                <ma14:wrappingTextBoxFlag xmlns="" xmlns:ma14="http://schemas.microsoft.com/office/mac/drawingml/2011/main" xmlns:a14="http://schemas.microsoft.com/office/drawing/2010/main" xmlns:m="http://schemas.openxmlformats.org/officeDocument/2006/math" val="1"/>
+                <ma14:wrappingTextBoxFlag xmlns:m="http://schemas.openxmlformats.org/officeDocument/2006/math" xmlns:a14="http://schemas.microsoft.com/office/drawing/2010/main" xmlns:ma14="http://schemas.microsoft.com/office/mac/drawingml/2011/main" xmlns="" val="1"/>
               </a:ext>
             </a:extLst>
           </p:spPr>
@@ -32834,7 +33139,7 @@
             </a:ln>
             <a:extLst>
               <a:ext uri="{C572A759-6A51-4108-AA02-DFA0A04FC94B}">
-                <ma14:wrappingTextBoxFlag xmlns="" xmlns:ma14="http://schemas.microsoft.com/office/mac/drawingml/2011/main" xmlns:a14="http://schemas.microsoft.com/office/drawing/2010/main" xmlns:m="http://schemas.openxmlformats.org/officeDocument/2006/math" val="1"/>
+                <ma14:wrappingTextBoxFlag xmlns:m="http://schemas.openxmlformats.org/officeDocument/2006/math" xmlns:a14="http://schemas.microsoft.com/office/drawing/2010/main" xmlns:ma14="http://schemas.microsoft.com/office/mac/drawingml/2011/main" xmlns="" val="1"/>
               </a:ext>
             </a:extLst>
           </p:spPr>
@@ -32886,7 +33191,7 @@
             </a:ln>
             <a:extLst>
               <a:ext uri="{C572A759-6A51-4108-AA02-DFA0A04FC94B}">
-                <ma14:wrappingTextBoxFlag xmlns="" xmlns:ma14="http://schemas.microsoft.com/office/mac/drawingml/2011/main" xmlns:a14="http://schemas.microsoft.com/office/drawing/2010/main" xmlns:m="http://schemas.openxmlformats.org/officeDocument/2006/math" val="1"/>
+                <ma14:wrappingTextBoxFlag xmlns:m="http://schemas.openxmlformats.org/officeDocument/2006/math" xmlns:a14="http://schemas.microsoft.com/office/drawing/2010/main" xmlns:ma14="http://schemas.microsoft.com/office/mac/drawingml/2011/main" xmlns="" val="1"/>
               </a:ext>
             </a:extLst>
           </p:spPr>
@@ -32934,7 +33239,7 @@
             </a:ln>
             <a:extLst>
               <a:ext uri="{C572A759-6A51-4108-AA02-DFA0A04FC94B}">
-                <ma14:wrappingTextBoxFlag xmlns="" xmlns:ma14="http://schemas.microsoft.com/office/mac/drawingml/2011/main" xmlns:a14="http://schemas.microsoft.com/office/drawing/2010/main" xmlns:m="http://schemas.openxmlformats.org/officeDocument/2006/math" val="1"/>
+                <ma14:wrappingTextBoxFlag xmlns:m="http://schemas.openxmlformats.org/officeDocument/2006/math" xmlns:a14="http://schemas.microsoft.com/office/drawing/2010/main" xmlns:ma14="http://schemas.microsoft.com/office/mac/drawingml/2011/main" xmlns="" val="1"/>
               </a:ext>
             </a:extLst>
           </p:spPr>
@@ -32982,7 +33287,7 @@
             </a:ln>
             <a:extLst>
               <a:ext uri="{C572A759-6A51-4108-AA02-DFA0A04FC94B}">
-                <ma14:wrappingTextBoxFlag xmlns="" xmlns:ma14="http://schemas.microsoft.com/office/mac/drawingml/2011/main" xmlns:a14="http://schemas.microsoft.com/office/drawing/2010/main" xmlns:m="http://schemas.openxmlformats.org/officeDocument/2006/math" val="1"/>
+                <ma14:wrappingTextBoxFlag xmlns:m="http://schemas.openxmlformats.org/officeDocument/2006/math" xmlns:a14="http://schemas.microsoft.com/office/drawing/2010/main" xmlns:ma14="http://schemas.microsoft.com/office/mac/drawingml/2011/main" xmlns="" val="1"/>
               </a:ext>
             </a:extLst>
           </p:spPr>
@@ -33039,7 +33344,7 @@
             </a:ln>
             <a:extLst>
               <a:ext uri="{C572A759-6A51-4108-AA02-DFA0A04FC94B}">
-                <ma14:wrappingTextBoxFlag xmlns="" xmlns:ma14="http://schemas.microsoft.com/office/mac/drawingml/2011/main" xmlns:a14="http://schemas.microsoft.com/office/drawing/2010/main" xmlns:m="http://schemas.openxmlformats.org/officeDocument/2006/math" val="1"/>
+                <ma14:wrappingTextBoxFlag xmlns:m="http://schemas.openxmlformats.org/officeDocument/2006/math" xmlns:a14="http://schemas.microsoft.com/office/drawing/2010/main" xmlns:ma14="http://schemas.microsoft.com/office/mac/drawingml/2011/main" xmlns="" val="1"/>
               </a:ext>
             </a:extLst>
           </p:spPr>
@@ -33097,7 +33402,7 @@
             </a:ln>
             <a:extLst>
               <a:ext uri="{C572A759-6A51-4108-AA02-DFA0A04FC94B}">
-                <ma14:wrappingTextBoxFlag xmlns="" xmlns:ma14="http://schemas.microsoft.com/office/mac/drawingml/2011/main" xmlns:a14="http://schemas.microsoft.com/office/drawing/2010/main" xmlns:m="http://schemas.openxmlformats.org/officeDocument/2006/math" val="1"/>
+                <ma14:wrappingTextBoxFlag xmlns:m="http://schemas.openxmlformats.org/officeDocument/2006/math" xmlns:a14="http://schemas.microsoft.com/office/drawing/2010/main" xmlns:ma14="http://schemas.microsoft.com/office/mac/drawingml/2011/main" xmlns="" val="1"/>
               </a:ext>
             </a:extLst>
           </p:spPr>
@@ -33145,7 +33450,7 @@
             </a:ln>
             <a:extLst>
               <a:ext uri="{C572A759-6A51-4108-AA02-DFA0A04FC94B}">
-                <ma14:wrappingTextBoxFlag xmlns="" xmlns:ma14="http://schemas.microsoft.com/office/mac/drawingml/2011/main" xmlns:a14="http://schemas.microsoft.com/office/drawing/2010/main" xmlns:m="http://schemas.openxmlformats.org/officeDocument/2006/math" val="1"/>
+                <ma14:wrappingTextBoxFlag xmlns:m="http://schemas.openxmlformats.org/officeDocument/2006/math" xmlns:a14="http://schemas.microsoft.com/office/drawing/2010/main" xmlns:ma14="http://schemas.microsoft.com/office/mac/drawingml/2011/main" xmlns="" val="1"/>
               </a:ext>
             </a:extLst>
           </p:spPr>
@@ -33193,7 +33498,7 @@
             </a:ln>
             <a:extLst>
               <a:ext uri="{C572A759-6A51-4108-AA02-DFA0A04FC94B}">
-                <ma14:wrappingTextBoxFlag xmlns="" xmlns:ma14="http://schemas.microsoft.com/office/mac/drawingml/2011/main" xmlns:a14="http://schemas.microsoft.com/office/drawing/2010/main" xmlns:m="http://schemas.openxmlformats.org/officeDocument/2006/math" val="1"/>
+                <ma14:wrappingTextBoxFlag xmlns:m="http://schemas.openxmlformats.org/officeDocument/2006/math" xmlns:a14="http://schemas.microsoft.com/office/drawing/2010/main" xmlns:ma14="http://schemas.microsoft.com/office/mac/drawingml/2011/main" xmlns="" val="1"/>
               </a:ext>
             </a:extLst>
           </p:spPr>
@@ -33241,7 +33546,7 @@
             </a:ln>
             <a:extLst>
               <a:ext uri="{C572A759-6A51-4108-AA02-DFA0A04FC94B}">
-                <ma14:wrappingTextBoxFlag xmlns="" xmlns:ma14="http://schemas.microsoft.com/office/mac/drawingml/2011/main" xmlns:a14="http://schemas.microsoft.com/office/drawing/2010/main" xmlns:m="http://schemas.openxmlformats.org/officeDocument/2006/math" val="1"/>
+                <ma14:wrappingTextBoxFlag xmlns:m="http://schemas.openxmlformats.org/officeDocument/2006/math" xmlns:a14="http://schemas.microsoft.com/office/drawing/2010/main" xmlns:ma14="http://schemas.microsoft.com/office/mac/drawingml/2011/main" xmlns="" val="1"/>
               </a:ext>
             </a:extLst>
           </p:spPr>
@@ -33299,7 +33604,7 @@
             </a:ln>
             <a:extLst>
               <a:ext uri="{C572A759-6A51-4108-AA02-DFA0A04FC94B}">
-                <ma14:wrappingTextBoxFlag xmlns="" xmlns:ma14="http://schemas.microsoft.com/office/mac/drawingml/2011/main" xmlns:a14="http://schemas.microsoft.com/office/drawing/2010/main" xmlns:m="http://schemas.openxmlformats.org/officeDocument/2006/math" val="1"/>
+                <ma14:wrappingTextBoxFlag xmlns:m="http://schemas.openxmlformats.org/officeDocument/2006/math" xmlns:a14="http://schemas.microsoft.com/office/drawing/2010/main" xmlns:ma14="http://schemas.microsoft.com/office/mac/drawingml/2011/main" xmlns="" val="1"/>
               </a:ext>
             </a:extLst>
           </p:spPr>
@@ -33356,7 +33661,7 @@
             </a:ln>
             <a:extLst>
               <a:ext uri="{C572A759-6A51-4108-AA02-DFA0A04FC94B}">
-                <ma14:wrappingTextBoxFlag xmlns="" xmlns:ma14="http://schemas.microsoft.com/office/mac/drawingml/2011/main" xmlns:a14="http://schemas.microsoft.com/office/drawing/2010/main" xmlns:m="http://schemas.openxmlformats.org/officeDocument/2006/math" val="1"/>
+                <ma14:wrappingTextBoxFlag xmlns:m="http://schemas.openxmlformats.org/officeDocument/2006/math" xmlns:a14="http://schemas.microsoft.com/office/drawing/2010/main" xmlns:ma14="http://schemas.microsoft.com/office/mac/drawingml/2011/main" xmlns="" val="1"/>
               </a:ext>
             </a:extLst>
           </p:spPr>
@@ -33404,7 +33709,7 @@
             </a:ln>
             <a:extLst>
               <a:ext uri="{C572A759-6A51-4108-AA02-DFA0A04FC94B}">
-                <ma14:wrappingTextBoxFlag xmlns="" xmlns:ma14="http://schemas.microsoft.com/office/mac/drawingml/2011/main" xmlns:a14="http://schemas.microsoft.com/office/drawing/2010/main" xmlns:m="http://schemas.openxmlformats.org/officeDocument/2006/math" val="1"/>
+                <ma14:wrappingTextBoxFlag xmlns:m="http://schemas.openxmlformats.org/officeDocument/2006/math" xmlns:a14="http://schemas.microsoft.com/office/drawing/2010/main" xmlns:ma14="http://schemas.microsoft.com/office/mac/drawingml/2011/main" xmlns="" val="1"/>
               </a:ext>
             </a:extLst>
           </p:spPr>
@@ -33456,7 +33761,7 @@
             </a:ln>
             <a:extLst>
               <a:ext uri="{C572A759-6A51-4108-AA02-DFA0A04FC94B}">
-                <ma14:wrappingTextBoxFlag xmlns="" xmlns:ma14="http://schemas.microsoft.com/office/mac/drawingml/2011/main" xmlns:a14="http://schemas.microsoft.com/office/drawing/2010/main" xmlns:m="http://schemas.openxmlformats.org/officeDocument/2006/math" val="1"/>
+                <ma14:wrappingTextBoxFlag xmlns:m="http://schemas.openxmlformats.org/officeDocument/2006/math" xmlns:a14="http://schemas.microsoft.com/office/drawing/2010/main" xmlns:ma14="http://schemas.microsoft.com/office/mac/drawingml/2011/main" xmlns="" val="1"/>
               </a:ext>
             </a:extLst>
           </p:spPr>
@@ -33514,7 +33819,7 @@
             </a:ln>
             <a:extLst>
               <a:ext uri="{C572A759-6A51-4108-AA02-DFA0A04FC94B}">
-                <ma14:wrappingTextBoxFlag xmlns="" xmlns:ma14="http://schemas.microsoft.com/office/mac/drawingml/2011/main" xmlns:a14="http://schemas.microsoft.com/office/drawing/2010/main" xmlns:m="http://schemas.openxmlformats.org/officeDocument/2006/math" val="1"/>
+                <ma14:wrappingTextBoxFlag xmlns:m="http://schemas.openxmlformats.org/officeDocument/2006/math" xmlns:a14="http://schemas.microsoft.com/office/drawing/2010/main" xmlns:ma14="http://schemas.microsoft.com/office/mac/drawingml/2011/main" xmlns="" val="1"/>
               </a:ext>
             </a:extLst>
           </p:spPr>
@@ -33562,7 +33867,7 @@
             </a:ln>
             <a:extLst>
               <a:ext uri="{C572A759-6A51-4108-AA02-DFA0A04FC94B}">
-                <ma14:wrappingTextBoxFlag xmlns="" xmlns:ma14="http://schemas.microsoft.com/office/mac/drawingml/2011/main" xmlns:a14="http://schemas.microsoft.com/office/drawing/2010/main" xmlns:m="http://schemas.openxmlformats.org/officeDocument/2006/math" val="1"/>
+                <ma14:wrappingTextBoxFlag xmlns:m="http://schemas.openxmlformats.org/officeDocument/2006/math" xmlns:a14="http://schemas.microsoft.com/office/drawing/2010/main" xmlns:ma14="http://schemas.microsoft.com/office/mac/drawingml/2011/main" xmlns="" val="1"/>
               </a:ext>
             </a:extLst>
           </p:spPr>
@@ -33615,7 +33920,7 @@
             </a:ln>
             <a:extLst>
               <a:ext uri="{C572A759-6A51-4108-AA02-DFA0A04FC94B}">
-                <ma14:wrappingTextBoxFlag xmlns="" xmlns:ma14="http://schemas.microsoft.com/office/mac/drawingml/2011/main" xmlns:a14="http://schemas.microsoft.com/office/drawing/2010/main" xmlns:m="http://schemas.openxmlformats.org/officeDocument/2006/math" val="1"/>
+                <ma14:wrappingTextBoxFlag xmlns:m="http://schemas.openxmlformats.org/officeDocument/2006/math" xmlns:a14="http://schemas.microsoft.com/office/drawing/2010/main" xmlns:ma14="http://schemas.microsoft.com/office/mac/drawingml/2011/main" xmlns="" val="1"/>
               </a:ext>
             </a:extLst>
           </p:spPr>
@@ -33663,7 +33968,7 @@
             </a:ln>
             <a:extLst>
               <a:ext uri="{C572A759-6A51-4108-AA02-DFA0A04FC94B}">
-                <ma14:wrappingTextBoxFlag xmlns="" xmlns:ma14="http://schemas.microsoft.com/office/mac/drawingml/2011/main" xmlns:a14="http://schemas.microsoft.com/office/drawing/2010/main" xmlns:m="http://schemas.openxmlformats.org/officeDocument/2006/math" val="1"/>
+                <ma14:wrappingTextBoxFlag xmlns:m="http://schemas.openxmlformats.org/officeDocument/2006/math" xmlns:a14="http://schemas.microsoft.com/office/drawing/2010/main" xmlns:ma14="http://schemas.microsoft.com/office/mac/drawingml/2011/main" xmlns="" val="1"/>
               </a:ext>
             </a:extLst>
           </p:spPr>
@@ -33715,7 +34020,7 @@
             </a:ln>
             <a:extLst>
               <a:ext uri="{C572A759-6A51-4108-AA02-DFA0A04FC94B}">
-                <ma14:wrappingTextBoxFlag xmlns="" xmlns:ma14="http://schemas.microsoft.com/office/mac/drawingml/2011/main" xmlns:a14="http://schemas.microsoft.com/office/drawing/2010/main" xmlns:m="http://schemas.openxmlformats.org/officeDocument/2006/math" val="1"/>
+                <ma14:wrappingTextBoxFlag xmlns:m="http://schemas.openxmlformats.org/officeDocument/2006/math" xmlns:a14="http://schemas.microsoft.com/office/drawing/2010/main" xmlns:ma14="http://schemas.microsoft.com/office/mac/drawingml/2011/main" xmlns="" val="1"/>
               </a:ext>
             </a:extLst>
           </p:spPr>
@@ -33763,7 +34068,7 @@
             </a:ln>
             <a:extLst>
               <a:ext uri="{C572A759-6A51-4108-AA02-DFA0A04FC94B}">
-                <ma14:wrappingTextBoxFlag xmlns="" xmlns:ma14="http://schemas.microsoft.com/office/mac/drawingml/2011/main" xmlns:a14="http://schemas.microsoft.com/office/drawing/2010/main" xmlns:m="http://schemas.openxmlformats.org/officeDocument/2006/math" val="1"/>
+                <ma14:wrappingTextBoxFlag xmlns:m="http://schemas.openxmlformats.org/officeDocument/2006/math" xmlns:a14="http://schemas.microsoft.com/office/drawing/2010/main" xmlns:ma14="http://schemas.microsoft.com/office/mac/drawingml/2011/main" xmlns="" val="1"/>
               </a:ext>
             </a:extLst>
           </p:spPr>
@@ -33817,7 +34122,7 @@
             </a:ln>
             <a:extLst>
               <a:ext uri="{C572A759-6A51-4108-AA02-DFA0A04FC94B}">
-                <ma14:wrappingTextBoxFlag xmlns="" xmlns:ma14="http://schemas.microsoft.com/office/mac/drawingml/2011/main" xmlns:a14="http://schemas.microsoft.com/office/drawing/2010/main" xmlns:m="http://schemas.openxmlformats.org/officeDocument/2006/math" val="1"/>
+                <ma14:wrappingTextBoxFlag xmlns:m="http://schemas.openxmlformats.org/officeDocument/2006/math" xmlns:a14="http://schemas.microsoft.com/office/drawing/2010/main" xmlns:ma14="http://schemas.microsoft.com/office/mac/drawingml/2011/main" xmlns="" val="1"/>
               </a:ext>
             </a:extLst>
           </p:spPr>
@@ -33874,7 +34179,7 @@
             </a:ln>
             <a:extLst>
               <a:ext uri="{C572A759-6A51-4108-AA02-DFA0A04FC94B}">
-                <ma14:wrappingTextBoxFlag xmlns="" xmlns:ma14="http://schemas.microsoft.com/office/mac/drawingml/2011/main" xmlns:a14="http://schemas.microsoft.com/office/drawing/2010/main" xmlns:m="http://schemas.openxmlformats.org/officeDocument/2006/math" val="1"/>
+                <ma14:wrappingTextBoxFlag xmlns:m="http://schemas.openxmlformats.org/officeDocument/2006/math" xmlns:a14="http://schemas.microsoft.com/office/drawing/2010/main" xmlns:ma14="http://schemas.microsoft.com/office/mac/drawingml/2011/main" xmlns="" val="1"/>
               </a:ext>
             </a:extLst>
           </p:spPr>
@@ -33932,7 +34237,7 @@
             </a:ln>
             <a:extLst>
               <a:ext uri="{C572A759-6A51-4108-AA02-DFA0A04FC94B}">
-                <ma14:wrappingTextBoxFlag xmlns="" xmlns:ma14="http://schemas.microsoft.com/office/mac/drawingml/2011/main" xmlns:a14="http://schemas.microsoft.com/office/drawing/2010/main" xmlns:m="http://schemas.openxmlformats.org/officeDocument/2006/math" val="1"/>
+                <ma14:wrappingTextBoxFlag xmlns:m="http://schemas.openxmlformats.org/officeDocument/2006/math" xmlns:a14="http://schemas.microsoft.com/office/drawing/2010/main" xmlns:ma14="http://schemas.microsoft.com/office/mac/drawingml/2011/main" xmlns="" val="1"/>
               </a:ext>
             </a:extLst>
           </p:spPr>
@@ -34013,7 +34318,7 @@
             </a:ln>
             <a:extLst>
               <a:ext uri="{C572A759-6A51-4108-AA02-DFA0A04FC94B}">
-                <ma14:wrappingTextBoxFlag xmlns="" xmlns:ma14="http://schemas.microsoft.com/office/mac/drawingml/2011/main" xmlns:a14="http://schemas.microsoft.com/office/drawing/2010/main" xmlns:m="http://schemas.openxmlformats.org/officeDocument/2006/math" val="1"/>
+                <ma14:wrappingTextBoxFlag xmlns:m="http://schemas.openxmlformats.org/officeDocument/2006/math" xmlns:a14="http://schemas.microsoft.com/office/drawing/2010/main" xmlns:ma14="http://schemas.microsoft.com/office/mac/drawingml/2011/main" xmlns="" val="1"/>
               </a:ext>
             </a:extLst>
           </p:spPr>
@@ -34071,7 +34376,7 @@
             </a:ln>
             <a:extLst>
               <a:ext uri="{C572A759-6A51-4108-AA02-DFA0A04FC94B}">
-                <ma14:wrappingTextBoxFlag xmlns="" xmlns:ma14="http://schemas.microsoft.com/office/mac/drawingml/2011/main" xmlns:a14="http://schemas.microsoft.com/office/drawing/2010/main" xmlns:m="http://schemas.openxmlformats.org/officeDocument/2006/math" val="1"/>
+                <ma14:wrappingTextBoxFlag xmlns:m="http://schemas.openxmlformats.org/officeDocument/2006/math" xmlns:a14="http://schemas.microsoft.com/office/drawing/2010/main" xmlns:ma14="http://schemas.microsoft.com/office/mac/drawingml/2011/main" xmlns="" val="1"/>
               </a:ext>
             </a:extLst>
           </p:spPr>
@@ -34129,7 +34434,7 @@
             </a:ln>
             <a:extLst>
               <a:ext uri="{C572A759-6A51-4108-AA02-DFA0A04FC94B}">
-                <ma14:wrappingTextBoxFlag xmlns="" xmlns:ma14="http://schemas.microsoft.com/office/mac/drawingml/2011/main" xmlns:a14="http://schemas.microsoft.com/office/drawing/2010/main" xmlns:m="http://schemas.openxmlformats.org/officeDocument/2006/math" val="1"/>
+                <ma14:wrappingTextBoxFlag xmlns:m="http://schemas.openxmlformats.org/officeDocument/2006/math" xmlns:a14="http://schemas.microsoft.com/office/drawing/2010/main" xmlns:ma14="http://schemas.microsoft.com/office/mac/drawingml/2011/main" xmlns="" val="1"/>
               </a:ext>
             </a:extLst>
           </p:spPr>
@@ -34187,7 +34492,7 @@
             </a:ln>
             <a:extLst>
               <a:ext uri="{C572A759-6A51-4108-AA02-DFA0A04FC94B}">
-                <ma14:wrappingTextBoxFlag xmlns="" xmlns:ma14="http://schemas.microsoft.com/office/mac/drawingml/2011/main" xmlns:a14="http://schemas.microsoft.com/office/drawing/2010/main" xmlns:m="http://schemas.openxmlformats.org/officeDocument/2006/math" val="1"/>
+                <ma14:wrappingTextBoxFlag xmlns:m="http://schemas.openxmlformats.org/officeDocument/2006/math" xmlns:a14="http://schemas.microsoft.com/office/drawing/2010/main" xmlns:ma14="http://schemas.microsoft.com/office/mac/drawingml/2011/main" xmlns="" val="1"/>
               </a:ext>
             </a:extLst>
           </p:spPr>
@@ -34235,7 +34540,7 @@
             </a:ln>
             <a:extLst>
               <a:ext uri="{C572A759-6A51-4108-AA02-DFA0A04FC94B}">
-                <ma14:wrappingTextBoxFlag xmlns="" xmlns:ma14="http://schemas.microsoft.com/office/mac/drawingml/2011/main" xmlns:a14="http://schemas.microsoft.com/office/drawing/2010/main" xmlns:m="http://schemas.openxmlformats.org/officeDocument/2006/math" val="1"/>
+                <ma14:wrappingTextBoxFlag xmlns:m="http://schemas.openxmlformats.org/officeDocument/2006/math" xmlns:a14="http://schemas.microsoft.com/office/drawing/2010/main" xmlns:ma14="http://schemas.microsoft.com/office/mac/drawingml/2011/main" xmlns="" val="1"/>
               </a:ext>
             </a:extLst>
           </p:spPr>
@@ -34283,7 +34588,7 @@
             </a:ln>
             <a:extLst>
               <a:ext uri="{C572A759-6A51-4108-AA02-DFA0A04FC94B}">
-                <ma14:wrappingTextBoxFlag xmlns="" xmlns:ma14="http://schemas.microsoft.com/office/mac/drawingml/2011/main" xmlns:a14="http://schemas.microsoft.com/office/drawing/2010/main" xmlns:m="http://schemas.openxmlformats.org/officeDocument/2006/math" val="1"/>
+                <ma14:wrappingTextBoxFlag xmlns:m="http://schemas.openxmlformats.org/officeDocument/2006/math" xmlns:a14="http://schemas.microsoft.com/office/drawing/2010/main" xmlns:ma14="http://schemas.microsoft.com/office/mac/drawingml/2011/main" xmlns="" val="1"/>
               </a:ext>
             </a:extLst>
           </p:spPr>
@@ -34337,7 +34642,7 @@
             </a:ln>
             <a:extLst>
               <a:ext uri="{C572A759-6A51-4108-AA02-DFA0A04FC94B}">
-                <ma14:wrappingTextBoxFlag xmlns="" xmlns:ma14="http://schemas.microsoft.com/office/mac/drawingml/2011/main" xmlns:a14="http://schemas.microsoft.com/office/drawing/2010/main" xmlns:m="http://schemas.openxmlformats.org/officeDocument/2006/math" val="1"/>
+                <ma14:wrappingTextBoxFlag xmlns:m="http://schemas.openxmlformats.org/officeDocument/2006/math" xmlns:a14="http://schemas.microsoft.com/office/drawing/2010/main" xmlns:ma14="http://schemas.microsoft.com/office/mac/drawingml/2011/main" xmlns="" val="1"/>
               </a:ext>
             </a:extLst>
           </p:spPr>
@@ -34391,7 +34696,7 @@
             </a:ln>
             <a:extLst>
               <a:ext uri="{C572A759-6A51-4108-AA02-DFA0A04FC94B}">
-                <ma14:wrappingTextBoxFlag xmlns="" xmlns:ma14="http://schemas.microsoft.com/office/mac/drawingml/2011/main" xmlns:a14="http://schemas.microsoft.com/office/drawing/2010/main" xmlns:m="http://schemas.openxmlformats.org/officeDocument/2006/math" val="1"/>
+                <ma14:wrappingTextBoxFlag xmlns:m="http://schemas.openxmlformats.org/officeDocument/2006/math" xmlns:a14="http://schemas.microsoft.com/office/drawing/2010/main" xmlns:ma14="http://schemas.microsoft.com/office/mac/drawingml/2011/main" xmlns="" val="1"/>
               </a:ext>
             </a:extLst>
           </p:spPr>
@@ -34444,7 +34749,7 @@
             </a:ln>
             <a:extLst>
               <a:ext uri="{C572A759-6A51-4108-AA02-DFA0A04FC94B}">
-                <ma14:wrappingTextBoxFlag xmlns="" xmlns:ma14="http://schemas.microsoft.com/office/mac/drawingml/2011/main" xmlns:a14="http://schemas.microsoft.com/office/drawing/2010/main" xmlns:m="http://schemas.openxmlformats.org/officeDocument/2006/math" val="1"/>
+                <ma14:wrappingTextBoxFlag xmlns:m="http://schemas.openxmlformats.org/officeDocument/2006/math" xmlns:a14="http://schemas.microsoft.com/office/drawing/2010/main" xmlns:ma14="http://schemas.microsoft.com/office/mac/drawingml/2011/main" xmlns="" val="1"/>
               </a:ext>
             </a:extLst>
           </p:spPr>
@@ -34497,7 +34802,7 @@
             </a:ln>
             <a:extLst>
               <a:ext uri="{C572A759-6A51-4108-AA02-DFA0A04FC94B}">
-                <ma14:wrappingTextBoxFlag xmlns="" xmlns:ma14="http://schemas.microsoft.com/office/mac/drawingml/2011/main" xmlns:a14="http://schemas.microsoft.com/office/drawing/2010/main" xmlns:m="http://schemas.openxmlformats.org/officeDocument/2006/math" val="1"/>
+                <ma14:wrappingTextBoxFlag xmlns:m="http://schemas.openxmlformats.org/officeDocument/2006/math" xmlns:a14="http://schemas.microsoft.com/office/drawing/2010/main" xmlns:ma14="http://schemas.microsoft.com/office/mac/drawingml/2011/main" xmlns="" val="1"/>
               </a:ext>
             </a:extLst>
           </p:spPr>
@@ -34550,7 +34855,7 @@
             </a:ln>
             <a:extLst>
               <a:ext uri="{C572A759-6A51-4108-AA02-DFA0A04FC94B}">
-                <ma14:wrappingTextBoxFlag xmlns="" xmlns:ma14="http://schemas.microsoft.com/office/mac/drawingml/2011/main" xmlns:a14="http://schemas.microsoft.com/office/drawing/2010/main" xmlns:m="http://schemas.openxmlformats.org/officeDocument/2006/math" val="1"/>
+                <ma14:wrappingTextBoxFlag xmlns:m="http://schemas.openxmlformats.org/officeDocument/2006/math" xmlns:a14="http://schemas.microsoft.com/office/drawing/2010/main" xmlns:ma14="http://schemas.microsoft.com/office/mac/drawingml/2011/main" xmlns="" val="1"/>
               </a:ext>
             </a:extLst>
           </p:spPr>
@@ -34909,7 +35214,7 @@
             </a:ln>
             <a:extLst>
               <a:ext uri="{C572A759-6A51-4108-AA02-DFA0A04FC94B}">
-                <ma14:wrappingTextBoxFlag xmlns="" xmlns:m="http://schemas.openxmlformats.org/officeDocument/2006/math" xmlns:a14="http://schemas.microsoft.com/office/drawing/2010/main" xmlns:ma14="http://schemas.microsoft.com/office/mac/drawingml/2011/main" val="1"/>
+                <ma14:wrappingTextBoxFlag xmlns:ma14="http://schemas.microsoft.com/office/mac/drawingml/2011/main" xmlns:a14="http://schemas.microsoft.com/office/drawing/2010/main" xmlns:m="http://schemas.openxmlformats.org/officeDocument/2006/math" xmlns="" val="1"/>
               </a:ext>
             </a:extLst>
           </p:spPr>
@@ -34957,7 +35262,7 @@
             </a:ln>
             <a:extLst>
               <a:ext uri="{C572A759-6A51-4108-AA02-DFA0A04FC94B}">
-                <ma14:wrappingTextBoxFlag xmlns="" xmlns:m="http://schemas.openxmlformats.org/officeDocument/2006/math" xmlns:a14="http://schemas.microsoft.com/office/drawing/2010/main" xmlns:ma14="http://schemas.microsoft.com/office/mac/drawingml/2011/main" val="1"/>
+                <ma14:wrappingTextBoxFlag xmlns:ma14="http://schemas.microsoft.com/office/mac/drawingml/2011/main" xmlns:a14="http://schemas.microsoft.com/office/drawing/2010/main" xmlns:m="http://schemas.openxmlformats.org/officeDocument/2006/math" xmlns="" val="1"/>
               </a:ext>
             </a:extLst>
           </p:spPr>
@@ -35005,7 +35310,7 @@
             </a:ln>
             <a:extLst>
               <a:ext uri="{C572A759-6A51-4108-AA02-DFA0A04FC94B}">
-                <ma14:wrappingTextBoxFlag xmlns="" xmlns:m="http://schemas.openxmlformats.org/officeDocument/2006/math" xmlns:a14="http://schemas.microsoft.com/office/drawing/2010/main" xmlns:ma14="http://schemas.microsoft.com/office/mac/drawingml/2011/main" val="1"/>
+                <ma14:wrappingTextBoxFlag xmlns:ma14="http://schemas.microsoft.com/office/mac/drawingml/2011/main" xmlns:a14="http://schemas.microsoft.com/office/drawing/2010/main" xmlns:m="http://schemas.openxmlformats.org/officeDocument/2006/math" xmlns="" val="1"/>
               </a:ext>
             </a:extLst>
           </p:spPr>
@@ -35057,7 +35362,7 @@
             </a:ln>
             <a:extLst>
               <a:ext uri="{C572A759-6A51-4108-AA02-DFA0A04FC94B}">
-                <ma14:wrappingTextBoxFlag xmlns="" xmlns:m="http://schemas.openxmlformats.org/officeDocument/2006/math" xmlns:a14="http://schemas.microsoft.com/office/drawing/2010/main" xmlns:ma14="http://schemas.microsoft.com/office/mac/drawingml/2011/main" val="1"/>
+                <ma14:wrappingTextBoxFlag xmlns:ma14="http://schemas.microsoft.com/office/mac/drawingml/2011/main" xmlns:a14="http://schemas.microsoft.com/office/drawing/2010/main" xmlns:m="http://schemas.openxmlformats.org/officeDocument/2006/math" xmlns="" val="1"/>
               </a:ext>
             </a:extLst>
           </p:spPr>
@@ -35105,7 +35410,7 @@
             </a:ln>
             <a:extLst>
               <a:ext uri="{C572A759-6A51-4108-AA02-DFA0A04FC94B}">
-                <ma14:wrappingTextBoxFlag xmlns="" xmlns:m="http://schemas.openxmlformats.org/officeDocument/2006/math" xmlns:a14="http://schemas.microsoft.com/office/drawing/2010/main" xmlns:ma14="http://schemas.microsoft.com/office/mac/drawingml/2011/main" val="1"/>
+                <ma14:wrappingTextBoxFlag xmlns:ma14="http://schemas.microsoft.com/office/mac/drawingml/2011/main" xmlns:a14="http://schemas.microsoft.com/office/drawing/2010/main" xmlns:m="http://schemas.openxmlformats.org/officeDocument/2006/math" xmlns="" val="1"/>
               </a:ext>
             </a:extLst>
           </p:spPr>
@@ -35153,7 +35458,7 @@
             </a:ln>
             <a:extLst>
               <a:ext uri="{C572A759-6A51-4108-AA02-DFA0A04FC94B}">
-                <ma14:wrappingTextBoxFlag xmlns="" xmlns:m="http://schemas.openxmlformats.org/officeDocument/2006/math" xmlns:a14="http://schemas.microsoft.com/office/drawing/2010/main" xmlns:ma14="http://schemas.microsoft.com/office/mac/drawingml/2011/main" val="1"/>
+                <ma14:wrappingTextBoxFlag xmlns:ma14="http://schemas.microsoft.com/office/mac/drawingml/2011/main" xmlns:a14="http://schemas.microsoft.com/office/drawing/2010/main" xmlns:m="http://schemas.openxmlformats.org/officeDocument/2006/math" xmlns="" val="1"/>
               </a:ext>
             </a:extLst>
           </p:spPr>
@@ -35210,7 +35515,7 @@
             </a:ln>
             <a:extLst>
               <a:ext uri="{C572A759-6A51-4108-AA02-DFA0A04FC94B}">
-                <ma14:wrappingTextBoxFlag xmlns="" xmlns:m="http://schemas.openxmlformats.org/officeDocument/2006/math" xmlns:a14="http://schemas.microsoft.com/office/drawing/2010/main" xmlns:ma14="http://schemas.microsoft.com/office/mac/drawingml/2011/main" val="1"/>
+                <ma14:wrappingTextBoxFlag xmlns:ma14="http://schemas.microsoft.com/office/mac/drawingml/2011/main" xmlns:a14="http://schemas.microsoft.com/office/drawing/2010/main" xmlns:m="http://schemas.openxmlformats.org/officeDocument/2006/math" xmlns="" val="1"/>
               </a:ext>
             </a:extLst>
           </p:spPr>
@@ -35268,7 +35573,7 @@
             </a:ln>
             <a:extLst>
               <a:ext uri="{C572A759-6A51-4108-AA02-DFA0A04FC94B}">
-                <ma14:wrappingTextBoxFlag xmlns="" xmlns:m="http://schemas.openxmlformats.org/officeDocument/2006/math" xmlns:a14="http://schemas.microsoft.com/office/drawing/2010/main" xmlns:ma14="http://schemas.microsoft.com/office/mac/drawingml/2011/main" val="1"/>
+                <ma14:wrappingTextBoxFlag xmlns:ma14="http://schemas.microsoft.com/office/mac/drawingml/2011/main" xmlns:a14="http://schemas.microsoft.com/office/drawing/2010/main" xmlns:m="http://schemas.openxmlformats.org/officeDocument/2006/math" xmlns="" val="1"/>
               </a:ext>
             </a:extLst>
           </p:spPr>
@@ -35316,7 +35621,7 @@
             </a:ln>
             <a:extLst>
               <a:ext uri="{C572A759-6A51-4108-AA02-DFA0A04FC94B}">
-                <ma14:wrappingTextBoxFlag xmlns="" xmlns:m="http://schemas.openxmlformats.org/officeDocument/2006/math" xmlns:a14="http://schemas.microsoft.com/office/drawing/2010/main" xmlns:ma14="http://schemas.microsoft.com/office/mac/drawingml/2011/main" val="1"/>
+                <ma14:wrappingTextBoxFlag xmlns:ma14="http://schemas.microsoft.com/office/mac/drawingml/2011/main" xmlns:a14="http://schemas.microsoft.com/office/drawing/2010/main" xmlns:m="http://schemas.openxmlformats.org/officeDocument/2006/math" xmlns="" val="1"/>
               </a:ext>
             </a:extLst>
           </p:spPr>
@@ -35364,7 +35669,7 @@
             </a:ln>
             <a:extLst>
               <a:ext uri="{C572A759-6A51-4108-AA02-DFA0A04FC94B}">
-                <ma14:wrappingTextBoxFlag xmlns="" xmlns:m="http://schemas.openxmlformats.org/officeDocument/2006/math" xmlns:a14="http://schemas.microsoft.com/office/drawing/2010/main" xmlns:ma14="http://schemas.microsoft.com/office/mac/drawingml/2011/main" val="1"/>
+                <ma14:wrappingTextBoxFlag xmlns:ma14="http://schemas.microsoft.com/office/mac/drawingml/2011/main" xmlns:a14="http://schemas.microsoft.com/office/drawing/2010/main" xmlns:m="http://schemas.openxmlformats.org/officeDocument/2006/math" xmlns="" val="1"/>
               </a:ext>
             </a:extLst>
           </p:spPr>
@@ -35412,7 +35717,7 @@
             </a:ln>
             <a:extLst>
               <a:ext uri="{C572A759-6A51-4108-AA02-DFA0A04FC94B}">
-                <ma14:wrappingTextBoxFlag xmlns="" xmlns:m="http://schemas.openxmlformats.org/officeDocument/2006/math" xmlns:a14="http://schemas.microsoft.com/office/drawing/2010/main" xmlns:ma14="http://schemas.microsoft.com/office/mac/drawingml/2011/main" val="1"/>
+                <ma14:wrappingTextBoxFlag xmlns:ma14="http://schemas.microsoft.com/office/mac/drawingml/2011/main" xmlns:a14="http://schemas.microsoft.com/office/drawing/2010/main" xmlns:m="http://schemas.openxmlformats.org/officeDocument/2006/math" xmlns="" val="1"/>
               </a:ext>
             </a:extLst>
           </p:spPr>
@@ -35470,7 +35775,7 @@
             </a:ln>
             <a:extLst>
               <a:ext uri="{C572A759-6A51-4108-AA02-DFA0A04FC94B}">
-                <ma14:wrappingTextBoxFlag xmlns="" xmlns:m="http://schemas.openxmlformats.org/officeDocument/2006/math" xmlns:a14="http://schemas.microsoft.com/office/drawing/2010/main" xmlns:ma14="http://schemas.microsoft.com/office/mac/drawingml/2011/main" val="1"/>
+                <ma14:wrappingTextBoxFlag xmlns:ma14="http://schemas.microsoft.com/office/mac/drawingml/2011/main" xmlns:a14="http://schemas.microsoft.com/office/drawing/2010/main" xmlns:m="http://schemas.openxmlformats.org/officeDocument/2006/math" xmlns="" val="1"/>
               </a:ext>
             </a:extLst>
           </p:spPr>
@@ -35527,7 +35832,7 @@
             </a:ln>
             <a:extLst>
               <a:ext uri="{C572A759-6A51-4108-AA02-DFA0A04FC94B}">
-                <ma14:wrappingTextBoxFlag xmlns="" xmlns:m="http://schemas.openxmlformats.org/officeDocument/2006/math" xmlns:a14="http://schemas.microsoft.com/office/drawing/2010/main" xmlns:ma14="http://schemas.microsoft.com/office/mac/drawingml/2011/main" val="1"/>
+                <ma14:wrappingTextBoxFlag xmlns:ma14="http://schemas.microsoft.com/office/mac/drawingml/2011/main" xmlns:a14="http://schemas.microsoft.com/office/drawing/2010/main" xmlns:m="http://schemas.openxmlformats.org/officeDocument/2006/math" xmlns="" val="1"/>
               </a:ext>
             </a:extLst>
           </p:spPr>
@@ -35575,7 +35880,7 @@
             </a:ln>
             <a:extLst>
               <a:ext uri="{C572A759-6A51-4108-AA02-DFA0A04FC94B}">
-                <ma14:wrappingTextBoxFlag xmlns="" xmlns:m="http://schemas.openxmlformats.org/officeDocument/2006/math" xmlns:a14="http://schemas.microsoft.com/office/drawing/2010/main" xmlns:ma14="http://schemas.microsoft.com/office/mac/drawingml/2011/main" val="1"/>
+                <ma14:wrappingTextBoxFlag xmlns:ma14="http://schemas.microsoft.com/office/mac/drawingml/2011/main" xmlns:a14="http://schemas.microsoft.com/office/drawing/2010/main" xmlns:m="http://schemas.openxmlformats.org/officeDocument/2006/math" xmlns="" val="1"/>
               </a:ext>
             </a:extLst>
           </p:spPr>
@@ -35627,7 +35932,7 @@
             </a:ln>
             <a:extLst>
               <a:ext uri="{C572A759-6A51-4108-AA02-DFA0A04FC94B}">
-                <ma14:wrappingTextBoxFlag xmlns="" xmlns:m="http://schemas.openxmlformats.org/officeDocument/2006/math" xmlns:a14="http://schemas.microsoft.com/office/drawing/2010/main" xmlns:ma14="http://schemas.microsoft.com/office/mac/drawingml/2011/main" val="1"/>
+                <ma14:wrappingTextBoxFlag xmlns:ma14="http://schemas.microsoft.com/office/mac/drawingml/2011/main" xmlns:a14="http://schemas.microsoft.com/office/drawing/2010/main" xmlns:m="http://schemas.openxmlformats.org/officeDocument/2006/math" xmlns="" val="1"/>
               </a:ext>
             </a:extLst>
           </p:spPr>
@@ -35685,7 +35990,7 @@
             </a:ln>
             <a:extLst>
               <a:ext uri="{C572A759-6A51-4108-AA02-DFA0A04FC94B}">
-                <ma14:wrappingTextBoxFlag xmlns="" xmlns:m="http://schemas.openxmlformats.org/officeDocument/2006/math" xmlns:a14="http://schemas.microsoft.com/office/drawing/2010/main" xmlns:ma14="http://schemas.microsoft.com/office/mac/drawingml/2011/main" val="1"/>
+                <ma14:wrappingTextBoxFlag xmlns:ma14="http://schemas.microsoft.com/office/mac/drawingml/2011/main" xmlns:a14="http://schemas.microsoft.com/office/drawing/2010/main" xmlns:m="http://schemas.openxmlformats.org/officeDocument/2006/math" xmlns="" val="1"/>
               </a:ext>
             </a:extLst>
           </p:spPr>
@@ -35733,7 +36038,7 @@
             </a:ln>
             <a:extLst>
               <a:ext uri="{C572A759-6A51-4108-AA02-DFA0A04FC94B}">
-                <ma14:wrappingTextBoxFlag xmlns="" xmlns:m="http://schemas.openxmlformats.org/officeDocument/2006/math" xmlns:a14="http://schemas.microsoft.com/office/drawing/2010/main" xmlns:ma14="http://schemas.microsoft.com/office/mac/drawingml/2011/main" val="1"/>
+                <ma14:wrappingTextBoxFlag xmlns:ma14="http://schemas.microsoft.com/office/mac/drawingml/2011/main" xmlns:a14="http://schemas.microsoft.com/office/drawing/2010/main" xmlns:m="http://schemas.openxmlformats.org/officeDocument/2006/math" xmlns="" val="1"/>
               </a:ext>
             </a:extLst>
           </p:spPr>
@@ -35786,7 +36091,7 @@
             </a:ln>
             <a:extLst>
               <a:ext uri="{C572A759-6A51-4108-AA02-DFA0A04FC94B}">
-                <ma14:wrappingTextBoxFlag xmlns="" xmlns:m="http://schemas.openxmlformats.org/officeDocument/2006/math" xmlns:a14="http://schemas.microsoft.com/office/drawing/2010/main" xmlns:ma14="http://schemas.microsoft.com/office/mac/drawingml/2011/main" val="1"/>
+                <ma14:wrappingTextBoxFlag xmlns:ma14="http://schemas.microsoft.com/office/mac/drawingml/2011/main" xmlns:a14="http://schemas.microsoft.com/office/drawing/2010/main" xmlns:m="http://schemas.openxmlformats.org/officeDocument/2006/math" xmlns="" val="1"/>
               </a:ext>
             </a:extLst>
           </p:spPr>
@@ -35834,7 +36139,7 @@
             </a:ln>
             <a:extLst>
               <a:ext uri="{C572A759-6A51-4108-AA02-DFA0A04FC94B}">
-                <ma14:wrappingTextBoxFlag xmlns="" xmlns:m="http://schemas.openxmlformats.org/officeDocument/2006/math" xmlns:a14="http://schemas.microsoft.com/office/drawing/2010/main" xmlns:ma14="http://schemas.microsoft.com/office/mac/drawingml/2011/main" val="1"/>
+                <ma14:wrappingTextBoxFlag xmlns:ma14="http://schemas.microsoft.com/office/mac/drawingml/2011/main" xmlns:a14="http://schemas.microsoft.com/office/drawing/2010/main" xmlns:m="http://schemas.openxmlformats.org/officeDocument/2006/math" xmlns="" val="1"/>
               </a:ext>
             </a:extLst>
           </p:spPr>
@@ -35886,7 +36191,7 @@
             </a:ln>
             <a:extLst>
               <a:ext uri="{C572A759-6A51-4108-AA02-DFA0A04FC94B}">
-                <ma14:wrappingTextBoxFlag xmlns="" xmlns:m="http://schemas.openxmlformats.org/officeDocument/2006/math" xmlns:a14="http://schemas.microsoft.com/office/drawing/2010/main" xmlns:ma14="http://schemas.microsoft.com/office/mac/drawingml/2011/main" val="1"/>
+                <ma14:wrappingTextBoxFlag xmlns:ma14="http://schemas.microsoft.com/office/mac/drawingml/2011/main" xmlns:a14="http://schemas.microsoft.com/office/drawing/2010/main" xmlns:m="http://schemas.openxmlformats.org/officeDocument/2006/math" xmlns="" val="1"/>
               </a:ext>
             </a:extLst>
           </p:spPr>
@@ -35934,7 +36239,7 @@
             </a:ln>
             <a:extLst>
               <a:ext uri="{C572A759-6A51-4108-AA02-DFA0A04FC94B}">
-                <ma14:wrappingTextBoxFlag xmlns="" xmlns:m="http://schemas.openxmlformats.org/officeDocument/2006/math" xmlns:a14="http://schemas.microsoft.com/office/drawing/2010/main" xmlns:ma14="http://schemas.microsoft.com/office/mac/drawingml/2011/main" val="1"/>
+                <ma14:wrappingTextBoxFlag xmlns:ma14="http://schemas.microsoft.com/office/mac/drawingml/2011/main" xmlns:a14="http://schemas.microsoft.com/office/drawing/2010/main" xmlns:m="http://schemas.openxmlformats.org/officeDocument/2006/math" xmlns="" val="1"/>
               </a:ext>
             </a:extLst>
           </p:spPr>
@@ -35988,7 +36293,7 @@
             </a:ln>
             <a:extLst>
               <a:ext uri="{C572A759-6A51-4108-AA02-DFA0A04FC94B}">
-                <ma14:wrappingTextBoxFlag xmlns="" xmlns:m="http://schemas.openxmlformats.org/officeDocument/2006/math" xmlns:a14="http://schemas.microsoft.com/office/drawing/2010/main" xmlns:ma14="http://schemas.microsoft.com/office/mac/drawingml/2011/main" val="1"/>
+                <ma14:wrappingTextBoxFlag xmlns:ma14="http://schemas.microsoft.com/office/mac/drawingml/2011/main" xmlns:a14="http://schemas.microsoft.com/office/drawing/2010/main" xmlns:m="http://schemas.openxmlformats.org/officeDocument/2006/math" xmlns="" val="1"/>
               </a:ext>
             </a:extLst>
           </p:spPr>
@@ -36045,7 +36350,7 @@
             </a:ln>
             <a:extLst>
               <a:ext uri="{C572A759-6A51-4108-AA02-DFA0A04FC94B}">
-                <ma14:wrappingTextBoxFlag xmlns="" xmlns:m="http://schemas.openxmlformats.org/officeDocument/2006/math" xmlns:a14="http://schemas.microsoft.com/office/drawing/2010/main" xmlns:ma14="http://schemas.microsoft.com/office/mac/drawingml/2011/main" val="1"/>
+                <ma14:wrappingTextBoxFlag xmlns:ma14="http://schemas.microsoft.com/office/mac/drawingml/2011/main" xmlns:a14="http://schemas.microsoft.com/office/drawing/2010/main" xmlns:m="http://schemas.openxmlformats.org/officeDocument/2006/math" xmlns="" val="1"/>
               </a:ext>
             </a:extLst>
           </p:spPr>
@@ -36103,7 +36408,7 @@
             </a:ln>
             <a:extLst>
               <a:ext uri="{C572A759-6A51-4108-AA02-DFA0A04FC94B}">
-                <ma14:wrappingTextBoxFlag xmlns="" xmlns:m="http://schemas.openxmlformats.org/officeDocument/2006/math" xmlns:a14="http://schemas.microsoft.com/office/drawing/2010/main" xmlns:ma14="http://schemas.microsoft.com/office/mac/drawingml/2011/main" val="1"/>
+                <ma14:wrappingTextBoxFlag xmlns:ma14="http://schemas.microsoft.com/office/mac/drawingml/2011/main" xmlns:a14="http://schemas.microsoft.com/office/drawing/2010/main" xmlns:m="http://schemas.openxmlformats.org/officeDocument/2006/math" xmlns="" val="1"/>
               </a:ext>
             </a:extLst>
           </p:spPr>
@@ -36184,7 +36489,7 @@
             </a:ln>
             <a:extLst>
               <a:ext uri="{C572A759-6A51-4108-AA02-DFA0A04FC94B}">
-                <ma14:wrappingTextBoxFlag xmlns="" xmlns:m="http://schemas.openxmlformats.org/officeDocument/2006/math" xmlns:a14="http://schemas.microsoft.com/office/drawing/2010/main" xmlns:ma14="http://schemas.microsoft.com/office/mac/drawingml/2011/main" val="1"/>
+                <ma14:wrappingTextBoxFlag xmlns:ma14="http://schemas.microsoft.com/office/mac/drawingml/2011/main" xmlns:a14="http://schemas.microsoft.com/office/drawing/2010/main" xmlns:m="http://schemas.openxmlformats.org/officeDocument/2006/math" xmlns="" val="1"/>
               </a:ext>
             </a:extLst>
           </p:spPr>
@@ -36242,7 +36547,7 @@
             </a:ln>
             <a:extLst>
               <a:ext uri="{C572A759-6A51-4108-AA02-DFA0A04FC94B}">
-                <ma14:wrappingTextBoxFlag xmlns="" xmlns:m="http://schemas.openxmlformats.org/officeDocument/2006/math" xmlns:a14="http://schemas.microsoft.com/office/drawing/2010/main" xmlns:ma14="http://schemas.microsoft.com/office/mac/drawingml/2011/main" val="1"/>
+                <ma14:wrappingTextBoxFlag xmlns:ma14="http://schemas.microsoft.com/office/mac/drawingml/2011/main" xmlns:a14="http://schemas.microsoft.com/office/drawing/2010/main" xmlns:m="http://schemas.openxmlformats.org/officeDocument/2006/math" xmlns="" val="1"/>
               </a:ext>
             </a:extLst>
           </p:spPr>
@@ -36300,7 +36605,7 @@
             </a:ln>
             <a:extLst>
               <a:ext uri="{C572A759-6A51-4108-AA02-DFA0A04FC94B}">
-                <ma14:wrappingTextBoxFlag xmlns="" xmlns:m="http://schemas.openxmlformats.org/officeDocument/2006/math" xmlns:a14="http://schemas.microsoft.com/office/drawing/2010/main" xmlns:ma14="http://schemas.microsoft.com/office/mac/drawingml/2011/main" val="1"/>
+                <ma14:wrappingTextBoxFlag xmlns:ma14="http://schemas.microsoft.com/office/mac/drawingml/2011/main" xmlns:a14="http://schemas.microsoft.com/office/drawing/2010/main" xmlns:m="http://schemas.openxmlformats.org/officeDocument/2006/math" xmlns="" val="1"/>
               </a:ext>
             </a:extLst>
           </p:spPr>
@@ -36358,7 +36663,7 @@
             </a:ln>
             <a:extLst>
               <a:ext uri="{C572A759-6A51-4108-AA02-DFA0A04FC94B}">
-                <ma14:wrappingTextBoxFlag xmlns="" xmlns:m="http://schemas.openxmlformats.org/officeDocument/2006/math" xmlns:a14="http://schemas.microsoft.com/office/drawing/2010/main" xmlns:ma14="http://schemas.microsoft.com/office/mac/drawingml/2011/main" val="1"/>
+                <ma14:wrappingTextBoxFlag xmlns:ma14="http://schemas.microsoft.com/office/mac/drawingml/2011/main" xmlns:a14="http://schemas.microsoft.com/office/drawing/2010/main" xmlns:m="http://schemas.openxmlformats.org/officeDocument/2006/math" xmlns="" val="1"/>
               </a:ext>
             </a:extLst>
           </p:spPr>
@@ -36406,7 +36711,7 @@
             </a:ln>
             <a:extLst>
               <a:ext uri="{C572A759-6A51-4108-AA02-DFA0A04FC94B}">
-                <ma14:wrappingTextBoxFlag xmlns="" xmlns:m="http://schemas.openxmlformats.org/officeDocument/2006/math" xmlns:a14="http://schemas.microsoft.com/office/drawing/2010/main" xmlns:ma14="http://schemas.microsoft.com/office/mac/drawingml/2011/main" val="1"/>
+                <ma14:wrappingTextBoxFlag xmlns:ma14="http://schemas.microsoft.com/office/mac/drawingml/2011/main" xmlns:a14="http://schemas.microsoft.com/office/drawing/2010/main" xmlns:m="http://schemas.openxmlformats.org/officeDocument/2006/math" xmlns="" val="1"/>
               </a:ext>
             </a:extLst>
           </p:spPr>
@@ -36454,7 +36759,7 @@
             </a:ln>
             <a:extLst>
               <a:ext uri="{C572A759-6A51-4108-AA02-DFA0A04FC94B}">
-                <ma14:wrappingTextBoxFlag xmlns="" xmlns:m="http://schemas.openxmlformats.org/officeDocument/2006/math" xmlns:a14="http://schemas.microsoft.com/office/drawing/2010/main" xmlns:ma14="http://schemas.microsoft.com/office/mac/drawingml/2011/main" val="1"/>
+                <ma14:wrappingTextBoxFlag xmlns:ma14="http://schemas.microsoft.com/office/mac/drawingml/2011/main" xmlns:a14="http://schemas.microsoft.com/office/drawing/2010/main" xmlns:m="http://schemas.openxmlformats.org/officeDocument/2006/math" xmlns="" val="1"/>
               </a:ext>
             </a:extLst>
           </p:spPr>
@@ -36508,7 +36813,7 @@
             </a:ln>
             <a:extLst>
               <a:ext uri="{C572A759-6A51-4108-AA02-DFA0A04FC94B}">
-                <ma14:wrappingTextBoxFlag xmlns="" xmlns:m="http://schemas.openxmlformats.org/officeDocument/2006/math" xmlns:a14="http://schemas.microsoft.com/office/drawing/2010/main" xmlns:ma14="http://schemas.microsoft.com/office/mac/drawingml/2011/main" val="1"/>
+                <ma14:wrappingTextBoxFlag xmlns:ma14="http://schemas.microsoft.com/office/mac/drawingml/2011/main" xmlns:a14="http://schemas.microsoft.com/office/drawing/2010/main" xmlns:m="http://schemas.openxmlformats.org/officeDocument/2006/math" xmlns="" val="1"/>
               </a:ext>
             </a:extLst>
           </p:spPr>
@@ -36562,7 +36867,7 @@
             </a:ln>
             <a:extLst>
               <a:ext uri="{C572A759-6A51-4108-AA02-DFA0A04FC94B}">
-                <ma14:wrappingTextBoxFlag xmlns="" xmlns:m="http://schemas.openxmlformats.org/officeDocument/2006/math" xmlns:a14="http://schemas.microsoft.com/office/drawing/2010/main" xmlns:ma14="http://schemas.microsoft.com/office/mac/drawingml/2011/main" val="1"/>
+                <ma14:wrappingTextBoxFlag xmlns:ma14="http://schemas.microsoft.com/office/mac/drawingml/2011/main" xmlns:a14="http://schemas.microsoft.com/office/drawing/2010/main" xmlns:m="http://schemas.openxmlformats.org/officeDocument/2006/math" xmlns="" val="1"/>
               </a:ext>
             </a:extLst>
           </p:spPr>
@@ -36615,7 +36920,7 @@
             </a:ln>
             <a:extLst>
               <a:ext uri="{C572A759-6A51-4108-AA02-DFA0A04FC94B}">
-                <ma14:wrappingTextBoxFlag xmlns="" xmlns:m="http://schemas.openxmlformats.org/officeDocument/2006/math" xmlns:a14="http://schemas.microsoft.com/office/drawing/2010/main" xmlns:ma14="http://schemas.microsoft.com/office/mac/drawingml/2011/main" val="1"/>
+                <ma14:wrappingTextBoxFlag xmlns:ma14="http://schemas.microsoft.com/office/mac/drawingml/2011/main" xmlns:a14="http://schemas.microsoft.com/office/drawing/2010/main" xmlns:m="http://schemas.openxmlformats.org/officeDocument/2006/math" xmlns="" val="1"/>
               </a:ext>
             </a:extLst>
           </p:spPr>
@@ -36668,7 +36973,7 @@
             </a:ln>
             <a:extLst>
               <a:ext uri="{C572A759-6A51-4108-AA02-DFA0A04FC94B}">
-                <ma14:wrappingTextBoxFlag xmlns="" xmlns:m="http://schemas.openxmlformats.org/officeDocument/2006/math" xmlns:a14="http://schemas.microsoft.com/office/drawing/2010/main" xmlns:ma14="http://schemas.microsoft.com/office/mac/drawingml/2011/main" val="1"/>
+                <ma14:wrappingTextBoxFlag xmlns:ma14="http://schemas.microsoft.com/office/mac/drawingml/2011/main" xmlns:a14="http://schemas.microsoft.com/office/drawing/2010/main" xmlns:m="http://schemas.openxmlformats.org/officeDocument/2006/math" xmlns="" val="1"/>
               </a:ext>
             </a:extLst>
           </p:spPr>
@@ -36721,7 +37026,7 @@
             </a:ln>
             <a:extLst>
               <a:ext uri="{C572A759-6A51-4108-AA02-DFA0A04FC94B}">
-                <ma14:wrappingTextBoxFlag xmlns="" xmlns:m="http://schemas.openxmlformats.org/officeDocument/2006/math" xmlns:a14="http://schemas.microsoft.com/office/drawing/2010/main" xmlns:ma14="http://schemas.microsoft.com/office/mac/drawingml/2011/main" val="1"/>
+                <ma14:wrappingTextBoxFlag xmlns:ma14="http://schemas.microsoft.com/office/mac/drawingml/2011/main" xmlns:a14="http://schemas.microsoft.com/office/drawing/2010/main" xmlns:m="http://schemas.openxmlformats.org/officeDocument/2006/math" xmlns="" val="1"/>
               </a:ext>
             </a:extLst>
           </p:spPr>
@@ -37548,7 +37853,7 @@
             </a:ln>
             <a:extLst>
               <a:ext uri="{C572A759-6A51-4108-AA02-DFA0A04FC94B}">
-                <ma14:wrappingTextBoxFlag xmlns="" xmlns:ma14="http://schemas.microsoft.com/office/mac/drawingml/2011/main" xmlns:a14="http://schemas.microsoft.com/office/drawing/2010/main" xmlns:m="http://schemas.openxmlformats.org/officeDocument/2006/math" val="1"/>
+                <ma14:wrappingTextBoxFlag xmlns:m="http://schemas.openxmlformats.org/officeDocument/2006/math" xmlns:a14="http://schemas.microsoft.com/office/drawing/2010/main" xmlns:ma14="http://schemas.microsoft.com/office/mac/drawingml/2011/main" xmlns="" val="1"/>
               </a:ext>
             </a:extLst>
           </p:spPr>
@@ -37596,7 +37901,7 @@
             </a:ln>
             <a:extLst>
               <a:ext uri="{C572A759-6A51-4108-AA02-DFA0A04FC94B}">
-                <ma14:wrappingTextBoxFlag xmlns="" xmlns:ma14="http://schemas.microsoft.com/office/mac/drawingml/2011/main" xmlns:a14="http://schemas.microsoft.com/office/drawing/2010/main" xmlns:m="http://schemas.openxmlformats.org/officeDocument/2006/math" val="1"/>
+                <ma14:wrappingTextBoxFlag xmlns:m="http://schemas.openxmlformats.org/officeDocument/2006/math" xmlns:a14="http://schemas.microsoft.com/office/drawing/2010/main" xmlns:ma14="http://schemas.microsoft.com/office/mac/drawingml/2011/main" xmlns="" val="1"/>
               </a:ext>
             </a:extLst>
           </p:spPr>
@@ -37644,7 +37949,7 @@
             </a:ln>
             <a:extLst>
               <a:ext uri="{C572A759-6A51-4108-AA02-DFA0A04FC94B}">
-                <ma14:wrappingTextBoxFlag xmlns="" xmlns:ma14="http://schemas.microsoft.com/office/mac/drawingml/2011/main" xmlns:a14="http://schemas.microsoft.com/office/drawing/2010/main" xmlns:m="http://schemas.openxmlformats.org/officeDocument/2006/math" val="1"/>
+                <ma14:wrappingTextBoxFlag xmlns:m="http://schemas.openxmlformats.org/officeDocument/2006/math" xmlns:a14="http://schemas.microsoft.com/office/drawing/2010/main" xmlns:ma14="http://schemas.microsoft.com/office/mac/drawingml/2011/main" xmlns="" val="1"/>
               </a:ext>
             </a:extLst>
           </p:spPr>
@@ -37696,7 +38001,7 @@
             </a:ln>
             <a:extLst>
               <a:ext uri="{C572A759-6A51-4108-AA02-DFA0A04FC94B}">
-                <ma14:wrappingTextBoxFlag xmlns="" xmlns:ma14="http://schemas.microsoft.com/office/mac/drawingml/2011/main" xmlns:a14="http://schemas.microsoft.com/office/drawing/2010/main" xmlns:m="http://schemas.openxmlformats.org/officeDocument/2006/math" val="1"/>
+                <ma14:wrappingTextBoxFlag xmlns:m="http://schemas.openxmlformats.org/officeDocument/2006/math" xmlns:a14="http://schemas.microsoft.com/office/drawing/2010/main" xmlns:ma14="http://schemas.microsoft.com/office/mac/drawingml/2011/main" xmlns="" val="1"/>
               </a:ext>
             </a:extLst>
           </p:spPr>
@@ -37744,7 +38049,7 @@
             </a:ln>
             <a:extLst>
               <a:ext uri="{C572A759-6A51-4108-AA02-DFA0A04FC94B}">
-                <ma14:wrappingTextBoxFlag xmlns="" xmlns:ma14="http://schemas.microsoft.com/office/mac/drawingml/2011/main" xmlns:a14="http://schemas.microsoft.com/office/drawing/2010/main" xmlns:m="http://schemas.openxmlformats.org/officeDocument/2006/math" val="1"/>
+                <ma14:wrappingTextBoxFlag xmlns:m="http://schemas.openxmlformats.org/officeDocument/2006/math" xmlns:a14="http://schemas.microsoft.com/office/drawing/2010/main" xmlns:ma14="http://schemas.microsoft.com/office/mac/drawingml/2011/main" xmlns="" val="1"/>
               </a:ext>
             </a:extLst>
           </p:spPr>
@@ -37792,7 +38097,7 @@
             </a:ln>
             <a:extLst>
               <a:ext uri="{C572A759-6A51-4108-AA02-DFA0A04FC94B}">
-                <ma14:wrappingTextBoxFlag xmlns="" xmlns:ma14="http://schemas.microsoft.com/office/mac/drawingml/2011/main" xmlns:a14="http://schemas.microsoft.com/office/drawing/2010/main" xmlns:m="http://schemas.openxmlformats.org/officeDocument/2006/math" val="1"/>
+                <ma14:wrappingTextBoxFlag xmlns:m="http://schemas.openxmlformats.org/officeDocument/2006/math" xmlns:a14="http://schemas.microsoft.com/office/drawing/2010/main" xmlns:ma14="http://schemas.microsoft.com/office/mac/drawingml/2011/main" xmlns="" val="1"/>
               </a:ext>
             </a:extLst>
           </p:spPr>
@@ -37849,7 +38154,7 @@
             </a:ln>
             <a:extLst>
               <a:ext uri="{C572A759-6A51-4108-AA02-DFA0A04FC94B}">
-                <ma14:wrappingTextBoxFlag xmlns="" xmlns:ma14="http://schemas.microsoft.com/office/mac/drawingml/2011/main" xmlns:a14="http://schemas.microsoft.com/office/drawing/2010/main" xmlns:m="http://schemas.openxmlformats.org/officeDocument/2006/math" val="1"/>
+                <ma14:wrappingTextBoxFlag xmlns:m="http://schemas.openxmlformats.org/officeDocument/2006/math" xmlns:a14="http://schemas.microsoft.com/office/drawing/2010/main" xmlns:ma14="http://schemas.microsoft.com/office/mac/drawingml/2011/main" xmlns="" val="1"/>
               </a:ext>
             </a:extLst>
           </p:spPr>
@@ -37907,7 +38212,7 @@
             </a:ln>
             <a:extLst>
               <a:ext uri="{C572A759-6A51-4108-AA02-DFA0A04FC94B}">
-                <ma14:wrappingTextBoxFlag xmlns="" xmlns:ma14="http://schemas.microsoft.com/office/mac/drawingml/2011/main" xmlns:a14="http://schemas.microsoft.com/office/drawing/2010/main" xmlns:m="http://schemas.openxmlformats.org/officeDocument/2006/math" val="1"/>
+                <ma14:wrappingTextBoxFlag xmlns:m="http://schemas.openxmlformats.org/officeDocument/2006/math" xmlns:a14="http://schemas.microsoft.com/office/drawing/2010/main" xmlns:ma14="http://schemas.microsoft.com/office/mac/drawingml/2011/main" xmlns="" val="1"/>
               </a:ext>
             </a:extLst>
           </p:spPr>
@@ -37955,7 +38260,7 @@
             </a:ln>
             <a:extLst>
               <a:ext uri="{C572A759-6A51-4108-AA02-DFA0A04FC94B}">
-                <ma14:wrappingTextBoxFlag xmlns="" xmlns:ma14="http://schemas.microsoft.com/office/mac/drawingml/2011/main" xmlns:a14="http://schemas.microsoft.com/office/drawing/2010/main" xmlns:m="http://schemas.openxmlformats.org/officeDocument/2006/math" val="1"/>
+                <ma14:wrappingTextBoxFlag xmlns:m="http://schemas.openxmlformats.org/officeDocument/2006/math" xmlns:a14="http://schemas.microsoft.com/office/drawing/2010/main" xmlns:ma14="http://schemas.microsoft.com/office/mac/drawingml/2011/main" xmlns="" val="1"/>
               </a:ext>
             </a:extLst>
           </p:spPr>
@@ -38003,7 +38308,7 @@
             </a:ln>
             <a:extLst>
               <a:ext uri="{C572A759-6A51-4108-AA02-DFA0A04FC94B}">
-                <ma14:wrappingTextBoxFlag xmlns="" xmlns:ma14="http://schemas.microsoft.com/office/mac/drawingml/2011/main" xmlns:a14="http://schemas.microsoft.com/office/drawing/2010/main" xmlns:m="http://schemas.openxmlformats.org/officeDocument/2006/math" val="1"/>
+                <ma14:wrappingTextBoxFlag xmlns:m="http://schemas.openxmlformats.org/officeDocument/2006/math" xmlns:a14="http://schemas.microsoft.com/office/drawing/2010/main" xmlns:ma14="http://schemas.microsoft.com/office/mac/drawingml/2011/main" xmlns="" val="1"/>
               </a:ext>
             </a:extLst>
           </p:spPr>
@@ -38051,7 +38356,7 @@
             </a:ln>
             <a:extLst>
               <a:ext uri="{C572A759-6A51-4108-AA02-DFA0A04FC94B}">
-                <ma14:wrappingTextBoxFlag xmlns="" xmlns:ma14="http://schemas.microsoft.com/office/mac/drawingml/2011/main" xmlns:a14="http://schemas.microsoft.com/office/drawing/2010/main" xmlns:m="http://schemas.openxmlformats.org/officeDocument/2006/math" val="1"/>
+                <ma14:wrappingTextBoxFlag xmlns:m="http://schemas.openxmlformats.org/officeDocument/2006/math" xmlns:a14="http://schemas.microsoft.com/office/drawing/2010/main" xmlns:ma14="http://schemas.microsoft.com/office/mac/drawingml/2011/main" xmlns="" val="1"/>
               </a:ext>
             </a:extLst>
           </p:spPr>
@@ -38109,7 +38414,7 @@
             </a:ln>
             <a:extLst>
               <a:ext uri="{C572A759-6A51-4108-AA02-DFA0A04FC94B}">
-                <ma14:wrappingTextBoxFlag xmlns="" xmlns:ma14="http://schemas.microsoft.com/office/mac/drawingml/2011/main" xmlns:a14="http://schemas.microsoft.com/office/drawing/2010/main" xmlns:m="http://schemas.openxmlformats.org/officeDocument/2006/math" val="1"/>
+                <ma14:wrappingTextBoxFlag xmlns:m="http://schemas.openxmlformats.org/officeDocument/2006/math" xmlns:a14="http://schemas.microsoft.com/office/drawing/2010/main" xmlns:ma14="http://schemas.microsoft.com/office/mac/drawingml/2011/main" xmlns="" val="1"/>
               </a:ext>
             </a:extLst>
           </p:spPr>
@@ -38166,7 +38471,7 @@
             </a:ln>
             <a:extLst>
               <a:ext uri="{C572A759-6A51-4108-AA02-DFA0A04FC94B}">
-                <ma14:wrappingTextBoxFlag xmlns="" xmlns:ma14="http://schemas.microsoft.com/office/mac/drawingml/2011/main" xmlns:a14="http://schemas.microsoft.com/office/drawing/2010/main" xmlns:m="http://schemas.openxmlformats.org/officeDocument/2006/math" val="1"/>
+                <ma14:wrappingTextBoxFlag xmlns:m="http://schemas.openxmlformats.org/officeDocument/2006/math" xmlns:a14="http://schemas.microsoft.com/office/drawing/2010/main" xmlns:ma14="http://schemas.microsoft.com/office/mac/drawingml/2011/main" xmlns="" val="1"/>
               </a:ext>
             </a:extLst>
           </p:spPr>
@@ -38214,7 +38519,7 @@
             </a:ln>
             <a:extLst>
               <a:ext uri="{C572A759-6A51-4108-AA02-DFA0A04FC94B}">
-                <ma14:wrappingTextBoxFlag xmlns="" xmlns:ma14="http://schemas.microsoft.com/office/mac/drawingml/2011/main" xmlns:a14="http://schemas.microsoft.com/office/drawing/2010/main" xmlns:m="http://schemas.openxmlformats.org/officeDocument/2006/math" val="1"/>
+                <ma14:wrappingTextBoxFlag xmlns:m="http://schemas.openxmlformats.org/officeDocument/2006/math" xmlns:a14="http://schemas.microsoft.com/office/drawing/2010/main" xmlns:ma14="http://schemas.microsoft.com/office/mac/drawingml/2011/main" xmlns="" val="1"/>
               </a:ext>
             </a:extLst>
           </p:spPr>
@@ -38266,7 +38571,7 @@
             </a:ln>
             <a:extLst>
               <a:ext uri="{C572A759-6A51-4108-AA02-DFA0A04FC94B}">
-                <ma14:wrappingTextBoxFlag xmlns="" xmlns:ma14="http://schemas.microsoft.com/office/mac/drawingml/2011/main" xmlns:a14="http://schemas.microsoft.com/office/drawing/2010/main" xmlns:m="http://schemas.openxmlformats.org/officeDocument/2006/math" val="1"/>
+                <ma14:wrappingTextBoxFlag xmlns:m="http://schemas.openxmlformats.org/officeDocument/2006/math" xmlns:a14="http://schemas.microsoft.com/office/drawing/2010/main" xmlns:ma14="http://schemas.microsoft.com/office/mac/drawingml/2011/main" xmlns="" val="1"/>
               </a:ext>
             </a:extLst>
           </p:spPr>
@@ -38324,7 +38629,7 @@
             </a:ln>
             <a:extLst>
               <a:ext uri="{C572A759-6A51-4108-AA02-DFA0A04FC94B}">
-                <ma14:wrappingTextBoxFlag xmlns="" xmlns:ma14="http://schemas.microsoft.com/office/mac/drawingml/2011/main" xmlns:a14="http://schemas.microsoft.com/office/drawing/2010/main" xmlns:m="http://schemas.openxmlformats.org/officeDocument/2006/math" val="1"/>
+                <ma14:wrappingTextBoxFlag xmlns:m="http://schemas.openxmlformats.org/officeDocument/2006/math" xmlns:a14="http://schemas.microsoft.com/office/drawing/2010/main" xmlns:ma14="http://schemas.microsoft.com/office/mac/drawingml/2011/main" xmlns="" val="1"/>
               </a:ext>
             </a:extLst>
           </p:spPr>
@@ -38372,7 +38677,7 @@
             </a:ln>
             <a:extLst>
               <a:ext uri="{C572A759-6A51-4108-AA02-DFA0A04FC94B}">
-                <ma14:wrappingTextBoxFlag xmlns="" xmlns:ma14="http://schemas.microsoft.com/office/mac/drawingml/2011/main" xmlns:a14="http://schemas.microsoft.com/office/drawing/2010/main" xmlns:m="http://schemas.openxmlformats.org/officeDocument/2006/math" val="1"/>
+                <ma14:wrappingTextBoxFlag xmlns:m="http://schemas.openxmlformats.org/officeDocument/2006/math" xmlns:a14="http://schemas.microsoft.com/office/drawing/2010/main" xmlns:ma14="http://schemas.microsoft.com/office/mac/drawingml/2011/main" xmlns="" val="1"/>
               </a:ext>
             </a:extLst>
           </p:spPr>
@@ -38425,7 +38730,7 @@
             </a:ln>
             <a:extLst>
               <a:ext uri="{C572A759-6A51-4108-AA02-DFA0A04FC94B}">
-                <ma14:wrappingTextBoxFlag xmlns="" xmlns:ma14="http://schemas.microsoft.com/office/mac/drawingml/2011/main" xmlns:a14="http://schemas.microsoft.com/office/drawing/2010/main" xmlns:m="http://schemas.openxmlformats.org/officeDocument/2006/math" val="1"/>
+                <ma14:wrappingTextBoxFlag xmlns:m="http://schemas.openxmlformats.org/officeDocument/2006/math" xmlns:a14="http://schemas.microsoft.com/office/drawing/2010/main" xmlns:ma14="http://schemas.microsoft.com/office/mac/drawingml/2011/main" xmlns="" val="1"/>
               </a:ext>
             </a:extLst>
           </p:spPr>
@@ -38473,7 +38778,7 @@
             </a:ln>
             <a:extLst>
               <a:ext uri="{C572A759-6A51-4108-AA02-DFA0A04FC94B}">
-                <ma14:wrappingTextBoxFlag xmlns="" xmlns:ma14="http://schemas.microsoft.com/office/mac/drawingml/2011/main" xmlns:a14="http://schemas.microsoft.com/office/drawing/2010/main" xmlns:m="http://schemas.openxmlformats.org/officeDocument/2006/math" val="1"/>
+                <ma14:wrappingTextBoxFlag xmlns:m="http://schemas.openxmlformats.org/officeDocument/2006/math" xmlns:a14="http://schemas.microsoft.com/office/drawing/2010/main" xmlns:ma14="http://schemas.microsoft.com/office/mac/drawingml/2011/main" xmlns="" val="1"/>
               </a:ext>
             </a:extLst>
           </p:spPr>
@@ -38525,7 +38830,7 @@
             </a:ln>
             <a:extLst>
               <a:ext uri="{C572A759-6A51-4108-AA02-DFA0A04FC94B}">
-                <ma14:wrappingTextBoxFlag xmlns="" xmlns:ma14="http://schemas.microsoft.com/office/mac/drawingml/2011/main" xmlns:a14="http://schemas.microsoft.com/office/drawing/2010/main" xmlns:m="http://schemas.openxmlformats.org/officeDocument/2006/math" val="1"/>
+                <ma14:wrappingTextBoxFlag xmlns:m="http://schemas.openxmlformats.org/officeDocument/2006/math" xmlns:a14="http://schemas.microsoft.com/office/drawing/2010/main" xmlns:ma14="http://schemas.microsoft.com/office/mac/drawingml/2011/main" xmlns="" val="1"/>
               </a:ext>
             </a:extLst>
           </p:spPr>
@@ -38573,7 +38878,7 @@
             </a:ln>
             <a:extLst>
               <a:ext uri="{C572A759-6A51-4108-AA02-DFA0A04FC94B}">
-                <ma14:wrappingTextBoxFlag xmlns="" xmlns:ma14="http://schemas.microsoft.com/office/mac/drawingml/2011/main" xmlns:a14="http://schemas.microsoft.com/office/drawing/2010/main" xmlns:m="http://schemas.openxmlformats.org/officeDocument/2006/math" val="1"/>
+                <ma14:wrappingTextBoxFlag xmlns:m="http://schemas.openxmlformats.org/officeDocument/2006/math" xmlns:a14="http://schemas.microsoft.com/office/drawing/2010/main" xmlns:ma14="http://schemas.microsoft.com/office/mac/drawingml/2011/main" xmlns="" val="1"/>
               </a:ext>
             </a:extLst>
           </p:spPr>
@@ -38627,7 +38932,7 @@
             </a:ln>
             <a:extLst>
               <a:ext uri="{C572A759-6A51-4108-AA02-DFA0A04FC94B}">
-                <ma14:wrappingTextBoxFlag xmlns="" xmlns:ma14="http://schemas.microsoft.com/office/mac/drawingml/2011/main" xmlns:a14="http://schemas.microsoft.com/office/drawing/2010/main" xmlns:m="http://schemas.openxmlformats.org/officeDocument/2006/math" val="1"/>
+                <ma14:wrappingTextBoxFlag xmlns:m="http://schemas.openxmlformats.org/officeDocument/2006/math" xmlns:a14="http://schemas.microsoft.com/office/drawing/2010/main" xmlns:ma14="http://schemas.microsoft.com/office/mac/drawingml/2011/main" xmlns="" val="1"/>
               </a:ext>
             </a:extLst>
           </p:spPr>
@@ -38684,7 +38989,7 @@
             </a:ln>
             <a:extLst>
               <a:ext uri="{C572A759-6A51-4108-AA02-DFA0A04FC94B}">
-                <ma14:wrappingTextBoxFlag xmlns="" xmlns:ma14="http://schemas.microsoft.com/office/mac/drawingml/2011/main" xmlns:a14="http://schemas.microsoft.com/office/drawing/2010/main" xmlns:m="http://schemas.openxmlformats.org/officeDocument/2006/math" val="1"/>
+                <ma14:wrappingTextBoxFlag xmlns:m="http://schemas.openxmlformats.org/officeDocument/2006/math" xmlns:a14="http://schemas.microsoft.com/office/drawing/2010/main" xmlns:ma14="http://schemas.microsoft.com/office/mac/drawingml/2011/main" xmlns="" val="1"/>
               </a:ext>
             </a:extLst>
           </p:spPr>
@@ -38742,7 +39047,7 @@
             </a:ln>
             <a:extLst>
               <a:ext uri="{C572A759-6A51-4108-AA02-DFA0A04FC94B}">
-                <ma14:wrappingTextBoxFlag xmlns="" xmlns:ma14="http://schemas.microsoft.com/office/mac/drawingml/2011/main" xmlns:a14="http://schemas.microsoft.com/office/drawing/2010/main" xmlns:m="http://schemas.openxmlformats.org/officeDocument/2006/math" val="1"/>
+                <ma14:wrappingTextBoxFlag xmlns:m="http://schemas.openxmlformats.org/officeDocument/2006/math" xmlns:a14="http://schemas.microsoft.com/office/drawing/2010/main" xmlns:ma14="http://schemas.microsoft.com/office/mac/drawingml/2011/main" xmlns="" val="1"/>
               </a:ext>
             </a:extLst>
           </p:spPr>
@@ -38823,7 +39128,7 @@
             </a:ln>
             <a:extLst>
               <a:ext uri="{C572A759-6A51-4108-AA02-DFA0A04FC94B}">
-                <ma14:wrappingTextBoxFlag xmlns="" xmlns:ma14="http://schemas.microsoft.com/office/mac/drawingml/2011/main" xmlns:a14="http://schemas.microsoft.com/office/drawing/2010/main" xmlns:m="http://schemas.openxmlformats.org/officeDocument/2006/math" val="1"/>
+                <ma14:wrappingTextBoxFlag xmlns:m="http://schemas.openxmlformats.org/officeDocument/2006/math" xmlns:a14="http://schemas.microsoft.com/office/drawing/2010/main" xmlns:ma14="http://schemas.microsoft.com/office/mac/drawingml/2011/main" xmlns="" val="1"/>
               </a:ext>
             </a:extLst>
           </p:spPr>
@@ -38881,7 +39186,7 @@
             </a:ln>
             <a:extLst>
               <a:ext uri="{C572A759-6A51-4108-AA02-DFA0A04FC94B}">
-                <ma14:wrappingTextBoxFlag xmlns="" xmlns:ma14="http://schemas.microsoft.com/office/mac/drawingml/2011/main" xmlns:a14="http://schemas.microsoft.com/office/drawing/2010/main" xmlns:m="http://schemas.openxmlformats.org/officeDocument/2006/math" val="1"/>
+                <ma14:wrappingTextBoxFlag xmlns:m="http://schemas.openxmlformats.org/officeDocument/2006/math" xmlns:a14="http://schemas.microsoft.com/office/drawing/2010/main" xmlns:ma14="http://schemas.microsoft.com/office/mac/drawingml/2011/main" xmlns="" val="1"/>
               </a:ext>
             </a:extLst>
           </p:spPr>
@@ -38939,7 +39244,7 @@
             </a:ln>
             <a:extLst>
               <a:ext uri="{C572A759-6A51-4108-AA02-DFA0A04FC94B}">
-                <ma14:wrappingTextBoxFlag xmlns="" xmlns:ma14="http://schemas.microsoft.com/office/mac/drawingml/2011/main" xmlns:a14="http://schemas.microsoft.com/office/drawing/2010/main" xmlns:m="http://schemas.openxmlformats.org/officeDocument/2006/math" val="1"/>
+                <ma14:wrappingTextBoxFlag xmlns:m="http://schemas.openxmlformats.org/officeDocument/2006/math" xmlns:a14="http://schemas.microsoft.com/office/drawing/2010/main" xmlns:ma14="http://schemas.microsoft.com/office/mac/drawingml/2011/main" xmlns="" val="1"/>
               </a:ext>
             </a:extLst>
           </p:spPr>
@@ -38997,7 +39302,7 @@
             </a:ln>
             <a:extLst>
               <a:ext uri="{C572A759-6A51-4108-AA02-DFA0A04FC94B}">
-                <ma14:wrappingTextBoxFlag xmlns="" xmlns:ma14="http://schemas.microsoft.com/office/mac/drawingml/2011/main" xmlns:a14="http://schemas.microsoft.com/office/drawing/2010/main" xmlns:m="http://schemas.openxmlformats.org/officeDocument/2006/math" val="1"/>
+                <ma14:wrappingTextBoxFlag xmlns:m="http://schemas.openxmlformats.org/officeDocument/2006/math" xmlns:a14="http://schemas.microsoft.com/office/drawing/2010/main" xmlns:ma14="http://schemas.microsoft.com/office/mac/drawingml/2011/main" xmlns="" val="1"/>
               </a:ext>
             </a:extLst>
           </p:spPr>
@@ -39045,7 +39350,7 @@
             </a:ln>
             <a:extLst>
               <a:ext uri="{C572A759-6A51-4108-AA02-DFA0A04FC94B}">
-                <ma14:wrappingTextBoxFlag xmlns="" xmlns:ma14="http://schemas.microsoft.com/office/mac/drawingml/2011/main" xmlns:a14="http://schemas.microsoft.com/office/drawing/2010/main" xmlns:m="http://schemas.openxmlformats.org/officeDocument/2006/math" val="1"/>
+                <ma14:wrappingTextBoxFlag xmlns:m="http://schemas.openxmlformats.org/officeDocument/2006/math" xmlns:a14="http://schemas.microsoft.com/office/drawing/2010/main" xmlns:ma14="http://schemas.microsoft.com/office/mac/drawingml/2011/main" xmlns="" val="1"/>
               </a:ext>
             </a:extLst>
           </p:spPr>
@@ -39093,7 +39398,7 @@
             </a:ln>
             <a:extLst>
               <a:ext uri="{C572A759-6A51-4108-AA02-DFA0A04FC94B}">
-                <ma14:wrappingTextBoxFlag xmlns="" xmlns:ma14="http://schemas.microsoft.com/office/mac/drawingml/2011/main" xmlns:a14="http://schemas.microsoft.com/office/drawing/2010/main" xmlns:m="http://schemas.openxmlformats.org/officeDocument/2006/math" val="1"/>
+                <ma14:wrappingTextBoxFlag xmlns:m="http://schemas.openxmlformats.org/officeDocument/2006/math" xmlns:a14="http://schemas.microsoft.com/office/drawing/2010/main" xmlns:ma14="http://schemas.microsoft.com/office/mac/drawingml/2011/main" xmlns="" val="1"/>
               </a:ext>
             </a:extLst>
           </p:spPr>
@@ -39147,7 +39452,7 @@
             </a:ln>
             <a:extLst>
               <a:ext uri="{C572A759-6A51-4108-AA02-DFA0A04FC94B}">
-                <ma14:wrappingTextBoxFlag xmlns="" xmlns:ma14="http://schemas.microsoft.com/office/mac/drawingml/2011/main" xmlns:a14="http://schemas.microsoft.com/office/drawing/2010/main" xmlns:m="http://schemas.openxmlformats.org/officeDocument/2006/math" val="1"/>
+                <ma14:wrappingTextBoxFlag xmlns:m="http://schemas.openxmlformats.org/officeDocument/2006/math" xmlns:a14="http://schemas.microsoft.com/office/drawing/2010/main" xmlns:ma14="http://schemas.microsoft.com/office/mac/drawingml/2011/main" xmlns="" val="1"/>
               </a:ext>
             </a:extLst>
           </p:spPr>
@@ -39201,7 +39506,7 @@
             </a:ln>
             <a:extLst>
               <a:ext uri="{C572A759-6A51-4108-AA02-DFA0A04FC94B}">
-                <ma14:wrappingTextBoxFlag xmlns="" xmlns:ma14="http://schemas.microsoft.com/office/mac/drawingml/2011/main" xmlns:a14="http://schemas.microsoft.com/office/drawing/2010/main" xmlns:m="http://schemas.openxmlformats.org/officeDocument/2006/math" val="1"/>
+                <ma14:wrappingTextBoxFlag xmlns:m="http://schemas.openxmlformats.org/officeDocument/2006/math" xmlns:a14="http://schemas.microsoft.com/office/drawing/2010/main" xmlns:ma14="http://schemas.microsoft.com/office/mac/drawingml/2011/main" xmlns="" val="1"/>
               </a:ext>
             </a:extLst>
           </p:spPr>
@@ -39254,7 +39559,7 @@
             </a:ln>
             <a:extLst>
               <a:ext uri="{C572A759-6A51-4108-AA02-DFA0A04FC94B}">
-                <ma14:wrappingTextBoxFlag xmlns="" xmlns:ma14="http://schemas.microsoft.com/office/mac/drawingml/2011/main" xmlns:a14="http://schemas.microsoft.com/office/drawing/2010/main" xmlns:m="http://schemas.openxmlformats.org/officeDocument/2006/math" val="1"/>
+                <ma14:wrappingTextBoxFlag xmlns:m="http://schemas.openxmlformats.org/officeDocument/2006/math" xmlns:a14="http://schemas.microsoft.com/office/drawing/2010/main" xmlns:ma14="http://schemas.microsoft.com/office/mac/drawingml/2011/main" xmlns="" val="1"/>
               </a:ext>
             </a:extLst>
           </p:spPr>
@@ -39307,7 +39612,7 @@
             </a:ln>
             <a:extLst>
               <a:ext uri="{C572A759-6A51-4108-AA02-DFA0A04FC94B}">
-                <ma14:wrappingTextBoxFlag xmlns="" xmlns:ma14="http://schemas.microsoft.com/office/mac/drawingml/2011/main" xmlns:a14="http://schemas.microsoft.com/office/drawing/2010/main" xmlns:m="http://schemas.openxmlformats.org/officeDocument/2006/math" val="1"/>
+                <ma14:wrappingTextBoxFlag xmlns:m="http://schemas.openxmlformats.org/officeDocument/2006/math" xmlns:a14="http://schemas.microsoft.com/office/drawing/2010/main" xmlns:ma14="http://schemas.microsoft.com/office/mac/drawingml/2011/main" xmlns="" val="1"/>
               </a:ext>
             </a:extLst>
           </p:spPr>
@@ -39360,7 +39665,7 @@
             </a:ln>
             <a:extLst>
               <a:ext uri="{C572A759-6A51-4108-AA02-DFA0A04FC94B}">
-                <ma14:wrappingTextBoxFlag xmlns="" xmlns:ma14="http://schemas.microsoft.com/office/mac/drawingml/2011/main" xmlns:a14="http://schemas.microsoft.com/office/drawing/2010/main" xmlns:m="http://schemas.openxmlformats.org/officeDocument/2006/math" val="1"/>
+                <ma14:wrappingTextBoxFlag xmlns:m="http://schemas.openxmlformats.org/officeDocument/2006/math" xmlns:a14="http://schemas.microsoft.com/office/drawing/2010/main" xmlns:ma14="http://schemas.microsoft.com/office/mac/drawingml/2011/main" xmlns="" val="1"/>
               </a:ext>
             </a:extLst>
           </p:spPr>
@@ -43410,6 +43715,79 @@
 </p:sld>
 </file>
 
+<file path=ppt/slides/slide10.xml><?xml version="1.0" encoding="utf-8"?>
+<p:sld xmlns:a="http://schemas.openxmlformats.org/drawingml/2006/main" xmlns:r="http://schemas.openxmlformats.org/officeDocument/2006/relationships" xmlns:p="http://schemas.openxmlformats.org/presentationml/2006/main">
+  <p:cSld>
+    <p:spTree>
+      <p:nvGrpSpPr>
+        <p:cNvPr id="1" name=""/>
+        <p:cNvGrpSpPr/>
+        <p:nvPr/>
+      </p:nvGrpSpPr>
+      <p:grpSpPr>
+        <a:xfrm>
+          <a:off x="0" y="0"/>
+          <a:ext cx="0" cy="0"/>
+          <a:chOff x="0" y="0"/>
+          <a:chExt cx="0" cy="0"/>
+        </a:xfrm>
+      </p:grpSpPr>
+      <p:sp>
+        <p:nvSpPr>
+          <p:cNvPr id="5" name="Text Placeholder 4">
+            <a:extLst>
+              <a:ext uri="{FF2B5EF4-FFF2-40B4-BE49-F238E27FC236}">
+                <a16:creationId xmlns:a16="http://schemas.microsoft.com/office/drawing/2014/main" id="{EC99176B-B077-CD47-B52F-31E096175EF2}"/>
+              </a:ext>
+            </a:extLst>
+          </p:cNvPr>
+          <p:cNvSpPr>
+            <a:spLocks noGrp="1"/>
+          </p:cNvSpPr>
+          <p:nvPr>
+            <p:ph type="body" sz="quarter" idx="12"/>
+          </p:nvPr>
+        </p:nvSpPr>
+        <p:spPr>
+          <a:xfrm>
+            <a:off x="352927" y="6311900"/>
+            <a:ext cx="10784973" cy="204353"/>
+          </a:xfrm>
+        </p:spPr>
+        <p:txBody>
+          <a:bodyPr/>
+          <a:lstStyle/>
+          <a:p>
+            <a:r>
+              <a:rPr lang="en-GB" dirty="0">
+                <a:hlinkClick r:id="rId3"/>
+              </a:rPr>
+              <a:t>Build data analytics solutions using Azure Synapse serverless SQL pools - Learn | Microsoft Docs</a:t>
+            </a:r>
+            <a:endParaRPr lang="en-US" dirty="0">
+              <a:solidFill>
+                <a:srgbClr val="0478D4"/>
+              </a:solidFill>
+            </a:endParaRPr>
+          </a:p>
+        </p:txBody>
+      </p:sp>
+    </p:spTree>
+    <p:extLst>
+      <p:ext uri="{BB962C8B-B14F-4D97-AF65-F5344CB8AC3E}">
+        <p14:creationId xmlns:p14="http://schemas.microsoft.com/office/powerpoint/2010/main" val="3747424516"/>
+      </p:ext>
+    </p:extLst>
+  </p:cSld>
+  <p:clrMapOvr>
+    <a:masterClrMapping/>
+  </p:clrMapOvr>
+  <p:transition>
+    <p:fade/>
+  </p:transition>
+</p:sld>
+</file>
+
 <file path=ppt/slides/slide2.xml><?xml version="1.0" encoding="utf-8"?>
 <p:sld xmlns:a="http://schemas.openxmlformats.org/drawingml/2006/main" xmlns:r="http://schemas.openxmlformats.org/officeDocument/2006/relationships" xmlns:p="http://schemas.openxmlformats.org/presentationml/2006/main">
   <p:cSld>
@@ -47225,6 +47603,196 @@
       </p:grpSpPr>
       <p:sp>
         <p:nvSpPr>
+          <p:cNvPr id="10" name="Title 9">
+            <a:extLst>
+              <a:ext uri="{FF2B5EF4-FFF2-40B4-BE49-F238E27FC236}">
+                <a16:creationId xmlns:a16="http://schemas.microsoft.com/office/drawing/2014/main" id="{108069AB-14B5-4936-B85C-4DEDBF13CE64}"/>
+              </a:ext>
+            </a:extLst>
+          </p:cNvPr>
+          <p:cNvSpPr>
+            <a:spLocks noGrp="1"/>
+          </p:cNvSpPr>
+          <p:nvPr>
+            <p:ph type="title"/>
+          </p:nvPr>
+        </p:nvSpPr>
+        <p:spPr/>
+        <p:txBody>
+          <a:bodyPr/>
+          <a:lstStyle/>
+          <a:p>
+            <a:r>
+              <a:rPr lang="en-US" dirty="0"/>
+              <a:t>What are Mapping data flows?</a:t>
+            </a:r>
+          </a:p>
+        </p:txBody>
+      </p:sp>
+      <p:sp>
+        <p:nvSpPr>
+          <p:cNvPr id="2" name="Footer Placeholder 1">
+            <a:extLst>
+              <a:ext uri="{FF2B5EF4-FFF2-40B4-BE49-F238E27FC236}">
+                <a16:creationId xmlns:a16="http://schemas.microsoft.com/office/drawing/2014/main" id="{FFBE47F4-AE45-4103-9CEA-4DEA9E1707BE}"/>
+              </a:ext>
+            </a:extLst>
+          </p:cNvPr>
+          <p:cNvSpPr>
+            <a:spLocks noGrp="1"/>
+          </p:cNvSpPr>
+          <p:nvPr>
+            <p:ph type="ftr" sz="quarter" idx="3"/>
+          </p:nvPr>
+        </p:nvSpPr>
+        <p:spPr/>
+        <p:txBody>
+          <a:bodyPr/>
+          <a:lstStyle/>
+          <a:p>
+            <a:r>
+              <a:rPr lang="en-US"/>
+              <a:t>WWW.SOLLIANCE.NET</a:t>
+            </a:r>
+            <a:endParaRPr lang="en-US" dirty="0"/>
+          </a:p>
+        </p:txBody>
+      </p:sp>
+      <p:sp>
+        <p:nvSpPr>
+          <p:cNvPr id="3" name="Slide Number Placeholder 2">
+            <a:extLst>
+              <a:ext uri="{FF2B5EF4-FFF2-40B4-BE49-F238E27FC236}">
+                <a16:creationId xmlns:a16="http://schemas.microsoft.com/office/drawing/2014/main" id="{34ADBC8B-E29A-4DF6-84E7-0D0C86D4EE72}"/>
+              </a:ext>
+            </a:extLst>
+          </p:cNvPr>
+          <p:cNvSpPr>
+            <a:spLocks noGrp="1"/>
+          </p:cNvSpPr>
+          <p:nvPr>
+            <p:ph type="sldNum" sz="quarter" idx="4"/>
+          </p:nvPr>
+        </p:nvSpPr>
+        <p:spPr/>
+        <p:txBody>
+          <a:bodyPr/>
+          <a:lstStyle/>
+          <a:p>
+            <a:fld id="{00F9DAA1-1DF7-43E0-8E29-0CE1148553C7}" type="slidenum">
+              <a:rPr lang="en-US" smtClean="0"/>
+              <a:pPr/>
+              <a:t>7</a:t>
+            </a:fld>
+            <a:endParaRPr lang="en-US" dirty="0"/>
+          </a:p>
+        </p:txBody>
+      </p:sp>
+      <p:sp>
+        <p:nvSpPr>
+          <p:cNvPr id="11" name="Text Placeholder 10">
+            <a:extLst>
+              <a:ext uri="{FF2B5EF4-FFF2-40B4-BE49-F238E27FC236}">
+                <a16:creationId xmlns:a16="http://schemas.microsoft.com/office/drawing/2014/main" id="{4963BD2B-65D9-46C5-B118-BCA978A1E11D}"/>
+              </a:ext>
+            </a:extLst>
+          </p:cNvPr>
+          <p:cNvSpPr>
+            <a:spLocks noGrp="1"/>
+          </p:cNvSpPr>
+          <p:nvPr>
+            <p:ph type="body" sz="quarter" idx="10"/>
+          </p:nvPr>
+        </p:nvSpPr>
+        <p:spPr/>
+        <p:txBody>
+          <a:bodyPr>
+            <a:normAutofit/>
+          </a:bodyPr>
+          <a:lstStyle/>
+          <a:p>
+            <a:r>
+              <a:rPr lang="en-US" sz="1800" dirty="0"/>
+              <a:t>Visually designed data transformations in ADF/Synapse Pipelines</a:t>
+            </a:r>
+          </a:p>
+          <a:p>
+            <a:endParaRPr lang="en-US" sz="1800" dirty="0"/>
+          </a:p>
+          <a:p>
+            <a:r>
+              <a:rPr lang="en-US" sz="1800" dirty="0"/>
+              <a:t>Allow data engineers to developing transformation logic without writing code</a:t>
+            </a:r>
+          </a:p>
+          <a:p>
+            <a:endParaRPr lang="en-US" sz="1800" dirty="0"/>
+          </a:p>
+          <a:p>
+            <a:r>
+              <a:rPr lang="en-US" sz="1800" dirty="0"/>
+              <a:t>Executed as activities in a pipeline</a:t>
+            </a:r>
+          </a:p>
+        </p:txBody>
+      </p:sp>
+      <p:sp>
+        <p:nvSpPr>
+          <p:cNvPr id="12" name="Text Placeholder 11">
+            <a:extLst>
+              <a:ext uri="{FF2B5EF4-FFF2-40B4-BE49-F238E27FC236}">
+                <a16:creationId xmlns:a16="http://schemas.microsoft.com/office/drawing/2014/main" id="{EFEA8213-82D2-4514-AF14-B25AF624455E}"/>
+              </a:ext>
+            </a:extLst>
+          </p:cNvPr>
+          <p:cNvSpPr>
+            <a:spLocks noGrp="1"/>
+          </p:cNvSpPr>
+          <p:nvPr>
+            <p:ph type="body" sz="quarter" idx="16"/>
+          </p:nvPr>
+        </p:nvSpPr>
+        <p:spPr/>
+        <p:txBody>
+          <a:bodyPr/>
+          <a:lstStyle/>
+          <a:p>
+            <a:endParaRPr lang="en-US"/>
+          </a:p>
+        </p:txBody>
+      </p:sp>
+    </p:spTree>
+    <p:extLst>
+      <p:ext uri="{BB962C8B-B14F-4D97-AF65-F5344CB8AC3E}">
+        <p14:creationId xmlns:p14="http://schemas.microsoft.com/office/powerpoint/2010/main" val="408754851"/>
+      </p:ext>
+    </p:extLst>
+  </p:cSld>
+  <p:clrMapOvr>
+    <a:masterClrMapping/>
+  </p:clrMapOvr>
+</p:sld>
+</file>
+
+<file path=ppt/slides/slide8.xml><?xml version="1.0" encoding="utf-8"?>
+<p:sld xmlns:a="http://schemas.openxmlformats.org/drawingml/2006/main" xmlns:r="http://schemas.openxmlformats.org/officeDocument/2006/relationships" xmlns:p="http://schemas.openxmlformats.org/presentationml/2006/main">
+  <p:cSld>
+    <p:spTree>
+      <p:nvGrpSpPr>
+        <p:cNvPr id="1" name=""/>
+        <p:cNvGrpSpPr/>
+        <p:nvPr/>
+      </p:nvGrpSpPr>
+      <p:grpSpPr>
+        <a:xfrm>
+          <a:off x="0" y="0"/>
+          <a:ext cx="0" cy="0"/>
+          <a:chOff x="0" y="0"/>
+          <a:chExt cx="0" cy="0"/>
+        </a:xfrm>
+      </p:grpSpPr>
+      <p:sp>
+        <p:nvSpPr>
           <p:cNvPr id="23" name="Footer Placeholder 22">
             <a:extLst>
               <a:ext uri="{FF2B5EF4-FFF2-40B4-BE49-F238E27FC236}">
@@ -47285,7 +47853,7 @@
             <a:fld id="{00F9DAA1-1DF7-43E0-8E29-0CE1148553C7}" type="slidenum">
               <a:rPr lang="en-US" smtClean="0"/>
               <a:pPr/>
-              <a:t>7</a:t>
+              <a:t>8</a:t>
             </a:fld>
             <a:endParaRPr lang="en-US"/>
           </a:p>
@@ -47369,7 +47937,7 @@
 </p:sld>
 </file>
 
-<file path=ppt/slides/slide8.xml><?xml version="1.0" encoding="utf-8"?>
+<file path=ppt/slides/slide9.xml><?xml version="1.0" encoding="utf-8"?>
 <p:sld xmlns:a="http://schemas.openxmlformats.org/drawingml/2006/main" xmlns:r="http://schemas.openxmlformats.org/officeDocument/2006/relationships" xmlns:p="http://schemas.openxmlformats.org/presentationml/2006/main">
   <p:cSld>
     <p:spTree>
@@ -47464,79 +48032,6 @@
   <p:clrMapOvr>
     <a:masterClrMapping/>
   </p:clrMapOvr>
-</p:sld>
-</file>
-
-<file path=ppt/slides/slide9.xml><?xml version="1.0" encoding="utf-8"?>
-<p:sld xmlns:a="http://schemas.openxmlformats.org/drawingml/2006/main" xmlns:r="http://schemas.openxmlformats.org/officeDocument/2006/relationships" xmlns:p="http://schemas.openxmlformats.org/presentationml/2006/main">
-  <p:cSld>
-    <p:spTree>
-      <p:nvGrpSpPr>
-        <p:cNvPr id="1" name=""/>
-        <p:cNvGrpSpPr/>
-        <p:nvPr/>
-      </p:nvGrpSpPr>
-      <p:grpSpPr>
-        <a:xfrm>
-          <a:off x="0" y="0"/>
-          <a:ext cx="0" cy="0"/>
-          <a:chOff x="0" y="0"/>
-          <a:chExt cx="0" cy="0"/>
-        </a:xfrm>
-      </p:grpSpPr>
-      <p:sp>
-        <p:nvSpPr>
-          <p:cNvPr id="5" name="Text Placeholder 4">
-            <a:extLst>
-              <a:ext uri="{FF2B5EF4-FFF2-40B4-BE49-F238E27FC236}">
-                <a16:creationId xmlns:a16="http://schemas.microsoft.com/office/drawing/2014/main" id="{EC99176B-B077-CD47-B52F-31E096175EF2}"/>
-              </a:ext>
-            </a:extLst>
-          </p:cNvPr>
-          <p:cNvSpPr>
-            <a:spLocks noGrp="1"/>
-          </p:cNvSpPr>
-          <p:nvPr>
-            <p:ph type="body" sz="quarter" idx="12"/>
-          </p:nvPr>
-        </p:nvSpPr>
-        <p:spPr>
-          <a:xfrm>
-            <a:off x="352927" y="6311900"/>
-            <a:ext cx="10784973" cy="204353"/>
-          </a:xfrm>
-        </p:spPr>
-        <p:txBody>
-          <a:bodyPr/>
-          <a:lstStyle/>
-          <a:p>
-            <a:r>
-              <a:rPr lang="en-GB" dirty="0">
-                <a:hlinkClick r:id="rId3"/>
-              </a:rPr>
-              <a:t>Build data analytics solutions using Azure Synapse serverless SQL pools - Learn | Microsoft Docs</a:t>
-            </a:r>
-            <a:endParaRPr lang="en-US" dirty="0">
-              <a:solidFill>
-                <a:srgbClr val="0478D4"/>
-              </a:solidFill>
-            </a:endParaRPr>
-          </a:p>
-        </p:txBody>
-      </p:sp>
-    </p:spTree>
-    <p:extLst>
-      <p:ext uri="{BB962C8B-B14F-4D97-AF65-F5344CB8AC3E}">
-        <p14:creationId xmlns:p14="http://schemas.microsoft.com/office/powerpoint/2010/main" val="3747424516"/>
-      </p:ext>
-    </p:extLst>
-  </p:cSld>
-  <p:clrMapOvr>
-    <a:masterClrMapping/>
-  </p:clrMapOvr>
-  <p:transition>
-    <p:fade/>
-  </p:transition>
 </p:sld>
 </file>
 

--- a/Conference_ppt/08-Transform data with Azure Data Factory or Synapse Pipelines.pptx
+++ b/Conference_ppt/08-Transform data with Azure Data Factory or Synapse Pipelines.pptx
@@ -236,7 +236,7 @@
           <a:p>
             <a:fld id="{2B56BDA5-FBCC-43E1-957B-02AF36889AD5}" type="datetimeFigureOut">
               <a:rPr lang="en-US" smtClean="0"/>
-              <a:t>12/4/2021</a:t>
+              <a:t>12/6/2021</a:t>
             </a:fld>
             <a:endParaRPr lang="en-US"/>
           </a:p>
@@ -413,7 +413,7 @@
           <a:p>
             <a:fld id="{8F44CDF0-0D54-4AFE-B409-D6358A9BB9A1}" type="datetimeFigureOut">
               <a:rPr lang="en-US" smtClean="0"/>
-              <a:t>12/4/2021</a:t>
+              <a:t>12/6/2021</a:t>
             </a:fld>
             <a:endParaRPr lang="en-US"/>
           </a:p>
@@ -1128,7 +1128,7 @@
                 <a:tabLst/>
                 <a:defRPr/>
               </a:pPr>
-              <a:t>12/4/2021 2:27 PM</a:t>
+              <a:t>12/6/2021 2:20 PM</a:t>
             </a:fld>
             <a:endParaRPr kumimoji="0" lang="en-US" sz="5599" b="0" i="0" u="none" strike="noStrike" kern="0" cap="none" spc="-112" normalizeH="0" baseline="0" noProof="0" dirty="0">
               <a:ln>
@@ -17317,7 +17317,7 @@
             </a:ln>
             <a:extLst>
               <a:ext uri="{C572A759-6A51-4108-AA02-DFA0A04FC94B}">
-                <ma14:wrappingTextBoxFlag xmlns:ma14="http://schemas.microsoft.com/office/mac/drawingml/2011/main" xmlns:a14="http://schemas.microsoft.com/office/drawing/2010/main" xmlns:m="http://schemas.openxmlformats.org/officeDocument/2006/math" xmlns="" val="1"/>
+                <ma14:wrappingTextBoxFlag xmlns="" xmlns:m="http://schemas.openxmlformats.org/officeDocument/2006/math" xmlns:a14="http://schemas.microsoft.com/office/drawing/2010/main" xmlns:ma14="http://schemas.microsoft.com/office/mac/drawingml/2011/main" val="1"/>
               </a:ext>
             </a:extLst>
           </p:spPr>
@@ -17365,7 +17365,7 @@
             </a:ln>
             <a:extLst>
               <a:ext uri="{C572A759-6A51-4108-AA02-DFA0A04FC94B}">
-                <ma14:wrappingTextBoxFlag xmlns:ma14="http://schemas.microsoft.com/office/mac/drawingml/2011/main" xmlns:a14="http://schemas.microsoft.com/office/drawing/2010/main" xmlns:m="http://schemas.openxmlformats.org/officeDocument/2006/math" xmlns="" val="1"/>
+                <ma14:wrappingTextBoxFlag xmlns="" xmlns:m="http://schemas.openxmlformats.org/officeDocument/2006/math" xmlns:a14="http://schemas.microsoft.com/office/drawing/2010/main" xmlns:ma14="http://schemas.microsoft.com/office/mac/drawingml/2011/main" val="1"/>
               </a:ext>
             </a:extLst>
           </p:spPr>
@@ -17413,7 +17413,7 @@
             </a:ln>
             <a:extLst>
               <a:ext uri="{C572A759-6A51-4108-AA02-DFA0A04FC94B}">
-                <ma14:wrappingTextBoxFlag xmlns:ma14="http://schemas.microsoft.com/office/mac/drawingml/2011/main" xmlns:a14="http://schemas.microsoft.com/office/drawing/2010/main" xmlns:m="http://schemas.openxmlformats.org/officeDocument/2006/math" xmlns="" val="1"/>
+                <ma14:wrappingTextBoxFlag xmlns="" xmlns:m="http://schemas.openxmlformats.org/officeDocument/2006/math" xmlns:a14="http://schemas.microsoft.com/office/drawing/2010/main" xmlns:ma14="http://schemas.microsoft.com/office/mac/drawingml/2011/main" val="1"/>
               </a:ext>
             </a:extLst>
           </p:spPr>
@@ -17465,7 +17465,7 @@
             </a:ln>
             <a:extLst>
               <a:ext uri="{C572A759-6A51-4108-AA02-DFA0A04FC94B}">
-                <ma14:wrappingTextBoxFlag xmlns:ma14="http://schemas.microsoft.com/office/mac/drawingml/2011/main" xmlns:a14="http://schemas.microsoft.com/office/drawing/2010/main" xmlns:m="http://schemas.openxmlformats.org/officeDocument/2006/math" xmlns="" val="1"/>
+                <ma14:wrappingTextBoxFlag xmlns="" xmlns:m="http://schemas.openxmlformats.org/officeDocument/2006/math" xmlns:a14="http://schemas.microsoft.com/office/drawing/2010/main" xmlns:ma14="http://schemas.microsoft.com/office/mac/drawingml/2011/main" val="1"/>
               </a:ext>
             </a:extLst>
           </p:spPr>
@@ -17513,7 +17513,7 @@
             </a:ln>
             <a:extLst>
               <a:ext uri="{C572A759-6A51-4108-AA02-DFA0A04FC94B}">
-                <ma14:wrappingTextBoxFlag xmlns:ma14="http://schemas.microsoft.com/office/mac/drawingml/2011/main" xmlns:a14="http://schemas.microsoft.com/office/drawing/2010/main" xmlns:m="http://schemas.openxmlformats.org/officeDocument/2006/math" xmlns="" val="1"/>
+                <ma14:wrappingTextBoxFlag xmlns="" xmlns:m="http://schemas.openxmlformats.org/officeDocument/2006/math" xmlns:a14="http://schemas.microsoft.com/office/drawing/2010/main" xmlns:ma14="http://schemas.microsoft.com/office/mac/drawingml/2011/main" val="1"/>
               </a:ext>
             </a:extLst>
           </p:spPr>
@@ -17561,7 +17561,7 @@
             </a:ln>
             <a:extLst>
               <a:ext uri="{C572A759-6A51-4108-AA02-DFA0A04FC94B}">
-                <ma14:wrappingTextBoxFlag xmlns:ma14="http://schemas.microsoft.com/office/mac/drawingml/2011/main" xmlns:a14="http://schemas.microsoft.com/office/drawing/2010/main" xmlns:m="http://schemas.openxmlformats.org/officeDocument/2006/math" xmlns="" val="1"/>
+                <ma14:wrappingTextBoxFlag xmlns="" xmlns:m="http://schemas.openxmlformats.org/officeDocument/2006/math" xmlns:a14="http://schemas.microsoft.com/office/drawing/2010/main" xmlns:ma14="http://schemas.microsoft.com/office/mac/drawingml/2011/main" val="1"/>
               </a:ext>
             </a:extLst>
           </p:spPr>
@@ -17618,7 +17618,7 @@
             </a:ln>
             <a:extLst>
               <a:ext uri="{C572A759-6A51-4108-AA02-DFA0A04FC94B}">
-                <ma14:wrappingTextBoxFlag xmlns:ma14="http://schemas.microsoft.com/office/mac/drawingml/2011/main" xmlns:a14="http://schemas.microsoft.com/office/drawing/2010/main" xmlns:m="http://schemas.openxmlformats.org/officeDocument/2006/math" xmlns="" val="1"/>
+                <ma14:wrappingTextBoxFlag xmlns="" xmlns:m="http://schemas.openxmlformats.org/officeDocument/2006/math" xmlns:a14="http://schemas.microsoft.com/office/drawing/2010/main" xmlns:ma14="http://schemas.microsoft.com/office/mac/drawingml/2011/main" val="1"/>
               </a:ext>
             </a:extLst>
           </p:spPr>
@@ -17676,7 +17676,7 @@
             </a:ln>
             <a:extLst>
               <a:ext uri="{C572A759-6A51-4108-AA02-DFA0A04FC94B}">
-                <ma14:wrappingTextBoxFlag xmlns:ma14="http://schemas.microsoft.com/office/mac/drawingml/2011/main" xmlns:a14="http://schemas.microsoft.com/office/drawing/2010/main" xmlns:m="http://schemas.openxmlformats.org/officeDocument/2006/math" xmlns="" val="1"/>
+                <ma14:wrappingTextBoxFlag xmlns="" xmlns:m="http://schemas.openxmlformats.org/officeDocument/2006/math" xmlns:a14="http://schemas.microsoft.com/office/drawing/2010/main" xmlns:ma14="http://schemas.microsoft.com/office/mac/drawingml/2011/main" val="1"/>
               </a:ext>
             </a:extLst>
           </p:spPr>
@@ -17724,7 +17724,7 @@
             </a:ln>
             <a:extLst>
               <a:ext uri="{C572A759-6A51-4108-AA02-DFA0A04FC94B}">
-                <ma14:wrappingTextBoxFlag xmlns:ma14="http://schemas.microsoft.com/office/mac/drawingml/2011/main" xmlns:a14="http://schemas.microsoft.com/office/drawing/2010/main" xmlns:m="http://schemas.openxmlformats.org/officeDocument/2006/math" xmlns="" val="1"/>
+                <ma14:wrappingTextBoxFlag xmlns="" xmlns:m="http://schemas.openxmlformats.org/officeDocument/2006/math" xmlns:a14="http://schemas.microsoft.com/office/drawing/2010/main" xmlns:ma14="http://schemas.microsoft.com/office/mac/drawingml/2011/main" val="1"/>
               </a:ext>
             </a:extLst>
           </p:spPr>
@@ -17772,7 +17772,7 @@
             </a:ln>
             <a:extLst>
               <a:ext uri="{C572A759-6A51-4108-AA02-DFA0A04FC94B}">
-                <ma14:wrappingTextBoxFlag xmlns:ma14="http://schemas.microsoft.com/office/mac/drawingml/2011/main" xmlns:a14="http://schemas.microsoft.com/office/drawing/2010/main" xmlns:m="http://schemas.openxmlformats.org/officeDocument/2006/math" xmlns="" val="1"/>
+                <ma14:wrappingTextBoxFlag xmlns="" xmlns:m="http://schemas.openxmlformats.org/officeDocument/2006/math" xmlns:a14="http://schemas.microsoft.com/office/drawing/2010/main" xmlns:ma14="http://schemas.microsoft.com/office/mac/drawingml/2011/main" val="1"/>
               </a:ext>
             </a:extLst>
           </p:spPr>
@@ -17820,7 +17820,7 @@
             </a:ln>
             <a:extLst>
               <a:ext uri="{C572A759-6A51-4108-AA02-DFA0A04FC94B}">
-                <ma14:wrappingTextBoxFlag xmlns:ma14="http://schemas.microsoft.com/office/mac/drawingml/2011/main" xmlns:a14="http://schemas.microsoft.com/office/drawing/2010/main" xmlns:m="http://schemas.openxmlformats.org/officeDocument/2006/math" xmlns="" val="1"/>
+                <ma14:wrappingTextBoxFlag xmlns="" xmlns:m="http://schemas.openxmlformats.org/officeDocument/2006/math" xmlns:a14="http://schemas.microsoft.com/office/drawing/2010/main" xmlns:ma14="http://schemas.microsoft.com/office/mac/drawingml/2011/main" val="1"/>
               </a:ext>
             </a:extLst>
           </p:spPr>
@@ -17878,7 +17878,7 @@
             </a:ln>
             <a:extLst>
               <a:ext uri="{C572A759-6A51-4108-AA02-DFA0A04FC94B}">
-                <ma14:wrappingTextBoxFlag xmlns:ma14="http://schemas.microsoft.com/office/mac/drawingml/2011/main" xmlns:a14="http://schemas.microsoft.com/office/drawing/2010/main" xmlns:m="http://schemas.openxmlformats.org/officeDocument/2006/math" xmlns="" val="1"/>
+                <ma14:wrappingTextBoxFlag xmlns="" xmlns:m="http://schemas.openxmlformats.org/officeDocument/2006/math" xmlns:a14="http://schemas.microsoft.com/office/drawing/2010/main" xmlns:ma14="http://schemas.microsoft.com/office/mac/drawingml/2011/main" val="1"/>
               </a:ext>
             </a:extLst>
           </p:spPr>
@@ -17935,7 +17935,7 @@
             </a:ln>
             <a:extLst>
               <a:ext uri="{C572A759-6A51-4108-AA02-DFA0A04FC94B}">
-                <ma14:wrappingTextBoxFlag xmlns:ma14="http://schemas.microsoft.com/office/mac/drawingml/2011/main" xmlns:a14="http://schemas.microsoft.com/office/drawing/2010/main" xmlns:m="http://schemas.openxmlformats.org/officeDocument/2006/math" xmlns="" val="1"/>
+                <ma14:wrappingTextBoxFlag xmlns="" xmlns:m="http://schemas.openxmlformats.org/officeDocument/2006/math" xmlns:a14="http://schemas.microsoft.com/office/drawing/2010/main" xmlns:ma14="http://schemas.microsoft.com/office/mac/drawingml/2011/main" val="1"/>
               </a:ext>
             </a:extLst>
           </p:spPr>
@@ -17983,7 +17983,7 @@
             </a:ln>
             <a:extLst>
               <a:ext uri="{C572A759-6A51-4108-AA02-DFA0A04FC94B}">
-                <ma14:wrappingTextBoxFlag xmlns:ma14="http://schemas.microsoft.com/office/mac/drawingml/2011/main" xmlns:a14="http://schemas.microsoft.com/office/drawing/2010/main" xmlns:m="http://schemas.openxmlformats.org/officeDocument/2006/math" xmlns="" val="1"/>
+                <ma14:wrappingTextBoxFlag xmlns="" xmlns:m="http://schemas.openxmlformats.org/officeDocument/2006/math" xmlns:a14="http://schemas.microsoft.com/office/drawing/2010/main" xmlns:ma14="http://schemas.microsoft.com/office/mac/drawingml/2011/main" val="1"/>
               </a:ext>
             </a:extLst>
           </p:spPr>
@@ -18035,7 +18035,7 @@
             </a:ln>
             <a:extLst>
               <a:ext uri="{C572A759-6A51-4108-AA02-DFA0A04FC94B}">
-                <ma14:wrappingTextBoxFlag xmlns:ma14="http://schemas.microsoft.com/office/mac/drawingml/2011/main" xmlns:a14="http://schemas.microsoft.com/office/drawing/2010/main" xmlns:m="http://schemas.openxmlformats.org/officeDocument/2006/math" xmlns="" val="1"/>
+                <ma14:wrappingTextBoxFlag xmlns="" xmlns:m="http://schemas.openxmlformats.org/officeDocument/2006/math" xmlns:a14="http://schemas.microsoft.com/office/drawing/2010/main" xmlns:ma14="http://schemas.microsoft.com/office/mac/drawingml/2011/main" val="1"/>
               </a:ext>
             </a:extLst>
           </p:spPr>
@@ -18093,7 +18093,7 @@
             </a:ln>
             <a:extLst>
               <a:ext uri="{C572A759-6A51-4108-AA02-DFA0A04FC94B}">
-                <ma14:wrappingTextBoxFlag xmlns:ma14="http://schemas.microsoft.com/office/mac/drawingml/2011/main" xmlns:a14="http://schemas.microsoft.com/office/drawing/2010/main" xmlns:m="http://schemas.openxmlformats.org/officeDocument/2006/math" xmlns="" val="1"/>
+                <ma14:wrappingTextBoxFlag xmlns="" xmlns:m="http://schemas.openxmlformats.org/officeDocument/2006/math" xmlns:a14="http://schemas.microsoft.com/office/drawing/2010/main" xmlns:ma14="http://schemas.microsoft.com/office/mac/drawingml/2011/main" val="1"/>
               </a:ext>
             </a:extLst>
           </p:spPr>
@@ -18141,7 +18141,7 @@
             </a:ln>
             <a:extLst>
               <a:ext uri="{C572A759-6A51-4108-AA02-DFA0A04FC94B}">
-                <ma14:wrappingTextBoxFlag xmlns:ma14="http://schemas.microsoft.com/office/mac/drawingml/2011/main" xmlns:a14="http://schemas.microsoft.com/office/drawing/2010/main" xmlns:m="http://schemas.openxmlformats.org/officeDocument/2006/math" xmlns="" val="1"/>
+                <ma14:wrappingTextBoxFlag xmlns="" xmlns:m="http://schemas.openxmlformats.org/officeDocument/2006/math" xmlns:a14="http://schemas.microsoft.com/office/drawing/2010/main" xmlns:ma14="http://schemas.microsoft.com/office/mac/drawingml/2011/main" val="1"/>
               </a:ext>
             </a:extLst>
           </p:spPr>
@@ -18194,7 +18194,7 @@
             </a:ln>
             <a:extLst>
               <a:ext uri="{C572A759-6A51-4108-AA02-DFA0A04FC94B}">
-                <ma14:wrappingTextBoxFlag xmlns:ma14="http://schemas.microsoft.com/office/mac/drawingml/2011/main" xmlns:a14="http://schemas.microsoft.com/office/drawing/2010/main" xmlns:m="http://schemas.openxmlformats.org/officeDocument/2006/math" xmlns="" val="1"/>
+                <ma14:wrappingTextBoxFlag xmlns="" xmlns:m="http://schemas.openxmlformats.org/officeDocument/2006/math" xmlns:a14="http://schemas.microsoft.com/office/drawing/2010/main" xmlns:ma14="http://schemas.microsoft.com/office/mac/drawingml/2011/main" val="1"/>
               </a:ext>
             </a:extLst>
           </p:spPr>
@@ -18242,7 +18242,7 @@
             </a:ln>
             <a:extLst>
               <a:ext uri="{C572A759-6A51-4108-AA02-DFA0A04FC94B}">
-                <ma14:wrappingTextBoxFlag xmlns:ma14="http://schemas.microsoft.com/office/mac/drawingml/2011/main" xmlns:a14="http://schemas.microsoft.com/office/drawing/2010/main" xmlns:m="http://schemas.openxmlformats.org/officeDocument/2006/math" xmlns="" val="1"/>
+                <ma14:wrappingTextBoxFlag xmlns="" xmlns:m="http://schemas.openxmlformats.org/officeDocument/2006/math" xmlns:a14="http://schemas.microsoft.com/office/drawing/2010/main" xmlns:ma14="http://schemas.microsoft.com/office/mac/drawingml/2011/main" val="1"/>
               </a:ext>
             </a:extLst>
           </p:spPr>
@@ -18294,7 +18294,7 @@
             </a:ln>
             <a:extLst>
               <a:ext uri="{C572A759-6A51-4108-AA02-DFA0A04FC94B}">
-                <ma14:wrappingTextBoxFlag xmlns:ma14="http://schemas.microsoft.com/office/mac/drawingml/2011/main" xmlns:a14="http://schemas.microsoft.com/office/drawing/2010/main" xmlns:m="http://schemas.openxmlformats.org/officeDocument/2006/math" xmlns="" val="1"/>
+                <ma14:wrappingTextBoxFlag xmlns="" xmlns:m="http://schemas.openxmlformats.org/officeDocument/2006/math" xmlns:a14="http://schemas.microsoft.com/office/drawing/2010/main" xmlns:ma14="http://schemas.microsoft.com/office/mac/drawingml/2011/main" val="1"/>
               </a:ext>
             </a:extLst>
           </p:spPr>
@@ -18342,7 +18342,7 @@
             </a:ln>
             <a:extLst>
               <a:ext uri="{C572A759-6A51-4108-AA02-DFA0A04FC94B}">
-                <ma14:wrappingTextBoxFlag xmlns:ma14="http://schemas.microsoft.com/office/mac/drawingml/2011/main" xmlns:a14="http://schemas.microsoft.com/office/drawing/2010/main" xmlns:m="http://schemas.openxmlformats.org/officeDocument/2006/math" xmlns="" val="1"/>
+                <ma14:wrappingTextBoxFlag xmlns="" xmlns:m="http://schemas.openxmlformats.org/officeDocument/2006/math" xmlns:a14="http://schemas.microsoft.com/office/drawing/2010/main" xmlns:ma14="http://schemas.microsoft.com/office/mac/drawingml/2011/main" val="1"/>
               </a:ext>
             </a:extLst>
           </p:spPr>
@@ -18396,7 +18396,7 @@
             </a:ln>
             <a:extLst>
               <a:ext uri="{C572A759-6A51-4108-AA02-DFA0A04FC94B}">
-                <ma14:wrappingTextBoxFlag xmlns:ma14="http://schemas.microsoft.com/office/mac/drawingml/2011/main" xmlns:a14="http://schemas.microsoft.com/office/drawing/2010/main" xmlns:m="http://schemas.openxmlformats.org/officeDocument/2006/math" xmlns="" val="1"/>
+                <ma14:wrappingTextBoxFlag xmlns="" xmlns:m="http://schemas.openxmlformats.org/officeDocument/2006/math" xmlns:a14="http://schemas.microsoft.com/office/drawing/2010/main" xmlns:ma14="http://schemas.microsoft.com/office/mac/drawingml/2011/main" val="1"/>
               </a:ext>
             </a:extLst>
           </p:spPr>
@@ -18453,7 +18453,7 @@
             </a:ln>
             <a:extLst>
               <a:ext uri="{C572A759-6A51-4108-AA02-DFA0A04FC94B}">
-                <ma14:wrappingTextBoxFlag xmlns:ma14="http://schemas.microsoft.com/office/mac/drawingml/2011/main" xmlns:a14="http://schemas.microsoft.com/office/drawing/2010/main" xmlns:m="http://schemas.openxmlformats.org/officeDocument/2006/math" xmlns="" val="1"/>
+                <ma14:wrappingTextBoxFlag xmlns="" xmlns:m="http://schemas.openxmlformats.org/officeDocument/2006/math" xmlns:a14="http://schemas.microsoft.com/office/drawing/2010/main" xmlns:ma14="http://schemas.microsoft.com/office/mac/drawingml/2011/main" val="1"/>
               </a:ext>
             </a:extLst>
           </p:spPr>
@@ -18511,7 +18511,7 @@
             </a:ln>
             <a:extLst>
               <a:ext uri="{C572A759-6A51-4108-AA02-DFA0A04FC94B}">
-                <ma14:wrappingTextBoxFlag xmlns:ma14="http://schemas.microsoft.com/office/mac/drawingml/2011/main" xmlns:a14="http://schemas.microsoft.com/office/drawing/2010/main" xmlns:m="http://schemas.openxmlformats.org/officeDocument/2006/math" xmlns="" val="1"/>
+                <ma14:wrappingTextBoxFlag xmlns="" xmlns:m="http://schemas.openxmlformats.org/officeDocument/2006/math" xmlns:a14="http://schemas.microsoft.com/office/drawing/2010/main" xmlns:ma14="http://schemas.microsoft.com/office/mac/drawingml/2011/main" val="1"/>
               </a:ext>
             </a:extLst>
           </p:spPr>
@@ -18592,7 +18592,7 @@
             </a:ln>
             <a:extLst>
               <a:ext uri="{C572A759-6A51-4108-AA02-DFA0A04FC94B}">
-                <ma14:wrappingTextBoxFlag xmlns:ma14="http://schemas.microsoft.com/office/mac/drawingml/2011/main" xmlns:a14="http://schemas.microsoft.com/office/drawing/2010/main" xmlns:m="http://schemas.openxmlformats.org/officeDocument/2006/math" xmlns="" val="1"/>
+                <ma14:wrappingTextBoxFlag xmlns="" xmlns:m="http://schemas.openxmlformats.org/officeDocument/2006/math" xmlns:a14="http://schemas.microsoft.com/office/drawing/2010/main" xmlns:ma14="http://schemas.microsoft.com/office/mac/drawingml/2011/main" val="1"/>
               </a:ext>
             </a:extLst>
           </p:spPr>
@@ -18650,7 +18650,7 @@
             </a:ln>
             <a:extLst>
               <a:ext uri="{C572A759-6A51-4108-AA02-DFA0A04FC94B}">
-                <ma14:wrappingTextBoxFlag xmlns:ma14="http://schemas.microsoft.com/office/mac/drawingml/2011/main" xmlns:a14="http://schemas.microsoft.com/office/drawing/2010/main" xmlns:m="http://schemas.openxmlformats.org/officeDocument/2006/math" xmlns="" val="1"/>
+                <ma14:wrappingTextBoxFlag xmlns="" xmlns:m="http://schemas.openxmlformats.org/officeDocument/2006/math" xmlns:a14="http://schemas.microsoft.com/office/drawing/2010/main" xmlns:ma14="http://schemas.microsoft.com/office/mac/drawingml/2011/main" val="1"/>
               </a:ext>
             </a:extLst>
           </p:spPr>
@@ -18708,7 +18708,7 @@
             </a:ln>
             <a:extLst>
               <a:ext uri="{C572A759-6A51-4108-AA02-DFA0A04FC94B}">
-                <ma14:wrappingTextBoxFlag xmlns:ma14="http://schemas.microsoft.com/office/mac/drawingml/2011/main" xmlns:a14="http://schemas.microsoft.com/office/drawing/2010/main" xmlns:m="http://schemas.openxmlformats.org/officeDocument/2006/math" xmlns="" val="1"/>
+                <ma14:wrappingTextBoxFlag xmlns="" xmlns:m="http://schemas.openxmlformats.org/officeDocument/2006/math" xmlns:a14="http://schemas.microsoft.com/office/drawing/2010/main" xmlns:ma14="http://schemas.microsoft.com/office/mac/drawingml/2011/main" val="1"/>
               </a:ext>
             </a:extLst>
           </p:spPr>
@@ -18766,7 +18766,7 @@
             </a:ln>
             <a:extLst>
               <a:ext uri="{C572A759-6A51-4108-AA02-DFA0A04FC94B}">
-                <ma14:wrappingTextBoxFlag xmlns:ma14="http://schemas.microsoft.com/office/mac/drawingml/2011/main" xmlns:a14="http://schemas.microsoft.com/office/drawing/2010/main" xmlns:m="http://schemas.openxmlformats.org/officeDocument/2006/math" xmlns="" val="1"/>
+                <ma14:wrappingTextBoxFlag xmlns="" xmlns:m="http://schemas.openxmlformats.org/officeDocument/2006/math" xmlns:a14="http://schemas.microsoft.com/office/drawing/2010/main" xmlns:ma14="http://schemas.microsoft.com/office/mac/drawingml/2011/main" val="1"/>
               </a:ext>
             </a:extLst>
           </p:spPr>
@@ -18814,7 +18814,7 @@
             </a:ln>
             <a:extLst>
               <a:ext uri="{C572A759-6A51-4108-AA02-DFA0A04FC94B}">
-                <ma14:wrappingTextBoxFlag xmlns:ma14="http://schemas.microsoft.com/office/mac/drawingml/2011/main" xmlns:a14="http://schemas.microsoft.com/office/drawing/2010/main" xmlns:m="http://schemas.openxmlformats.org/officeDocument/2006/math" xmlns="" val="1"/>
+                <ma14:wrappingTextBoxFlag xmlns="" xmlns:m="http://schemas.openxmlformats.org/officeDocument/2006/math" xmlns:a14="http://schemas.microsoft.com/office/drawing/2010/main" xmlns:ma14="http://schemas.microsoft.com/office/mac/drawingml/2011/main" val="1"/>
               </a:ext>
             </a:extLst>
           </p:spPr>
@@ -18862,7 +18862,7 @@
             </a:ln>
             <a:extLst>
               <a:ext uri="{C572A759-6A51-4108-AA02-DFA0A04FC94B}">
-                <ma14:wrappingTextBoxFlag xmlns:ma14="http://schemas.microsoft.com/office/mac/drawingml/2011/main" xmlns:a14="http://schemas.microsoft.com/office/drawing/2010/main" xmlns:m="http://schemas.openxmlformats.org/officeDocument/2006/math" xmlns="" val="1"/>
+                <ma14:wrappingTextBoxFlag xmlns="" xmlns:m="http://schemas.openxmlformats.org/officeDocument/2006/math" xmlns:a14="http://schemas.microsoft.com/office/drawing/2010/main" xmlns:ma14="http://schemas.microsoft.com/office/mac/drawingml/2011/main" val="1"/>
               </a:ext>
             </a:extLst>
           </p:spPr>
@@ -18916,7 +18916,7 @@
             </a:ln>
             <a:extLst>
               <a:ext uri="{C572A759-6A51-4108-AA02-DFA0A04FC94B}">
-                <ma14:wrappingTextBoxFlag xmlns:ma14="http://schemas.microsoft.com/office/mac/drawingml/2011/main" xmlns:a14="http://schemas.microsoft.com/office/drawing/2010/main" xmlns:m="http://schemas.openxmlformats.org/officeDocument/2006/math" xmlns="" val="1"/>
+                <ma14:wrappingTextBoxFlag xmlns="" xmlns:m="http://schemas.openxmlformats.org/officeDocument/2006/math" xmlns:a14="http://schemas.microsoft.com/office/drawing/2010/main" xmlns:ma14="http://schemas.microsoft.com/office/mac/drawingml/2011/main" val="1"/>
               </a:ext>
             </a:extLst>
           </p:spPr>
@@ -18970,7 +18970,7 @@
             </a:ln>
             <a:extLst>
               <a:ext uri="{C572A759-6A51-4108-AA02-DFA0A04FC94B}">
-                <ma14:wrappingTextBoxFlag xmlns:ma14="http://schemas.microsoft.com/office/mac/drawingml/2011/main" xmlns:a14="http://schemas.microsoft.com/office/drawing/2010/main" xmlns:m="http://schemas.openxmlformats.org/officeDocument/2006/math" xmlns="" val="1"/>
+                <ma14:wrappingTextBoxFlag xmlns="" xmlns:m="http://schemas.openxmlformats.org/officeDocument/2006/math" xmlns:a14="http://schemas.microsoft.com/office/drawing/2010/main" xmlns:ma14="http://schemas.microsoft.com/office/mac/drawingml/2011/main" val="1"/>
               </a:ext>
             </a:extLst>
           </p:spPr>
@@ -19023,7 +19023,7 @@
             </a:ln>
             <a:extLst>
               <a:ext uri="{C572A759-6A51-4108-AA02-DFA0A04FC94B}">
-                <ma14:wrappingTextBoxFlag xmlns:ma14="http://schemas.microsoft.com/office/mac/drawingml/2011/main" xmlns:a14="http://schemas.microsoft.com/office/drawing/2010/main" xmlns:m="http://schemas.openxmlformats.org/officeDocument/2006/math" xmlns="" val="1"/>
+                <ma14:wrappingTextBoxFlag xmlns="" xmlns:m="http://schemas.openxmlformats.org/officeDocument/2006/math" xmlns:a14="http://schemas.microsoft.com/office/drawing/2010/main" xmlns:ma14="http://schemas.microsoft.com/office/mac/drawingml/2011/main" val="1"/>
               </a:ext>
             </a:extLst>
           </p:spPr>
@@ -19076,7 +19076,7 @@
             </a:ln>
             <a:extLst>
               <a:ext uri="{C572A759-6A51-4108-AA02-DFA0A04FC94B}">
-                <ma14:wrappingTextBoxFlag xmlns:ma14="http://schemas.microsoft.com/office/mac/drawingml/2011/main" xmlns:a14="http://schemas.microsoft.com/office/drawing/2010/main" xmlns:m="http://schemas.openxmlformats.org/officeDocument/2006/math" xmlns="" val="1"/>
+                <ma14:wrappingTextBoxFlag xmlns="" xmlns:m="http://schemas.openxmlformats.org/officeDocument/2006/math" xmlns:a14="http://schemas.microsoft.com/office/drawing/2010/main" xmlns:ma14="http://schemas.microsoft.com/office/mac/drawingml/2011/main" val="1"/>
               </a:ext>
             </a:extLst>
           </p:spPr>
@@ -19129,7 +19129,7 @@
             </a:ln>
             <a:extLst>
               <a:ext uri="{C572A759-6A51-4108-AA02-DFA0A04FC94B}">
-                <ma14:wrappingTextBoxFlag xmlns:ma14="http://schemas.microsoft.com/office/mac/drawingml/2011/main" xmlns:a14="http://schemas.microsoft.com/office/drawing/2010/main" xmlns:m="http://schemas.openxmlformats.org/officeDocument/2006/math" xmlns="" val="1"/>
+                <ma14:wrappingTextBoxFlag xmlns="" xmlns:m="http://schemas.openxmlformats.org/officeDocument/2006/math" xmlns:a14="http://schemas.microsoft.com/office/drawing/2010/main" xmlns:ma14="http://schemas.microsoft.com/office/mac/drawingml/2011/main" val="1"/>
               </a:ext>
             </a:extLst>
           </p:spPr>
@@ -19306,7 +19306,7 @@
             </a:ln>
             <a:extLst>
               <a:ext uri="{C572A759-6A51-4108-AA02-DFA0A04FC94B}">
-                <ma14:wrappingTextBoxFlag xmlns:m="http://schemas.openxmlformats.org/officeDocument/2006/math" xmlns:a14="http://schemas.microsoft.com/office/drawing/2010/main" xmlns:ma14="http://schemas.microsoft.com/office/mac/drawingml/2011/main" xmlns="" val="1"/>
+                <ma14:wrappingTextBoxFlag xmlns="" xmlns:ma14="http://schemas.microsoft.com/office/mac/drawingml/2011/main" xmlns:a14="http://schemas.microsoft.com/office/drawing/2010/main" xmlns:m="http://schemas.openxmlformats.org/officeDocument/2006/math" val="1"/>
               </a:ext>
             </a:extLst>
           </p:spPr>
@@ -19354,7 +19354,7 @@
             </a:ln>
             <a:extLst>
               <a:ext uri="{C572A759-6A51-4108-AA02-DFA0A04FC94B}">
-                <ma14:wrappingTextBoxFlag xmlns:m="http://schemas.openxmlformats.org/officeDocument/2006/math" xmlns:a14="http://schemas.microsoft.com/office/drawing/2010/main" xmlns:ma14="http://schemas.microsoft.com/office/mac/drawingml/2011/main" xmlns="" val="1"/>
+                <ma14:wrappingTextBoxFlag xmlns="" xmlns:ma14="http://schemas.microsoft.com/office/mac/drawingml/2011/main" xmlns:a14="http://schemas.microsoft.com/office/drawing/2010/main" xmlns:m="http://schemas.openxmlformats.org/officeDocument/2006/math" val="1"/>
               </a:ext>
             </a:extLst>
           </p:spPr>
@@ -19402,7 +19402,7 @@
             </a:ln>
             <a:extLst>
               <a:ext uri="{C572A759-6A51-4108-AA02-DFA0A04FC94B}">
-                <ma14:wrappingTextBoxFlag xmlns:m="http://schemas.openxmlformats.org/officeDocument/2006/math" xmlns:a14="http://schemas.microsoft.com/office/drawing/2010/main" xmlns:ma14="http://schemas.microsoft.com/office/mac/drawingml/2011/main" xmlns="" val="1"/>
+                <ma14:wrappingTextBoxFlag xmlns="" xmlns:ma14="http://schemas.microsoft.com/office/mac/drawingml/2011/main" xmlns:a14="http://schemas.microsoft.com/office/drawing/2010/main" xmlns:m="http://schemas.openxmlformats.org/officeDocument/2006/math" val="1"/>
               </a:ext>
             </a:extLst>
           </p:spPr>
@@ -19454,7 +19454,7 @@
             </a:ln>
             <a:extLst>
               <a:ext uri="{C572A759-6A51-4108-AA02-DFA0A04FC94B}">
-                <ma14:wrappingTextBoxFlag xmlns:m="http://schemas.openxmlformats.org/officeDocument/2006/math" xmlns:a14="http://schemas.microsoft.com/office/drawing/2010/main" xmlns:ma14="http://schemas.microsoft.com/office/mac/drawingml/2011/main" xmlns="" val="1"/>
+                <ma14:wrappingTextBoxFlag xmlns="" xmlns:ma14="http://schemas.microsoft.com/office/mac/drawingml/2011/main" xmlns:a14="http://schemas.microsoft.com/office/drawing/2010/main" xmlns:m="http://schemas.openxmlformats.org/officeDocument/2006/math" val="1"/>
               </a:ext>
             </a:extLst>
           </p:spPr>
@@ -19502,7 +19502,7 @@
             </a:ln>
             <a:extLst>
               <a:ext uri="{C572A759-6A51-4108-AA02-DFA0A04FC94B}">
-                <ma14:wrappingTextBoxFlag xmlns:m="http://schemas.openxmlformats.org/officeDocument/2006/math" xmlns:a14="http://schemas.microsoft.com/office/drawing/2010/main" xmlns:ma14="http://schemas.microsoft.com/office/mac/drawingml/2011/main" xmlns="" val="1"/>
+                <ma14:wrappingTextBoxFlag xmlns="" xmlns:ma14="http://schemas.microsoft.com/office/mac/drawingml/2011/main" xmlns:a14="http://schemas.microsoft.com/office/drawing/2010/main" xmlns:m="http://schemas.openxmlformats.org/officeDocument/2006/math" val="1"/>
               </a:ext>
             </a:extLst>
           </p:spPr>
@@ -19550,7 +19550,7 @@
             </a:ln>
             <a:extLst>
               <a:ext uri="{C572A759-6A51-4108-AA02-DFA0A04FC94B}">
-                <ma14:wrappingTextBoxFlag xmlns:m="http://schemas.openxmlformats.org/officeDocument/2006/math" xmlns:a14="http://schemas.microsoft.com/office/drawing/2010/main" xmlns:ma14="http://schemas.microsoft.com/office/mac/drawingml/2011/main" xmlns="" val="1"/>
+                <ma14:wrappingTextBoxFlag xmlns="" xmlns:ma14="http://schemas.microsoft.com/office/mac/drawingml/2011/main" xmlns:a14="http://schemas.microsoft.com/office/drawing/2010/main" xmlns:m="http://schemas.openxmlformats.org/officeDocument/2006/math" val="1"/>
               </a:ext>
             </a:extLst>
           </p:spPr>
@@ -19607,7 +19607,7 @@
             </a:ln>
             <a:extLst>
               <a:ext uri="{C572A759-6A51-4108-AA02-DFA0A04FC94B}">
-                <ma14:wrappingTextBoxFlag xmlns:m="http://schemas.openxmlformats.org/officeDocument/2006/math" xmlns:a14="http://schemas.microsoft.com/office/drawing/2010/main" xmlns:ma14="http://schemas.microsoft.com/office/mac/drawingml/2011/main" xmlns="" val="1"/>
+                <ma14:wrappingTextBoxFlag xmlns="" xmlns:ma14="http://schemas.microsoft.com/office/mac/drawingml/2011/main" xmlns:a14="http://schemas.microsoft.com/office/drawing/2010/main" xmlns:m="http://schemas.openxmlformats.org/officeDocument/2006/math" val="1"/>
               </a:ext>
             </a:extLst>
           </p:spPr>
@@ -19665,7 +19665,7 @@
             </a:ln>
             <a:extLst>
               <a:ext uri="{C572A759-6A51-4108-AA02-DFA0A04FC94B}">
-                <ma14:wrappingTextBoxFlag xmlns:m="http://schemas.openxmlformats.org/officeDocument/2006/math" xmlns:a14="http://schemas.microsoft.com/office/drawing/2010/main" xmlns:ma14="http://schemas.microsoft.com/office/mac/drawingml/2011/main" xmlns="" val="1"/>
+                <ma14:wrappingTextBoxFlag xmlns="" xmlns:ma14="http://schemas.microsoft.com/office/mac/drawingml/2011/main" xmlns:a14="http://schemas.microsoft.com/office/drawing/2010/main" xmlns:m="http://schemas.openxmlformats.org/officeDocument/2006/math" val="1"/>
               </a:ext>
             </a:extLst>
           </p:spPr>
@@ -19713,7 +19713,7 @@
             </a:ln>
             <a:extLst>
               <a:ext uri="{C572A759-6A51-4108-AA02-DFA0A04FC94B}">
-                <ma14:wrappingTextBoxFlag xmlns:m="http://schemas.openxmlformats.org/officeDocument/2006/math" xmlns:a14="http://schemas.microsoft.com/office/drawing/2010/main" xmlns:ma14="http://schemas.microsoft.com/office/mac/drawingml/2011/main" xmlns="" val="1"/>
+                <ma14:wrappingTextBoxFlag xmlns="" xmlns:ma14="http://schemas.microsoft.com/office/mac/drawingml/2011/main" xmlns:a14="http://schemas.microsoft.com/office/drawing/2010/main" xmlns:m="http://schemas.openxmlformats.org/officeDocument/2006/math" val="1"/>
               </a:ext>
             </a:extLst>
           </p:spPr>
@@ -19761,7 +19761,7 @@
             </a:ln>
             <a:extLst>
               <a:ext uri="{C572A759-6A51-4108-AA02-DFA0A04FC94B}">
-                <ma14:wrappingTextBoxFlag xmlns:m="http://schemas.openxmlformats.org/officeDocument/2006/math" xmlns:a14="http://schemas.microsoft.com/office/drawing/2010/main" xmlns:ma14="http://schemas.microsoft.com/office/mac/drawingml/2011/main" xmlns="" val="1"/>
+                <ma14:wrappingTextBoxFlag xmlns="" xmlns:ma14="http://schemas.microsoft.com/office/mac/drawingml/2011/main" xmlns:a14="http://schemas.microsoft.com/office/drawing/2010/main" xmlns:m="http://schemas.openxmlformats.org/officeDocument/2006/math" val="1"/>
               </a:ext>
             </a:extLst>
           </p:spPr>
@@ -19809,7 +19809,7 @@
             </a:ln>
             <a:extLst>
               <a:ext uri="{C572A759-6A51-4108-AA02-DFA0A04FC94B}">
-                <ma14:wrappingTextBoxFlag xmlns:m="http://schemas.openxmlformats.org/officeDocument/2006/math" xmlns:a14="http://schemas.microsoft.com/office/drawing/2010/main" xmlns:ma14="http://schemas.microsoft.com/office/mac/drawingml/2011/main" xmlns="" val="1"/>
+                <ma14:wrappingTextBoxFlag xmlns="" xmlns:ma14="http://schemas.microsoft.com/office/mac/drawingml/2011/main" xmlns:a14="http://schemas.microsoft.com/office/drawing/2010/main" xmlns:m="http://schemas.openxmlformats.org/officeDocument/2006/math" val="1"/>
               </a:ext>
             </a:extLst>
           </p:spPr>
@@ -19867,7 +19867,7 @@
             </a:ln>
             <a:extLst>
               <a:ext uri="{C572A759-6A51-4108-AA02-DFA0A04FC94B}">
-                <ma14:wrappingTextBoxFlag xmlns:m="http://schemas.openxmlformats.org/officeDocument/2006/math" xmlns:a14="http://schemas.microsoft.com/office/drawing/2010/main" xmlns:ma14="http://schemas.microsoft.com/office/mac/drawingml/2011/main" xmlns="" val="1"/>
+                <ma14:wrappingTextBoxFlag xmlns="" xmlns:ma14="http://schemas.microsoft.com/office/mac/drawingml/2011/main" xmlns:a14="http://schemas.microsoft.com/office/drawing/2010/main" xmlns:m="http://schemas.openxmlformats.org/officeDocument/2006/math" val="1"/>
               </a:ext>
             </a:extLst>
           </p:spPr>
@@ -19924,7 +19924,7 @@
             </a:ln>
             <a:extLst>
               <a:ext uri="{C572A759-6A51-4108-AA02-DFA0A04FC94B}">
-                <ma14:wrappingTextBoxFlag xmlns:m="http://schemas.openxmlformats.org/officeDocument/2006/math" xmlns:a14="http://schemas.microsoft.com/office/drawing/2010/main" xmlns:ma14="http://schemas.microsoft.com/office/mac/drawingml/2011/main" xmlns="" val="1"/>
+                <ma14:wrappingTextBoxFlag xmlns="" xmlns:ma14="http://schemas.microsoft.com/office/mac/drawingml/2011/main" xmlns:a14="http://schemas.microsoft.com/office/drawing/2010/main" xmlns:m="http://schemas.openxmlformats.org/officeDocument/2006/math" val="1"/>
               </a:ext>
             </a:extLst>
           </p:spPr>
@@ -19972,7 +19972,7 @@
             </a:ln>
             <a:extLst>
               <a:ext uri="{C572A759-6A51-4108-AA02-DFA0A04FC94B}">
-                <ma14:wrappingTextBoxFlag xmlns:m="http://schemas.openxmlformats.org/officeDocument/2006/math" xmlns:a14="http://schemas.microsoft.com/office/drawing/2010/main" xmlns:ma14="http://schemas.microsoft.com/office/mac/drawingml/2011/main" xmlns="" val="1"/>
+                <ma14:wrappingTextBoxFlag xmlns="" xmlns:ma14="http://schemas.microsoft.com/office/mac/drawingml/2011/main" xmlns:a14="http://schemas.microsoft.com/office/drawing/2010/main" xmlns:m="http://schemas.openxmlformats.org/officeDocument/2006/math" val="1"/>
               </a:ext>
             </a:extLst>
           </p:spPr>
@@ -20024,7 +20024,7 @@
             </a:ln>
             <a:extLst>
               <a:ext uri="{C572A759-6A51-4108-AA02-DFA0A04FC94B}">
-                <ma14:wrappingTextBoxFlag xmlns:m="http://schemas.openxmlformats.org/officeDocument/2006/math" xmlns:a14="http://schemas.microsoft.com/office/drawing/2010/main" xmlns:ma14="http://schemas.microsoft.com/office/mac/drawingml/2011/main" xmlns="" val="1"/>
+                <ma14:wrappingTextBoxFlag xmlns="" xmlns:ma14="http://schemas.microsoft.com/office/mac/drawingml/2011/main" xmlns:a14="http://schemas.microsoft.com/office/drawing/2010/main" xmlns:m="http://schemas.openxmlformats.org/officeDocument/2006/math" val="1"/>
               </a:ext>
             </a:extLst>
           </p:spPr>
@@ -20082,7 +20082,7 @@
             </a:ln>
             <a:extLst>
               <a:ext uri="{C572A759-6A51-4108-AA02-DFA0A04FC94B}">
-                <ma14:wrappingTextBoxFlag xmlns:m="http://schemas.openxmlformats.org/officeDocument/2006/math" xmlns:a14="http://schemas.microsoft.com/office/drawing/2010/main" xmlns:ma14="http://schemas.microsoft.com/office/mac/drawingml/2011/main" xmlns="" val="1"/>
+                <ma14:wrappingTextBoxFlag xmlns="" xmlns:ma14="http://schemas.microsoft.com/office/mac/drawingml/2011/main" xmlns:a14="http://schemas.microsoft.com/office/drawing/2010/main" xmlns:m="http://schemas.openxmlformats.org/officeDocument/2006/math" val="1"/>
               </a:ext>
             </a:extLst>
           </p:spPr>
@@ -20130,7 +20130,7 @@
             </a:ln>
             <a:extLst>
               <a:ext uri="{C572A759-6A51-4108-AA02-DFA0A04FC94B}">
-                <ma14:wrappingTextBoxFlag xmlns:m="http://schemas.openxmlformats.org/officeDocument/2006/math" xmlns:a14="http://schemas.microsoft.com/office/drawing/2010/main" xmlns:ma14="http://schemas.microsoft.com/office/mac/drawingml/2011/main" xmlns="" val="1"/>
+                <ma14:wrappingTextBoxFlag xmlns="" xmlns:ma14="http://schemas.microsoft.com/office/mac/drawingml/2011/main" xmlns:a14="http://schemas.microsoft.com/office/drawing/2010/main" xmlns:m="http://schemas.openxmlformats.org/officeDocument/2006/math" val="1"/>
               </a:ext>
             </a:extLst>
           </p:spPr>
@@ -20183,7 +20183,7 @@
             </a:ln>
             <a:extLst>
               <a:ext uri="{C572A759-6A51-4108-AA02-DFA0A04FC94B}">
-                <ma14:wrappingTextBoxFlag xmlns:m="http://schemas.openxmlformats.org/officeDocument/2006/math" xmlns:a14="http://schemas.microsoft.com/office/drawing/2010/main" xmlns:ma14="http://schemas.microsoft.com/office/mac/drawingml/2011/main" xmlns="" val="1"/>
+                <ma14:wrappingTextBoxFlag xmlns="" xmlns:ma14="http://schemas.microsoft.com/office/mac/drawingml/2011/main" xmlns:a14="http://schemas.microsoft.com/office/drawing/2010/main" xmlns:m="http://schemas.openxmlformats.org/officeDocument/2006/math" val="1"/>
               </a:ext>
             </a:extLst>
           </p:spPr>
@@ -20231,7 +20231,7 @@
             </a:ln>
             <a:extLst>
               <a:ext uri="{C572A759-6A51-4108-AA02-DFA0A04FC94B}">
-                <ma14:wrappingTextBoxFlag xmlns:m="http://schemas.openxmlformats.org/officeDocument/2006/math" xmlns:a14="http://schemas.microsoft.com/office/drawing/2010/main" xmlns:ma14="http://schemas.microsoft.com/office/mac/drawingml/2011/main" xmlns="" val="1"/>
+                <ma14:wrappingTextBoxFlag xmlns="" xmlns:ma14="http://schemas.microsoft.com/office/mac/drawingml/2011/main" xmlns:a14="http://schemas.microsoft.com/office/drawing/2010/main" xmlns:m="http://schemas.openxmlformats.org/officeDocument/2006/math" val="1"/>
               </a:ext>
             </a:extLst>
           </p:spPr>
@@ -20283,7 +20283,7 @@
             </a:ln>
             <a:extLst>
               <a:ext uri="{C572A759-6A51-4108-AA02-DFA0A04FC94B}">
-                <ma14:wrappingTextBoxFlag xmlns:m="http://schemas.openxmlformats.org/officeDocument/2006/math" xmlns:a14="http://schemas.microsoft.com/office/drawing/2010/main" xmlns:ma14="http://schemas.microsoft.com/office/mac/drawingml/2011/main" xmlns="" val="1"/>
+                <ma14:wrappingTextBoxFlag xmlns="" xmlns:ma14="http://schemas.microsoft.com/office/mac/drawingml/2011/main" xmlns:a14="http://schemas.microsoft.com/office/drawing/2010/main" xmlns:m="http://schemas.openxmlformats.org/officeDocument/2006/math" val="1"/>
               </a:ext>
             </a:extLst>
           </p:spPr>
@@ -20331,7 +20331,7 @@
             </a:ln>
             <a:extLst>
               <a:ext uri="{C572A759-6A51-4108-AA02-DFA0A04FC94B}">
-                <ma14:wrappingTextBoxFlag xmlns:m="http://schemas.openxmlformats.org/officeDocument/2006/math" xmlns:a14="http://schemas.microsoft.com/office/drawing/2010/main" xmlns:ma14="http://schemas.microsoft.com/office/mac/drawingml/2011/main" xmlns="" val="1"/>
+                <ma14:wrappingTextBoxFlag xmlns="" xmlns:ma14="http://schemas.microsoft.com/office/mac/drawingml/2011/main" xmlns:a14="http://schemas.microsoft.com/office/drawing/2010/main" xmlns:m="http://schemas.openxmlformats.org/officeDocument/2006/math" val="1"/>
               </a:ext>
             </a:extLst>
           </p:spPr>
@@ -20385,7 +20385,7 @@
             </a:ln>
             <a:extLst>
               <a:ext uri="{C572A759-6A51-4108-AA02-DFA0A04FC94B}">
-                <ma14:wrappingTextBoxFlag xmlns:m="http://schemas.openxmlformats.org/officeDocument/2006/math" xmlns:a14="http://schemas.microsoft.com/office/drawing/2010/main" xmlns:ma14="http://schemas.microsoft.com/office/mac/drawingml/2011/main" xmlns="" val="1"/>
+                <ma14:wrappingTextBoxFlag xmlns="" xmlns:ma14="http://schemas.microsoft.com/office/mac/drawingml/2011/main" xmlns:a14="http://schemas.microsoft.com/office/drawing/2010/main" xmlns:m="http://schemas.openxmlformats.org/officeDocument/2006/math" val="1"/>
               </a:ext>
             </a:extLst>
           </p:spPr>
@@ -20442,7 +20442,7 @@
             </a:ln>
             <a:extLst>
               <a:ext uri="{C572A759-6A51-4108-AA02-DFA0A04FC94B}">
-                <ma14:wrappingTextBoxFlag xmlns:m="http://schemas.openxmlformats.org/officeDocument/2006/math" xmlns:a14="http://schemas.microsoft.com/office/drawing/2010/main" xmlns:ma14="http://schemas.microsoft.com/office/mac/drawingml/2011/main" xmlns="" val="1"/>
+                <ma14:wrappingTextBoxFlag xmlns="" xmlns:ma14="http://schemas.microsoft.com/office/mac/drawingml/2011/main" xmlns:a14="http://schemas.microsoft.com/office/drawing/2010/main" xmlns:m="http://schemas.openxmlformats.org/officeDocument/2006/math" val="1"/>
               </a:ext>
             </a:extLst>
           </p:spPr>
@@ -20500,7 +20500,7 @@
             </a:ln>
             <a:extLst>
               <a:ext uri="{C572A759-6A51-4108-AA02-DFA0A04FC94B}">
-                <ma14:wrappingTextBoxFlag xmlns:m="http://schemas.openxmlformats.org/officeDocument/2006/math" xmlns:a14="http://schemas.microsoft.com/office/drawing/2010/main" xmlns:ma14="http://schemas.microsoft.com/office/mac/drawingml/2011/main" xmlns="" val="1"/>
+                <ma14:wrappingTextBoxFlag xmlns="" xmlns:ma14="http://schemas.microsoft.com/office/mac/drawingml/2011/main" xmlns:a14="http://schemas.microsoft.com/office/drawing/2010/main" xmlns:m="http://schemas.openxmlformats.org/officeDocument/2006/math" val="1"/>
               </a:ext>
             </a:extLst>
           </p:spPr>
@@ -20581,7 +20581,7 @@
             </a:ln>
             <a:extLst>
               <a:ext uri="{C572A759-6A51-4108-AA02-DFA0A04FC94B}">
-                <ma14:wrappingTextBoxFlag xmlns:m="http://schemas.openxmlformats.org/officeDocument/2006/math" xmlns:a14="http://schemas.microsoft.com/office/drawing/2010/main" xmlns:ma14="http://schemas.microsoft.com/office/mac/drawingml/2011/main" xmlns="" val="1"/>
+                <ma14:wrappingTextBoxFlag xmlns="" xmlns:ma14="http://schemas.microsoft.com/office/mac/drawingml/2011/main" xmlns:a14="http://schemas.microsoft.com/office/drawing/2010/main" xmlns:m="http://schemas.openxmlformats.org/officeDocument/2006/math" val="1"/>
               </a:ext>
             </a:extLst>
           </p:spPr>
@@ -20639,7 +20639,7 @@
             </a:ln>
             <a:extLst>
               <a:ext uri="{C572A759-6A51-4108-AA02-DFA0A04FC94B}">
-                <ma14:wrappingTextBoxFlag xmlns:m="http://schemas.openxmlformats.org/officeDocument/2006/math" xmlns:a14="http://schemas.microsoft.com/office/drawing/2010/main" xmlns:ma14="http://schemas.microsoft.com/office/mac/drawingml/2011/main" xmlns="" val="1"/>
+                <ma14:wrappingTextBoxFlag xmlns="" xmlns:ma14="http://schemas.microsoft.com/office/mac/drawingml/2011/main" xmlns:a14="http://schemas.microsoft.com/office/drawing/2010/main" xmlns:m="http://schemas.openxmlformats.org/officeDocument/2006/math" val="1"/>
               </a:ext>
             </a:extLst>
           </p:spPr>
@@ -20697,7 +20697,7 @@
             </a:ln>
             <a:extLst>
               <a:ext uri="{C572A759-6A51-4108-AA02-DFA0A04FC94B}">
-                <ma14:wrappingTextBoxFlag xmlns:m="http://schemas.openxmlformats.org/officeDocument/2006/math" xmlns:a14="http://schemas.microsoft.com/office/drawing/2010/main" xmlns:ma14="http://schemas.microsoft.com/office/mac/drawingml/2011/main" xmlns="" val="1"/>
+                <ma14:wrappingTextBoxFlag xmlns="" xmlns:ma14="http://schemas.microsoft.com/office/mac/drawingml/2011/main" xmlns:a14="http://schemas.microsoft.com/office/drawing/2010/main" xmlns:m="http://schemas.openxmlformats.org/officeDocument/2006/math" val="1"/>
               </a:ext>
             </a:extLst>
           </p:spPr>
@@ -20755,7 +20755,7 @@
             </a:ln>
             <a:extLst>
               <a:ext uri="{C572A759-6A51-4108-AA02-DFA0A04FC94B}">
-                <ma14:wrappingTextBoxFlag xmlns:m="http://schemas.openxmlformats.org/officeDocument/2006/math" xmlns:a14="http://schemas.microsoft.com/office/drawing/2010/main" xmlns:ma14="http://schemas.microsoft.com/office/mac/drawingml/2011/main" xmlns="" val="1"/>
+                <ma14:wrappingTextBoxFlag xmlns="" xmlns:ma14="http://schemas.microsoft.com/office/mac/drawingml/2011/main" xmlns:a14="http://schemas.microsoft.com/office/drawing/2010/main" xmlns:m="http://schemas.openxmlformats.org/officeDocument/2006/math" val="1"/>
               </a:ext>
             </a:extLst>
           </p:spPr>
@@ -20803,7 +20803,7 @@
             </a:ln>
             <a:extLst>
               <a:ext uri="{C572A759-6A51-4108-AA02-DFA0A04FC94B}">
-                <ma14:wrappingTextBoxFlag xmlns:m="http://schemas.openxmlformats.org/officeDocument/2006/math" xmlns:a14="http://schemas.microsoft.com/office/drawing/2010/main" xmlns:ma14="http://schemas.microsoft.com/office/mac/drawingml/2011/main" xmlns="" val="1"/>
+                <ma14:wrappingTextBoxFlag xmlns="" xmlns:ma14="http://schemas.microsoft.com/office/mac/drawingml/2011/main" xmlns:a14="http://schemas.microsoft.com/office/drawing/2010/main" xmlns:m="http://schemas.openxmlformats.org/officeDocument/2006/math" val="1"/>
               </a:ext>
             </a:extLst>
           </p:spPr>
@@ -20851,7 +20851,7 @@
             </a:ln>
             <a:extLst>
               <a:ext uri="{C572A759-6A51-4108-AA02-DFA0A04FC94B}">
-                <ma14:wrappingTextBoxFlag xmlns:m="http://schemas.openxmlformats.org/officeDocument/2006/math" xmlns:a14="http://schemas.microsoft.com/office/drawing/2010/main" xmlns:ma14="http://schemas.microsoft.com/office/mac/drawingml/2011/main" xmlns="" val="1"/>
+                <ma14:wrappingTextBoxFlag xmlns="" xmlns:ma14="http://schemas.microsoft.com/office/mac/drawingml/2011/main" xmlns:a14="http://schemas.microsoft.com/office/drawing/2010/main" xmlns:m="http://schemas.openxmlformats.org/officeDocument/2006/math" val="1"/>
               </a:ext>
             </a:extLst>
           </p:spPr>
@@ -20905,7 +20905,7 @@
             </a:ln>
             <a:extLst>
               <a:ext uri="{C572A759-6A51-4108-AA02-DFA0A04FC94B}">
-                <ma14:wrappingTextBoxFlag xmlns:m="http://schemas.openxmlformats.org/officeDocument/2006/math" xmlns:a14="http://schemas.microsoft.com/office/drawing/2010/main" xmlns:ma14="http://schemas.microsoft.com/office/mac/drawingml/2011/main" xmlns="" val="1"/>
+                <ma14:wrappingTextBoxFlag xmlns="" xmlns:ma14="http://schemas.microsoft.com/office/mac/drawingml/2011/main" xmlns:a14="http://schemas.microsoft.com/office/drawing/2010/main" xmlns:m="http://schemas.openxmlformats.org/officeDocument/2006/math" val="1"/>
               </a:ext>
             </a:extLst>
           </p:spPr>
@@ -20959,7 +20959,7 @@
             </a:ln>
             <a:extLst>
               <a:ext uri="{C572A759-6A51-4108-AA02-DFA0A04FC94B}">
-                <ma14:wrappingTextBoxFlag xmlns:m="http://schemas.openxmlformats.org/officeDocument/2006/math" xmlns:a14="http://schemas.microsoft.com/office/drawing/2010/main" xmlns:ma14="http://schemas.microsoft.com/office/mac/drawingml/2011/main" xmlns="" val="1"/>
+                <ma14:wrappingTextBoxFlag xmlns="" xmlns:ma14="http://schemas.microsoft.com/office/mac/drawingml/2011/main" xmlns:a14="http://schemas.microsoft.com/office/drawing/2010/main" xmlns:m="http://schemas.openxmlformats.org/officeDocument/2006/math" val="1"/>
               </a:ext>
             </a:extLst>
           </p:spPr>
@@ -21012,7 +21012,7 @@
             </a:ln>
             <a:extLst>
               <a:ext uri="{C572A759-6A51-4108-AA02-DFA0A04FC94B}">
-                <ma14:wrappingTextBoxFlag xmlns:m="http://schemas.openxmlformats.org/officeDocument/2006/math" xmlns:a14="http://schemas.microsoft.com/office/drawing/2010/main" xmlns:ma14="http://schemas.microsoft.com/office/mac/drawingml/2011/main" xmlns="" val="1"/>
+                <ma14:wrappingTextBoxFlag xmlns="" xmlns:ma14="http://schemas.microsoft.com/office/mac/drawingml/2011/main" xmlns:a14="http://schemas.microsoft.com/office/drawing/2010/main" xmlns:m="http://schemas.openxmlformats.org/officeDocument/2006/math" val="1"/>
               </a:ext>
             </a:extLst>
           </p:spPr>
@@ -21065,7 +21065,7 @@
             </a:ln>
             <a:extLst>
               <a:ext uri="{C572A759-6A51-4108-AA02-DFA0A04FC94B}">
-                <ma14:wrappingTextBoxFlag xmlns:m="http://schemas.openxmlformats.org/officeDocument/2006/math" xmlns:a14="http://schemas.microsoft.com/office/drawing/2010/main" xmlns:ma14="http://schemas.microsoft.com/office/mac/drawingml/2011/main" xmlns="" val="1"/>
+                <ma14:wrappingTextBoxFlag xmlns="" xmlns:ma14="http://schemas.microsoft.com/office/mac/drawingml/2011/main" xmlns:a14="http://schemas.microsoft.com/office/drawing/2010/main" xmlns:m="http://schemas.openxmlformats.org/officeDocument/2006/math" val="1"/>
               </a:ext>
             </a:extLst>
           </p:spPr>
@@ -21118,7 +21118,7 @@
             </a:ln>
             <a:extLst>
               <a:ext uri="{C572A759-6A51-4108-AA02-DFA0A04FC94B}">
-                <ma14:wrappingTextBoxFlag xmlns:m="http://schemas.openxmlformats.org/officeDocument/2006/math" xmlns:a14="http://schemas.microsoft.com/office/drawing/2010/main" xmlns:ma14="http://schemas.microsoft.com/office/mac/drawingml/2011/main" xmlns="" val="1"/>
+                <ma14:wrappingTextBoxFlag xmlns="" xmlns:ma14="http://schemas.microsoft.com/office/mac/drawingml/2011/main" xmlns:a14="http://schemas.microsoft.com/office/drawing/2010/main" xmlns:m="http://schemas.openxmlformats.org/officeDocument/2006/math" val="1"/>
               </a:ext>
             </a:extLst>
           </p:spPr>
@@ -22295,7 +22295,7 @@
             </a:ln>
             <a:extLst>
               <a:ext uri="{C572A759-6A51-4108-AA02-DFA0A04FC94B}">
-                <ma14:wrappingTextBoxFlag xmlns:ma14="http://schemas.microsoft.com/office/mac/drawingml/2011/main" xmlns:a14="http://schemas.microsoft.com/office/drawing/2010/main" xmlns:m="http://schemas.openxmlformats.org/officeDocument/2006/math" xmlns="" val="1"/>
+                <ma14:wrappingTextBoxFlag xmlns="" xmlns:m="http://schemas.openxmlformats.org/officeDocument/2006/math" xmlns:a14="http://schemas.microsoft.com/office/drawing/2010/main" xmlns:ma14="http://schemas.microsoft.com/office/mac/drawingml/2011/main" val="1"/>
               </a:ext>
             </a:extLst>
           </p:spPr>
@@ -22343,7 +22343,7 @@
             </a:ln>
             <a:extLst>
               <a:ext uri="{C572A759-6A51-4108-AA02-DFA0A04FC94B}">
-                <ma14:wrappingTextBoxFlag xmlns:ma14="http://schemas.microsoft.com/office/mac/drawingml/2011/main" xmlns:a14="http://schemas.microsoft.com/office/drawing/2010/main" xmlns:m="http://schemas.openxmlformats.org/officeDocument/2006/math" xmlns="" val="1"/>
+                <ma14:wrappingTextBoxFlag xmlns="" xmlns:m="http://schemas.openxmlformats.org/officeDocument/2006/math" xmlns:a14="http://schemas.microsoft.com/office/drawing/2010/main" xmlns:ma14="http://schemas.microsoft.com/office/mac/drawingml/2011/main" val="1"/>
               </a:ext>
             </a:extLst>
           </p:spPr>
@@ -22391,7 +22391,7 @@
             </a:ln>
             <a:extLst>
               <a:ext uri="{C572A759-6A51-4108-AA02-DFA0A04FC94B}">
-                <ma14:wrappingTextBoxFlag xmlns:ma14="http://schemas.microsoft.com/office/mac/drawingml/2011/main" xmlns:a14="http://schemas.microsoft.com/office/drawing/2010/main" xmlns:m="http://schemas.openxmlformats.org/officeDocument/2006/math" xmlns="" val="1"/>
+                <ma14:wrappingTextBoxFlag xmlns="" xmlns:m="http://schemas.openxmlformats.org/officeDocument/2006/math" xmlns:a14="http://schemas.microsoft.com/office/drawing/2010/main" xmlns:ma14="http://schemas.microsoft.com/office/mac/drawingml/2011/main" val="1"/>
               </a:ext>
             </a:extLst>
           </p:spPr>
@@ -22443,7 +22443,7 @@
             </a:ln>
             <a:extLst>
               <a:ext uri="{C572A759-6A51-4108-AA02-DFA0A04FC94B}">
-                <ma14:wrappingTextBoxFlag xmlns:ma14="http://schemas.microsoft.com/office/mac/drawingml/2011/main" xmlns:a14="http://schemas.microsoft.com/office/drawing/2010/main" xmlns:m="http://schemas.openxmlformats.org/officeDocument/2006/math" xmlns="" val="1"/>
+                <ma14:wrappingTextBoxFlag xmlns="" xmlns:m="http://schemas.openxmlformats.org/officeDocument/2006/math" xmlns:a14="http://schemas.microsoft.com/office/drawing/2010/main" xmlns:ma14="http://schemas.microsoft.com/office/mac/drawingml/2011/main" val="1"/>
               </a:ext>
             </a:extLst>
           </p:spPr>
@@ -22491,7 +22491,7 @@
             </a:ln>
             <a:extLst>
               <a:ext uri="{C572A759-6A51-4108-AA02-DFA0A04FC94B}">
-                <ma14:wrappingTextBoxFlag xmlns:ma14="http://schemas.microsoft.com/office/mac/drawingml/2011/main" xmlns:a14="http://schemas.microsoft.com/office/drawing/2010/main" xmlns:m="http://schemas.openxmlformats.org/officeDocument/2006/math" xmlns="" val="1"/>
+                <ma14:wrappingTextBoxFlag xmlns="" xmlns:m="http://schemas.openxmlformats.org/officeDocument/2006/math" xmlns:a14="http://schemas.microsoft.com/office/drawing/2010/main" xmlns:ma14="http://schemas.microsoft.com/office/mac/drawingml/2011/main" val="1"/>
               </a:ext>
             </a:extLst>
           </p:spPr>
@@ -22539,7 +22539,7 @@
             </a:ln>
             <a:extLst>
               <a:ext uri="{C572A759-6A51-4108-AA02-DFA0A04FC94B}">
-                <ma14:wrappingTextBoxFlag xmlns:ma14="http://schemas.microsoft.com/office/mac/drawingml/2011/main" xmlns:a14="http://schemas.microsoft.com/office/drawing/2010/main" xmlns:m="http://schemas.openxmlformats.org/officeDocument/2006/math" xmlns="" val="1"/>
+                <ma14:wrappingTextBoxFlag xmlns="" xmlns:m="http://schemas.openxmlformats.org/officeDocument/2006/math" xmlns:a14="http://schemas.microsoft.com/office/drawing/2010/main" xmlns:ma14="http://schemas.microsoft.com/office/mac/drawingml/2011/main" val="1"/>
               </a:ext>
             </a:extLst>
           </p:spPr>
@@ -22596,7 +22596,7 @@
             </a:ln>
             <a:extLst>
               <a:ext uri="{C572A759-6A51-4108-AA02-DFA0A04FC94B}">
-                <ma14:wrappingTextBoxFlag xmlns:ma14="http://schemas.microsoft.com/office/mac/drawingml/2011/main" xmlns:a14="http://schemas.microsoft.com/office/drawing/2010/main" xmlns:m="http://schemas.openxmlformats.org/officeDocument/2006/math" xmlns="" val="1"/>
+                <ma14:wrappingTextBoxFlag xmlns="" xmlns:m="http://schemas.openxmlformats.org/officeDocument/2006/math" xmlns:a14="http://schemas.microsoft.com/office/drawing/2010/main" xmlns:ma14="http://schemas.microsoft.com/office/mac/drawingml/2011/main" val="1"/>
               </a:ext>
             </a:extLst>
           </p:spPr>
@@ -22654,7 +22654,7 @@
             </a:ln>
             <a:extLst>
               <a:ext uri="{C572A759-6A51-4108-AA02-DFA0A04FC94B}">
-                <ma14:wrappingTextBoxFlag xmlns:ma14="http://schemas.microsoft.com/office/mac/drawingml/2011/main" xmlns:a14="http://schemas.microsoft.com/office/drawing/2010/main" xmlns:m="http://schemas.openxmlformats.org/officeDocument/2006/math" xmlns="" val="1"/>
+                <ma14:wrappingTextBoxFlag xmlns="" xmlns:m="http://schemas.openxmlformats.org/officeDocument/2006/math" xmlns:a14="http://schemas.microsoft.com/office/drawing/2010/main" xmlns:ma14="http://schemas.microsoft.com/office/mac/drawingml/2011/main" val="1"/>
               </a:ext>
             </a:extLst>
           </p:spPr>
@@ -22702,7 +22702,7 @@
             </a:ln>
             <a:extLst>
               <a:ext uri="{C572A759-6A51-4108-AA02-DFA0A04FC94B}">
-                <ma14:wrappingTextBoxFlag xmlns:ma14="http://schemas.microsoft.com/office/mac/drawingml/2011/main" xmlns:a14="http://schemas.microsoft.com/office/drawing/2010/main" xmlns:m="http://schemas.openxmlformats.org/officeDocument/2006/math" xmlns="" val="1"/>
+                <ma14:wrappingTextBoxFlag xmlns="" xmlns:m="http://schemas.openxmlformats.org/officeDocument/2006/math" xmlns:a14="http://schemas.microsoft.com/office/drawing/2010/main" xmlns:ma14="http://schemas.microsoft.com/office/mac/drawingml/2011/main" val="1"/>
               </a:ext>
             </a:extLst>
           </p:spPr>
@@ -22750,7 +22750,7 @@
             </a:ln>
             <a:extLst>
               <a:ext uri="{C572A759-6A51-4108-AA02-DFA0A04FC94B}">
-                <ma14:wrappingTextBoxFlag xmlns:ma14="http://schemas.microsoft.com/office/mac/drawingml/2011/main" xmlns:a14="http://schemas.microsoft.com/office/drawing/2010/main" xmlns:m="http://schemas.openxmlformats.org/officeDocument/2006/math" xmlns="" val="1"/>
+                <ma14:wrappingTextBoxFlag xmlns="" xmlns:m="http://schemas.openxmlformats.org/officeDocument/2006/math" xmlns:a14="http://schemas.microsoft.com/office/drawing/2010/main" xmlns:ma14="http://schemas.microsoft.com/office/mac/drawingml/2011/main" val="1"/>
               </a:ext>
             </a:extLst>
           </p:spPr>
@@ -22798,7 +22798,7 @@
             </a:ln>
             <a:extLst>
               <a:ext uri="{C572A759-6A51-4108-AA02-DFA0A04FC94B}">
-                <ma14:wrappingTextBoxFlag xmlns:ma14="http://schemas.microsoft.com/office/mac/drawingml/2011/main" xmlns:a14="http://schemas.microsoft.com/office/drawing/2010/main" xmlns:m="http://schemas.openxmlformats.org/officeDocument/2006/math" xmlns="" val="1"/>
+                <ma14:wrappingTextBoxFlag xmlns="" xmlns:m="http://schemas.openxmlformats.org/officeDocument/2006/math" xmlns:a14="http://schemas.microsoft.com/office/drawing/2010/main" xmlns:ma14="http://schemas.microsoft.com/office/mac/drawingml/2011/main" val="1"/>
               </a:ext>
             </a:extLst>
           </p:spPr>
@@ -22856,7 +22856,7 @@
             </a:ln>
             <a:extLst>
               <a:ext uri="{C572A759-6A51-4108-AA02-DFA0A04FC94B}">
-                <ma14:wrappingTextBoxFlag xmlns:ma14="http://schemas.microsoft.com/office/mac/drawingml/2011/main" xmlns:a14="http://schemas.microsoft.com/office/drawing/2010/main" xmlns:m="http://schemas.openxmlformats.org/officeDocument/2006/math" xmlns="" val="1"/>
+                <ma14:wrappingTextBoxFlag xmlns="" xmlns:m="http://schemas.openxmlformats.org/officeDocument/2006/math" xmlns:a14="http://schemas.microsoft.com/office/drawing/2010/main" xmlns:ma14="http://schemas.microsoft.com/office/mac/drawingml/2011/main" val="1"/>
               </a:ext>
             </a:extLst>
           </p:spPr>
@@ -22913,7 +22913,7 @@
             </a:ln>
             <a:extLst>
               <a:ext uri="{C572A759-6A51-4108-AA02-DFA0A04FC94B}">
-                <ma14:wrappingTextBoxFlag xmlns:ma14="http://schemas.microsoft.com/office/mac/drawingml/2011/main" xmlns:a14="http://schemas.microsoft.com/office/drawing/2010/main" xmlns:m="http://schemas.openxmlformats.org/officeDocument/2006/math" xmlns="" val="1"/>
+                <ma14:wrappingTextBoxFlag xmlns="" xmlns:m="http://schemas.openxmlformats.org/officeDocument/2006/math" xmlns:a14="http://schemas.microsoft.com/office/drawing/2010/main" xmlns:ma14="http://schemas.microsoft.com/office/mac/drawingml/2011/main" val="1"/>
               </a:ext>
             </a:extLst>
           </p:spPr>
@@ -22961,7 +22961,7 @@
             </a:ln>
             <a:extLst>
               <a:ext uri="{C572A759-6A51-4108-AA02-DFA0A04FC94B}">
-                <ma14:wrappingTextBoxFlag xmlns:ma14="http://schemas.microsoft.com/office/mac/drawingml/2011/main" xmlns:a14="http://schemas.microsoft.com/office/drawing/2010/main" xmlns:m="http://schemas.openxmlformats.org/officeDocument/2006/math" xmlns="" val="1"/>
+                <ma14:wrappingTextBoxFlag xmlns="" xmlns:m="http://schemas.openxmlformats.org/officeDocument/2006/math" xmlns:a14="http://schemas.microsoft.com/office/drawing/2010/main" xmlns:ma14="http://schemas.microsoft.com/office/mac/drawingml/2011/main" val="1"/>
               </a:ext>
             </a:extLst>
           </p:spPr>
@@ -23013,7 +23013,7 @@
             </a:ln>
             <a:extLst>
               <a:ext uri="{C572A759-6A51-4108-AA02-DFA0A04FC94B}">
-                <ma14:wrappingTextBoxFlag xmlns:ma14="http://schemas.microsoft.com/office/mac/drawingml/2011/main" xmlns:a14="http://schemas.microsoft.com/office/drawing/2010/main" xmlns:m="http://schemas.openxmlformats.org/officeDocument/2006/math" xmlns="" val="1"/>
+                <ma14:wrappingTextBoxFlag xmlns="" xmlns:m="http://schemas.openxmlformats.org/officeDocument/2006/math" xmlns:a14="http://schemas.microsoft.com/office/drawing/2010/main" xmlns:ma14="http://schemas.microsoft.com/office/mac/drawingml/2011/main" val="1"/>
               </a:ext>
             </a:extLst>
           </p:spPr>
@@ -23071,7 +23071,7 @@
             </a:ln>
             <a:extLst>
               <a:ext uri="{C572A759-6A51-4108-AA02-DFA0A04FC94B}">
-                <ma14:wrappingTextBoxFlag xmlns:ma14="http://schemas.microsoft.com/office/mac/drawingml/2011/main" xmlns:a14="http://schemas.microsoft.com/office/drawing/2010/main" xmlns:m="http://schemas.openxmlformats.org/officeDocument/2006/math" xmlns="" val="1"/>
+                <ma14:wrappingTextBoxFlag xmlns="" xmlns:m="http://schemas.openxmlformats.org/officeDocument/2006/math" xmlns:a14="http://schemas.microsoft.com/office/drawing/2010/main" xmlns:ma14="http://schemas.microsoft.com/office/mac/drawingml/2011/main" val="1"/>
               </a:ext>
             </a:extLst>
           </p:spPr>
@@ -23119,7 +23119,7 @@
             </a:ln>
             <a:extLst>
               <a:ext uri="{C572A759-6A51-4108-AA02-DFA0A04FC94B}">
-                <ma14:wrappingTextBoxFlag xmlns:ma14="http://schemas.microsoft.com/office/mac/drawingml/2011/main" xmlns:a14="http://schemas.microsoft.com/office/drawing/2010/main" xmlns:m="http://schemas.openxmlformats.org/officeDocument/2006/math" xmlns="" val="1"/>
+                <ma14:wrappingTextBoxFlag xmlns="" xmlns:m="http://schemas.openxmlformats.org/officeDocument/2006/math" xmlns:a14="http://schemas.microsoft.com/office/drawing/2010/main" xmlns:ma14="http://schemas.microsoft.com/office/mac/drawingml/2011/main" val="1"/>
               </a:ext>
             </a:extLst>
           </p:spPr>
@@ -23172,7 +23172,7 @@
             </a:ln>
             <a:extLst>
               <a:ext uri="{C572A759-6A51-4108-AA02-DFA0A04FC94B}">
-                <ma14:wrappingTextBoxFlag xmlns:ma14="http://schemas.microsoft.com/office/mac/drawingml/2011/main" xmlns:a14="http://schemas.microsoft.com/office/drawing/2010/main" xmlns:m="http://schemas.openxmlformats.org/officeDocument/2006/math" xmlns="" val="1"/>
+                <ma14:wrappingTextBoxFlag xmlns="" xmlns:m="http://schemas.openxmlformats.org/officeDocument/2006/math" xmlns:a14="http://schemas.microsoft.com/office/drawing/2010/main" xmlns:ma14="http://schemas.microsoft.com/office/mac/drawingml/2011/main" val="1"/>
               </a:ext>
             </a:extLst>
           </p:spPr>
@@ -23220,7 +23220,7 @@
             </a:ln>
             <a:extLst>
               <a:ext uri="{C572A759-6A51-4108-AA02-DFA0A04FC94B}">
-                <ma14:wrappingTextBoxFlag xmlns:ma14="http://schemas.microsoft.com/office/mac/drawingml/2011/main" xmlns:a14="http://schemas.microsoft.com/office/drawing/2010/main" xmlns:m="http://schemas.openxmlformats.org/officeDocument/2006/math" xmlns="" val="1"/>
+                <ma14:wrappingTextBoxFlag xmlns="" xmlns:m="http://schemas.openxmlformats.org/officeDocument/2006/math" xmlns:a14="http://schemas.microsoft.com/office/drawing/2010/main" xmlns:ma14="http://schemas.microsoft.com/office/mac/drawingml/2011/main" val="1"/>
               </a:ext>
             </a:extLst>
           </p:spPr>
@@ -23272,7 +23272,7 @@
             </a:ln>
             <a:extLst>
               <a:ext uri="{C572A759-6A51-4108-AA02-DFA0A04FC94B}">
-                <ma14:wrappingTextBoxFlag xmlns:ma14="http://schemas.microsoft.com/office/mac/drawingml/2011/main" xmlns:a14="http://schemas.microsoft.com/office/drawing/2010/main" xmlns:m="http://schemas.openxmlformats.org/officeDocument/2006/math" xmlns="" val="1"/>
+                <ma14:wrappingTextBoxFlag xmlns="" xmlns:m="http://schemas.openxmlformats.org/officeDocument/2006/math" xmlns:a14="http://schemas.microsoft.com/office/drawing/2010/main" xmlns:ma14="http://schemas.microsoft.com/office/mac/drawingml/2011/main" val="1"/>
               </a:ext>
             </a:extLst>
           </p:spPr>
@@ -23320,7 +23320,7 @@
             </a:ln>
             <a:extLst>
               <a:ext uri="{C572A759-6A51-4108-AA02-DFA0A04FC94B}">
-                <ma14:wrappingTextBoxFlag xmlns:ma14="http://schemas.microsoft.com/office/mac/drawingml/2011/main" xmlns:a14="http://schemas.microsoft.com/office/drawing/2010/main" xmlns:m="http://schemas.openxmlformats.org/officeDocument/2006/math" xmlns="" val="1"/>
+                <ma14:wrappingTextBoxFlag xmlns="" xmlns:m="http://schemas.openxmlformats.org/officeDocument/2006/math" xmlns:a14="http://schemas.microsoft.com/office/drawing/2010/main" xmlns:ma14="http://schemas.microsoft.com/office/mac/drawingml/2011/main" val="1"/>
               </a:ext>
             </a:extLst>
           </p:spPr>
@@ -23374,7 +23374,7 @@
             </a:ln>
             <a:extLst>
               <a:ext uri="{C572A759-6A51-4108-AA02-DFA0A04FC94B}">
-                <ma14:wrappingTextBoxFlag xmlns:ma14="http://schemas.microsoft.com/office/mac/drawingml/2011/main" xmlns:a14="http://schemas.microsoft.com/office/drawing/2010/main" xmlns:m="http://schemas.openxmlformats.org/officeDocument/2006/math" xmlns="" val="1"/>
+                <ma14:wrappingTextBoxFlag xmlns="" xmlns:m="http://schemas.openxmlformats.org/officeDocument/2006/math" xmlns:a14="http://schemas.microsoft.com/office/drawing/2010/main" xmlns:ma14="http://schemas.microsoft.com/office/mac/drawingml/2011/main" val="1"/>
               </a:ext>
             </a:extLst>
           </p:spPr>
@@ -23431,7 +23431,7 @@
             </a:ln>
             <a:extLst>
               <a:ext uri="{C572A759-6A51-4108-AA02-DFA0A04FC94B}">
-                <ma14:wrappingTextBoxFlag xmlns:ma14="http://schemas.microsoft.com/office/mac/drawingml/2011/main" xmlns:a14="http://schemas.microsoft.com/office/drawing/2010/main" xmlns:m="http://schemas.openxmlformats.org/officeDocument/2006/math" xmlns="" val="1"/>
+                <ma14:wrappingTextBoxFlag xmlns="" xmlns:m="http://schemas.openxmlformats.org/officeDocument/2006/math" xmlns:a14="http://schemas.microsoft.com/office/drawing/2010/main" xmlns:ma14="http://schemas.microsoft.com/office/mac/drawingml/2011/main" val="1"/>
               </a:ext>
             </a:extLst>
           </p:spPr>
@@ -23489,7 +23489,7 @@
             </a:ln>
             <a:extLst>
               <a:ext uri="{C572A759-6A51-4108-AA02-DFA0A04FC94B}">
-                <ma14:wrappingTextBoxFlag xmlns:ma14="http://schemas.microsoft.com/office/mac/drawingml/2011/main" xmlns:a14="http://schemas.microsoft.com/office/drawing/2010/main" xmlns:m="http://schemas.openxmlformats.org/officeDocument/2006/math" xmlns="" val="1"/>
+                <ma14:wrappingTextBoxFlag xmlns="" xmlns:m="http://schemas.openxmlformats.org/officeDocument/2006/math" xmlns:a14="http://schemas.microsoft.com/office/drawing/2010/main" xmlns:ma14="http://schemas.microsoft.com/office/mac/drawingml/2011/main" val="1"/>
               </a:ext>
             </a:extLst>
           </p:spPr>
@@ -23570,7 +23570,7 @@
             </a:ln>
             <a:extLst>
               <a:ext uri="{C572A759-6A51-4108-AA02-DFA0A04FC94B}">
-                <ma14:wrappingTextBoxFlag xmlns:ma14="http://schemas.microsoft.com/office/mac/drawingml/2011/main" xmlns:a14="http://schemas.microsoft.com/office/drawing/2010/main" xmlns:m="http://schemas.openxmlformats.org/officeDocument/2006/math" xmlns="" val="1"/>
+                <ma14:wrappingTextBoxFlag xmlns="" xmlns:m="http://schemas.openxmlformats.org/officeDocument/2006/math" xmlns:a14="http://schemas.microsoft.com/office/drawing/2010/main" xmlns:ma14="http://schemas.microsoft.com/office/mac/drawingml/2011/main" val="1"/>
               </a:ext>
             </a:extLst>
           </p:spPr>
@@ -23628,7 +23628,7 @@
             </a:ln>
             <a:extLst>
               <a:ext uri="{C572A759-6A51-4108-AA02-DFA0A04FC94B}">
-                <ma14:wrappingTextBoxFlag xmlns:ma14="http://schemas.microsoft.com/office/mac/drawingml/2011/main" xmlns:a14="http://schemas.microsoft.com/office/drawing/2010/main" xmlns:m="http://schemas.openxmlformats.org/officeDocument/2006/math" xmlns="" val="1"/>
+                <ma14:wrappingTextBoxFlag xmlns="" xmlns:m="http://schemas.openxmlformats.org/officeDocument/2006/math" xmlns:a14="http://schemas.microsoft.com/office/drawing/2010/main" xmlns:ma14="http://schemas.microsoft.com/office/mac/drawingml/2011/main" val="1"/>
               </a:ext>
             </a:extLst>
           </p:spPr>
@@ -23686,7 +23686,7 @@
             </a:ln>
             <a:extLst>
               <a:ext uri="{C572A759-6A51-4108-AA02-DFA0A04FC94B}">
-                <ma14:wrappingTextBoxFlag xmlns:ma14="http://schemas.microsoft.com/office/mac/drawingml/2011/main" xmlns:a14="http://schemas.microsoft.com/office/drawing/2010/main" xmlns:m="http://schemas.openxmlformats.org/officeDocument/2006/math" xmlns="" val="1"/>
+                <ma14:wrappingTextBoxFlag xmlns="" xmlns:m="http://schemas.openxmlformats.org/officeDocument/2006/math" xmlns:a14="http://schemas.microsoft.com/office/drawing/2010/main" xmlns:ma14="http://schemas.microsoft.com/office/mac/drawingml/2011/main" val="1"/>
               </a:ext>
             </a:extLst>
           </p:spPr>
@@ -23744,7 +23744,7 @@
             </a:ln>
             <a:extLst>
               <a:ext uri="{C572A759-6A51-4108-AA02-DFA0A04FC94B}">
-                <ma14:wrappingTextBoxFlag xmlns:ma14="http://schemas.microsoft.com/office/mac/drawingml/2011/main" xmlns:a14="http://schemas.microsoft.com/office/drawing/2010/main" xmlns:m="http://schemas.openxmlformats.org/officeDocument/2006/math" xmlns="" val="1"/>
+                <ma14:wrappingTextBoxFlag xmlns="" xmlns:m="http://schemas.openxmlformats.org/officeDocument/2006/math" xmlns:a14="http://schemas.microsoft.com/office/drawing/2010/main" xmlns:ma14="http://schemas.microsoft.com/office/mac/drawingml/2011/main" val="1"/>
               </a:ext>
             </a:extLst>
           </p:spPr>
@@ -23792,7 +23792,7 @@
             </a:ln>
             <a:extLst>
               <a:ext uri="{C572A759-6A51-4108-AA02-DFA0A04FC94B}">
-                <ma14:wrappingTextBoxFlag xmlns:ma14="http://schemas.microsoft.com/office/mac/drawingml/2011/main" xmlns:a14="http://schemas.microsoft.com/office/drawing/2010/main" xmlns:m="http://schemas.openxmlformats.org/officeDocument/2006/math" xmlns="" val="1"/>
+                <ma14:wrappingTextBoxFlag xmlns="" xmlns:m="http://schemas.openxmlformats.org/officeDocument/2006/math" xmlns:a14="http://schemas.microsoft.com/office/drawing/2010/main" xmlns:ma14="http://schemas.microsoft.com/office/mac/drawingml/2011/main" val="1"/>
               </a:ext>
             </a:extLst>
           </p:spPr>
@@ -23840,7 +23840,7 @@
             </a:ln>
             <a:extLst>
               <a:ext uri="{C572A759-6A51-4108-AA02-DFA0A04FC94B}">
-                <ma14:wrappingTextBoxFlag xmlns:ma14="http://schemas.microsoft.com/office/mac/drawingml/2011/main" xmlns:a14="http://schemas.microsoft.com/office/drawing/2010/main" xmlns:m="http://schemas.openxmlformats.org/officeDocument/2006/math" xmlns="" val="1"/>
+                <ma14:wrappingTextBoxFlag xmlns="" xmlns:m="http://schemas.openxmlformats.org/officeDocument/2006/math" xmlns:a14="http://schemas.microsoft.com/office/drawing/2010/main" xmlns:ma14="http://schemas.microsoft.com/office/mac/drawingml/2011/main" val="1"/>
               </a:ext>
             </a:extLst>
           </p:spPr>
@@ -23894,7 +23894,7 @@
             </a:ln>
             <a:extLst>
               <a:ext uri="{C572A759-6A51-4108-AA02-DFA0A04FC94B}">
-                <ma14:wrappingTextBoxFlag xmlns:ma14="http://schemas.microsoft.com/office/mac/drawingml/2011/main" xmlns:a14="http://schemas.microsoft.com/office/drawing/2010/main" xmlns:m="http://schemas.openxmlformats.org/officeDocument/2006/math" xmlns="" val="1"/>
+                <ma14:wrappingTextBoxFlag xmlns="" xmlns:m="http://schemas.openxmlformats.org/officeDocument/2006/math" xmlns:a14="http://schemas.microsoft.com/office/drawing/2010/main" xmlns:ma14="http://schemas.microsoft.com/office/mac/drawingml/2011/main" val="1"/>
               </a:ext>
             </a:extLst>
           </p:spPr>
@@ -23948,7 +23948,7 @@
             </a:ln>
             <a:extLst>
               <a:ext uri="{C572A759-6A51-4108-AA02-DFA0A04FC94B}">
-                <ma14:wrappingTextBoxFlag xmlns:ma14="http://schemas.microsoft.com/office/mac/drawingml/2011/main" xmlns:a14="http://schemas.microsoft.com/office/drawing/2010/main" xmlns:m="http://schemas.openxmlformats.org/officeDocument/2006/math" xmlns="" val="1"/>
+                <ma14:wrappingTextBoxFlag xmlns="" xmlns:m="http://schemas.openxmlformats.org/officeDocument/2006/math" xmlns:a14="http://schemas.microsoft.com/office/drawing/2010/main" xmlns:ma14="http://schemas.microsoft.com/office/mac/drawingml/2011/main" val="1"/>
               </a:ext>
             </a:extLst>
           </p:spPr>
@@ -24001,7 +24001,7 @@
             </a:ln>
             <a:extLst>
               <a:ext uri="{C572A759-6A51-4108-AA02-DFA0A04FC94B}">
-                <ma14:wrappingTextBoxFlag xmlns:ma14="http://schemas.microsoft.com/office/mac/drawingml/2011/main" xmlns:a14="http://schemas.microsoft.com/office/drawing/2010/main" xmlns:m="http://schemas.openxmlformats.org/officeDocument/2006/math" xmlns="" val="1"/>
+                <ma14:wrappingTextBoxFlag xmlns="" xmlns:m="http://schemas.openxmlformats.org/officeDocument/2006/math" xmlns:a14="http://schemas.microsoft.com/office/drawing/2010/main" xmlns:ma14="http://schemas.microsoft.com/office/mac/drawingml/2011/main" val="1"/>
               </a:ext>
             </a:extLst>
           </p:spPr>
@@ -24054,7 +24054,7 @@
             </a:ln>
             <a:extLst>
               <a:ext uri="{C572A759-6A51-4108-AA02-DFA0A04FC94B}">
-                <ma14:wrappingTextBoxFlag xmlns:ma14="http://schemas.microsoft.com/office/mac/drawingml/2011/main" xmlns:a14="http://schemas.microsoft.com/office/drawing/2010/main" xmlns:m="http://schemas.openxmlformats.org/officeDocument/2006/math" xmlns="" val="1"/>
+                <ma14:wrappingTextBoxFlag xmlns="" xmlns:m="http://schemas.openxmlformats.org/officeDocument/2006/math" xmlns:a14="http://schemas.microsoft.com/office/drawing/2010/main" xmlns:ma14="http://schemas.microsoft.com/office/mac/drawingml/2011/main" val="1"/>
               </a:ext>
             </a:extLst>
           </p:spPr>
@@ -24107,7 +24107,7 @@
             </a:ln>
             <a:extLst>
               <a:ext uri="{C572A759-6A51-4108-AA02-DFA0A04FC94B}">
-                <ma14:wrappingTextBoxFlag xmlns:ma14="http://schemas.microsoft.com/office/mac/drawingml/2011/main" xmlns:a14="http://schemas.microsoft.com/office/drawing/2010/main" xmlns:m="http://schemas.openxmlformats.org/officeDocument/2006/math" xmlns="" val="1"/>
+                <ma14:wrappingTextBoxFlag xmlns="" xmlns:m="http://schemas.openxmlformats.org/officeDocument/2006/math" xmlns:a14="http://schemas.microsoft.com/office/drawing/2010/main" xmlns:ma14="http://schemas.microsoft.com/office/mac/drawingml/2011/main" val="1"/>
               </a:ext>
             </a:extLst>
           </p:spPr>
@@ -24284,7 +24284,7 @@
             </a:ln>
             <a:extLst>
               <a:ext uri="{C572A759-6A51-4108-AA02-DFA0A04FC94B}">
-                <ma14:wrappingTextBoxFlag xmlns:ma14="http://schemas.microsoft.com/office/mac/drawingml/2011/main" xmlns:a14="http://schemas.microsoft.com/office/drawing/2010/main" xmlns:m="http://schemas.openxmlformats.org/officeDocument/2006/math" xmlns="" val="1"/>
+                <ma14:wrappingTextBoxFlag xmlns="" xmlns:m="http://schemas.openxmlformats.org/officeDocument/2006/math" xmlns:a14="http://schemas.microsoft.com/office/drawing/2010/main" xmlns:ma14="http://schemas.microsoft.com/office/mac/drawingml/2011/main" val="1"/>
               </a:ext>
             </a:extLst>
           </p:spPr>
@@ -24332,7 +24332,7 @@
             </a:ln>
             <a:extLst>
               <a:ext uri="{C572A759-6A51-4108-AA02-DFA0A04FC94B}">
-                <ma14:wrappingTextBoxFlag xmlns:ma14="http://schemas.microsoft.com/office/mac/drawingml/2011/main" xmlns:a14="http://schemas.microsoft.com/office/drawing/2010/main" xmlns:m="http://schemas.openxmlformats.org/officeDocument/2006/math" xmlns="" val="1"/>
+                <ma14:wrappingTextBoxFlag xmlns="" xmlns:m="http://schemas.openxmlformats.org/officeDocument/2006/math" xmlns:a14="http://schemas.microsoft.com/office/drawing/2010/main" xmlns:ma14="http://schemas.microsoft.com/office/mac/drawingml/2011/main" val="1"/>
               </a:ext>
             </a:extLst>
           </p:spPr>
@@ -24380,7 +24380,7 @@
             </a:ln>
             <a:extLst>
               <a:ext uri="{C572A759-6A51-4108-AA02-DFA0A04FC94B}">
-                <ma14:wrappingTextBoxFlag xmlns:ma14="http://schemas.microsoft.com/office/mac/drawingml/2011/main" xmlns:a14="http://schemas.microsoft.com/office/drawing/2010/main" xmlns:m="http://schemas.openxmlformats.org/officeDocument/2006/math" xmlns="" val="1"/>
+                <ma14:wrappingTextBoxFlag xmlns="" xmlns:m="http://schemas.openxmlformats.org/officeDocument/2006/math" xmlns:a14="http://schemas.microsoft.com/office/drawing/2010/main" xmlns:ma14="http://schemas.microsoft.com/office/mac/drawingml/2011/main" val="1"/>
               </a:ext>
             </a:extLst>
           </p:spPr>
@@ -24432,7 +24432,7 @@
             </a:ln>
             <a:extLst>
               <a:ext uri="{C572A759-6A51-4108-AA02-DFA0A04FC94B}">
-                <ma14:wrappingTextBoxFlag xmlns:ma14="http://schemas.microsoft.com/office/mac/drawingml/2011/main" xmlns:a14="http://schemas.microsoft.com/office/drawing/2010/main" xmlns:m="http://schemas.openxmlformats.org/officeDocument/2006/math" xmlns="" val="1"/>
+                <ma14:wrappingTextBoxFlag xmlns="" xmlns:m="http://schemas.openxmlformats.org/officeDocument/2006/math" xmlns:a14="http://schemas.microsoft.com/office/drawing/2010/main" xmlns:ma14="http://schemas.microsoft.com/office/mac/drawingml/2011/main" val="1"/>
               </a:ext>
             </a:extLst>
           </p:spPr>
@@ -24480,7 +24480,7 @@
             </a:ln>
             <a:extLst>
               <a:ext uri="{C572A759-6A51-4108-AA02-DFA0A04FC94B}">
-                <ma14:wrappingTextBoxFlag xmlns:ma14="http://schemas.microsoft.com/office/mac/drawingml/2011/main" xmlns:a14="http://schemas.microsoft.com/office/drawing/2010/main" xmlns:m="http://schemas.openxmlformats.org/officeDocument/2006/math" xmlns="" val="1"/>
+                <ma14:wrappingTextBoxFlag xmlns="" xmlns:m="http://schemas.openxmlformats.org/officeDocument/2006/math" xmlns:a14="http://schemas.microsoft.com/office/drawing/2010/main" xmlns:ma14="http://schemas.microsoft.com/office/mac/drawingml/2011/main" val="1"/>
               </a:ext>
             </a:extLst>
           </p:spPr>
@@ -24528,7 +24528,7 @@
             </a:ln>
             <a:extLst>
               <a:ext uri="{C572A759-6A51-4108-AA02-DFA0A04FC94B}">
-                <ma14:wrappingTextBoxFlag xmlns:ma14="http://schemas.microsoft.com/office/mac/drawingml/2011/main" xmlns:a14="http://schemas.microsoft.com/office/drawing/2010/main" xmlns:m="http://schemas.openxmlformats.org/officeDocument/2006/math" xmlns="" val="1"/>
+                <ma14:wrappingTextBoxFlag xmlns="" xmlns:m="http://schemas.openxmlformats.org/officeDocument/2006/math" xmlns:a14="http://schemas.microsoft.com/office/drawing/2010/main" xmlns:ma14="http://schemas.microsoft.com/office/mac/drawingml/2011/main" val="1"/>
               </a:ext>
             </a:extLst>
           </p:spPr>
@@ -24585,7 +24585,7 @@
             </a:ln>
             <a:extLst>
               <a:ext uri="{C572A759-6A51-4108-AA02-DFA0A04FC94B}">
-                <ma14:wrappingTextBoxFlag xmlns:ma14="http://schemas.microsoft.com/office/mac/drawingml/2011/main" xmlns:a14="http://schemas.microsoft.com/office/drawing/2010/main" xmlns:m="http://schemas.openxmlformats.org/officeDocument/2006/math" xmlns="" val="1"/>
+                <ma14:wrappingTextBoxFlag xmlns="" xmlns:m="http://schemas.openxmlformats.org/officeDocument/2006/math" xmlns:a14="http://schemas.microsoft.com/office/drawing/2010/main" xmlns:ma14="http://schemas.microsoft.com/office/mac/drawingml/2011/main" val="1"/>
               </a:ext>
             </a:extLst>
           </p:spPr>
@@ -24643,7 +24643,7 @@
             </a:ln>
             <a:extLst>
               <a:ext uri="{C572A759-6A51-4108-AA02-DFA0A04FC94B}">
-                <ma14:wrappingTextBoxFlag xmlns:ma14="http://schemas.microsoft.com/office/mac/drawingml/2011/main" xmlns:a14="http://schemas.microsoft.com/office/drawing/2010/main" xmlns:m="http://schemas.openxmlformats.org/officeDocument/2006/math" xmlns="" val="1"/>
+                <ma14:wrappingTextBoxFlag xmlns="" xmlns:m="http://schemas.openxmlformats.org/officeDocument/2006/math" xmlns:a14="http://schemas.microsoft.com/office/drawing/2010/main" xmlns:ma14="http://schemas.microsoft.com/office/mac/drawingml/2011/main" val="1"/>
               </a:ext>
             </a:extLst>
           </p:spPr>
@@ -24691,7 +24691,7 @@
             </a:ln>
             <a:extLst>
               <a:ext uri="{C572A759-6A51-4108-AA02-DFA0A04FC94B}">
-                <ma14:wrappingTextBoxFlag xmlns:ma14="http://schemas.microsoft.com/office/mac/drawingml/2011/main" xmlns:a14="http://schemas.microsoft.com/office/drawing/2010/main" xmlns:m="http://schemas.openxmlformats.org/officeDocument/2006/math" xmlns="" val="1"/>
+                <ma14:wrappingTextBoxFlag xmlns="" xmlns:m="http://schemas.openxmlformats.org/officeDocument/2006/math" xmlns:a14="http://schemas.microsoft.com/office/drawing/2010/main" xmlns:ma14="http://schemas.microsoft.com/office/mac/drawingml/2011/main" val="1"/>
               </a:ext>
             </a:extLst>
           </p:spPr>
@@ -24739,7 +24739,7 @@
             </a:ln>
             <a:extLst>
               <a:ext uri="{C572A759-6A51-4108-AA02-DFA0A04FC94B}">
-                <ma14:wrappingTextBoxFlag xmlns:ma14="http://schemas.microsoft.com/office/mac/drawingml/2011/main" xmlns:a14="http://schemas.microsoft.com/office/drawing/2010/main" xmlns:m="http://schemas.openxmlformats.org/officeDocument/2006/math" xmlns="" val="1"/>
+                <ma14:wrappingTextBoxFlag xmlns="" xmlns:m="http://schemas.openxmlformats.org/officeDocument/2006/math" xmlns:a14="http://schemas.microsoft.com/office/drawing/2010/main" xmlns:ma14="http://schemas.microsoft.com/office/mac/drawingml/2011/main" val="1"/>
               </a:ext>
             </a:extLst>
           </p:spPr>
@@ -24787,7 +24787,7 @@
             </a:ln>
             <a:extLst>
               <a:ext uri="{C572A759-6A51-4108-AA02-DFA0A04FC94B}">
-                <ma14:wrappingTextBoxFlag xmlns:ma14="http://schemas.microsoft.com/office/mac/drawingml/2011/main" xmlns:a14="http://schemas.microsoft.com/office/drawing/2010/main" xmlns:m="http://schemas.openxmlformats.org/officeDocument/2006/math" xmlns="" val="1"/>
+                <ma14:wrappingTextBoxFlag xmlns="" xmlns:m="http://schemas.openxmlformats.org/officeDocument/2006/math" xmlns:a14="http://schemas.microsoft.com/office/drawing/2010/main" xmlns:ma14="http://schemas.microsoft.com/office/mac/drawingml/2011/main" val="1"/>
               </a:ext>
             </a:extLst>
           </p:spPr>
@@ -24845,7 +24845,7 @@
             </a:ln>
             <a:extLst>
               <a:ext uri="{C572A759-6A51-4108-AA02-DFA0A04FC94B}">
-                <ma14:wrappingTextBoxFlag xmlns:ma14="http://schemas.microsoft.com/office/mac/drawingml/2011/main" xmlns:a14="http://schemas.microsoft.com/office/drawing/2010/main" xmlns:m="http://schemas.openxmlformats.org/officeDocument/2006/math" xmlns="" val="1"/>
+                <ma14:wrappingTextBoxFlag xmlns="" xmlns:m="http://schemas.openxmlformats.org/officeDocument/2006/math" xmlns:a14="http://schemas.microsoft.com/office/drawing/2010/main" xmlns:ma14="http://schemas.microsoft.com/office/mac/drawingml/2011/main" val="1"/>
               </a:ext>
             </a:extLst>
           </p:spPr>
@@ -24902,7 +24902,7 @@
             </a:ln>
             <a:extLst>
               <a:ext uri="{C572A759-6A51-4108-AA02-DFA0A04FC94B}">
-                <ma14:wrappingTextBoxFlag xmlns:ma14="http://schemas.microsoft.com/office/mac/drawingml/2011/main" xmlns:a14="http://schemas.microsoft.com/office/drawing/2010/main" xmlns:m="http://schemas.openxmlformats.org/officeDocument/2006/math" xmlns="" val="1"/>
+                <ma14:wrappingTextBoxFlag xmlns="" xmlns:m="http://schemas.openxmlformats.org/officeDocument/2006/math" xmlns:a14="http://schemas.microsoft.com/office/drawing/2010/main" xmlns:ma14="http://schemas.microsoft.com/office/mac/drawingml/2011/main" val="1"/>
               </a:ext>
             </a:extLst>
           </p:spPr>
@@ -24950,7 +24950,7 @@
             </a:ln>
             <a:extLst>
               <a:ext uri="{C572A759-6A51-4108-AA02-DFA0A04FC94B}">
-                <ma14:wrappingTextBoxFlag xmlns:ma14="http://schemas.microsoft.com/office/mac/drawingml/2011/main" xmlns:a14="http://schemas.microsoft.com/office/drawing/2010/main" xmlns:m="http://schemas.openxmlformats.org/officeDocument/2006/math" xmlns="" val="1"/>
+                <ma14:wrappingTextBoxFlag xmlns="" xmlns:m="http://schemas.openxmlformats.org/officeDocument/2006/math" xmlns:a14="http://schemas.microsoft.com/office/drawing/2010/main" xmlns:ma14="http://schemas.microsoft.com/office/mac/drawingml/2011/main" val="1"/>
               </a:ext>
             </a:extLst>
           </p:spPr>
@@ -25002,7 +25002,7 @@
             </a:ln>
             <a:extLst>
               <a:ext uri="{C572A759-6A51-4108-AA02-DFA0A04FC94B}">
-                <ma14:wrappingTextBoxFlag xmlns:ma14="http://schemas.microsoft.com/office/mac/drawingml/2011/main" xmlns:a14="http://schemas.microsoft.com/office/drawing/2010/main" xmlns:m="http://schemas.openxmlformats.org/officeDocument/2006/math" xmlns="" val="1"/>
+                <ma14:wrappingTextBoxFlag xmlns="" xmlns:m="http://schemas.openxmlformats.org/officeDocument/2006/math" xmlns:a14="http://schemas.microsoft.com/office/drawing/2010/main" xmlns:ma14="http://schemas.microsoft.com/office/mac/drawingml/2011/main" val="1"/>
               </a:ext>
             </a:extLst>
           </p:spPr>
@@ -25060,7 +25060,7 @@
             </a:ln>
             <a:extLst>
               <a:ext uri="{C572A759-6A51-4108-AA02-DFA0A04FC94B}">
-                <ma14:wrappingTextBoxFlag xmlns:ma14="http://schemas.microsoft.com/office/mac/drawingml/2011/main" xmlns:a14="http://schemas.microsoft.com/office/drawing/2010/main" xmlns:m="http://schemas.openxmlformats.org/officeDocument/2006/math" xmlns="" val="1"/>
+                <ma14:wrappingTextBoxFlag xmlns="" xmlns:m="http://schemas.openxmlformats.org/officeDocument/2006/math" xmlns:a14="http://schemas.microsoft.com/office/drawing/2010/main" xmlns:ma14="http://schemas.microsoft.com/office/mac/drawingml/2011/main" val="1"/>
               </a:ext>
             </a:extLst>
           </p:spPr>
@@ -25108,7 +25108,7 @@
             </a:ln>
             <a:extLst>
               <a:ext uri="{C572A759-6A51-4108-AA02-DFA0A04FC94B}">
-                <ma14:wrappingTextBoxFlag xmlns:ma14="http://schemas.microsoft.com/office/mac/drawingml/2011/main" xmlns:a14="http://schemas.microsoft.com/office/drawing/2010/main" xmlns:m="http://schemas.openxmlformats.org/officeDocument/2006/math" xmlns="" val="1"/>
+                <ma14:wrappingTextBoxFlag xmlns="" xmlns:m="http://schemas.openxmlformats.org/officeDocument/2006/math" xmlns:a14="http://schemas.microsoft.com/office/drawing/2010/main" xmlns:ma14="http://schemas.microsoft.com/office/mac/drawingml/2011/main" val="1"/>
               </a:ext>
             </a:extLst>
           </p:spPr>
@@ -25161,7 +25161,7 @@
             </a:ln>
             <a:extLst>
               <a:ext uri="{C572A759-6A51-4108-AA02-DFA0A04FC94B}">
-                <ma14:wrappingTextBoxFlag xmlns:ma14="http://schemas.microsoft.com/office/mac/drawingml/2011/main" xmlns:a14="http://schemas.microsoft.com/office/drawing/2010/main" xmlns:m="http://schemas.openxmlformats.org/officeDocument/2006/math" xmlns="" val="1"/>
+                <ma14:wrappingTextBoxFlag xmlns="" xmlns:m="http://schemas.openxmlformats.org/officeDocument/2006/math" xmlns:a14="http://schemas.microsoft.com/office/drawing/2010/main" xmlns:ma14="http://schemas.microsoft.com/office/mac/drawingml/2011/main" val="1"/>
               </a:ext>
             </a:extLst>
           </p:spPr>
@@ -25209,7 +25209,7 @@
             </a:ln>
             <a:extLst>
               <a:ext uri="{C572A759-6A51-4108-AA02-DFA0A04FC94B}">
-                <ma14:wrappingTextBoxFlag xmlns:ma14="http://schemas.microsoft.com/office/mac/drawingml/2011/main" xmlns:a14="http://schemas.microsoft.com/office/drawing/2010/main" xmlns:m="http://schemas.openxmlformats.org/officeDocument/2006/math" xmlns="" val="1"/>
+                <ma14:wrappingTextBoxFlag xmlns="" xmlns:m="http://schemas.openxmlformats.org/officeDocument/2006/math" xmlns:a14="http://schemas.microsoft.com/office/drawing/2010/main" xmlns:ma14="http://schemas.microsoft.com/office/mac/drawingml/2011/main" val="1"/>
               </a:ext>
             </a:extLst>
           </p:spPr>
@@ -25261,7 +25261,7 @@
             </a:ln>
             <a:extLst>
               <a:ext uri="{C572A759-6A51-4108-AA02-DFA0A04FC94B}">
-                <ma14:wrappingTextBoxFlag xmlns:ma14="http://schemas.microsoft.com/office/mac/drawingml/2011/main" xmlns:a14="http://schemas.microsoft.com/office/drawing/2010/main" xmlns:m="http://schemas.openxmlformats.org/officeDocument/2006/math" xmlns="" val="1"/>
+                <ma14:wrappingTextBoxFlag xmlns="" xmlns:m="http://schemas.openxmlformats.org/officeDocument/2006/math" xmlns:a14="http://schemas.microsoft.com/office/drawing/2010/main" xmlns:ma14="http://schemas.microsoft.com/office/mac/drawingml/2011/main" val="1"/>
               </a:ext>
             </a:extLst>
           </p:spPr>
@@ -25309,7 +25309,7 @@
             </a:ln>
             <a:extLst>
               <a:ext uri="{C572A759-6A51-4108-AA02-DFA0A04FC94B}">
-                <ma14:wrappingTextBoxFlag xmlns:ma14="http://schemas.microsoft.com/office/mac/drawingml/2011/main" xmlns:a14="http://schemas.microsoft.com/office/drawing/2010/main" xmlns:m="http://schemas.openxmlformats.org/officeDocument/2006/math" xmlns="" val="1"/>
+                <ma14:wrappingTextBoxFlag xmlns="" xmlns:m="http://schemas.openxmlformats.org/officeDocument/2006/math" xmlns:a14="http://schemas.microsoft.com/office/drawing/2010/main" xmlns:ma14="http://schemas.microsoft.com/office/mac/drawingml/2011/main" val="1"/>
               </a:ext>
             </a:extLst>
           </p:spPr>
@@ -25363,7 +25363,7 @@
             </a:ln>
             <a:extLst>
               <a:ext uri="{C572A759-6A51-4108-AA02-DFA0A04FC94B}">
-                <ma14:wrappingTextBoxFlag xmlns:ma14="http://schemas.microsoft.com/office/mac/drawingml/2011/main" xmlns:a14="http://schemas.microsoft.com/office/drawing/2010/main" xmlns:m="http://schemas.openxmlformats.org/officeDocument/2006/math" xmlns="" val="1"/>
+                <ma14:wrappingTextBoxFlag xmlns="" xmlns:m="http://schemas.openxmlformats.org/officeDocument/2006/math" xmlns:a14="http://schemas.microsoft.com/office/drawing/2010/main" xmlns:ma14="http://schemas.microsoft.com/office/mac/drawingml/2011/main" val="1"/>
               </a:ext>
             </a:extLst>
           </p:spPr>
@@ -25420,7 +25420,7 @@
             </a:ln>
             <a:extLst>
               <a:ext uri="{C572A759-6A51-4108-AA02-DFA0A04FC94B}">
-                <ma14:wrappingTextBoxFlag xmlns:ma14="http://schemas.microsoft.com/office/mac/drawingml/2011/main" xmlns:a14="http://schemas.microsoft.com/office/drawing/2010/main" xmlns:m="http://schemas.openxmlformats.org/officeDocument/2006/math" xmlns="" val="1"/>
+                <ma14:wrappingTextBoxFlag xmlns="" xmlns:m="http://schemas.openxmlformats.org/officeDocument/2006/math" xmlns:a14="http://schemas.microsoft.com/office/drawing/2010/main" xmlns:ma14="http://schemas.microsoft.com/office/mac/drawingml/2011/main" val="1"/>
               </a:ext>
             </a:extLst>
           </p:spPr>
@@ -25478,7 +25478,7 @@
             </a:ln>
             <a:extLst>
               <a:ext uri="{C572A759-6A51-4108-AA02-DFA0A04FC94B}">
-                <ma14:wrappingTextBoxFlag xmlns:ma14="http://schemas.microsoft.com/office/mac/drawingml/2011/main" xmlns:a14="http://schemas.microsoft.com/office/drawing/2010/main" xmlns:m="http://schemas.openxmlformats.org/officeDocument/2006/math" xmlns="" val="1"/>
+                <ma14:wrappingTextBoxFlag xmlns="" xmlns:m="http://schemas.openxmlformats.org/officeDocument/2006/math" xmlns:a14="http://schemas.microsoft.com/office/drawing/2010/main" xmlns:ma14="http://schemas.microsoft.com/office/mac/drawingml/2011/main" val="1"/>
               </a:ext>
             </a:extLst>
           </p:spPr>
@@ -25559,7 +25559,7 @@
             </a:ln>
             <a:extLst>
               <a:ext uri="{C572A759-6A51-4108-AA02-DFA0A04FC94B}">
-                <ma14:wrappingTextBoxFlag xmlns:ma14="http://schemas.microsoft.com/office/mac/drawingml/2011/main" xmlns:a14="http://schemas.microsoft.com/office/drawing/2010/main" xmlns:m="http://schemas.openxmlformats.org/officeDocument/2006/math" xmlns="" val="1"/>
+                <ma14:wrappingTextBoxFlag xmlns="" xmlns:m="http://schemas.openxmlformats.org/officeDocument/2006/math" xmlns:a14="http://schemas.microsoft.com/office/drawing/2010/main" xmlns:ma14="http://schemas.microsoft.com/office/mac/drawingml/2011/main" val="1"/>
               </a:ext>
             </a:extLst>
           </p:spPr>
@@ -25617,7 +25617,7 @@
             </a:ln>
             <a:extLst>
               <a:ext uri="{C572A759-6A51-4108-AA02-DFA0A04FC94B}">
-                <ma14:wrappingTextBoxFlag xmlns:ma14="http://schemas.microsoft.com/office/mac/drawingml/2011/main" xmlns:a14="http://schemas.microsoft.com/office/drawing/2010/main" xmlns:m="http://schemas.openxmlformats.org/officeDocument/2006/math" xmlns="" val="1"/>
+                <ma14:wrappingTextBoxFlag xmlns="" xmlns:m="http://schemas.openxmlformats.org/officeDocument/2006/math" xmlns:a14="http://schemas.microsoft.com/office/drawing/2010/main" xmlns:ma14="http://schemas.microsoft.com/office/mac/drawingml/2011/main" val="1"/>
               </a:ext>
             </a:extLst>
           </p:spPr>
@@ -25675,7 +25675,7 @@
             </a:ln>
             <a:extLst>
               <a:ext uri="{C572A759-6A51-4108-AA02-DFA0A04FC94B}">
-                <ma14:wrappingTextBoxFlag xmlns:ma14="http://schemas.microsoft.com/office/mac/drawingml/2011/main" xmlns:a14="http://schemas.microsoft.com/office/drawing/2010/main" xmlns:m="http://schemas.openxmlformats.org/officeDocument/2006/math" xmlns="" val="1"/>
+                <ma14:wrappingTextBoxFlag xmlns="" xmlns:m="http://schemas.openxmlformats.org/officeDocument/2006/math" xmlns:a14="http://schemas.microsoft.com/office/drawing/2010/main" xmlns:ma14="http://schemas.microsoft.com/office/mac/drawingml/2011/main" val="1"/>
               </a:ext>
             </a:extLst>
           </p:spPr>
@@ -25733,7 +25733,7 @@
             </a:ln>
             <a:extLst>
               <a:ext uri="{C572A759-6A51-4108-AA02-DFA0A04FC94B}">
-                <ma14:wrappingTextBoxFlag xmlns:ma14="http://schemas.microsoft.com/office/mac/drawingml/2011/main" xmlns:a14="http://schemas.microsoft.com/office/drawing/2010/main" xmlns:m="http://schemas.openxmlformats.org/officeDocument/2006/math" xmlns="" val="1"/>
+                <ma14:wrappingTextBoxFlag xmlns="" xmlns:m="http://schemas.openxmlformats.org/officeDocument/2006/math" xmlns:a14="http://schemas.microsoft.com/office/drawing/2010/main" xmlns:ma14="http://schemas.microsoft.com/office/mac/drawingml/2011/main" val="1"/>
               </a:ext>
             </a:extLst>
           </p:spPr>
@@ -25781,7 +25781,7 @@
             </a:ln>
             <a:extLst>
               <a:ext uri="{C572A759-6A51-4108-AA02-DFA0A04FC94B}">
-                <ma14:wrappingTextBoxFlag xmlns:ma14="http://schemas.microsoft.com/office/mac/drawingml/2011/main" xmlns:a14="http://schemas.microsoft.com/office/drawing/2010/main" xmlns:m="http://schemas.openxmlformats.org/officeDocument/2006/math" xmlns="" val="1"/>
+                <ma14:wrappingTextBoxFlag xmlns="" xmlns:m="http://schemas.openxmlformats.org/officeDocument/2006/math" xmlns:a14="http://schemas.microsoft.com/office/drawing/2010/main" xmlns:ma14="http://schemas.microsoft.com/office/mac/drawingml/2011/main" val="1"/>
               </a:ext>
             </a:extLst>
           </p:spPr>
@@ -25829,7 +25829,7 @@
             </a:ln>
             <a:extLst>
               <a:ext uri="{C572A759-6A51-4108-AA02-DFA0A04FC94B}">
-                <ma14:wrappingTextBoxFlag xmlns:ma14="http://schemas.microsoft.com/office/mac/drawingml/2011/main" xmlns:a14="http://schemas.microsoft.com/office/drawing/2010/main" xmlns:m="http://schemas.openxmlformats.org/officeDocument/2006/math" xmlns="" val="1"/>
+                <ma14:wrappingTextBoxFlag xmlns="" xmlns:m="http://schemas.openxmlformats.org/officeDocument/2006/math" xmlns:a14="http://schemas.microsoft.com/office/drawing/2010/main" xmlns:ma14="http://schemas.microsoft.com/office/mac/drawingml/2011/main" val="1"/>
               </a:ext>
             </a:extLst>
           </p:spPr>
@@ -25883,7 +25883,7 @@
             </a:ln>
             <a:extLst>
               <a:ext uri="{C572A759-6A51-4108-AA02-DFA0A04FC94B}">
-                <ma14:wrappingTextBoxFlag xmlns:ma14="http://schemas.microsoft.com/office/mac/drawingml/2011/main" xmlns:a14="http://schemas.microsoft.com/office/drawing/2010/main" xmlns:m="http://schemas.openxmlformats.org/officeDocument/2006/math" xmlns="" val="1"/>
+                <ma14:wrappingTextBoxFlag xmlns="" xmlns:m="http://schemas.openxmlformats.org/officeDocument/2006/math" xmlns:a14="http://schemas.microsoft.com/office/drawing/2010/main" xmlns:ma14="http://schemas.microsoft.com/office/mac/drawingml/2011/main" val="1"/>
               </a:ext>
             </a:extLst>
           </p:spPr>
@@ -25937,7 +25937,7 @@
             </a:ln>
             <a:extLst>
               <a:ext uri="{C572A759-6A51-4108-AA02-DFA0A04FC94B}">
-                <ma14:wrappingTextBoxFlag xmlns:ma14="http://schemas.microsoft.com/office/mac/drawingml/2011/main" xmlns:a14="http://schemas.microsoft.com/office/drawing/2010/main" xmlns:m="http://schemas.openxmlformats.org/officeDocument/2006/math" xmlns="" val="1"/>
+                <ma14:wrappingTextBoxFlag xmlns="" xmlns:m="http://schemas.openxmlformats.org/officeDocument/2006/math" xmlns:a14="http://schemas.microsoft.com/office/drawing/2010/main" xmlns:ma14="http://schemas.microsoft.com/office/mac/drawingml/2011/main" val="1"/>
               </a:ext>
             </a:extLst>
           </p:spPr>
@@ -25990,7 +25990,7 @@
             </a:ln>
             <a:extLst>
               <a:ext uri="{C572A759-6A51-4108-AA02-DFA0A04FC94B}">
-                <ma14:wrappingTextBoxFlag xmlns:ma14="http://schemas.microsoft.com/office/mac/drawingml/2011/main" xmlns:a14="http://schemas.microsoft.com/office/drawing/2010/main" xmlns:m="http://schemas.openxmlformats.org/officeDocument/2006/math" xmlns="" val="1"/>
+                <ma14:wrappingTextBoxFlag xmlns="" xmlns:m="http://schemas.openxmlformats.org/officeDocument/2006/math" xmlns:a14="http://schemas.microsoft.com/office/drawing/2010/main" xmlns:ma14="http://schemas.microsoft.com/office/mac/drawingml/2011/main" val="1"/>
               </a:ext>
             </a:extLst>
           </p:spPr>
@@ -26043,7 +26043,7 @@
             </a:ln>
             <a:extLst>
               <a:ext uri="{C572A759-6A51-4108-AA02-DFA0A04FC94B}">
-                <ma14:wrappingTextBoxFlag xmlns:ma14="http://schemas.microsoft.com/office/mac/drawingml/2011/main" xmlns:a14="http://schemas.microsoft.com/office/drawing/2010/main" xmlns:m="http://schemas.openxmlformats.org/officeDocument/2006/math" xmlns="" val="1"/>
+                <ma14:wrappingTextBoxFlag xmlns="" xmlns:m="http://schemas.openxmlformats.org/officeDocument/2006/math" xmlns:a14="http://schemas.microsoft.com/office/drawing/2010/main" xmlns:ma14="http://schemas.microsoft.com/office/mac/drawingml/2011/main" val="1"/>
               </a:ext>
             </a:extLst>
           </p:spPr>
@@ -26096,7 +26096,7 @@
             </a:ln>
             <a:extLst>
               <a:ext uri="{C572A759-6A51-4108-AA02-DFA0A04FC94B}">
-                <ma14:wrappingTextBoxFlag xmlns:ma14="http://schemas.microsoft.com/office/mac/drawingml/2011/main" xmlns:a14="http://schemas.microsoft.com/office/drawing/2010/main" xmlns:m="http://schemas.openxmlformats.org/officeDocument/2006/math" xmlns="" val="1"/>
+                <ma14:wrappingTextBoxFlag xmlns="" xmlns:m="http://schemas.openxmlformats.org/officeDocument/2006/math" xmlns:a14="http://schemas.microsoft.com/office/drawing/2010/main" xmlns:ma14="http://schemas.microsoft.com/office/mac/drawingml/2011/main" val="1"/>
               </a:ext>
             </a:extLst>
           </p:spPr>
@@ -26370,7 +26370,7 @@
             </a:ln>
             <a:extLst>
               <a:ext uri="{C572A759-6A51-4108-AA02-DFA0A04FC94B}">
-                <ma14:wrappingTextBoxFlag xmlns:m="http://schemas.openxmlformats.org/officeDocument/2006/math" xmlns:a14="http://schemas.microsoft.com/office/drawing/2010/main" xmlns:ma14="http://schemas.microsoft.com/office/mac/drawingml/2011/main" xmlns="" val="1"/>
+                <ma14:wrappingTextBoxFlag xmlns="" xmlns:ma14="http://schemas.microsoft.com/office/mac/drawingml/2011/main" xmlns:a14="http://schemas.microsoft.com/office/drawing/2010/main" xmlns:m="http://schemas.openxmlformats.org/officeDocument/2006/math" val="1"/>
               </a:ext>
             </a:extLst>
           </p:spPr>
@@ -26418,7 +26418,7 @@
             </a:ln>
             <a:extLst>
               <a:ext uri="{C572A759-6A51-4108-AA02-DFA0A04FC94B}">
-                <ma14:wrappingTextBoxFlag xmlns:m="http://schemas.openxmlformats.org/officeDocument/2006/math" xmlns:a14="http://schemas.microsoft.com/office/drawing/2010/main" xmlns:ma14="http://schemas.microsoft.com/office/mac/drawingml/2011/main" xmlns="" val="1"/>
+                <ma14:wrappingTextBoxFlag xmlns="" xmlns:ma14="http://schemas.microsoft.com/office/mac/drawingml/2011/main" xmlns:a14="http://schemas.microsoft.com/office/drawing/2010/main" xmlns:m="http://schemas.openxmlformats.org/officeDocument/2006/math" val="1"/>
               </a:ext>
             </a:extLst>
           </p:spPr>
@@ -26466,7 +26466,7 @@
             </a:ln>
             <a:extLst>
               <a:ext uri="{C572A759-6A51-4108-AA02-DFA0A04FC94B}">
-                <ma14:wrappingTextBoxFlag xmlns:m="http://schemas.openxmlformats.org/officeDocument/2006/math" xmlns:a14="http://schemas.microsoft.com/office/drawing/2010/main" xmlns:ma14="http://schemas.microsoft.com/office/mac/drawingml/2011/main" xmlns="" val="1"/>
+                <ma14:wrappingTextBoxFlag xmlns="" xmlns:ma14="http://schemas.microsoft.com/office/mac/drawingml/2011/main" xmlns:a14="http://schemas.microsoft.com/office/drawing/2010/main" xmlns:m="http://schemas.openxmlformats.org/officeDocument/2006/math" val="1"/>
               </a:ext>
             </a:extLst>
           </p:spPr>
@@ -26518,7 +26518,7 @@
             </a:ln>
             <a:extLst>
               <a:ext uri="{C572A759-6A51-4108-AA02-DFA0A04FC94B}">
-                <ma14:wrappingTextBoxFlag xmlns:m="http://schemas.openxmlformats.org/officeDocument/2006/math" xmlns:a14="http://schemas.microsoft.com/office/drawing/2010/main" xmlns:ma14="http://schemas.microsoft.com/office/mac/drawingml/2011/main" xmlns="" val="1"/>
+                <ma14:wrappingTextBoxFlag xmlns="" xmlns:ma14="http://schemas.microsoft.com/office/mac/drawingml/2011/main" xmlns:a14="http://schemas.microsoft.com/office/drawing/2010/main" xmlns:m="http://schemas.openxmlformats.org/officeDocument/2006/math" val="1"/>
               </a:ext>
             </a:extLst>
           </p:spPr>
@@ -26566,7 +26566,7 @@
             </a:ln>
             <a:extLst>
               <a:ext uri="{C572A759-6A51-4108-AA02-DFA0A04FC94B}">
-                <ma14:wrappingTextBoxFlag xmlns:m="http://schemas.openxmlformats.org/officeDocument/2006/math" xmlns:a14="http://schemas.microsoft.com/office/drawing/2010/main" xmlns:ma14="http://schemas.microsoft.com/office/mac/drawingml/2011/main" xmlns="" val="1"/>
+                <ma14:wrappingTextBoxFlag xmlns="" xmlns:ma14="http://schemas.microsoft.com/office/mac/drawingml/2011/main" xmlns:a14="http://schemas.microsoft.com/office/drawing/2010/main" xmlns:m="http://schemas.openxmlformats.org/officeDocument/2006/math" val="1"/>
               </a:ext>
             </a:extLst>
           </p:spPr>
@@ -26614,7 +26614,7 @@
             </a:ln>
             <a:extLst>
               <a:ext uri="{C572A759-6A51-4108-AA02-DFA0A04FC94B}">
-                <ma14:wrappingTextBoxFlag xmlns:m="http://schemas.openxmlformats.org/officeDocument/2006/math" xmlns:a14="http://schemas.microsoft.com/office/drawing/2010/main" xmlns:ma14="http://schemas.microsoft.com/office/mac/drawingml/2011/main" xmlns="" val="1"/>
+                <ma14:wrappingTextBoxFlag xmlns="" xmlns:ma14="http://schemas.microsoft.com/office/mac/drawingml/2011/main" xmlns:a14="http://schemas.microsoft.com/office/drawing/2010/main" xmlns:m="http://schemas.openxmlformats.org/officeDocument/2006/math" val="1"/>
               </a:ext>
             </a:extLst>
           </p:spPr>
@@ -26671,7 +26671,7 @@
             </a:ln>
             <a:extLst>
               <a:ext uri="{C572A759-6A51-4108-AA02-DFA0A04FC94B}">
-                <ma14:wrappingTextBoxFlag xmlns:m="http://schemas.openxmlformats.org/officeDocument/2006/math" xmlns:a14="http://schemas.microsoft.com/office/drawing/2010/main" xmlns:ma14="http://schemas.microsoft.com/office/mac/drawingml/2011/main" xmlns="" val="1"/>
+                <ma14:wrappingTextBoxFlag xmlns="" xmlns:ma14="http://schemas.microsoft.com/office/mac/drawingml/2011/main" xmlns:a14="http://schemas.microsoft.com/office/drawing/2010/main" xmlns:m="http://schemas.openxmlformats.org/officeDocument/2006/math" val="1"/>
               </a:ext>
             </a:extLst>
           </p:spPr>
@@ -26729,7 +26729,7 @@
             </a:ln>
             <a:extLst>
               <a:ext uri="{C572A759-6A51-4108-AA02-DFA0A04FC94B}">
-                <ma14:wrappingTextBoxFlag xmlns:m="http://schemas.openxmlformats.org/officeDocument/2006/math" xmlns:a14="http://schemas.microsoft.com/office/drawing/2010/main" xmlns:ma14="http://schemas.microsoft.com/office/mac/drawingml/2011/main" xmlns="" val="1"/>
+                <ma14:wrappingTextBoxFlag xmlns="" xmlns:ma14="http://schemas.microsoft.com/office/mac/drawingml/2011/main" xmlns:a14="http://schemas.microsoft.com/office/drawing/2010/main" xmlns:m="http://schemas.openxmlformats.org/officeDocument/2006/math" val="1"/>
               </a:ext>
             </a:extLst>
           </p:spPr>
@@ -26777,7 +26777,7 @@
             </a:ln>
             <a:extLst>
               <a:ext uri="{C572A759-6A51-4108-AA02-DFA0A04FC94B}">
-                <ma14:wrappingTextBoxFlag xmlns:m="http://schemas.openxmlformats.org/officeDocument/2006/math" xmlns:a14="http://schemas.microsoft.com/office/drawing/2010/main" xmlns:ma14="http://schemas.microsoft.com/office/mac/drawingml/2011/main" xmlns="" val="1"/>
+                <ma14:wrappingTextBoxFlag xmlns="" xmlns:ma14="http://schemas.microsoft.com/office/mac/drawingml/2011/main" xmlns:a14="http://schemas.microsoft.com/office/drawing/2010/main" xmlns:m="http://schemas.openxmlformats.org/officeDocument/2006/math" val="1"/>
               </a:ext>
             </a:extLst>
           </p:spPr>
@@ -26825,7 +26825,7 @@
             </a:ln>
             <a:extLst>
               <a:ext uri="{C572A759-6A51-4108-AA02-DFA0A04FC94B}">
-                <ma14:wrappingTextBoxFlag xmlns:m="http://schemas.openxmlformats.org/officeDocument/2006/math" xmlns:a14="http://schemas.microsoft.com/office/drawing/2010/main" xmlns:ma14="http://schemas.microsoft.com/office/mac/drawingml/2011/main" xmlns="" val="1"/>
+                <ma14:wrappingTextBoxFlag xmlns="" xmlns:ma14="http://schemas.microsoft.com/office/mac/drawingml/2011/main" xmlns:a14="http://schemas.microsoft.com/office/drawing/2010/main" xmlns:m="http://schemas.openxmlformats.org/officeDocument/2006/math" val="1"/>
               </a:ext>
             </a:extLst>
           </p:spPr>
@@ -26873,7 +26873,7 @@
             </a:ln>
             <a:extLst>
               <a:ext uri="{C572A759-6A51-4108-AA02-DFA0A04FC94B}">
-                <ma14:wrappingTextBoxFlag xmlns:m="http://schemas.openxmlformats.org/officeDocument/2006/math" xmlns:a14="http://schemas.microsoft.com/office/drawing/2010/main" xmlns:ma14="http://schemas.microsoft.com/office/mac/drawingml/2011/main" xmlns="" val="1"/>
+                <ma14:wrappingTextBoxFlag xmlns="" xmlns:ma14="http://schemas.microsoft.com/office/mac/drawingml/2011/main" xmlns:a14="http://schemas.microsoft.com/office/drawing/2010/main" xmlns:m="http://schemas.openxmlformats.org/officeDocument/2006/math" val="1"/>
               </a:ext>
             </a:extLst>
           </p:spPr>
@@ -26931,7 +26931,7 @@
             </a:ln>
             <a:extLst>
               <a:ext uri="{C572A759-6A51-4108-AA02-DFA0A04FC94B}">
-                <ma14:wrappingTextBoxFlag xmlns:m="http://schemas.openxmlformats.org/officeDocument/2006/math" xmlns:a14="http://schemas.microsoft.com/office/drawing/2010/main" xmlns:ma14="http://schemas.microsoft.com/office/mac/drawingml/2011/main" xmlns="" val="1"/>
+                <ma14:wrappingTextBoxFlag xmlns="" xmlns:ma14="http://schemas.microsoft.com/office/mac/drawingml/2011/main" xmlns:a14="http://schemas.microsoft.com/office/drawing/2010/main" xmlns:m="http://schemas.openxmlformats.org/officeDocument/2006/math" val="1"/>
               </a:ext>
             </a:extLst>
           </p:spPr>
@@ -26988,7 +26988,7 @@
             </a:ln>
             <a:extLst>
               <a:ext uri="{C572A759-6A51-4108-AA02-DFA0A04FC94B}">
-                <ma14:wrappingTextBoxFlag xmlns:m="http://schemas.openxmlformats.org/officeDocument/2006/math" xmlns:a14="http://schemas.microsoft.com/office/drawing/2010/main" xmlns:ma14="http://schemas.microsoft.com/office/mac/drawingml/2011/main" xmlns="" val="1"/>
+                <ma14:wrappingTextBoxFlag xmlns="" xmlns:ma14="http://schemas.microsoft.com/office/mac/drawingml/2011/main" xmlns:a14="http://schemas.microsoft.com/office/drawing/2010/main" xmlns:m="http://schemas.openxmlformats.org/officeDocument/2006/math" val="1"/>
               </a:ext>
             </a:extLst>
           </p:spPr>
@@ -27036,7 +27036,7 @@
             </a:ln>
             <a:extLst>
               <a:ext uri="{C572A759-6A51-4108-AA02-DFA0A04FC94B}">
-                <ma14:wrappingTextBoxFlag xmlns:m="http://schemas.openxmlformats.org/officeDocument/2006/math" xmlns:a14="http://schemas.microsoft.com/office/drawing/2010/main" xmlns:ma14="http://schemas.microsoft.com/office/mac/drawingml/2011/main" xmlns="" val="1"/>
+                <ma14:wrappingTextBoxFlag xmlns="" xmlns:ma14="http://schemas.microsoft.com/office/mac/drawingml/2011/main" xmlns:a14="http://schemas.microsoft.com/office/drawing/2010/main" xmlns:m="http://schemas.openxmlformats.org/officeDocument/2006/math" val="1"/>
               </a:ext>
             </a:extLst>
           </p:spPr>
@@ -27088,7 +27088,7 @@
             </a:ln>
             <a:extLst>
               <a:ext uri="{C572A759-6A51-4108-AA02-DFA0A04FC94B}">
-                <ma14:wrappingTextBoxFlag xmlns:m="http://schemas.openxmlformats.org/officeDocument/2006/math" xmlns:a14="http://schemas.microsoft.com/office/drawing/2010/main" xmlns:ma14="http://schemas.microsoft.com/office/mac/drawingml/2011/main" xmlns="" val="1"/>
+                <ma14:wrappingTextBoxFlag xmlns="" xmlns:ma14="http://schemas.microsoft.com/office/mac/drawingml/2011/main" xmlns:a14="http://schemas.microsoft.com/office/drawing/2010/main" xmlns:m="http://schemas.openxmlformats.org/officeDocument/2006/math" val="1"/>
               </a:ext>
             </a:extLst>
           </p:spPr>
@@ -27146,7 +27146,7 @@
             </a:ln>
             <a:extLst>
               <a:ext uri="{C572A759-6A51-4108-AA02-DFA0A04FC94B}">
-                <ma14:wrappingTextBoxFlag xmlns:m="http://schemas.openxmlformats.org/officeDocument/2006/math" xmlns:a14="http://schemas.microsoft.com/office/drawing/2010/main" xmlns:ma14="http://schemas.microsoft.com/office/mac/drawingml/2011/main" xmlns="" val="1"/>
+                <ma14:wrappingTextBoxFlag xmlns="" xmlns:ma14="http://schemas.microsoft.com/office/mac/drawingml/2011/main" xmlns:a14="http://schemas.microsoft.com/office/drawing/2010/main" xmlns:m="http://schemas.openxmlformats.org/officeDocument/2006/math" val="1"/>
               </a:ext>
             </a:extLst>
           </p:spPr>
@@ -27194,7 +27194,7 @@
             </a:ln>
             <a:extLst>
               <a:ext uri="{C572A759-6A51-4108-AA02-DFA0A04FC94B}">
-                <ma14:wrappingTextBoxFlag xmlns:m="http://schemas.openxmlformats.org/officeDocument/2006/math" xmlns:a14="http://schemas.microsoft.com/office/drawing/2010/main" xmlns:ma14="http://schemas.microsoft.com/office/mac/drawingml/2011/main" xmlns="" val="1"/>
+                <ma14:wrappingTextBoxFlag xmlns="" xmlns:ma14="http://schemas.microsoft.com/office/mac/drawingml/2011/main" xmlns:a14="http://schemas.microsoft.com/office/drawing/2010/main" xmlns:m="http://schemas.openxmlformats.org/officeDocument/2006/math" val="1"/>
               </a:ext>
             </a:extLst>
           </p:spPr>
@@ -27247,7 +27247,7 @@
             </a:ln>
             <a:extLst>
               <a:ext uri="{C572A759-6A51-4108-AA02-DFA0A04FC94B}">
-                <ma14:wrappingTextBoxFlag xmlns:m="http://schemas.openxmlformats.org/officeDocument/2006/math" xmlns:a14="http://schemas.microsoft.com/office/drawing/2010/main" xmlns:ma14="http://schemas.microsoft.com/office/mac/drawingml/2011/main" xmlns="" val="1"/>
+                <ma14:wrappingTextBoxFlag xmlns="" xmlns:ma14="http://schemas.microsoft.com/office/mac/drawingml/2011/main" xmlns:a14="http://schemas.microsoft.com/office/drawing/2010/main" xmlns:m="http://schemas.openxmlformats.org/officeDocument/2006/math" val="1"/>
               </a:ext>
             </a:extLst>
           </p:spPr>
@@ -27295,7 +27295,7 @@
             </a:ln>
             <a:extLst>
               <a:ext uri="{C572A759-6A51-4108-AA02-DFA0A04FC94B}">
-                <ma14:wrappingTextBoxFlag xmlns:m="http://schemas.openxmlformats.org/officeDocument/2006/math" xmlns:a14="http://schemas.microsoft.com/office/drawing/2010/main" xmlns:ma14="http://schemas.microsoft.com/office/mac/drawingml/2011/main" xmlns="" val="1"/>
+                <ma14:wrappingTextBoxFlag xmlns="" xmlns:ma14="http://schemas.microsoft.com/office/mac/drawingml/2011/main" xmlns:a14="http://schemas.microsoft.com/office/drawing/2010/main" xmlns:m="http://schemas.openxmlformats.org/officeDocument/2006/math" val="1"/>
               </a:ext>
             </a:extLst>
           </p:spPr>
@@ -27347,7 +27347,7 @@
             </a:ln>
             <a:extLst>
               <a:ext uri="{C572A759-6A51-4108-AA02-DFA0A04FC94B}">
-                <ma14:wrappingTextBoxFlag xmlns:m="http://schemas.openxmlformats.org/officeDocument/2006/math" xmlns:a14="http://schemas.microsoft.com/office/drawing/2010/main" xmlns:ma14="http://schemas.microsoft.com/office/mac/drawingml/2011/main" xmlns="" val="1"/>
+                <ma14:wrappingTextBoxFlag xmlns="" xmlns:ma14="http://schemas.microsoft.com/office/mac/drawingml/2011/main" xmlns:a14="http://schemas.microsoft.com/office/drawing/2010/main" xmlns:m="http://schemas.openxmlformats.org/officeDocument/2006/math" val="1"/>
               </a:ext>
             </a:extLst>
           </p:spPr>
@@ -27395,7 +27395,7 @@
             </a:ln>
             <a:extLst>
               <a:ext uri="{C572A759-6A51-4108-AA02-DFA0A04FC94B}">
-                <ma14:wrappingTextBoxFlag xmlns:m="http://schemas.openxmlformats.org/officeDocument/2006/math" xmlns:a14="http://schemas.microsoft.com/office/drawing/2010/main" xmlns:ma14="http://schemas.microsoft.com/office/mac/drawingml/2011/main" xmlns="" val="1"/>
+                <ma14:wrappingTextBoxFlag xmlns="" xmlns:ma14="http://schemas.microsoft.com/office/mac/drawingml/2011/main" xmlns:a14="http://schemas.microsoft.com/office/drawing/2010/main" xmlns:m="http://schemas.openxmlformats.org/officeDocument/2006/math" val="1"/>
               </a:ext>
             </a:extLst>
           </p:spPr>
@@ -27449,7 +27449,7 @@
             </a:ln>
             <a:extLst>
               <a:ext uri="{C572A759-6A51-4108-AA02-DFA0A04FC94B}">
-                <ma14:wrappingTextBoxFlag xmlns:m="http://schemas.openxmlformats.org/officeDocument/2006/math" xmlns:a14="http://schemas.microsoft.com/office/drawing/2010/main" xmlns:ma14="http://schemas.microsoft.com/office/mac/drawingml/2011/main" xmlns="" val="1"/>
+                <ma14:wrappingTextBoxFlag xmlns="" xmlns:ma14="http://schemas.microsoft.com/office/mac/drawingml/2011/main" xmlns:a14="http://schemas.microsoft.com/office/drawing/2010/main" xmlns:m="http://schemas.openxmlformats.org/officeDocument/2006/math" val="1"/>
               </a:ext>
             </a:extLst>
           </p:spPr>
@@ -27506,7 +27506,7 @@
             </a:ln>
             <a:extLst>
               <a:ext uri="{C572A759-6A51-4108-AA02-DFA0A04FC94B}">
-                <ma14:wrappingTextBoxFlag xmlns:m="http://schemas.openxmlformats.org/officeDocument/2006/math" xmlns:a14="http://schemas.microsoft.com/office/drawing/2010/main" xmlns:ma14="http://schemas.microsoft.com/office/mac/drawingml/2011/main" xmlns="" val="1"/>
+                <ma14:wrappingTextBoxFlag xmlns="" xmlns:ma14="http://schemas.microsoft.com/office/mac/drawingml/2011/main" xmlns:a14="http://schemas.microsoft.com/office/drawing/2010/main" xmlns:m="http://schemas.openxmlformats.org/officeDocument/2006/math" val="1"/>
               </a:ext>
             </a:extLst>
           </p:spPr>
@@ -27564,7 +27564,7 @@
             </a:ln>
             <a:extLst>
               <a:ext uri="{C572A759-6A51-4108-AA02-DFA0A04FC94B}">
-                <ma14:wrappingTextBoxFlag xmlns:m="http://schemas.openxmlformats.org/officeDocument/2006/math" xmlns:a14="http://schemas.microsoft.com/office/drawing/2010/main" xmlns:ma14="http://schemas.microsoft.com/office/mac/drawingml/2011/main" xmlns="" val="1"/>
+                <ma14:wrappingTextBoxFlag xmlns="" xmlns:ma14="http://schemas.microsoft.com/office/mac/drawingml/2011/main" xmlns:a14="http://schemas.microsoft.com/office/drawing/2010/main" xmlns:m="http://schemas.openxmlformats.org/officeDocument/2006/math" val="1"/>
               </a:ext>
             </a:extLst>
           </p:spPr>
@@ -27645,7 +27645,7 @@
             </a:ln>
             <a:extLst>
               <a:ext uri="{C572A759-6A51-4108-AA02-DFA0A04FC94B}">
-                <ma14:wrappingTextBoxFlag xmlns:m="http://schemas.openxmlformats.org/officeDocument/2006/math" xmlns:a14="http://schemas.microsoft.com/office/drawing/2010/main" xmlns:ma14="http://schemas.microsoft.com/office/mac/drawingml/2011/main" xmlns="" val="1"/>
+                <ma14:wrappingTextBoxFlag xmlns="" xmlns:ma14="http://schemas.microsoft.com/office/mac/drawingml/2011/main" xmlns:a14="http://schemas.microsoft.com/office/drawing/2010/main" xmlns:m="http://schemas.openxmlformats.org/officeDocument/2006/math" val="1"/>
               </a:ext>
             </a:extLst>
           </p:spPr>
@@ -27703,7 +27703,7 @@
             </a:ln>
             <a:extLst>
               <a:ext uri="{C572A759-6A51-4108-AA02-DFA0A04FC94B}">
-                <ma14:wrappingTextBoxFlag xmlns:m="http://schemas.openxmlformats.org/officeDocument/2006/math" xmlns:a14="http://schemas.microsoft.com/office/drawing/2010/main" xmlns:ma14="http://schemas.microsoft.com/office/mac/drawingml/2011/main" xmlns="" val="1"/>
+                <ma14:wrappingTextBoxFlag xmlns="" xmlns:ma14="http://schemas.microsoft.com/office/mac/drawingml/2011/main" xmlns:a14="http://schemas.microsoft.com/office/drawing/2010/main" xmlns:m="http://schemas.openxmlformats.org/officeDocument/2006/math" val="1"/>
               </a:ext>
             </a:extLst>
           </p:spPr>
@@ -27761,7 +27761,7 @@
             </a:ln>
             <a:extLst>
               <a:ext uri="{C572A759-6A51-4108-AA02-DFA0A04FC94B}">
-                <ma14:wrappingTextBoxFlag xmlns:m="http://schemas.openxmlformats.org/officeDocument/2006/math" xmlns:a14="http://schemas.microsoft.com/office/drawing/2010/main" xmlns:ma14="http://schemas.microsoft.com/office/mac/drawingml/2011/main" xmlns="" val="1"/>
+                <ma14:wrappingTextBoxFlag xmlns="" xmlns:ma14="http://schemas.microsoft.com/office/mac/drawingml/2011/main" xmlns:a14="http://schemas.microsoft.com/office/drawing/2010/main" xmlns:m="http://schemas.openxmlformats.org/officeDocument/2006/math" val="1"/>
               </a:ext>
             </a:extLst>
           </p:spPr>
@@ -27819,7 +27819,7 @@
             </a:ln>
             <a:extLst>
               <a:ext uri="{C572A759-6A51-4108-AA02-DFA0A04FC94B}">
-                <ma14:wrappingTextBoxFlag xmlns:m="http://schemas.openxmlformats.org/officeDocument/2006/math" xmlns:a14="http://schemas.microsoft.com/office/drawing/2010/main" xmlns:ma14="http://schemas.microsoft.com/office/mac/drawingml/2011/main" xmlns="" val="1"/>
+                <ma14:wrappingTextBoxFlag xmlns="" xmlns:ma14="http://schemas.microsoft.com/office/mac/drawingml/2011/main" xmlns:a14="http://schemas.microsoft.com/office/drawing/2010/main" xmlns:m="http://schemas.openxmlformats.org/officeDocument/2006/math" val="1"/>
               </a:ext>
             </a:extLst>
           </p:spPr>
@@ -27867,7 +27867,7 @@
             </a:ln>
             <a:extLst>
               <a:ext uri="{C572A759-6A51-4108-AA02-DFA0A04FC94B}">
-                <ma14:wrappingTextBoxFlag xmlns:m="http://schemas.openxmlformats.org/officeDocument/2006/math" xmlns:a14="http://schemas.microsoft.com/office/drawing/2010/main" xmlns:ma14="http://schemas.microsoft.com/office/mac/drawingml/2011/main" xmlns="" val="1"/>
+                <ma14:wrappingTextBoxFlag xmlns="" xmlns:ma14="http://schemas.microsoft.com/office/mac/drawingml/2011/main" xmlns:a14="http://schemas.microsoft.com/office/drawing/2010/main" xmlns:m="http://schemas.openxmlformats.org/officeDocument/2006/math" val="1"/>
               </a:ext>
             </a:extLst>
           </p:spPr>
@@ -27915,7 +27915,7 @@
             </a:ln>
             <a:extLst>
               <a:ext uri="{C572A759-6A51-4108-AA02-DFA0A04FC94B}">
-                <ma14:wrappingTextBoxFlag xmlns:m="http://schemas.openxmlformats.org/officeDocument/2006/math" xmlns:a14="http://schemas.microsoft.com/office/drawing/2010/main" xmlns:ma14="http://schemas.microsoft.com/office/mac/drawingml/2011/main" xmlns="" val="1"/>
+                <ma14:wrappingTextBoxFlag xmlns="" xmlns:ma14="http://schemas.microsoft.com/office/mac/drawingml/2011/main" xmlns:a14="http://schemas.microsoft.com/office/drawing/2010/main" xmlns:m="http://schemas.openxmlformats.org/officeDocument/2006/math" val="1"/>
               </a:ext>
             </a:extLst>
           </p:spPr>
@@ -27969,7 +27969,7 @@
             </a:ln>
             <a:extLst>
               <a:ext uri="{C572A759-6A51-4108-AA02-DFA0A04FC94B}">
-                <ma14:wrappingTextBoxFlag xmlns:m="http://schemas.openxmlformats.org/officeDocument/2006/math" xmlns:a14="http://schemas.microsoft.com/office/drawing/2010/main" xmlns:ma14="http://schemas.microsoft.com/office/mac/drawingml/2011/main" xmlns="" val="1"/>
+                <ma14:wrappingTextBoxFlag xmlns="" xmlns:ma14="http://schemas.microsoft.com/office/mac/drawingml/2011/main" xmlns:a14="http://schemas.microsoft.com/office/drawing/2010/main" xmlns:m="http://schemas.openxmlformats.org/officeDocument/2006/math" val="1"/>
               </a:ext>
             </a:extLst>
           </p:spPr>
@@ -28023,7 +28023,7 @@
             </a:ln>
             <a:extLst>
               <a:ext uri="{C572A759-6A51-4108-AA02-DFA0A04FC94B}">
-                <ma14:wrappingTextBoxFlag xmlns:m="http://schemas.openxmlformats.org/officeDocument/2006/math" xmlns:a14="http://schemas.microsoft.com/office/drawing/2010/main" xmlns:ma14="http://schemas.microsoft.com/office/mac/drawingml/2011/main" xmlns="" val="1"/>
+                <ma14:wrappingTextBoxFlag xmlns="" xmlns:ma14="http://schemas.microsoft.com/office/mac/drawingml/2011/main" xmlns:a14="http://schemas.microsoft.com/office/drawing/2010/main" xmlns:m="http://schemas.openxmlformats.org/officeDocument/2006/math" val="1"/>
               </a:ext>
             </a:extLst>
           </p:spPr>
@@ -28076,7 +28076,7 @@
             </a:ln>
             <a:extLst>
               <a:ext uri="{C572A759-6A51-4108-AA02-DFA0A04FC94B}">
-                <ma14:wrappingTextBoxFlag xmlns:m="http://schemas.openxmlformats.org/officeDocument/2006/math" xmlns:a14="http://schemas.microsoft.com/office/drawing/2010/main" xmlns:ma14="http://schemas.microsoft.com/office/mac/drawingml/2011/main" xmlns="" val="1"/>
+                <ma14:wrappingTextBoxFlag xmlns="" xmlns:ma14="http://schemas.microsoft.com/office/mac/drawingml/2011/main" xmlns:a14="http://schemas.microsoft.com/office/drawing/2010/main" xmlns:m="http://schemas.openxmlformats.org/officeDocument/2006/math" val="1"/>
               </a:ext>
             </a:extLst>
           </p:spPr>
@@ -28129,7 +28129,7 @@
             </a:ln>
             <a:extLst>
               <a:ext uri="{C572A759-6A51-4108-AA02-DFA0A04FC94B}">
-                <ma14:wrappingTextBoxFlag xmlns:m="http://schemas.openxmlformats.org/officeDocument/2006/math" xmlns:a14="http://schemas.microsoft.com/office/drawing/2010/main" xmlns:ma14="http://schemas.microsoft.com/office/mac/drawingml/2011/main" xmlns="" val="1"/>
+                <ma14:wrappingTextBoxFlag xmlns="" xmlns:ma14="http://schemas.microsoft.com/office/mac/drawingml/2011/main" xmlns:a14="http://schemas.microsoft.com/office/drawing/2010/main" xmlns:m="http://schemas.openxmlformats.org/officeDocument/2006/math" val="1"/>
               </a:ext>
             </a:extLst>
           </p:spPr>
@@ -28182,7 +28182,7 @@
             </a:ln>
             <a:extLst>
               <a:ext uri="{C572A759-6A51-4108-AA02-DFA0A04FC94B}">
-                <ma14:wrappingTextBoxFlag xmlns:m="http://schemas.openxmlformats.org/officeDocument/2006/math" xmlns:a14="http://schemas.microsoft.com/office/drawing/2010/main" xmlns:ma14="http://schemas.microsoft.com/office/mac/drawingml/2011/main" xmlns="" val="1"/>
+                <ma14:wrappingTextBoxFlag xmlns="" xmlns:ma14="http://schemas.microsoft.com/office/mac/drawingml/2011/main" xmlns:a14="http://schemas.microsoft.com/office/drawing/2010/main" xmlns:m="http://schemas.openxmlformats.org/officeDocument/2006/math" val="1"/>
               </a:ext>
             </a:extLst>
           </p:spPr>
@@ -28486,7 +28486,7 @@
             </a:ln>
             <a:extLst>
               <a:ext uri="{C572A759-6A51-4108-AA02-DFA0A04FC94B}">
-                <ma14:wrappingTextBoxFlag xmlns:ma14="http://schemas.microsoft.com/office/mac/drawingml/2011/main" xmlns:a14="http://schemas.microsoft.com/office/drawing/2010/main" xmlns:m="http://schemas.openxmlformats.org/officeDocument/2006/math" xmlns="" val="1"/>
+                <ma14:wrappingTextBoxFlag xmlns="" xmlns:m="http://schemas.openxmlformats.org/officeDocument/2006/math" xmlns:a14="http://schemas.microsoft.com/office/drawing/2010/main" xmlns:ma14="http://schemas.microsoft.com/office/mac/drawingml/2011/main" val="1"/>
               </a:ext>
             </a:extLst>
           </p:spPr>
@@ -28534,7 +28534,7 @@
             </a:ln>
             <a:extLst>
               <a:ext uri="{C572A759-6A51-4108-AA02-DFA0A04FC94B}">
-                <ma14:wrappingTextBoxFlag xmlns:ma14="http://schemas.microsoft.com/office/mac/drawingml/2011/main" xmlns:a14="http://schemas.microsoft.com/office/drawing/2010/main" xmlns:m="http://schemas.openxmlformats.org/officeDocument/2006/math" xmlns="" val="1"/>
+                <ma14:wrappingTextBoxFlag xmlns="" xmlns:m="http://schemas.openxmlformats.org/officeDocument/2006/math" xmlns:a14="http://schemas.microsoft.com/office/drawing/2010/main" xmlns:ma14="http://schemas.microsoft.com/office/mac/drawingml/2011/main" val="1"/>
               </a:ext>
             </a:extLst>
           </p:spPr>
@@ -28582,7 +28582,7 @@
             </a:ln>
             <a:extLst>
               <a:ext uri="{C572A759-6A51-4108-AA02-DFA0A04FC94B}">
-                <ma14:wrappingTextBoxFlag xmlns:ma14="http://schemas.microsoft.com/office/mac/drawingml/2011/main" xmlns:a14="http://schemas.microsoft.com/office/drawing/2010/main" xmlns:m="http://schemas.openxmlformats.org/officeDocument/2006/math" xmlns="" val="1"/>
+                <ma14:wrappingTextBoxFlag xmlns="" xmlns:m="http://schemas.openxmlformats.org/officeDocument/2006/math" xmlns:a14="http://schemas.microsoft.com/office/drawing/2010/main" xmlns:ma14="http://schemas.microsoft.com/office/mac/drawingml/2011/main" val="1"/>
               </a:ext>
             </a:extLst>
           </p:spPr>
@@ -28634,7 +28634,7 @@
             </a:ln>
             <a:extLst>
               <a:ext uri="{C572A759-6A51-4108-AA02-DFA0A04FC94B}">
-                <ma14:wrappingTextBoxFlag xmlns:ma14="http://schemas.microsoft.com/office/mac/drawingml/2011/main" xmlns:a14="http://schemas.microsoft.com/office/drawing/2010/main" xmlns:m="http://schemas.openxmlformats.org/officeDocument/2006/math" xmlns="" val="1"/>
+                <ma14:wrappingTextBoxFlag xmlns="" xmlns:m="http://schemas.openxmlformats.org/officeDocument/2006/math" xmlns:a14="http://schemas.microsoft.com/office/drawing/2010/main" xmlns:ma14="http://schemas.microsoft.com/office/mac/drawingml/2011/main" val="1"/>
               </a:ext>
             </a:extLst>
           </p:spPr>
@@ -28682,7 +28682,7 @@
             </a:ln>
             <a:extLst>
               <a:ext uri="{C572A759-6A51-4108-AA02-DFA0A04FC94B}">
-                <ma14:wrappingTextBoxFlag xmlns:ma14="http://schemas.microsoft.com/office/mac/drawingml/2011/main" xmlns:a14="http://schemas.microsoft.com/office/drawing/2010/main" xmlns:m="http://schemas.openxmlformats.org/officeDocument/2006/math" xmlns="" val="1"/>
+                <ma14:wrappingTextBoxFlag xmlns="" xmlns:m="http://schemas.openxmlformats.org/officeDocument/2006/math" xmlns:a14="http://schemas.microsoft.com/office/drawing/2010/main" xmlns:ma14="http://schemas.microsoft.com/office/mac/drawingml/2011/main" val="1"/>
               </a:ext>
             </a:extLst>
           </p:spPr>
@@ -28730,7 +28730,7 @@
             </a:ln>
             <a:extLst>
               <a:ext uri="{C572A759-6A51-4108-AA02-DFA0A04FC94B}">
-                <ma14:wrappingTextBoxFlag xmlns:ma14="http://schemas.microsoft.com/office/mac/drawingml/2011/main" xmlns:a14="http://schemas.microsoft.com/office/drawing/2010/main" xmlns:m="http://schemas.openxmlformats.org/officeDocument/2006/math" xmlns="" val="1"/>
+                <ma14:wrappingTextBoxFlag xmlns="" xmlns:m="http://schemas.openxmlformats.org/officeDocument/2006/math" xmlns:a14="http://schemas.microsoft.com/office/drawing/2010/main" xmlns:ma14="http://schemas.microsoft.com/office/mac/drawingml/2011/main" val="1"/>
               </a:ext>
             </a:extLst>
           </p:spPr>
@@ -28787,7 +28787,7 @@
             </a:ln>
             <a:extLst>
               <a:ext uri="{C572A759-6A51-4108-AA02-DFA0A04FC94B}">
-                <ma14:wrappingTextBoxFlag xmlns:ma14="http://schemas.microsoft.com/office/mac/drawingml/2011/main" xmlns:a14="http://schemas.microsoft.com/office/drawing/2010/main" xmlns:m="http://schemas.openxmlformats.org/officeDocument/2006/math" xmlns="" val="1"/>
+                <ma14:wrappingTextBoxFlag xmlns="" xmlns:m="http://schemas.openxmlformats.org/officeDocument/2006/math" xmlns:a14="http://schemas.microsoft.com/office/drawing/2010/main" xmlns:ma14="http://schemas.microsoft.com/office/mac/drawingml/2011/main" val="1"/>
               </a:ext>
             </a:extLst>
           </p:spPr>
@@ -28845,7 +28845,7 @@
             </a:ln>
             <a:extLst>
               <a:ext uri="{C572A759-6A51-4108-AA02-DFA0A04FC94B}">
-                <ma14:wrappingTextBoxFlag xmlns:ma14="http://schemas.microsoft.com/office/mac/drawingml/2011/main" xmlns:a14="http://schemas.microsoft.com/office/drawing/2010/main" xmlns:m="http://schemas.openxmlformats.org/officeDocument/2006/math" xmlns="" val="1"/>
+                <ma14:wrappingTextBoxFlag xmlns="" xmlns:m="http://schemas.openxmlformats.org/officeDocument/2006/math" xmlns:a14="http://schemas.microsoft.com/office/drawing/2010/main" xmlns:ma14="http://schemas.microsoft.com/office/mac/drawingml/2011/main" val="1"/>
               </a:ext>
             </a:extLst>
           </p:spPr>
@@ -28893,7 +28893,7 @@
             </a:ln>
             <a:extLst>
               <a:ext uri="{C572A759-6A51-4108-AA02-DFA0A04FC94B}">
-                <ma14:wrappingTextBoxFlag xmlns:ma14="http://schemas.microsoft.com/office/mac/drawingml/2011/main" xmlns:a14="http://schemas.microsoft.com/office/drawing/2010/main" xmlns:m="http://schemas.openxmlformats.org/officeDocument/2006/math" xmlns="" val="1"/>
+                <ma14:wrappingTextBoxFlag xmlns="" xmlns:m="http://schemas.openxmlformats.org/officeDocument/2006/math" xmlns:a14="http://schemas.microsoft.com/office/drawing/2010/main" xmlns:ma14="http://schemas.microsoft.com/office/mac/drawingml/2011/main" val="1"/>
               </a:ext>
             </a:extLst>
           </p:spPr>
@@ -28941,7 +28941,7 @@
             </a:ln>
             <a:extLst>
               <a:ext uri="{C572A759-6A51-4108-AA02-DFA0A04FC94B}">
-                <ma14:wrappingTextBoxFlag xmlns:ma14="http://schemas.microsoft.com/office/mac/drawingml/2011/main" xmlns:a14="http://schemas.microsoft.com/office/drawing/2010/main" xmlns:m="http://schemas.openxmlformats.org/officeDocument/2006/math" xmlns="" val="1"/>
+                <ma14:wrappingTextBoxFlag xmlns="" xmlns:m="http://schemas.openxmlformats.org/officeDocument/2006/math" xmlns:a14="http://schemas.microsoft.com/office/drawing/2010/main" xmlns:ma14="http://schemas.microsoft.com/office/mac/drawingml/2011/main" val="1"/>
               </a:ext>
             </a:extLst>
           </p:spPr>
@@ -28989,7 +28989,7 @@
             </a:ln>
             <a:extLst>
               <a:ext uri="{C572A759-6A51-4108-AA02-DFA0A04FC94B}">
-                <ma14:wrappingTextBoxFlag xmlns:ma14="http://schemas.microsoft.com/office/mac/drawingml/2011/main" xmlns:a14="http://schemas.microsoft.com/office/drawing/2010/main" xmlns:m="http://schemas.openxmlformats.org/officeDocument/2006/math" xmlns="" val="1"/>
+                <ma14:wrappingTextBoxFlag xmlns="" xmlns:m="http://schemas.openxmlformats.org/officeDocument/2006/math" xmlns:a14="http://schemas.microsoft.com/office/drawing/2010/main" xmlns:ma14="http://schemas.microsoft.com/office/mac/drawingml/2011/main" val="1"/>
               </a:ext>
             </a:extLst>
           </p:spPr>
@@ -29047,7 +29047,7 @@
             </a:ln>
             <a:extLst>
               <a:ext uri="{C572A759-6A51-4108-AA02-DFA0A04FC94B}">
-                <ma14:wrappingTextBoxFlag xmlns:ma14="http://schemas.microsoft.com/office/mac/drawingml/2011/main" xmlns:a14="http://schemas.microsoft.com/office/drawing/2010/main" xmlns:m="http://schemas.openxmlformats.org/officeDocument/2006/math" xmlns="" val="1"/>
+                <ma14:wrappingTextBoxFlag xmlns="" xmlns:m="http://schemas.openxmlformats.org/officeDocument/2006/math" xmlns:a14="http://schemas.microsoft.com/office/drawing/2010/main" xmlns:ma14="http://schemas.microsoft.com/office/mac/drawingml/2011/main" val="1"/>
               </a:ext>
             </a:extLst>
           </p:spPr>
@@ -29104,7 +29104,7 @@
             </a:ln>
             <a:extLst>
               <a:ext uri="{C572A759-6A51-4108-AA02-DFA0A04FC94B}">
-                <ma14:wrappingTextBoxFlag xmlns:ma14="http://schemas.microsoft.com/office/mac/drawingml/2011/main" xmlns:a14="http://schemas.microsoft.com/office/drawing/2010/main" xmlns:m="http://schemas.openxmlformats.org/officeDocument/2006/math" xmlns="" val="1"/>
+                <ma14:wrappingTextBoxFlag xmlns="" xmlns:m="http://schemas.openxmlformats.org/officeDocument/2006/math" xmlns:a14="http://schemas.microsoft.com/office/drawing/2010/main" xmlns:ma14="http://schemas.microsoft.com/office/mac/drawingml/2011/main" val="1"/>
               </a:ext>
             </a:extLst>
           </p:spPr>
@@ -29152,7 +29152,7 @@
             </a:ln>
             <a:extLst>
               <a:ext uri="{C572A759-6A51-4108-AA02-DFA0A04FC94B}">
-                <ma14:wrappingTextBoxFlag xmlns:ma14="http://schemas.microsoft.com/office/mac/drawingml/2011/main" xmlns:a14="http://schemas.microsoft.com/office/drawing/2010/main" xmlns:m="http://schemas.openxmlformats.org/officeDocument/2006/math" xmlns="" val="1"/>
+                <ma14:wrappingTextBoxFlag xmlns="" xmlns:m="http://schemas.openxmlformats.org/officeDocument/2006/math" xmlns:a14="http://schemas.microsoft.com/office/drawing/2010/main" xmlns:ma14="http://schemas.microsoft.com/office/mac/drawingml/2011/main" val="1"/>
               </a:ext>
             </a:extLst>
           </p:spPr>
@@ -29204,7 +29204,7 @@
             </a:ln>
             <a:extLst>
               <a:ext uri="{C572A759-6A51-4108-AA02-DFA0A04FC94B}">
-                <ma14:wrappingTextBoxFlag xmlns:ma14="http://schemas.microsoft.com/office/mac/drawingml/2011/main" xmlns:a14="http://schemas.microsoft.com/office/drawing/2010/main" xmlns:m="http://schemas.openxmlformats.org/officeDocument/2006/math" xmlns="" val="1"/>
+                <ma14:wrappingTextBoxFlag xmlns="" xmlns:m="http://schemas.openxmlformats.org/officeDocument/2006/math" xmlns:a14="http://schemas.microsoft.com/office/drawing/2010/main" xmlns:ma14="http://schemas.microsoft.com/office/mac/drawingml/2011/main" val="1"/>
               </a:ext>
             </a:extLst>
           </p:spPr>
@@ -29262,7 +29262,7 @@
             </a:ln>
             <a:extLst>
               <a:ext uri="{C572A759-6A51-4108-AA02-DFA0A04FC94B}">
-                <ma14:wrappingTextBoxFlag xmlns:ma14="http://schemas.microsoft.com/office/mac/drawingml/2011/main" xmlns:a14="http://schemas.microsoft.com/office/drawing/2010/main" xmlns:m="http://schemas.openxmlformats.org/officeDocument/2006/math" xmlns="" val="1"/>
+                <ma14:wrappingTextBoxFlag xmlns="" xmlns:m="http://schemas.openxmlformats.org/officeDocument/2006/math" xmlns:a14="http://schemas.microsoft.com/office/drawing/2010/main" xmlns:ma14="http://schemas.microsoft.com/office/mac/drawingml/2011/main" val="1"/>
               </a:ext>
             </a:extLst>
           </p:spPr>
@@ -29310,7 +29310,7 @@
             </a:ln>
             <a:extLst>
               <a:ext uri="{C572A759-6A51-4108-AA02-DFA0A04FC94B}">
-                <ma14:wrappingTextBoxFlag xmlns:ma14="http://schemas.microsoft.com/office/mac/drawingml/2011/main" xmlns:a14="http://schemas.microsoft.com/office/drawing/2010/main" xmlns:m="http://schemas.openxmlformats.org/officeDocument/2006/math" xmlns="" val="1"/>
+                <ma14:wrappingTextBoxFlag xmlns="" xmlns:m="http://schemas.openxmlformats.org/officeDocument/2006/math" xmlns:a14="http://schemas.microsoft.com/office/drawing/2010/main" xmlns:ma14="http://schemas.microsoft.com/office/mac/drawingml/2011/main" val="1"/>
               </a:ext>
             </a:extLst>
           </p:spPr>
@@ -29363,7 +29363,7 @@
             </a:ln>
             <a:extLst>
               <a:ext uri="{C572A759-6A51-4108-AA02-DFA0A04FC94B}">
-                <ma14:wrappingTextBoxFlag xmlns:ma14="http://schemas.microsoft.com/office/mac/drawingml/2011/main" xmlns:a14="http://schemas.microsoft.com/office/drawing/2010/main" xmlns:m="http://schemas.openxmlformats.org/officeDocument/2006/math" xmlns="" val="1"/>
+                <ma14:wrappingTextBoxFlag xmlns="" xmlns:m="http://schemas.openxmlformats.org/officeDocument/2006/math" xmlns:a14="http://schemas.microsoft.com/office/drawing/2010/main" xmlns:ma14="http://schemas.microsoft.com/office/mac/drawingml/2011/main" val="1"/>
               </a:ext>
             </a:extLst>
           </p:spPr>
@@ -29411,7 +29411,7 @@
             </a:ln>
             <a:extLst>
               <a:ext uri="{C572A759-6A51-4108-AA02-DFA0A04FC94B}">
-                <ma14:wrappingTextBoxFlag xmlns:ma14="http://schemas.microsoft.com/office/mac/drawingml/2011/main" xmlns:a14="http://schemas.microsoft.com/office/drawing/2010/main" xmlns:m="http://schemas.openxmlformats.org/officeDocument/2006/math" xmlns="" val="1"/>
+                <ma14:wrappingTextBoxFlag xmlns="" xmlns:m="http://schemas.openxmlformats.org/officeDocument/2006/math" xmlns:a14="http://schemas.microsoft.com/office/drawing/2010/main" xmlns:ma14="http://schemas.microsoft.com/office/mac/drawingml/2011/main" val="1"/>
               </a:ext>
             </a:extLst>
           </p:spPr>
@@ -29463,7 +29463,7 @@
             </a:ln>
             <a:extLst>
               <a:ext uri="{C572A759-6A51-4108-AA02-DFA0A04FC94B}">
-                <ma14:wrappingTextBoxFlag xmlns:ma14="http://schemas.microsoft.com/office/mac/drawingml/2011/main" xmlns:a14="http://schemas.microsoft.com/office/drawing/2010/main" xmlns:m="http://schemas.openxmlformats.org/officeDocument/2006/math" xmlns="" val="1"/>
+                <ma14:wrappingTextBoxFlag xmlns="" xmlns:m="http://schemas.openxmlformats.org/officeDocument/2006/math" xmlns:a14="http://schemas.microsoft.com/office/drawing/2010/main" xmlns:ma14="http://schemas.microsoft.com/office/mac/drawingml/2011/main" val="1"/>
               </a:ext>
             </a:extLst>
           </p:spPr>
@@ -29511,7 +29511,7 @@
             </a:ln>
             <a:extLst>
               <a:ext uri="{C572A759-6A51-4108-AA02-DFA0A04FC94B}">
-                <ma14:wrappingTextBoxFlag xmlns:ma14="http://schemas.microsoft.com/office/mac/drawingml/2011/main" xmlns:a14="http://schemas.microsoft.com/office/drawing/2010/main" xmlns:m="http://schemas.openxmlformats.org/officeDocument/2006/math" xmlns="" val="1"/>
+                <ma14:wrappingTextBoxFlag xmlns="" xmlns:m="http://schemas.openxmlformats.org/officeDocument/2006/math" xmlns:a14="http://schemas.microsoft.com/office/drawing/2010/main" xmlns:ma14="http://schemas.microsoft.com/office/mac/drawingml/2011/main" val="1"/>
               </a:ext>
             </a:extLst>
           </p:spPr>
@@ -29565,7 +29565,7 @@
             </a:ln>
             <a:extLst>
               <a:ext uri="{C572A759-6A51-4108-AA02-DFA0A04FC94B}">
-                <ma14:wrappingTextBoxFlag xmlns:ma14="http://schemas.microsoft.com/office/mac/drawingml/2011/main" xmlns:a14="http://schemas.microsoft.com/office/drawing/2010/main" xmlns:m="http://schemas.openxmlformats.org/officeDocument/2006/math" xmlns="" val="1"/>
+                <ma14:wrappingTextBoxFlag xmlns="" xmlns:m="http://schemas.openxmlformats.org/officeDocument/2006/math" xmlns:a14="http://schemas.microsoft.com/office/drawing/2010/main" xmlns:ma14="http://schemas.microsoft.com/office/mac/drawingml/2011/main" val="1"/>
               </a:ext>
             </a:extLst>
           </p:spPr>
@@ -29622,7 +29622,7 @@
             </a:ln>
             <a:extLst>
               <a:ext uri="{C572A759-6A51-4108-AA02-DFA0A04FC94B}">
-                <ma14:wrappingTextBoxFlag xmlns:ma14="http://schemas.microsoft.com/office/mac/drawingml/2011/main" xmlns:a14="http://schemas.microsoft.com/office/drawing/2010/main" xmlns:m="http://schemas.openxmlformats.org/officeDocument/2006/math" xmlns="" val="1"/>
+                <ma14:wrappingTextBoxFlag xmlns="" xmlns:m="http://schemas.openxmlformats.org/officeDocument/2006/math" xmlns:a14="http://schemas.microsoft.com/office/drawing/2010/main" xmlns:ma14="http://schemas.microsoft.com/office/mac/drawingml/2011/main" val="1"/>
               </a:ext>
             </a:extLst>
           </p:spPr>
@@ -29680,7 +29680,7 @@
             </a:ln>
             <a:extLst>
               <a:ext uri="{C572A759-6A51-4108-AA02-DFA0A04FC94B}">
-                <ma14:wrappingTextBoxFlag xmlns:ma14="http://schemas.microsoft.com/office/mac/drawingml/2011/main" xmlns:a14="http://schemas.microsoft.com/office/drawing/2010/main" xmlns:m="http://schemas.openxmlformats.org/officeDocument/2006/math" xmlns="" val="1"/>
+                <ma14:wrappingTextBoxFlag xmlns="" xmlns:m="http://schemas.openxmlformats.org/officeDocument/2006/math" xmlns:a14="http://schemas.microsoft.com/office/drawing/2010/main" xmlns:ma14="http://schemas.microsoft.com/office/mac/drawingml/2011/main" val="1"/>
               </a:ext>
             </a:extLst>
           </p:spPr>
@@ -29761,7 +29761,7 @@
             </a:ln>
             <a:extLst>
               <a:ext uri="{C572A759-6A51-4108-AA02-DFA0A04FC94B}">
-                <ma14:wrappingTextBoxFlag xmlns:ma14="http://schemas.microsoft.com/office/mac/drawingml/2011/main" xmlns:a14="http://schemas.microsoft.com/office/drawing/2010/main" xmlns:m="http://schemas.openxmlformats.org/officeDocument/2006/math" xmlns="" val="1"/>
+                <ma14:wrappingTextBoxFlag xmlns="" xmlns:m="http://schemas.openxmlformats.org/officeDocument/2006/math" xmlns:a14="http://schemas.microsoft.com/office/drawing/2010/main" xmlns:ma14="http://schemas.microsoft.com/office/mac/drawingml/2011/main" val="1"/>
               </a:ext>
             </a:extLst>
           </p:spPr>
@@ -29819,7 +29819,7 @@
             </a:ln>
             <a:extLst>
               <a:ext uri="{C572A759-6A51-4108-AA02-DFA0A04FC94B}">
-                <ma14:wrappingTextBoxFlag xmlns:ma14="http://schemas.microsoft.com/office/mac/drawingml/2011/main" xmlns:a14="http://schemas.microsoft.com/office/drawing/2010/main" xmlns:m="http://schemas.openxmlformats.org/officeDocument/2006/math" xmlns="" val="1"/>
+                <ma14:wrappingTextBoxFlag xmlns="" xmlns:m="http://schemas.openxmlformats.org/officeDocument/2006/math" xmlns:a14="http://schemas.microsoft.com/office/drawing/2010/main" xmlns:ma14="http://schemas.microsoft.com/office/mac/drawingml/2011/main" val="1"/>
               </a:ext>
             </a:extLst>
           </p:spPr>
@@ -29877,7 +29877,7 @@
             </a:ln>
             <a:extLst>
               <a:ext uri="{C572A759-6A51-4108-AA02-DFA0A04FC94B}">
-                <ma14:wrappingTextBoxFlag xmlns:ma14="http://schemas.microsoft.com/office/mac/drawingml/2011/main" xmlns:a14="http://schemas.microsoft.com/office/drawing/2010/main" xmlns:m="http://schemas.openxmlformats.org/officeDocument/2006/math" xmlns="" val="1"/>
+                <ma14:wrappingTextBoxFlag xmlns="" xmlns:m="http://schemas.openxmlformats.org/officeDocument/2006/math" xmlns:a14="http://schemas.microsoft.com/office/drawing/2010/main" xmlns:ma14="http://schemas.microsoft.com/office/mac/drawingml/2011/main" val="1"/>
               </a:ext>
             </a:extLst>
           </p:spPr>
@@ -29935,7 +29935,7 @@
             </a:ln>
             <a:extLst>
               <a:ext uri="{C572A759-6A51-4108-AA02-DFA0A04FC94B}">
-                <ma14:wrappingTextBoxFlag xmlns:ma14="http://schemas.microsoft.com/office/mac/drawingml/2011/main" xmlns:a14="http://schemas.microsoft.com/office/drawing/2010/main" xmlns:m="http://schemas.openxmlformats.org/officeDocument/2006/math" xmlns="" val="1"/>
+                <ma14:wrappingTextBoxFlag xmlns="" xmlns:m="http://schemas.openxmlformats.org/officeDocument/2006/math" xmlns:a14="http://schemas.microsoft.com/office/drawing/2010/main" xmlns:ma14="http://schemas.microsoft.com/office/mac/drawingml/2011/main" val="1"/>
               </a:ext>
             </a:extLst>
           </p:spPr>
@@ -29983,7 +29983,7 @@
             </a:ln>
             <a:extLst>
               <a:ext uri="{C572A759-6A51-4108-AA02-DFA0A04FC94B}">
-                <ma14:wrappingTextBoxFlag xmlns:ma14="http://schemas.microsoft.com/office/mac/drawingml/2011/main" xmlns:a14="http://schemas.microsoft.com/office/drawing/2010/main" xmlns:m="http://schemas.openxmlformats.org/officeDocument/2006/math" xmlns="" val="1"/>
+                <ma14:wrappingTextBoxFlag xmlns="" xmlns:m="http://schemas.openxmlformats.org/officeDocument/2006/math" xmlns:a14="http://schemas.microsoft.com/office/drawing/2010/main" xmlns:ma14="http://schemas.microsoft.com/office/mac/drawingml/2011/main" val="1"/>
               </a:ext>
             </a:extLst>
           </p:spPr>
@@ -30031,7 +30031,7 @@
             </a:ln>
             <a:extLst>
               <a:ext uri="{C572A759-6A51-4108-AA02-DFA0A04FC94B}">
-                <ma14:wrappingTextBoxFlag xmlns:ma14="http://schemas.microsoft.com/office/mac/drawingml/2011/main" xmlns:a14="http://schemas.microsoft.com/office/drawing/2010/main" xmlns:m="http://schemas.openxmlformats.org/officeDocument/2006/math" xmlns="" val="1"/>
+                <ma14:wrappingTextBoxFlag xmlns="" xmlns:m="http://schemas.openxmlformats.org/officeDocument/2006/math" xmlns:a14="http://schemas.microsoft.com/office/drawing/2010/main" xmlns:ma14="http://schemas.microsoft.com/office/mac/drawingml/2011/main" val="1"/>
               </a:ext>
             </a:extLst>
           </p:spPr>
@@ -30085,7 +30085,7 @@
             </a:ln>
             <a:extLst>
               <a:ext uri="{C572A759-6A51-4108-AA02-DFA0A04FC94B}">
-                <ma14:wrappingTextBoxFlag xmlns:ma14="http://schemas.microsoft.com/office/mac/drawingml/2011/main" xmlns:a14="http://schemas.microsoft.com/office/drawing/2010/main" xmlns:m="http://schemas.openxmlformats.org/officeDocument/2006/math" xmlns="" val="1"/>
+                <ma14:wrappingTextBoxFlag xmlns="" xmlns:m="http://schemas.openxmlformats.org/officeDocument/2006/math" xmlns:a14="http://schemas.microsoft.com/office/drawing/2010/main" xmlns:ma14="http://schemas.microsoft.com/office/mac/drawingml/2011/main" val="1"/>
               </a:ext>
             </a:extLst>
           </p:spPr>
@@ -30139,7 +30139,7 @@
             </a:ln>
             <a:extLst>
               <a:ext uri="{C572A759-6A51-4108-AA02-DFA0A04FC94B}">
-                <ma14:wrappingTextBoxFlag xmlns:ma14="http://schemas.microsoft.com/office/mac/drawingml/2011/main" xmlns:a14="http://schemas.microsoft.com/office/drawing/2010/main" xmlns:m="http://schemas.openxmlformats.org/officeDocument/2006/math" xmlns="" val="1"/>
+                <ma14:wrappingTextBoxFlag xmlns="" xmlns:m="http://schemas.openxmlformats.org/officeDocument/2006/math" xmlns:a14="http://schemas.microsoft.com/office/drawing/2010/main" xmlns:ma14="http://schemas.microsoft.com/office/mac/drawingml/2011/main" val="1"/>
               </a:ext>
             </a:extLst>
           </p:spPr>
@@ -30192,7 +30192,7 @@
             </a:ln>
             <a:extLst>
               <a:ext uri="{C572A759-6A51-4108-AA02-DFA0A04FC94B}">
-                <ma14:wrappingTextBoxFlag xmlns:ma14="http://schemas.microsoft.com/office/mac/drawingml/2011/main" xmlns:a14="http://schemas.microsoft.com/office/drawing/2010/main" xmlns:m="http://schemas.openxmlformats.org/officeDocument/2006/math" xmlns="" val="1"/>
+                <ma14:wrappingTextBoxFlag xmlns="" xmlns:m="http://schemas.openxmlformats.org/officeDocument/2006/math" xmlns:a14="http://schemas.microsoft.com/office/drawing/2010/main" xmlns:ma14="http://schemas.microsoft.com/office/mac/drawingml/2011/main" val="1"/>
               </a:ext>
             </a:extLst>
           </p:spPr>
@@ -30245,7 +30245,7 @@
             </a:ln>
             <a:extLst>
               <a:ext uri="{C572A759-6A51-4108-AA02-DFA0A04FC94B}">
-                <ma14:wrappingTextBoxFlag xmlns:ma14="http://schemas.microsoft.com/office/mac/drawingml/2011/main" xmlns:a14="http://schemas.microsoft.com/office/drawing/2010/main" xmlns:m="http://schemas.openxmlformats.org/officeDocument/2006/math" xmlns="" val="1"/>
+                <ma14:wrappingTextBoxFlag xmlns="" xmlns:m="http://schemas.openxmlformats.org/officeDocument/2006/math" xmlns:a14="http://schemas.microsoft.com/office/drawing/2010/main" xmlns:ma14="http://schemas.microsoft.com/office/mac/drawingml/2011/main" val="1"/>
               </a:ext>
             </a:extLst>
           </p:spPr>
@@ -30298,7 +30298,7 @@
             </a:ln>
             <a:extLst>
               <a:ext uri="{C572A759-6A51-4108-AA02-DFA0A04FC94B}">
-                <ma14:wrappingTextBoxFlag xmlns:ma14="http://schemas.microsoft.com/office/mac/drawingml/2011/main" xmlns:a14="http://schemas.microsoft.com/office/drawing/2010/main" xmlns:m="http://schemas.openxmlformats.org/officeDocument/2006/math" xmlns="" val="1"/>
+                <ma14:wrappingTextBoxFlag xmlns="" xmlns:m="http://schemas.openxmlformats.org/officeDocument/2006/math" xmlns:a14="http://schemas.microsoft.com/office/drawing/2010/main" xmlns:ma14="http://schemas.microsoft.com/office/mac/drawingml/2011/main" val="1"/>
               </a:ext>
             </a:extLst>
           </p:spPr>
@@ -30616,7 +30616,7 @@
             </a:ln>
             <a:extLst>
               <a:ext uri="{C572A759-6A51-4108-AA02-DFA0A04FC94B}">
-                <ma14:wrappingTextBoxFlag xmlns:ma14="http://schemas.microsoft.com/office/mac/drawingml/2011/main" xmlns:a14="http://schemas.microsoft.com/office/drawing/2010/main" xmlns:m="http://schemas.openxmlformats.org/officeDocument/2006/math" xmlns="" val="1"/>
+                <ma14:wrappingTextBoxFlag xmlns="" xmlns:m="http://schemas.openxmlformats.org/officeDocument/2006/math" xmlns:a14="http://schemas.microsoft.com/office/drawing/2010/main" xmlns:ma14="http://schemas.microsoft.com/office/mac/drawingml/2011/main" val="1"/>
               </a:ext>
             </a:extLst>
           </p:spPr>
@@ -30664,7 +30664,7 @@
             </a:ln>
             <a:extLst>
               <a:ext uri="{C572A759-6A51-4108-AA02-DFA0A04FC94B}">
-                <ma14:wrappingTextBoxFlag xmlns:ma14="http://schemas.microsoft.com/office/mac/drawingml/2011/main" xmlns:a14="http://schemas.microsoft.com/office/drawing/2010/main" xmlns:m="http://schemas.openxmlformats.org/officeDocument/2006/math" xmlns="" val="1"/>
+                <ma14:wrappingTextBoxFlag xmlns="" xmlns:m="http://schemas.openxmlformats.org/officeDocument/2006/math" xmlns:a14="http://schemas.microsoft.com/office/drawing/2010/main" xmlns:ma14="http://schemas.microsoft.com/office/mac/drawingml/2011/main" val="1"/>
               </a:ext>
             </a:extLst>
           </p:spPr>
@@ -30712,7 +30712,7 @@
             </a:ln>
             <a:extLst>
               <a:ext uri="{C572A759-6A51-4108-AA02-DFA0A04FC94B}">
-                <ma14:wrappingTextBoxFlag xmlns:ma14="http://schemas.microsoft.com/office/mac/drawingml/2011/main" xmlns:a14="http://schemas.microsoft.com/office/drawing/2010/main" xmlns:m="http://schemas.openxmlformats.org/officeDocument/2006/math" xmlns="" val="1"/>
+                <ma14:wrappingTextBoxFlag xmlns="" xmlns:m="http://schemas.openxmlformats.org/officeDocument/2006/math" xmlns:a14="http://schemas.microsoft.com/office/drawing/2010/main" xmlns:ma14="http://schemas.microsoft.com/office/mac/drawingml/2011/main" val="1"/>
               </a:ext>
             </a:extLst>
           </p:spPr>
@@ -30764,7 +30764,7 @@
             </a:ln>
             <a:extLst>
               <a:ext uri="{C572A759-6A51-4108-AA02-DFA0A04FC94B}">
-                <ma14:wrappingTextBoxFlag xmlns:ma14="http://schemas.microsoft.com/office/mac/drawingml/2011/main" xmlns:a14="http://schemas.microsoft.com/office/drawing/2010/main" xmlns:m="http://schemas.openxmlformats.org/officeDocument/2006/math" xmlns="" val="1"/>
+                <ma14:wrappingTextBoxFlag xmlns="" xmlns:m="http://schemas.openxmlformats.org/officeDocument/2006/math" xmlns:a14="http://schemas.microsoft.com/office/drawing/2010/main" xmlns:ma14="http://schemas.microsoft.com/office/mac/drawingml/2011/main" val="1"/>
               </a:ext>
             </a:extLst>
           </p:spPr>
@@ -30812,7 +30812,7 @@
             </a:ln>
             <a:extLst>
               <a:ext uri="{C572A759-6A51-4108-AA02-DFA0A04FC94B}">
-                <ma14:wrappingTextBoxFlag xmlns:ma14="http://schemas.microsoft.com/office/mac/drawingml/2011/main" xmlns:a14="http://schemas.microsoft.com/office/drawing/2010/main" xmlns:m="http://schemas.openxmlformats.org/officeDocument/2006/math" xmlns="" val="1"/>
+                <ma14:wrappingTextBoxFlag xmlns="" xmlns:m="http://schemas.openxmlformats.org/officeDocument/2006/math" xmlns:a14="http://schemas.microsoft.com/office/drawing/2010/main" xmlns:ma14="http://schemas.microsoft.com/office/mac/drawingml/2011/main" val="1"/>
               </a:ext>
             </a:extLst>
           </p:spPr>
@@ -30860,7 +30860,7 @@
             </a:ln>
             <a:extLst>
               <a:ext uri="{C572A759-6A51-4108-AA02-DFA0A04FC94B}">
-                <ma14:wrappingTextBoxFlag xmlns:ma14="http://schemas.microsoft.com/office/mac/drawingml/2011/main" xmlns:a14="http://schemas.microsoft.com/office/drawing/2010/main" xmlns:m="http://schemas.openxmlformats.org/officeDocument/2006/math" xmlns="" val="1"/>
+                <ma14:wrappingTextBoxFlag xmlns="" xmlns:m="http://schemas.openxmlformats.org/officeDocument/2006/math" xmlns:a14="http://schemas.microsoft.com/office/drawing/2010/main" xmlns:ma14="http://schemas.microsoft.com/office/mac/drawingml/2011/main" val="1"/>
               </a:ext>
             </a:extLst>
           </p:spPr>
@@ -30917,7 +30917,7 @@
             </a:ln>
             <a:extLst>
               <a:ext uri="{C572A759-6A51-4108-AA02-DFA0A04FC94B}">
-                <ma14:wrappingTextBoxFlag xmlns:ma14="http://schemas.microsoft.com/office/mac/drawingml/2011/main" xmlns:a14="http://schemas.microsoft.com/office/drawing/2010/main" xmlns:m="http://schemas.openxmlformats.org/officeDocument/2006/math" xmlns="" val="1"/>
+                <ma14:wrappingTextBoxFlag xmlns="" xmlns:m="http://schemas.openxmlformats.org/officeDocument/2006/math" xmlns:a14="http://schemas.microsoft.com/office/drawing/2010/main" xmlns:ma14="http://schemas.microsoft.com/office/mac/drawingml/2011/main" val="1"/>
               </a:ext>
             </a:extLst>
           </p:spPr>
@@ -30975,7 +30975,7 @@
             </a:ln>
             <a:extLst>
               <a:ext uri="{C572A759-6A51-4108-AA02-DFA0A04FC94B}">
-                <ma14:wrappingTextBoxFlag xmlns:ma14="http://schemas.microsoft.com/office/mac/drawingml/2011/main" xmlns:a14="http://schemas.microsoft.com/office/drawing/2010/main" xmlns:m="http://schemas.openxmlformats.org/officeDocument/2006/math" xmlns="" val="1"/>
+                <ma14:wrappingTextBoxFlag xmlns="" xmlns:m="http://schemas.openxmlformats.org/officeDocument/2006/math" xmlns:a14="http://schemas.microsoft.com/office/drawing/2010/main" xmlns:ma14="http://schemas.microsoft.com/office/mac/drawingml/2011/main" val="1"/>
               </a:ext>
             </a:extLst>
           </p:spPr>
@@ -31023,7 +31023,7 @@
             </a:ln>
             <a:extLst>
               <a:ext uri="{C572A759-6A51-4108-AA02-DFA0A04FC94B}">
-                <ma14:wrappingTextBoxFlag xmlns:ma14="http://schemas.microsoft.com/office/mac/drawingml/2011/main" xmlns:a14="http://schemas.microsoft.com/office/drawing/2010/main" xmlns:m="http://schemas.openxmlformats.org/officeDocument/2006/math" xmlns="" val="1"/>
+                <ma14:wrappingTextBoxFlag xmlns="" xmlns:m="http://schemas.openxmlformats.org/officeDocument/2006/math" xmlns:a14="http://schemas.microsoft.com/office/drawing/2010/main" xmlns:ma14="http://schemas.microsoft.com/office/mac/drawingml/2011/main" val="1"/>
               </a:ext>
             </a:extLst>
           </p:spPr>
@@ -31071,7 +31071,7 @@
             </a:ln>
             <a:extLst>
               <a:ext uri="{C572A759-6A51-4108-AA02-DFA0A04FC94B}">
-                <ma14:wrappingTextBoxFlag xmlns:ma14="http://schemas.microsoft.com/office/mac/drawingml/2011/main" xmlns:a14="http://schemas.microsoft.com/office/drawing/2010/main" xmlns:m="http://schemas.openxmlformats.org/officeDocument/2006/math" xmlns="" val="1"/>
+                <ma14:wrappingTextBoxFlag xmlns="" xmlns:m="http://schemas.openxmlformats.org/officeDocument/2006/math" xmlns:a14="http://schemas.microsoft.com/office/drawing/2010/main" xmlns:ma14="http://schemas.microsoft.com/office/mac/drawingml/2011/main" val="1"/>
               </a:ext>
             </a:extLst>
           </p:spPr>
@@ -31119,7 +31119,7 @@
             </a:ln>
             <a:extLst>
               <a:ext uri="{C572A759-6A51-4108-AA02-DFA0A04FC94B}">
-                <ma14:wrappingTextBoxFlag xmlns:ma14="http://schemas.microsoft.com/office/mac/drawingml/2011/main" xmlns:a14="http://schemas.microsoft.com/office/drawing/2010/main" xmlns:m="http://schemas.openxmlformats.org/officeDocument/2006/math" xmlns="" val="1"/>
+                <ma14:wrappingTextBoxFlag xmlns="" xmlns:m="http://schemas.openxmlformats.org/officeDocument/2006/math" xmlns:a14="http://schemas.microsoft.com/office/drawing/2010/main" xmlns:ma14="http://schemas.microsoft.com/office/mac/drawingml/2011/main" val="1"/>
               </a:ext>
             </a:extLst>
           </p:spPr>
@@ -31177,7 +31177,7 @@
             </a:ln>
             <a:extLst>
               <a:ext uri="{C572A759-6A51-4108-AA02-DFA0A04FC94B}">
-                <ma14:wrappingTextBoxFlag xmlns:ma14="http://schemas.microsoft.com/office/mac/drawingml/2011/main" xmlns:a14="http://schemas.microsoft.com/office/drawing/2010/main" xmlns:m="http://schemas.openxmlformats.org/officeDocument/2006/math" xmlns="" val="1"/>
+                <ma14:wrappingTextBoxFlag xmlns="" xmlns:m="http://schemas.openxmlformats.org/officeDocument/2006/math" xmlns:a14="http://schemas.microsoft.com/office/drawing/2010/main" xmlns:ma14="http://schemas.microsoft.com/office/mac/drawingml/2011/main" val="1"/>
               </a:ext>
             </a:extLst>
           </p:spPr>
@@ -31234,7 +31234,7 @@
             </a:ln>
             <a:extLst>
               <a:ext uri="{C572A759-6A51-4108-AA02-DFA0A04FC94B}">
-                <ma14:wrappingTextBoxFlag xmlns:ma14="http://schemas.microsoft.com/office/mac/drawingml/2011/main" xmlns:a14="http://schemas.microsoft.com/office/drawing/2010/main" xmlns:m="http://schemas.openxmlformats.org/officeDocument/2006/math" xmlns="" val="1"/>
+                <ma14:wrappingTextBoxFlag xmlns="" xmlns:m="http://schemas.openxmlformats.org/officeDocument/2006/math" xmlns:a14="http://schemas.microsoft.com/office/drawing/2010/main" xmlns:ma14="http://schemas.microsoft.com/office/mac/drawingml/2011/main" val="1"/>
               </a:ext>
             </a:extLst>
           </p:spPr>
@@ -31282,7 +31282,7 @@
             </a:ln>
             <a:extLst>
               <a:ext uri="{C572A759-6A51-4108-AA02-DFA0A04FC94B}">
-                <ma14:wrappingTextBoxFlag xmlns:ma14="http://schemas.microsoft.com/office/mac/drawingml/2011/main" xmlns:a14="http://schemas.microsoft.com/office/drawing/2010/main" xmlns:m="http://schemas.openxmlformats.org/officeDocument/2006/math" xmlns="" val="1"/>
+                <ma14:wrappingTextBoxFlag xmlns="" xmlns:m="http://schemas.openxmlformats.org/officeDocument/2006/math" xmlns:a14="http://schemas.microsoft.com/office/drawing/2010/main" xmlns:ma14="http://schemas.microsoft.com/office/mac/drawingml/2011/main" val="1"/>
               </a:ext>
             </a:extLst>
           </p:spPr>
@@ -31334,7 +31334,7 @@
             </a:ln>
             <a:extLst>
               <a:ext uri="{C572A759-6A51-4108-AA02-DFA0A04FC94B}">
-                <ma14:wrappingTextBoxFlag xmlns:ma14="http://schemas.microsoft.com/office/mac/drawingml/2011/main" xmlns:a14="http://schemas.microsoft.com/office/drawing/2010/main" xmlns:m="http://schemas.openxmlformats.org/officeDocument/2006/math" xmlns="" val="1"/>
+                <ma14:wrappingTextBoxFlag xmlns="" xmlns:m="http://schemas.openxmlformats.org/officeDocument/2006/math" xmlns:a14="http://schemas.microsoft.com/office/drawing/2010/main" xmlns:ma14="http://schemas.microsoft.com/office/mac/drawingml/2011/main" val="1"/>
               </a:ext>
             </a:extLst>
           </p:spPr>
@@ -31392,7 +31392,7 @@
             </a:ln>
             <a:extLst>
               <a:ext uri="{C572A759-6A51-4108-AA02-DFA0A04FC94B}">
-                <ma14:wrappingTextBoxFlag xmlns:ma14="http://schemas.microsoft.com/office/mac/drawingml/2011/main" xmlns:a14="http://schemas.microsoft.com/office/drawing/2010/main" xmlns:m="http://schemas.openxmlformats.org/officeDocument/2006/math" xmlns="" val="1"/>
+                <ma14:wrappingTextBoxFlag xmlns="" xmlns:m="http://schemas.openxmlformats.org/officeDocument/2006/math" xmlns:a14="http://schemas.microsoft.com/office/drawing/2010/main" xmlns:ma14="http://schemas.microsoft.com/office/mac/drawingml/2011/main" val="1"/>
               </a:ext>
             </a:extLst>
           </p:spPr>
@@ -31440,7 +31440,7 @@
             </a:ln>
             <a:extLst>
               <a:ext uri="{C572A759-6A51-4108-AA02-DFA0A04FC94B}">
-                <ma14:wrappingTextBoxFlag xmlns:ma14="http://schemas.microsoft.com/office/mac/drawingml/2011/main" xmlns:a14="http://schemas.microsoft.com/office/drawing/2010/main" xmlns:m="http://schemas.openxmlformats.org/officeDocument/2006/math" xmlns="" val="1"/>
+                <ma14:wrappingTextBoxFlag xmlns="" xmlns:m="http://schemas.openxmlformats.org/officeDocument/2006/math" xmlns:a14="http://schemas.microsoft.com/office/drawing/2010/main" xmlns:ma14="http://schemas.microsoft.com/office/mac/drawingml/2011/main" val="1"/>
               </a:ext>
             </a:extLst>
           </p:spPr>
@@ -31493,7 +31493,7 @@
             </a:ln>
             <a:extLst>
               <a:ext uri="{C572A759-6A51-4108-AA02-DFA0A04FC94B}">
-                <ma14:wrappingTextBoxFlag xmlns:ma14="http://schemas.microsoft.com/office/mac/drawingml/2011/main" xmlns:a14="http://schemas.microsoft.com/office/drawing/2010/main" xmlns:m="http://schemas.openxmlformats.org/officeDocument/2006/math" xmlns="" val="1"/>
+                <ma14:wrappingTextBoxFlag xmlns="" xmlns:m="http://schemas.openxmlformats.org/officeDocument/2006/math" xmlns:a14="http://schemas.microsoft.com/office/drawing/2010/main" xmlns:ma14="http://schemas.microsoft.com/office/mac/drawingml/2011/main" val="1"/>
               </a:ext>
             </a:extLst>
           </p:spPr>
@@ -31541,7 +31541,7 @@
             </a:ln>
             <a:extLst>
               <a:ext uri="{C572A759-6A51-4108-AA02-DFA0A04FC94B}">
-                <ma14:wrappingTextBoxFlag xmlns:ma14="http://schemas.microsoft.com/office/mac/drawingml/2011/main" xmlns:a14="http://schemas.microsoft.com/office/drawing/2010/main" xmlns:m="http://schemas.openxmlformats.org/officeDocument/2006/math" xmlns="" val="1"/>
+                <ma14:wrappingTextBoxFlag xmlns="" xmlns:m="http://schemas.openxmlformats.org/officeDocument/2006/math" xmlns:a14="http://schemas.microsoft.com/office/drawing/2010/main" xmlns:ma14="http://schemas.microsoft.com/office/mac/drawingml/2011/main" val="1"/>
               </a:ext>
             </a:extLst>
           </p:spPr>
@@ -31593,7 +31593,7 @@
             </a:ln>
             <a:extLst>
               <a:ext uri="{C572A759-6A51-4108-AA02-DFA0A04FC94B}">
-                <ma14:wrappingTextBoxFlag xmlns:ma14="http://schemas.microsoft.com/office/mac/drawingml/2011/main" xmlns:a14="http://schemas.microsoft.com/office/drawing/2010/main" xmlns:m="http://schemas.openxmlformats.org/officeDocument/2006/math" xmlns="" val="1"/>
+                <ma14:wrappingTextBoxFlag xmlns="" xmlns:m="http://schemas.openxmlformats.org/officeDocument/2006/math" xmlns:a14="http://schemas.microsoft.com/office/drawing/2010/main" xmlns:ma14="http://schemas.microsoft.com/office/mac/drawingml/2011/main" val="1"/>
               </a:ext>
             </a:extLst>
           </p:spPr>
@@ -31641,7 +31641,7 @@
             </a:ln>
             <a:extLst>
               <a:ext uri="{C572A759-6A51-4108-AA02-DFA0A04FC94B}">
-                <ma14:wrappingTextBoxFlag xmlns:ma14="http://schemas.microsoft.com/office/mac/drawingml/2011/main" xmlns:a14="http://schemas.microsoft.com/office/drawing/2010/main" xmlns:m="http://schemas.openxmlformats.org/officeDocument/2006/math" xmlns="" val="1"/>
+                <ma14:wrappingTextBoxFlag xmlns="" xmlns:m="http://schemas.openxmlformats.org/officeDocument/2006/math" xmlns:a14="http://schemas.microsoft.com/office/drawing/2010/main" xmlns:ma14="http://schemas.microsoft.com/office/mac/drawingml/2011/main" val="1"/>
               </a:ext>
             </a:extLst>
           </p:spPr>
@@ -31695,7 +31695,7 @@
             </a:ln>
             <a:extLst>
               <a:ext uri="{C572A759-6A51-4108-AA02-DFA0A04FC94B}">
-                <ma14:wrappingTextBoxFlag xmlns:ma14="http://schemas.microsoft.com/office/mac/drawingml/2011/main" xmlns:a14="http://schemas.microsoft.com/office/drawing/2010/main" xmlns:m="http://schemas.openxmlformats.org/officeDocument/2006/math" xmlns="" val="1"/>
+                <ma14:wrappingTextBoxFlag xmlns="" xmlns:m="http://schemas.openxmlformats.org/officeDocument/2006/math" xmlns:a14="http://schemas.microsoft.com/office/drawing/2010/main" xmlns:ma14="http://schemas.microsoft.com/office/mac/drawingml/2011/main" val="1"/>
               </a:ext>
             </a:extLst>
           </p:spPr>
@@ -31752,7 +31752,7 @@
             </a:ln>
             <a:extLst>
               <a:ext uri="{C572A759-6A51-4108-AA02-DFA0A04FC94B}">
-                <ma14:wrappingTextBoxFlag xmlns:ma14="http://schemas.microsoft.com/office/mac/drawingml/2011/main" xmlns:a14="http://schemas.microsoft.com/office/drawing/2010/main" xmlns:m="http://schemas.openxmlformats.org/officeDocument/2006/math" xmlns="" val="1"/>
+                <ma14:wrappingTextBoxFlag xmlns="" xmlns:m="http://schemas.openxmlformats.org/officeDocument/2006/math" xmlns:a14="http://schemas.microsoft.com/office/drawing/2010/main" xmlns:ma14="http://schemas.microsoft.com/office/mac/drawingml/2011/main" val="1"/>
               </a:ext>
             </a:extLst>
           </p:spPr>
@@ -31810,7 +31810,7 @@
             </a:ln>
             <a:extLst>
               <a:ext uri="{C572A759-6A51-4108-AA02-DFA0A04FC94B}">
-                <ma14:wrappingTextBoxFlag xmlns:ma14="http://schemas.microsoft.com/office/mac/drawingml/2011/main" xmlns:a14="http://schemas.microsoft.com/office/drawing/2010/main" xmlns:m="http://schemas.openxmlformats.org/officeDocument/2006/math" xmlns="" val="1"/>
+                <ma14:wrappingTextBoxFlag xmlns="" xmlns:m="http://schemas.openxmlformats.org/officeDocument/2006/math" xmlns:a14="http://schemas.microsoft.com/office/drawing/2010/main" xmlns:ma14="http://schemas.microsoft.com/office/mac/drawingml/2011/main" val="1"/>
               </a:ext>
             </a:extLst>
           </p:spPr>
@@ -31891,7 +31891,7 @@
             </a:ln>
             <a:extLst>
               <a:ext uri="{C572A759-6A51-4108-AA02-DFA0A04FC94B}">
-                <ma14:wrappingTextBoxFlag xmlns:ma14="http://schemas.microsoft.com/office/mac/drawingml/2011/main" xmlns:a14="http://schemas.microsoft.com/office/drawing/2010/main" xmlns:m="http://schemas.openxmlformats.org/officeDocument/2006/math" xmlns="" val="1"/>
+                <ma14:wrappingTextBoxFlag xmlns="" xmlns:m="http://schemas.openxmlformats.org/officeDocument/2006/math" xmlns:a14="http://schemas.microsoft.com/office/drawing/2010/main" xmlns:ma14="http://schemas.microsoft.com/office/mac/drawingml/2011/main" val="1"/>
               </a:ext>
             </a:extLst>
           </p:spPr>
@@ -31949,7 +31949,7 @@
             </a:ln>
             <a:extLst>
               <a:ext uri="{C572A759-6A51-4108-AA02-DFA0A04FC94B}">
-                <ma14:wrappingTextBoxFlag xmlns:ma14="http://schemas.microsoft.com/office/mac/drawingml/2011/main" xmlns:a14="http://schemas.microsoft.com/office/drawing/2010/main" xmlns:m="http://schemas.openxmlformats.org/officeDocument/2006/math" xmlns="" val="1"/>
+                <ma14:wrappingTextBoxFlag xmlns="" xmlns:m="http://schemas.openxmlformats.org/officeDocument/2006/math" xmlns:a14="http://schemas.microsoft.com/office/drawing/2010/main" xmlns:ma14="http://schemas.microsoft.com/office/mac/drawingml/2011/main" val="1"/>
               </a:ext>
             </a:extLst>
           </p:spPr>
@@ -32007,7 +32007,7 @@
             </a:ln>
             <a:extLst>
               <a:ext uri="{C572A759-6A51-4108-AA02-DFA0A04FC94B}">
-                <ma14:wrappingTextBoxFlag xmlns:ma14="http://schemas.microsoft.com/office/mac/drawingml/2011/main" xmlns:a14="http://schemas.microsoft.com/office/drawing/2010/main" xmlns:m="http://schemas.openxmlformats.org/officeDocument/2006/math" xmlns="" val="1"/>
+                <ma14:wrappingTextBoxFlag xmlns="" xmlns:m="http://schemas.openxmlformats.org/officeDocument/2006/math" xmlns:a14="http://schemas.microsoft.com/office/drawing/2010/main" xmlns:ma14="http://schemas.microsoft.com/office/mac/drawingml/2011/main" val="1"/>
               </a:ext>
             </a:extLst>
           </p:spPr>
@@ -32065,7 +32065,7 @@
             </a:ln>
             <a:extLst>
               <a:ext uri="{C572A759-6A51-4108-AA02-DFA0A04FC94B}">
-                <ma14:wrappingTextBoxFlag xmlns:ma14="http://schemas.microsoft.com/office/mac/drawingml/2011/main" xmlns:a14="http://schemas.microsoft.com/office/drawing/2010/main" xmlns:m="http://schemas.openxmlformats.org/officeDocument/2006/math" xmlns="" val="1"/>
+                <ma14:wrappingTextBoxFlag xmlns="" xmlns:m="http://schemas.openxmlformats.org/officeDocument/2006/math" xmlns:a14="http://schemas.microsoft.com/office/drawing/2010/main" xmlns:ma14="http://schemas.microsoft.com/office/mac/drawingml/2011/main" val="1"/>
               </a:ext>
             </a:extLst>
           </p:spPr>
@@ -32113,7 +32113,7 @@
             </a:ln>
             <a:extLst>
               <a:ext uri="{C572A759-6A51-4108-AA02-DFA0A04FC94B}">
-                <ma14:wrappingTextBoxFlag xmlns:ma14="http://schemas.microsoft.com/office/mac/drawingml/2011/main" xmlns:a14="http://schemas.microsoft.com/office/drawing/2010/main" xmlns:m="http://schemas.openxmlformats.org/officeDocument/2006/math" xmlns="" val="1"/>
+                <ma14:wrappingTextBoxFlag xmlns="" xmlns:m="http://schemas.openxmlformats.org/officeDocument/2006/math" xmlns:a14="http://schemas.microsoft.com/office/drawing/2010/main" xmlns:ma14="http://schemas.microsoft.com/office/mac/drawingml/2011/main" val="1"/>
               </a:ext>
             </a:extLst>
           </p:spPr>
@@ -32161,7 +32161,7 @@
             </a:ln>
             <a:extLst>
               <a:ext uri="{C572A759-6A51-4108-AA02-DFA0A04FC94B}">
-                <ma14:wrappingTextBoxFlag xmlns:ma14="http://schemas.microsoft.com/office/mac/drawingml/2011/main" xmlns:a14="http://schemas.microsoft.com/office/drawing/2010/main" xmlns:m="http://schemas.openxmlformats.org/officeDocument/2006/math" xmlns="" val="1"/>
+                <ma14:wrappingTextBoxFlag xmlns="" xmlns:m="http://schemas.openxmlformats.org/officeDocument/2006/math" xmlns:a14="http://schemas.microsoft.com/office/drawing/2010/main" xmlns:ma14="http://schemas.microsoft.com/office/mac/drawingml/2011/main" val="1"/>
               </a:ext>
             </a:extLst>
           </p:spPr>
@@ -32215,7 +32215,7 @@
             </a:ln>
             <a:extLst>
               <a:ext uri="{C572A759-6A51-4108-AA02-DFA0A04FC94B}">
-                <ma14:wrappingTextBoxFlag xmlns:ma14="http://schemas.microsoft.com/office/mac/drawingml/2011/main" xmlns:a14="http://schemas.microsoft.com/office/drawing/2010/main" xmlns:m="http://schemas.openxmlformats.org/officeDocument/2006/math" xmlns="" val="1"/>
+                <ma14:wrappingTextBoxFlag xmlns="" xmlns:m="http://schemas.openxmlformats.org/officeDocument/2006/math" xmlns:a14="http://schemas.microsoft.com/office/drawing/2010/main" xmlns:ma14="http://schemas.microsoft.com/office/mac/drawingml/2011/main" val="1"/>
               </a:ext>
             </a:extLst>
           </p:spPr>
@@ -32269,7 +32269,7 @@
             </a:ln>
             <a:extLst>
               <a:ext uri="{C572A759-6A51-4108-AA02-DFA0A04FC94B}">
-                <ma14:wrappingTextBoxFlag xmlns:ma14="http://schemas.microsoft.com/office/mac/drawingml/2011/main" xmlns:a14="http://schemas.microsoft.com/office/drawing/2010/main" xmlns:m="http://schemas.openxmlformats.org/officeDocument/2006/math" xmlns="" val="1"/>
+                <ma14:wrappingTextBoxFlag xmlns="" xmlns:m="http://schemas.openxmlformats.org/officeDocument/2006/math" xmlns:a14="http://schemas.microsoft.com/office/drawing/2010/main" xmlns:ma14="http://schemas.microsoft.com/office/mac/drawingml/2011/main" val="1"/>
               </a:ext>
             </a:extLst>
           </p:spPr>
@@ -32322,7 +32322,7 @@
             </a:ln>
             <a:extLst>
               <a:ext uri="{C572A759-6A51-4108-AA02-DFA0A04FC94B}">
-                <ma14:wrappingTextBoxFlag xmlns:ma14="http://schemas.microsoft.com/office/mac/drawingml/2011/main" xmlns:a14="http://schemas.microsoft.com/office/drawing/2010/main" xmlns:m="http://schemas.openxmlformats.org/officeDocument/2006/math" xmlns="" val="1"/>
+                <ma14:wrappingTextBoxFlag xmlns="" xmlns:m="http://schemas.openxmlformats.org/officeDocument/2006/math" xmlns:a14="http://schemas.microsoft.com/office/drawing/2010/main" xmlns:ma14="http://schemas.microsoft.com/office/mac/drawingml/2011/main" val="1"/>
               </a:ext>
             </a:extLst>
           </p:spPr>
@@ -32375,7 +32375,7 @@
             </a:ln>
             <a:extLst>
               <a:ext uri="{C572A759-6A51-4108-AA02-DFA0A04FC94B}">
-                <ma14:wrappingTextBoxFlag xmlns:ma14="http://schemas.microsoft.com/office/mac/drawingml/2011/main" xmlns:a14="http://schemas.microsoft.com/office/drawing/2010/main" xmlns:m="http://schemas.openxmlformats.org/officeDocument/2006/math" xmlns="" val="1"/>
+                <ma14:wrappingTextBoxFlag xmlns="" xmlns:m="http://schemas.openxmlformats.org/officeDocument/2006/math" xmlns:a14="http://schemas.microsoft.com/office/drawing/2010/main" xmlns:ma14="http://schemas.microsoft.com/office/mac/drawingml/2011/main" val="1"/>
               </a:ext>
             </a:extLst>
           </p:spPr>
@@ -32428,7 +32428,7 @@
             </a:ln>
             <a:extLst>
               <a:ext uri="{C572A759-6A51-4108-AA02-DFA0A04FC94B}">
-                <ma14:wrappingTextBoxFlag xmlns:ma14="http://schemas.microsoft.com/office/mac/drawingml/2011/main" xmlns:a14="http://schemas.microsoft.com/office/drawing/2010/main" xmlns:m="http://schemas.openxmlformats.org/officeDocument/2006/math" xmlns="" val="1"/>
+                <ma14:wrappingTextBoxFlag xmlns="" xmlns:m="http://schemas.openxmlformats.org/officeDocument/2006/math" xmlns:a14="http://schemas.microsoft.com/office/drawing/2010/main" xmlns:ma14="http://schemas.microsoft.com/office/mac/drawingml/2011/main" val="1"/>
               </a:ext>
             </a:extLst>
           </p:spPr>
@@ -33043,7 +33043,7 @@
             </a:ln>
             <a:extLst>
               <a:ext uri="{C572A759-6A51-4108-AA02-DFA0A04FC94B}">
-                <ma14:wrappingTextBoxFlag xmlns:m="http://schemas.openxmlformats.org/officeDocument/2006/math" xmlns:a14="http://schemas.microsoft.com/office/drawing/2010/main" xmlns:ma14="http://schemas.microsoft.com/office/mac/drawingml/2011/main" xmlns="" val="1"/>
+                <ma14:wrappingTextBoxFlag xmlns="" xmlns:ma14="http://schemas.microsoft.com/office/mac/drawingml/2011/main" xmlns:a14="http://schemas.microsoft.com/office/drawing/2010/main" xmlns:m="http://schemas.openxmlformats.org/officeDocument/2006/math" val="1"/>
               </a:ext>
             </a:extLst>
           </p:spPr>
@@ -33091,7 +33091,7 @@
             </a:ln>
             <a:extLst>
               <a:ext uri="{C572A759-6A51-4108-AA02-DFA0A04FC94B}">
-                <ma14:wrappingTextBoxFlag xmlns:m="http://schemas.openxmlformats.org/officeDocument/2006/math" xmlns:a14="http://schemas.microsoft.com/office/drawing/2010/main" xmlns:ma14="http://schemas.microsoft.com/office/mac/drawingml/2011/main" xmlns="" val="1"/>
+                <ma14:wrappingTextBoxFlag xmlns="" xmlns:ma14="http://schemas.microsoft.com/office/mac/drawingml/2011/main" xmlns:a14="http://schemas.microsoft.com/office/drawing/2010/main" xmlns:m="http://schemas.openxmlformats.org/officeDocument/2006/math" val="1"/>
               </a:ext>
             </a:extLst>
           </p:spPr>
@@ -33139,7 +33139,7 @@
             </a:ln>
             <a:extLst>
               <a:ext uri="{C572A759-6A51-4108-AA02-DFA0A04FC94B}">
-                <ma14:wrappingTextBoxFlag xmlns:m="http://schemas.openxmlformats.org/officeDocument/2006/math" xmlns:a14="http://schemas.microsoft.com/office/drawing/2010/main" xmlns:ma14="http://schemas.microsoft.com/office/mac/drawingml/2011/main" xmlns="" val="1"/>
+                <ma14:wrappingTextBoxFlag xmlns="" xmlns:ma14="http://schemas.microsoft.com/office/mac/drawingml/2011/main" xmlns:a14="http://schemas.microsoft.com/office/drawing/2010/main" xmlns:m="http://schemas.openxmlformats.org/officeDocument/2006/math" val="1"/>
               </a:ext>
             </a:extLst>
           </p:spPr>
@@ -33191,7 +33191,7 @@
             </a:ln>
             <a:extLst>
               <a:ext uri="{C572A759-6A51-4108-AA02-DFA0A04FC94B}">
-                <ma14:wrappingTextBoxFlag xmlns:m="http://schemas.openxmlformats.org/officeDocument/2006/math" xmlns:a14="http://schemas.microsoft.com/office/drawing/2010/main" xmlns:ma14="http://schemas.microsoft.com/office/mac/drawingml/2011/main" xmlns="" val="1"/>
+                <ma14:wrappingTextBoxFlag xmlns="" xmlns:ma14="http://schemas.microsoft.com/office/mac/drawingml/2011/main" xmlns:a14="http://schemas.microsoft.com/office/drawing/2010/main" xmlns:m="http://schemas.openxmlformats.org/officeDocument/2006/math" val="1"/>
               </a:ext>
             </a:extLst>
           </p:spPr>
@@ -33239,7 +33239,7 @@
             </a:ln>
             <a:extLst>
               <a:ext uri="{C572A759-6A51-4108-AA02-DFA0A04FC94B}">
-                <ma14:wrappingTextBoxFlag xmlns:m="http://schemas.openxmlformats.org/officeDocument/2006/math" xmlns:a14="http://schemas.microsoft.com/office/drawing/2010/main" xmlns:ma14="http://schemas.microsoft.com/office/mac/drawingml/2011/main" xmlns="" val="1"/>
+                <ma14:wrappingTextBoxFlag xmlns="" xmlns:ma14="http://schemas.microsoft.com/office/mac/drawingml/2011/main" xmlns:a14="http://schemas.microsoft.com/office/drawing/2010/main" xmlns:m="http://schemas.openxmlformats.org/officeDocument/2006/math" val="1"/>
               </a:ext>
             </a:extLst>
           </p:spPr>
@@ -33287,7 +33287,7 @@
             </a:ln>
             <a:extLst>
               <a:ext uri="{C572A759-6A51-4108-AA02-DFA0A04FC94B}">
-                <ma14:wrappingTextBoxFlag xmlns:m="http://schemas.openxmlformats.org/officeDocument/2006/math" xmlns:a14="http://schemas.microsoft.com/office/drawing/2010/main" xmlns:ma14="http://schemas.microsoft.com/office/mac/drawingml/2011/main" xmlns="" val="1"/>
+                <ma14:wrappingTextBoxFlag xmlns="" xmlns:ma14="http://schemas.microsoft.com/office/mac/drawingml/2011/main" xmlns:a14="http://schemas.microsoft.com/office/drawing/2010/main" xmlns:m="http://schemas.openxmlformats.org/officeDocument/2006/math" val="1"/>
               </a:ext>
             </a:extLst>
           </p:spPr>
@@ -33344,7 +33344,7 @@
             </a:ln>
             <a:extLst>
               <a:ext uri="{C572A759-6A51-4108-AA02-DFA0A04FC94B}">
-                <ma14:wrappingTextBoxFlag xmlns:m="http://schemas.openxmlformats.org/officeDocument/2006/math" xmlns:a14="http://schemas.microsoft.com/office/drawing/2010/main" xmlns:ma14="http://schemas.microsoft.com/office/mac/drawingml/2011/main" xmlns="" val="1"/>
+                <ma14:wrappingTextBoxFlag xmlns="" xmlns:ma14="http://schemas.microsoft.com/office/mac/drawingml/2011/main" xmlns:a14="http://schemas.microsoft.com/office/drawing/2010/main" xmlns:m="http://schemas.openxmlformats.org/officeDocument/2006/math" val="1"/>
               </a:ext>
             </a:extLst>
           </p:spPr>
@@ -33402,7 +33402,7 @@
             </a:ln>
             <a:extLst>
               <a:ext uri="{C572A759-6A51-4108-AA02-DFA0A04FC94B}">
-                <ma14:wrappingTextBoxFlag xmlns:m="http://schemas.openxmlformats.org/officeDocument/2006/math" xmlns:a14="http://schemas.microsoft.com/office/drawing/2010/main" xmlns:ma14="http://schemas.microsoft.com/office/mac/drawingml/2011/main" xmlns="" val="1"/>
+                <ma14:wrappingTextBoxFlag xmlns="" xmlns:ma14="http://schemas.microsoft.com/office/mac/drawingml/2011/main" xmlns:a14="http://schemas.microsoft.com/office/drawing/2010/main" xmlns:m="http://schemas.openxmlformats.org/officeDocument/2006/math" val="1"/>
               </a:ext>
             </a:extLst>
           </p:spPr>
@@ -33450,7 +33450,7 @@
             </a:ln>
             <a:extLst>
               <a:ext uri="{C572A759-6A51-4108-AA02-DFA0A04FC94B}">
-                <ma14:wrappingTextBoxFlag xmlns:m="http://schemas.openxmlformats.org/officeDocument/2006/math" xmlns:a14="http://schemas.microsoft.com/office/drawing/2010/main" xmlns:ma14="http://schemas.microsoft.com/office/mac/drawingml/2011/main" xmlns="" val="1"/>
+                <ma14:wrappingTextBoxFlag xmlns="" xmlns:ma14="http://schemas.microsoft.com/office/mac/drawingml/2011/main" xmlns:a14="http://schemas.microsoft.com/office/drawing/2010/main" xmlns:m="http://schemas.openxmlformats.org/officeDocument/2006/math" val="1"/>
               </a:ext>
             </a:extLst>
           </p:spPr>
@@ -33498,7 +33498,7 @@
             </a:ln>
             <a:extLst>
               <a:ext uri="{C572A759-6A51-4108-AA02-DFA0A04FC94B}">
-                <ma14:wrappingTextBoxFlag xmlns:m="http://schemas.openxmlformats.org/officeDocument/2006/math" xmlns:a14="http://schemas.microsoft.com/office/drawing/2010/main" xmlns:ma14="http://schemas.microsoft.com/office/mac/drawingml/2011/main" xmlns="" val="1"/>
+                <ma14:wrappingTextBoxFlag xmlns="" xmlns:ma14="http://schemas.microsoft.com/office/mac/drawingml/2011/main" xmlns:a14="http://schemas.microsoft.com/office/drawing/2010/main" xmlns:m="http://schemas.openxmlformats.org/officeDocument/2006/math" val="1"/>
               </a:ext>
             </a:extLst>
           </p:spPr>
@@ -33546,7 +33546,7 @@
             </a:ln>
             <a:extLst>
               <a:ext uri="{C572A759-6A51-4108-AA02-DFA0A04FC94B}">
-                <ma14:wrappingTextBoxFlag xmlns:m="http://schemas.openxmlformats.org/officeDocument/2006/math" xmlns:a14="http://schemas.microsoft.com/office/drawing/2010/main" xmlns:ma14="http://schemas.microsoft.com/office/mac/drawingml/2011/main" xmlns="" val="1"/>
+                <ma14:wrappingTextBoxFlag xmlns="" xmlns:ma14="http://schemas.microsoft.com/office/mac/drawingml/2011/main" xmlns:a14="http://schemas.microsoft.com/office/drawing/2010/main" xmlns:m="http://schemas.openxmlformats.org/officeDocument/2006/math" val="1"/>
               </a:ext>
             </a:extLst>
           </p:spPr>
@@ -33604,7 +33604,7 @@
             </a:ln>
             <a:extLst>
               <a:ext uri="{C572A759-6A51-4108-AA02-DFA0A04FC94B}">
-                <ma14:wrappingTextBoxFlag xmlns:m="http://schemas.openxmlformats.org/officeDocument/2006/math" xmlns:a14="http://schemas.microsoft.com/office/drawing/2010/main" xmlns:ma14="http://schemas.microsoft.com/office/mac/drawingml/2011/main" xmlns="" val="1"/>
+                <ma14:wrappingTextBoxFlag xmlns="" xmlns:ma14="http://schemas.microsoft.com/office/mac/drawingml/2011/main" xmlns:a14="http://schemas.microsoft.com/office/drawing/2010/main" xmlns:m="http://schemas.openxmlformats.org/officeDocument/2006/math" val="1"/>
               </a:ext>
             </a:extLst>
           </p:spPr>
@@ -33661,7 +33661,7 @@
             </a:ln>
             <a:extLst>
               <a:ext uri="{C572A759-6A51-4108-AA02-DFA0A04FC94B}">
-                <ma14:wrappingTextBoxFlag xmlns:m="http://schemas.openxmlformats.org/officeDocument/2006/math" xmlns:a14="http://schemas.microsoft.com/office/drawing/2010/main" xmlns:ma14="http://schemas.microsoft.com/office/mac/drawingml/2011/main" xmlns="" val="1"/>
+                <ma14:wrappingTextBoxFlag xmlns="" xmlns:ma14="http://schemas.microsoft.com/office/mac/drawingml/2011/main" xmlns:a14="http://schemas.microsoft.com/office/drawing/2010/main" xmlns:m="http://schemas.openxmlformats.org/officeDocument/2006/math" val="1"/>
               </a:ext>
             </a:extLst>
           </p:spPr>
@@ -33709,7 +33709,7 @@
             </a:ln>
             <a:extLst>
               <a:ext uri="{C572A759-6A51-4108-AA02-DFA0A04FC94B}">
-                <ma14:wrappingTextBoxFlag xmlns:m="http://schemas.openxmlformats.org/officeDocument/2006/math" xmlns:a14="http://schemas.microsoft.com/office/drawing/2010/main" xmlns:ma14="http://schemas.microsoft.com/office/mac/drawingml/2011/main" xmlns="" val="1"/>
+                <ma14:wrappingTextBoxFlag xmlns="" xmlns:ma14="http://schemas.microsoft.com/office/mac/drawingml/2011/main" xmlns:a14="http://schemas.microsoft.com/office/drawing/2010/main" xmlns:m="http://schemas.openxmlformats.org/officeDocument/2006/math" val="1"/>
               </a:ext>
             </a:extLst>
           </p:spPr>
@@ -33761,7 +33761,7 @@
             </a:ln>
             <a:extLst>
               <a:ext uri="{C572A759-6A51-4108-AA02-DFA0A04FC94B}">
-                <ma14:wrappingTextBoxFlag xmlns:m="http://schemas.openxmlformats.org/officeDocument/2006/math" xmlns:a14="http://schemas.microsoft.com/office/drawing/2010/main" xmlns:ma14="http://schemas.microsoft.com/office/mac/drawingml/2011/main" xmlns="" val="1"/>
+                <ma14:wrappingTextBoxFlag xmlns="" xmlns:ma14="http://schemas.microsoft.com/office/mac/drawingml/2011/main" xmlns:a14="http://schemas.microsoft.com/office/drawing/2010/main" xmlns:m="http://schemas.openxmlformats.org/officeDocument/2006/math" val="1"/>
               </a:ext>
             </a:extLst>
           </p:spPr>
@@ -33819,7 +33819,7 @@
             </a:ln>
             <a:extLst>
               <a:ext uri="{C572A759-6A51-4108-AA02-DFA0A04FC94B}">
-                <ma14:wrappingTextBoxFlag xmlns:m="http://schemas.openxmlformats.org/officeDocument/2006/math" xmlns:a14="http://schemas.microsoft.com/office/drawing/2010/main" xmlns:ma14="http://schemas.microsoft.com/office/mac/drawingml/2011/main" xmlns="" val="1"/>
+                <ma14:wrappingTextBoxFlag xmlns="" xmlns:ma14="http://schemas.microsoft.com/office/mac/drawingml/2011/main" xmlns:a14="http://schemas.microsoft.com/office/drawing/2010/main" xmlns:m="http://schemas.openxmlformats.org/officeDocument/2006/math" val="1"/>
               </a:ext>
             </a:extLst>
           </p:spPr>
@@ -33867,7 +33867,7 @@
             </a:ln>
             <a:extLst>
               <a:ext uri="{C572A759-6A51-4108-AA02-DFA0A04FC94B}">
-                <ma14:wrappingTextBoxFlag xmlns:m="http://schemas.openxmlformats.org/officeDocument/2006/math" xmlns:a14="http://schemas.microsoft.com/office/drawing/2010/main" xmlns:ma14="http://schemas.microsoft.com/office/mac/drawingml/2011/main" xmlns="" val="1"/>
+                <ma14:wrappingTextBoxFlag xmlns="" xmlns:ma14="http://schemas.microsoft.com/office/mac/drawingml/2011/main" xmlns:a14="http://schemas.microsoft.com/office/drawing/2010/main" xmlns:m="http://schemas.openxmlformats.org/officeDocument/2006/math" val="1"/>
               </a:ext>
             </a:extLst>
           </p:spPr>
@@ -33920,7 +33920,7 @@
             </a:ln>
             <a:extLst>
               <a:ext uri="{C572A759-6A51-4108-AA02-DFA0A04FC94B}">
-                <ma14:wrappingTextBoxFlag xmlns:m="http://schemas.openxmlformats.org/officeDocument/2006/math" xmlns:a14="http://schemas.microsoft.com/office/drawing/2010/main" xmlns:ma14="http://schemas.microsoft.com/office/mac/drawingml/2011/main" xmlns="" val="1"/>
+                <ma14:wrappingTextBoxFlag xmlns="" xmlns:ma14="http://schemas.microsoft.com/office/mac/drawingml/2011/main" xmlns:a14="http://schemas.microsoft.com/office/drawing/2010/main" xmlns:m="http://schemas.openxmlformats.org/officeDocument/2006/math" val="1"/>
               </a:ext>
             </a:extLst>
           </p:spPr>
@@ -33968,7 +33968,7 @@
             </a:ln>
             <a:extLst>
               <a:ext uri="{C572A759-6A51-4108-AA02-DFA0A04FC94B}">
-                <ma14:wrappingTextBoxFlag xmlns:m="http://schemas.openxmlformats.org/officeDocument/2006/math" xmlns:a14="http://schemas.microsoft.com/office/drawing/2010/main" xmlns:ma14="http://schemas.microsoft.com/office/mac/drawingml/2011/main" xmlns="" val="1"/>
+                <ma14:wrappingTextBoxFlag xmlns="" xmlns:ma14="http://schemas.microsoft.com/office/mac/drawingml/2011/main" xmlns:a14="http://schemas.microsoft.com/office/drawing/2010/main" xmlns:m="http://schemas.openxmlformats.org/officeDocument/2006/math" val="1"/>
               </a:ext>
             </a:extLst>
           </p:spPr>
@@ -34020,7 +34020,7 @@
             </a:ln>
             <a:extLst>
               <a:ext uri="{C572A759-6A51-4108-AA02-DFA0A04FC94B}">
-                <ma14:wrappingTextBoxFlag xmlns:m="http://schemas.openxmlformats.org/officeDocument/2006/math" xmlns:a14="http://schemas.microsoft.com/office/drawing/2010/main" xmlns:ma14="http://schemas.microsoft.com/office/mac/drawingml/2011/main" xmlns="" val="1"/>
+                <ma14:wrappingTextBoxFlag xmlns="" xmlns:ma14="http://schemas.microsoft.com/office/mac/drawingml/2011/main" xmlns:a14="http://schemas.microsoft.com/office/drawing/2010/main" xmlns:m="http://schemas.openxmlformats.org/officeDocument/2006/math" val="1"/>
               </a:ext>
             </a:extLst>
           </p:spPr>
@@ -34068,7 +34068,7 @@
             </a:ln>
             <a:extLst>
               <a:ext uri="{C572A759-6A51-4108-AA02-DFA0A04FC94B}">
-                <ma14:wrappingTextBoxFlag xmlns:m="http://schemas.openxmlformats.org/officeDocument/2006/math" xmlns:a14="http://schemas.microsoft.com/office/drawing/2010/main" xmlns:ma14="http://schemas.microsoft.com/office/mac/drawingml/2011/main" xmlns="" val="1"/>
+                <ma14:wrappingTextBoxFlag xmlns="" xmlns:ma14="http://schemas.microsoft.com/office/mac/drawingml/2011/main" xmlns:a14="http://schemas.microsoft.com/office/drawing/2010/main" xmlns:m="http://schemas.openxmlformats.org/officeDocument/2006/math" val="1"/>
               </a:ext>
             </a:extLst>
           </p:spPr>
@@ -34122,7 +34122,7 @@
             </a:ln>
             <a:extLst>
               <a:ext uri="{C572A759-6A51-4108-AA02-DFA0A04FC94B}">
-                <ma14:wrappingTextBoxFlag xmlns:m="http://schemas.openxmlformats.org/officeDocument/2006/math" xmlns:a14="http://schemas.microsoft.com/office/drawing/2010/main" xmlns:ma14="http://schemas.microsoft.com/office/mac/drawingml/2011/main" xmlns="" val="1"/>
+                <ma14:wrappingTextBoxFlag xmlns="" xmlns:ma14="http://schemas.microsoft.com/office/mac/drawingml/2011/main" xmlns:a14="http://schemas.microsoft.com/office/drawing/2010/main" xmlns:m="http://schemas.openxmlformats.org/officeDocument/2006/math" val="1"/>
               </a:ext>
             </a:extLst>
           </p:spPr>
@@ -34179,7 +34179,7 @@
             </a:ln>
             <a:extLst>
               <a:ext uri="{C572A759-6A51-4108-AA02-DFA0A04FC94B}">
-                <ma14:wrappingTextBoxFlag xmlns:m="http://schemas.openxmlformats.org/officeDocument/2006/math" xmlns:a14="http://schemas.microsoft.com/office/drawing/2010/main" xmlns:ma14="http://schemas.microsoft.com/office/mac/drawingml/2011/main" xmlns="" val="1"/>
+                <ma14:wrappingTextBoxFlag xmlns="" xmlns:ma14="http://schemas.microsoft.com/office/mac/drawingml/2011/main" xmlns:a14="http://schemas.microsoft.com/office/drawing/2010/main" xmlns:m="http://schemas.openxmlformats.org/officeDocument/2006/math" val="1"/>
               </a:ext>
             </a:extLst>
           </p:spPr>
@@ -34237,7 +34237,7 @@
             </a:ln>
             <a:extLst>
               <a:ext uri="{C572A759-6A51-4108-AA02-DFA0A04FC94B}">
-                <ma14:wrappingTextBoxFlag xmlns:m="http://schemas.openxmlformats.org/officeDocument/2006/math" xmlns:a14="http://schemas.microsoft.com/office/drawing/2010/main" xmlns:ma14="http://schemas.microsoft.com/office/mac/drawingml/2011/main" xmlns="" val="1"/>
+                <ma14:wrappingTextBoxFlag xmlns="" xmlns:ma14="http://schemas.microsoft.com/office/mac/drawingml/2011/main" xmlns:a14="http://schemas.microsoft.com/office/drawing/2010/main" xmlns:m="http://schemas.openxmlformats.org/officeDocument/2006/math" val="1"/>
               </a:ext>
             </a:extLst>
           </p:spPr>
@@ -34318,7 +34318,7 @@
             </a:ln>
             <a:extLst>
               <a:ext uri="{C572A759-6A51-4108-AA02-DFA0A04FC94B}">
-                <ma14:wrappingTextBoxFlag xmlns:m="http://schemas.openxmlformats.org/officeDocument/2006/math" xmlns:a14="http://schemas.microsoft.com/office/drawing/2010/main" xmlns:ma14="http://schemas.microsoft.com/office/mac/drawingml/2011/main" xmlns="" val="1"/>
+                <ma14:wrappingTextBoxFlag xmlns="" xmlns:ma14="http://schemas.microsoft.com/office/mac/drawingml/2011/main" xmlns:a14="http://schemas.microsoft.com/office/drawing/2010/main" xmlns:m="http://schemas.openxmlformats.org/officeDocument/2006/math" val="1"/>
               </a:ext>
             </a:extLst>
           </p:spPr>
@@ -34376,7 +34376,7 @@
             </a:ln>
             <a:extLst>
               <a:ext uri="{C572A759-6A51-4108-AA02-DFA0A04FC94B}">
-                <ma14:wrappingTextBoxFlag xmlns:m="http://schemas.openxmlformats.org/officeDocument/2006/math" xmlns:a14="http://schemas.microsoft.com/office/drawing/2010/main" xmlns:ma14="http://schemas.microsoft.com/office/mac/drawingml/2011/main" xmlns="" val="1"/>
+                <ma14:wrappingTextBoxFlag xmlns="" xmlns:ma14="http://schemas.microsoft.com/office/mac/drawingml/2011/main" xmlns:a14="http://schemas.microsoft.com/office/drawing/2010/main" xmlns:m="http://schemas.openxmlformats.org/officeDocument/2006/math" val="1"/>
               </a:ext>
             </a:extLst>
           </p:spPr>
@@ -34434,7 +34434,7 @@
             </a:ln>
             <a:extLst>
               <a:ext uri="{C572A759-6A51-4108-AA02-DFA0A04FC94B}">
-                <ma14:wrappingTextBoxFlag xmlns:m="http://schemas.openxmlformats.org/officeDocument/2006/math" xmlns:a14="http://schemas.microsoft.com/office/drawing/2010/main" xmlns:ma14="http://schemas.microsoft.com/office/mac/drawingml/2011/main" xmlns="" val="1"/>
+                <ma14:wrappingTextBoxFlag xmlns="" xmlns:ma14="http://schemas.microsoft.com/office/mac/drawingml/2011/main" xmlns:a14="http://schemas.microsoft.com/office/drawing/2010/main" xmlns:m="http://schemas.openxmlformats.org/officeDocument/2006/math" val="1"/>
               </a:ext>
             </a:extLst>
           </p:spPr>
@@ -34492,7 +34492,7 @@
             </a:ln>
             <a:extLst>
               <a:ext uri="{C572A759-6A51-4108-AA02-DFA0A04FC94B}">
-                <ma14:wrappingTextBoxFlag xmlns:m="http://schemas.openxmlformats.org/officeDocument/2006/math" xmlns:a14="http://schemas.microsoft.com/office/drawing/2010/main" xmlns:ma14="http://schemas.microsoft.com/office/mac/drawingml/2011/main" xmlns="" val="1"/>
+                <ma14:wrappingTextBoxFlag xmlns="" xmlns:ma14="http://schemas.microsoft.com/office/mac/drawingml/2011/main" xmlns:a14="http://schemas.microsoft.com/office/drawing/2010/main" xmlns:m="http://schemas.openxmlformats.org/officeDocument/2006/math" val="1"/>
               </a:ext>
             </a:extLst>
           </p:spPr>
@@ -34540,7 +34540,7 @@
             </a:ln>
             <a:extLst>
               <a:ext uri="{C572A759-6A51-4108-AA02-DFA0A04FC94B}">
-                <ma14:wrappingTextBoxFlag xmlns:m="http://schemas.openxmlformats.org/officeDocument/2006/math" xmlns:a14="http://schemas.microsoft.com/office/drawing/2010/main" xmlns:ma14="http://schemas.microsoft.com/office/mac/drawingml/2011/main" xmlns="" val="1"/>
+                <ma14:wrappingTextBoxFlag xmlns="" xmlns:ma14="http://schemas.microsoft.com/office/mac/drawingml/2011/main" xmlns:a14="http://schemas.microsoft.com/office/drawing/2010/main" xmlns:m="http://schemas.openxmlformats.org/officeDocument/2006/math" val="1"/>
               </a:ext>
             </a:extLst>
           </p:spPr>
@@ -34588,7 +34588,7 @@
             </a:ln>
             <a:extLst>
               <a:ext uri="{C572A759-6A51-4108-AA02-DFA0A04FC94B}">
-                <ma14:wrappingTextBoxFlag xmlns:m="http://schemas.openxmlformats.org/officeDocument/2006/math" xmlns:a14="http://schemas.microsoft.com/office/drawing/2010/main" xmlns:ma14="http://schemas.microsoft.com/office/mac/drawingml/2011/main" xmlns="" val="1"/>
+                <ma14:wrappingTextBoxFlag xmlns="" xmlns:ma14="http://schemas.microsoft.com/office/mac/drawingml/2011/main" xmlns:a14="http://schemas.microsoft.com/office/drawing/2010/main" xmlns:m="http://schemas.openxmlformats.org/officeDocument/2006/math" val="1"/>
               </a:ext>
             </a:extLst>
           </p:spPr>
@@ -34642,7 +34642,7 @@
             </a:ln>
             <a:extLst>
               <a:ext uri="{C572A759-6A51-4108-AA02-DFA0A04FC94B}">
-                <ma14:wrappingTextBoxFlag xmlns:m="http://schemas.openxmlformats.org/officeDocument/2006/math" xmlns:a14="http://schemas.microsoft.com/office/drawing/2010/main" xmlns:ma14="http://schemas.microsoft.com/office/mac/drawingml/2011/main" xmlns="" val="1"/>
+                <ma14:wrappingTextBoxFlag xmlns="" xmlns:ma14="http://schemas.microsoft.com/office/mac/drawingml/2011/main" xmlns:a14="http://schemas.microsoft.com/office/drawing/2010/main" xmlns:m="http://schemas.openxmlformats.org/officeDocument/2006/math" val="1"/>
               </a:ext>
             </a:extLst>
           </p:spPr>
@@ -34696,7 +34696,7 @@
             </a:ln>
             <a:extLst>
               <a:ext uri="{C572A759-6A51-4108-AA02-DFA0A04FC94B}">
-                <ma14:wrappingTextBoxFlag xmlns:m="http://schemas.openxmlformats.org/officeDocument/2006/math" xmlns:a14="http://schemas.microsoft.com/office/drawing/2010/main" xmlns:ma14="http://schemas.microsoft.com/office/mac/drawingml/2011/main" xmlns="" val="1"/>
+                <ma14:wrappingTextBoxFlag xmlns="" xmlns:ma14="http://schemas.microsoft.com/office/mac/drawingml/2011/main" xmlns:a14="http://schemas.microsoft.com/office/drawing/2010/main" xmlns:m="http://schemas.openxmlformats.org/officeDocument/2006/math" val="1"/>
               </a:ext>
             </a:extLst>
           </p:spPr>
@@ -34749,7 +34749,7 @@
             </a:ln>
             <a:extLst>
               <a:ext uri="{C572A759-6A51-4108-AA02-DFA0A04FC94B}">
-                <ma14:wrappingTextBoxFlag xmlns:m="http://schemas.openxmlformats.org/officeDocument/2006/math" xmlns:a14="http://schemas.microsoft.com/office/drawing/2010/main" xmlns:ma14="http://schemas.microsoft.com/office/mac/drawingml/2011/main" xmlns="" val="1"/>
+                <ma14:wrappingTextBoxFlag xmlns="" xmlns:ma14="http://schemas.microsoft.com/office/mac/drawingml/2011/main" xmlns:a14="http://schemas.microsoft.com/office/drawing/2010/main" xmlns:m="http://schemas.openxmlformats.org/officeDocument/2006/math" val="1"/>
               </a:ext>
             </a:extLst>
           </p:spPr>
@@ -34802,7 +34802,7 @@
             </a:ln>
             <a:extLst>
               <a:ext uri="{C572A759-6A51-4108-AA02-DFA0A04FC94B}">
-                <ma14:wrappingTextBoxFlag xmlns:m="http://schemas.openxmlformats.org/officeDocument/2006/math" xmlns:a14="http://schemas.microsoft.com/office/drawing/2010/main" xmlns:ma14="http://schemas.microsoft.com/office/mac/drawingml/2011/main" xmlns="" val="1"/>
+                <ma14:wrappingTextBoxFlag xmlns="" xmlns:ma14="http://schemas.microsoft.com/office/mac/drawingml/2011/main" xmlns:a14="http://schemas.microsoft.com/office/drawing/2010/main" xmlns:m="http://schemas.openxmlformats.org/officeDocument/2006/math" val="1"/>
               </a:ext>
             </a:extLst>
           </p:spPr>
@@ -34855,7 +34855,7 @@
             </a:ln>
             <a:extLst>
               <a:ext uri="{C572A759-6A51-4108-AA02-DFA0A04FC94B}">
-                <ma14:wrappingTextBoxFlag xmlns:m="http://schemas.openxmlformats.org/officeDocument/2006/math" xmlns:a14="http://schemas.microsoft.com/office/drawing/2010/main" xmlns:ma14="http://schemas.microsoft.com/office/mac/drawingml/2011/main" xmlns="" val="1"/>
+                <ma14:wrappingTextBoxFlag xmlns="" xmlns:ma14="http://schemas.microsoft.com/office/mac/drawingml/2011/main" xmlns:a14="http://schemas.microsoft.com/office/drawing/2010/main" xmlns:m="http://schemas.openxmlformats.org/officeDocument/2006/math" val="1"/>
               </a:ext>
             </a:extLst>
           </p:spPr>
@@ -35214,7 +35214,7 @@
             </a:ln>
             <a:extLst>
               <a:ext uri="{C572A759-6A51-4108-AA02-DFA0A04FC94B}">
-                <ma14:wrappingTextBoxFlag xmlns:ma14="http://schemas.microsoft.com/office/mac/drawingml/2011/main" xmlns:a14="http://schemas.microsoft.com/office/drawing/2010/main" xmlns:m="http://schemas.openxmlformats.org/officeDocument/2006/math" xmlns="" val="1"/>
+                <ma14:wrappingTextBoxFlag xmlns="" xmlns:m="http://schemas.openxmlformats.org/officeDocument/2006/math" xmlns:a14="http://schemas.microsoft.com/office/drawing/2010/main" xmlns:ma14="http://schemas.microsoft.com/office/mac/drawingml/2011/main" val="1"/>
               </a:ext>
             </a:extLst>
           </p:spPr>
@@ -35262,7 +35262,7 @@
             </a:ln>
             <a:extLst>
               <a:ext uri="{C572A759-6A51-4108-AA02-DFA0A04FC94B}">
-                <ma14:wrappingTextBoxFlag xmlns:ma14="http://schemas.microsoft.com/office/mac/drawingml/2011/main" xmlns:a14="http://schemas.microsoft.com/office/drawing/2010/main" xmlns:m="http://schemas.openxmlformats.org/officeDocument/2006/math" xmlns="" val="1"/>
+                <ma14:wrappingTextBoxFlag xmlns="" xmlns:m="http://schemas.openxmlformats.org/officeDocument/2006/math" xmlns:a14="http://schemas.microsoft.com/office/drawing/2010/main" xmlns:ma14="http://schemas.microsoft.com/office/mac/drawingml/2011/main" val="1"/>
               </a:ext>
             </a:extLst>
           </p:spPr>
@@ -35310,7 +35310,7 @@
             </a:ln>
             <a:extLst>
               <a:ext uri="{C572A759-6A51-4108-AA02-DFA0A04FC94B}">
-                <ma14:wrappingTextBoxFlag xmlns:ma14="http://schemas.microsoft.com/office/mac/drawingml/2011/main" xmlns:a14="http://schemas.microsoft.com/office/drawing/2010/main" xmlns:m="http://schemas.openxmlformats.org/officeDocument/2006/math" xmlns="" val="1"/>
+                <ma14:wrappingTextBoxFlag xmlns="" xmlns:m="http://schemas.openxmlformats.org/officeDocument/2006/math" xmlns:a14="http://schemas.microsoft.com/office/drawing/2010/main" xmlns:ma14="http://schemas.microsoft.com/office/mac/drawingml/2011/main" val="1"/>
               </a:ext>
             </a:extLst>
           </p:spPr>
@@ -35362,7 +35362,7 @@
             </a:ln>
             <a:extLst>
               <a:ext uri="{C572A759-6A51-4108-AA02-DFA0A04FC94B}">
-                <ma14:wrappingTextBoxFlag xmlns:ma14="http://schemas.microsoft.com/office/mac/drawingml/2011/main" xmlns:a14="http://schemas.microsoft.com/office/drawing/2010/main" xmlns:m="http://schemas.openxmlformats.org/officeDocument/2006/math" xmlns="" val="1"/>
+                <ma14:wrappingTextBoxFlag xmlns="" xmlns:m="http://schemas.openxmlformats.org/officeDocument/2006/math" xmlns:a14="http://schemas.microsoft.com/office/drawing/2010/main" xmlns:ma14="http://schemas.microsoft.com/office/mac/drawingml/2011/main" val="1"/>
               </a:ext>
             </a:extLst>
           </p:spPr>
@@ -35410,7 +35410,7 @@
             </a:ln>
             <a:extLst>
               <a:ext uri="{C572A759-6A51-4108-AA02-DFA0A04FC94B}">
-                <ma14:wrappingTextBoxFlag xmlns:ma14="http://schemas.microsoft.com/office/mac/drawingml/2011/main" xmlns:a14="http://schemas.microsoft.com/office/drawing/2010/main" xmlns:m="http://schemas.openxmlformats.org/officeDocument/2006/math" xmlns="" val="1"/>
+                <ma14:wrappingTextBoxFlag xmlns="" xmlns:m="http://schemas.openxmlformats.org/officeDocument/2006/math" xmlns:a14="http://schemas.microsoft.com/office/drawing/2010/main" xmlns:ma14="http://schemas.microsoft.com/office/mac/drawingml/2011/main" val="1"/>
               </a:ext>
             </a:extLst>
           </p:spPr>
@@ -35458,7 +35458,7 @@
             </a:ln>
             <a:extLst>
               <a:ext uri="{C572A759-6A51-4108-AA02-DFA0A04FC94B}">
-                <ma14:wrappingTextBoxFlag xmlns:ma14="http://schemas.microsoft.com/office/mac/drawingml/2011/main" xmlns:a14="http://schemas.microsoft.com/office/drawing/2010/main" xmlns:m="http://schemas.openxmlformats.org/officeDocument/2006/math" xmlns="" val="1"/>
+                <ma14:wrappingTextBoxFlag xmlns="" xmlns:m="http://schemas.openxmlformats.org/officeDocument/2006/math" xmlns:a14="http://schemas.microsoft.com/office/drawing/2010/main" xmlns:ma14="http://schemas.microsoft.com/office/mac/drawingml/2011/main" val="1"/>
               </a:ext>
             </a:extLst>
           </p:spPr>
@@ -35515,7 +35515,7 @@
             </a:ln>
             <a:extLst>
               <a:ext uri="{C572A759-6A51-4108-AA02-DFA0A04FC94B}">
-                <ma14:wrappingTextBoxFlag xmlns:ma14="http://schemas.microsoft.com/office/mac/drawingml/2011/main" xmlns:a14="http://schemas.microsoft.com/office/drawing/2010/main" xmlns:m="http://schemas.openxmlformats.org/officeDocument/2006/math" xmlns="" val="1"/>
+                <ma14:wrappingTextBoxFlag xmlns="" xmlns:m="http://schemas.openxmlformats.org/officeDocument/2006/math" xmlns:a14="http://schemas.microsoft.com/office/drawing/2010/main" xmlns:ma14="http://schemas.microsoft.com/office/mac/drawingml/2011/main" val="1"/>
               </a:ext>
             </a:extLst>
           </p:spPr>
@@ -35573,7 +35573,7 @@
             </a:ln>
             <a:extLst>
               <a:ext uri="{C572A759-6A51-4108-AA02-DFA0A04FC94B}">
-                <ma14:wrappingTextBoxFlag xmlns:ma14="http://schemas.microsoft.com/office/mac/drawingml/2011/main" xmlns:a14="http://schemas.microsoft.com/office/drawing/2010/main" xmlns:m="http://schemas.openxmlformats.org/officeDocument/2006/math" xmlns="" val="1"/>
+                <ma14:wrappingTextBoxFlag xmlns="" xmlns:m="http://schemas.openxmlformats.org/officeDocument/2006/math" xmlns:a14="http://schemas.microsoft.com/office/drawing/2010/main" xmlns:ma14="http://schemas.microsoft.com/office/mac/drawingml/2011/main" val="1"/>
               </a:ext>
             </a:extLst>
           </p:spPr>
@@ -35621,7 +35621,7 @@
             </a:ln>
             <a:extLst>
               <a:ext uri="{C572A759-6A51-4108-AA02-DFA0A04FC94B}">
-                <ma14:wrappingTextBoxFlag xmlns:ma14="http://schemas.microsoft.com/office/mac/drawingml/2011/main" xmlns:a14="http://schemas.microsoft.com/office/drawing/2010/main" xmlns:m="http://schemas.openxmlformats.org/officeDocument/2006/math" xmlns="" val="1"/>
+                <ma14:wrappingTextBoxFlag xmlns="" xmlns:m="http://schemas.openxmlformats.org/officeDocument/2006/math" xmlns:a14="http://schemas.microsoft.com/office/drawing/2010/main" xmlns:ma14="http://schemas.microsoft.com/office/mac/drawingml/2011/main" val="1"/>
               </a:ext>
             </a:extLst>
           </p:spPr>
@@ -35669,7 +35669,7 @@
             </a:ln>
             <a:extLst>
               <a:ext uri="{C572A759-6A51-4108-AA02-DFA0A04FC94B}">
-                <ma14:wrappingTextBoxFlag xmlns:ma14="http://schemas.microsoft.com/office/mac/drawingml/2011/main" xmlns:a14="http://schemas.microsoft.com/office/drawing/2010/main" xmlns:m="http://schemas.openxmlformats.org/officeDocument/2006/math" xmlns="" val="1"/>
+                <ma14:wrappingTextBoxFlag xmlns="" xmlns:m="http://schemas.openxmlformats.org/officeDocument/2006/math" xmlns:a14="http://schemas.microsoft.com/office/drawing/2010/main" xmlns:ma14="http://schemas.microsoft.com/office/mac/drawingml/2011/main" val="1"/>
               </a:ext>
             </a:extLst>
           </p:spPr>
@@ -35717,7 +35717,7 @@
             </a:ln>
             <a:extLst>
               <a:ext uri="{C572A759-6A51-4108-AA02-DFA0A04FC94B}">
-                <ma14:wrappingTextBoxFlag xmlns:ma14="http://schemas.microsoft.com/office/mac/drawingml/2011/main" xmlns:a14="http://schemas.microsoft.com/office/drawing/2010/main" xmlns:m="http://schemas.openxmlformats.org/officeDocument/2006/math" xmlns="" val="1"/>
+                <ma14:wrappingTextBoxFlag xmlns="" xmlns:m="http://schemas.openxmlformats.org/officeDocument/2006/math" xmlns:a14="http://schemas.microsoft.com/office/drawing/2010/main" xmlns:ma14="http://schemas.microsoft.com/office/mac/drawingml/2011/main" val="1"/>
               </a:ext>
             </a:extLst>
           </p:spPr>
@@ -35775,7 +35775,7 @@
             </a:ln>
             <a:extLst>
               <a:ext uri="{C572A759-6A51-4108-AA02-DFA0A04FC94B}">
-                <ma14:wrappingTextBoxFlag xmlns:ma14="http://schemas.microsoft.com/office/mac/drawingml/2011/main" xmlns:a14="http://schemas.microsoft.com/office/drawing/2010/main" xmlns:m="http://schemas.openxmlformats.org/officeDocument/2006/math" xmlns="" val="1"/>
+                <ma14:wrappingTextBoxFlag xmlns="" xmlns:m="http://schemas.openxmlformats.org/officeDocument/2006/math" xmlns:a14="http://schemas.microsoft.com/office/drawing/2010/main" xmlns:ma14="http://schemas.microsoft.com/office/mac/drawingml/2011/main" val="1"/>
               </a:ext>
             </a:extLst>
           </p:spPr>
@@ -35832,7 +35832,7 @@
             </a:ln>
             <a:extLst>
               <a:ext uri="{C572A759-6A51-4108-AA02-DFA0A04FC94B}">
-                <ma14:wrappingTextBoxFlag xmlns:ma14="http://schemas.microsoft.com/office/mac/drawingml/2011/main" xmlns:a14="http://schemas.microsoft.com/office/drawing/2010/main" xmlns:m="http://schemas.openxmlformats.org/officeDocument/2006/math" xmlns="" val="1"/>
+                <ma14:wrappingTextBoxFlag xmlns="" xmlns:m="http://schemas.openxmlformats.org/officeDocument/2006/math" xmlns:a14="http://schemas.microsoft.com/office/drawing/2010/main" xmlns:ma14="http://schemas.microsoft.com/office/mac/drawingml/2011/main" val="1"/>
               </a:ext>
             </a:extLst>
           </p:spPr>
@@ -35880,7 +35880,7 @@
             </a:ln>
             <a:extLst>
               <a:ext uri="{C572A759-6A51-4108-AA02-DFA0A04FC94B}">
-                <ma14:wrappingTextBoxFlag xmlns:ma14="http://schemas.microsoft.com/office/mac/drawingml/2011/main" xmlns:a14="http://schemas.microsoft.com/office/drawing/2010/main" xmlns:m="http://schemas.openxmlformats.org/officeDocument/2006/math" xmlns="" val="1"/>
+                <ma14:wrappingTextBoxFlag xmlns="" xmlns:m="http://schemas.openxmlformats.org/officeDocument/2006/math" xmlns:a14="http://schemas.microsoft.com/office/drawing/2010/main" xmlns:ma14="http://schemas.microsoft.com/office/mac/drawingml/2011/main" val="1"/>
               </a:ext>
             </a:extLst>
           </p:spPr>
@@ -35932,7 +35932,7 @@
             </a:ln>
             <a:extLst>
               <a:ext uri="{C572A759-6A51-4108-AA02-DFA0A04FC94B}">
-                <ma14:wrappingTextBoxFlag xmlns:ma14="http://schemas.microsoft.com/office/mac/drawingml/2011/main" xmlns:a14="http://schemas.microsoft.com/office/drawing/2010/main" xmlns:m="http://schemas.openxmlformats.org/officeDocument/2006/math" xmlns="" val="1"/>
+                <ma14:wrappingTextBoxFlag xmlns="" xmlns:m="http://schemas.openxmlformats.org/officeDocument/2006/math" xmlns:a14="http://schemas.microsoft.com/office/drawing/2010/main" xmlns:ma14="http://schemas.microsoft.com/office/mac/drawingml/2011/main" val="1"/>
               </a:ext>
             </a:extLst>
           </p:spPr>
@@ -35990,7 +35990,7 @@
             </a:ln>
             <a:extLst>
               <a:ext uri="{C572A759-6A51-4108-AA02-DFA0A04FC94B}">
-                <ma14:wrappingTextBoxFlag xmlns:ma14="http://schemas.microsoft.com/office/mac/drawingml/2011/main" xmlns:a14="http://schemas.microsoft.com/office/drawing/2010/main" xmlns:m="http://schemas.openxmlformats.org/officeDocument/2006/math" xmlns="" val="1"/>
+                <ma14:wrappingTextBoxFlag xmlns="" xmlns:m="http://schemas.openxmlformats.org/officeDocument/2006/math" xmlns:a14="http://schemas.microsoft.com/office/drawing/2010/main" xmlns:ma14="http://schemas.microsoft.com/office/mac/drawingml/2011/main" val="1"/>
               </a:ext>
             </a:extLst>
           </p:spPr>
@@ -36038,7 +36038,7 @@
             </a:ln>
             <a:extLst>
               <a:ext uri="{C572A759-6A51-4108-AA02-DFA0A04FC94B}">
-                <ma14:wrappingTextBoxFlag xmlns:ma14="http://schemas.microsoft.com/office/mac/drawingml/2011/main" xmlns:a14="http://schemas.microsoft.com/office/drawing/2010/main" xmlns:m="http://schemas.openxmlformats.org/officeDocument/2006/math" xmlns="" val="1"/>
+                <ma14:wrappingTextBoxFlag xmlns="" xmlns:m="http://schemas.openxmlformats.org/officeDocument/2006/math" xmlns:a14="http://schemas.microsoft.com/office/drawing/2010/main" xmlns:ma14="http://schemas.microsoft.com/office/mac/drawingml/2011/main" val="1"/>
               </a:ext>
             </a:extLst>
           </p:spPr>
@@ -36091,7 +36091,7 @@
             </a:ln>
             <a:extLst>
               <a:ext uri="{C572A759-6A51-4108-AA02-DFA0A04FC94B}">
-                <ma14:wrappingTextBoxFlag xmlns:ma14="http://schemas.microsoft.com/office/mac/drawingml/2011/main" xmlns:a14="http://schemas.microsoft.com/office/drawing/2010/main" xmlns:m="http://schemas.openxmlformats.org/officeDocument/2006/math" xmlns="" val="1"/>
+                <ma14:wrappingTextBoxFlag xmlns="" xmlns:m="http://schemas.openxmlformats.org/officeDocument/2006/math" xmlns:a14="http://schemas.microsoft.com/office/drawing/2010/main" xmlns:ma14="http://schemas.microsoft.com/office/mac/drawingml/2011/main" val="1"/>
               </a:ext>
             </a:extLst>
           </p:spPr>
@@ -36139,7 +36139,7 @@
             </a:ln>
             <a:extLst>
               <a:ext uri="{C572A759-6A51-4108-AA02-DFA0A04FC94B}">
-                <ma14:wrappingTextBoxFlag xmlns:ma14="http://schemas.microsoft.com/office/mac/drawingml/2011/main" xmlns:a14="http://schemas.microsoft.com/office/drawing/2010/main" xmlns:m="http://schemas.openxmlformats.org/officeDocument/2006/math" xmlns="" val="1"/>
+                <ma14:wrappingTextBoxFlag xmlns="" xmlns:m="http://schemas.openxmlformats.org/officeDocument/2006/math" xmlns:a14="http://schemas.microsoft.com/office/drawing/2010/main" xmlns:ma14="http://schemas.microsoft.com/office/mac/drawingml/2011/main" val="1"/>
               </a:ext>
             </a:extLst>
           </p:spPr>
@@ -36191,7 +36191,7 @@
             </a:ln>
             <a:extLst>
               <a:ext uri="{C572A759-6A51-4108-AA02-DFA0A04FC94B}">
-                <ma14:wrappingTextBoxFlag xmlns:ma14="http://schemas.microsoft.com/office/mac/drawingml/2011/main" xmlns:a14="http://schemas.microsoft.com/office/drawing/2010/main" xmlns:m="http://schemas.openxmlformats.org/officeDocument/2006/math" xmlns="" val="1"/>
+                <ma14:wrappingTextBoxFlag xmlns="" xmlns:m="http://schemas.openxmlformats.org/officeDocument/2006/math" xmlns:a14="http://schemas.microsoft.com/office/drawing/2010/main" xmlns:ma14="http://schemas.microsoft.com/office/mac/drawingml/2011/main" val="1"/>
               </a:ext>
             </a:extLst>
           </p:spPr>
@@ -36239,7 +36239,7 @@
             </a:ln>
             <a:extLst>
               <a:ext uri="{C572A759-6A51-4108-AA02-DFA0A04FC94B}">
-                <ma14:wrappingTextBoxFlag xmlns:ma14="http://schemas.microsoft.com/office/mac/drawingml/2011/main" xmlns:a14="http://schemas.microsoft.com/office/drawing/2010/main" xmlns:m="http://schemas.openxmlformats.org/officeDocument/2006/math" xmlns="" val="1"/>
+                <ma14:wrappingTextBoxFlag xmlns="" xmlns:m="http://schemas.openxmlformats.org/officeDocument/2006/math" xmlns:a14="http://schemas.microsoft.com/office/drawing/2010/main" xmlns:ma14="http://schemas.microsoft.com/office/mac/drawingml/2011/main" val="1"/>
               </a:ext>
             </a:extLst>
           </p:spPr>
@@ -36293,7 +36293,7 @@
             </a:ln>
             <a:extLst>
               <a:ext uri="{C572A759-6A51-4108-AA02-DFA0A04FC94B}">
-                <ma14:wrappingTextBoxFlag xmlns:ma14="http://schemas.microsoft.com/office/mac/drawingml/2011/main" xmlns:a14="http://schemas.microsoft.com/office/drawing/2010/main" xmlns:m="http://schemas.openxmlformats.org/officeDocument/2006/math" xmlns="" val="1"/>
+                <ma14:wrappingTextBoxFlag xmlns="" xmlns:m="http://schemas.openxmlformats.org/officeDocument/2006/math" xmlns:a14="http://schemas.microsoft.com/office/drawing/2010/main" xmlns:ma14="http://schemas.microsoft.com/office/mac/drawingml/2011/main" val="1"/>
               </a:ext>
             </a:extLst>
           </p:spPr>
@@ -36350,7 +36350,7 @@
             </a:ln>
             <a:extLst>
               <a:ext uri="{C572A759-6A51-4108-AA02-DFA0A04FC94B}">
-                <ma14:wrappingTextBoxFlag xmlns:ma14="http://schemas.microsoft.com/office/mac/drawingml/2011/main" xmlns:a14="http://schemas.microsoft.com/office/drawing/2010/main" xmlns:m="http://schemas.openxmlformats.org/officeDocument/2006/math" xmlns="" val="1"/>
+                <ma14:wrappingTextBoxFlag xmlns="" xmlns:m="http://schemas.openxmlformats.org/officeDocument/2006/math" xmlns:a14="http://schemas.microsoft.com/office/drawing/2010/main" xmlns:ma14="http://schemas.microsoft.com/office/mac/drawingml/2011/main" val="1"/>
               </a:ext>
             </a:extLst>
           </p:spPr>
@@ -36408,7 +36408,7 @@
             </a:ln>
             <a:extLst>
               <a:ext uri="{C572A759-6A51-4108-AA02-DFA0A04FC94B}">
-                <ma14:wrappingTextBoxFlag xmlns:ma14="http://schemas.microsoft.com/office/mac/drawingml/2011/main" xmlns:a14="http://schemas.microsoft.com/office/drawing/2010/main" xmlns:m="http://schemas.openxmlformats.org/officeDocument/2006/math" xmlns="" val="1"/>
+                <ma14:wrappingTextBoxFlag xmlns="" xmlns:m="http://schemas.openxmlformats.org/officeDocument/2006/math" xmlns:a14="http://schemas.microsoft.com/office/drawing/2010/main" xmlns:ma14="http://schemas.microsoft.com/office/mac/drawingml/2011/main" val="1"/>
               </a:ext>
             </a:extLst>
           </p:spPr>
@@ -36489,7 +36489,7 @@
             </a:ln>
             <a:extLst>
               <a:ext uri="{C572A759-6A51-4108-AA02-DFA0A04FC94B}">
-                <ma14:wrappingTextBoxFlag xmlns:ma14="http://schemas.microsoft.com/office/mac/drawingml/2011/main" xmlns:a14="http://schemas.microsoft.com/office/drawing/2010/main" xmlns:m="http://schemas.openxmlformats.org/officeDocument/2006/math" xmlns="" val="1"/>
+                <ma14:wrappingTextBoxFlag xmlns="" xmlns:m="http://schemas.openxmlformats.org/officeDocument/2006/math" xmlns:a14="http://schemas.microsoft.com/office/drawing/2010/main" xmlns:ma14="http://schemas.microsoft.com/office/mac/drawingml/2011/main" val="1"/>
               </a:ext>
             </a:extLst>
           </p:spPr>
@@ -36547,7 +36547,7 @@
             </a:ln>
             <a:extLst>
               <a:ext uri="{C572A759-6A51-4108-AA02-DFA0A04FC94B}">
-                <ma14:wrappingTextBoxFlag xmlns:ma14="http://schemas.microsoft.com/office/mac/drawingml/2011/main" xmlns:a14="http://schemas.microsoft.com/office/drawing/2010/main" xmlns:m="http://schemas.openxmlformats.org/officeDocument/2006/math" xmlns="" val="1"/>
+                <ma14:wrappingTextBoxFlag xmlns="" xmlns:m="http://schemas.openxmlformats.org/officeDocument/2006/math" xmlns:a14="http://schemas.microsoft.com/office/drawing/2010/main" xmlns:ma14="http://schemas.microsoft.com/office/mac/drawingml/2011/main" val="1"/>
               </a:ext>
             </a:extLst>
           </p:spPr>
@@ -36605,7 +36605,7 @@
             </a:ln>
             <a:extLst>
               <a:ext uri="{C572A759-6A51-4108-AA02-DFA0A04FC94B}">
-                <ma14:wrappingTextBoxFlag xmlns:ma14="http://schemas.microsoft.com/office/mac/drawingml/2011/main" xmlns:a14="http://schemas.microsoft.com/office/drawing/2010/main" xmlns:m="http://schemas.openxmlformats.org/officeDocument/2006/math" xmlns="" val="1"/>
+                <ma14:wrappingTextBoxFlag xmlns="" xmlns:m="http://schemas.openxmlformats.org/officeDocument/2006/math" xmlns:a14="http://schemas.microsoft.com/office/drawing/2010/main" xmlns:ma14="http://schemas.microsoft.com/office/mac/drawingml/2011/main" val="1"/>
               </a:ext>
             </a:extLst>
           </p:spPr>
@@ -36663,7 +36663,7 @@
             </a:ln>
             <a:extLst>
               <a:ext uri="{C572A759-6A51-4108-AA02-DFA0A04FC94B}">
-                <ma14:wrappingTextBoxFlag xmlns:ma14="http://schemas.microsoft.com/office/mac/drawingml/2011/main" xmlns:a14="http://schemas.microsoft.com/office/drawing/2010/main" xmlns:m="http://schemas.openxmlformats.org/officeDocument/2006/math" xmlns="" val="1"/>
+                <ma14:wrappingTextBoxFlag xmlns="" xmlns:m="http://schemas.openxmlformats.org/officeDocument/2006/math" xmlns:a14="http://schemas.microsoft.com/office/drawing/2010/main" xmlns:ma14="http://schemas.microsoft.com/office/mac/drawingml/2011/main" val="1"/>
               </a:ext>
             </a:extLst>
           </p:spPr>
@@ -36711,7 +36711,7 @@
             </a:ln>
             <a:extLst>
               <a:ext uri="{C572A759-6A51-4108-AA02-DFA0A04FC94B}">
-                <ma14:wrappingTextBoxFlag xmlns:ma14="http://schemas.microsoft.com/office/mac/drawingml/2011/main" xmlns:a14="http://schemas.microsoft.com/office/drawing/2010/main" xmlns:m="http://schemas.openxmlformats.org/officeDocument/2006/math" xmlns="" val="1"/>
+                <ma14:wrappingTextBoxFlag xmlns="" xmlns:m="http://schemas.openxmlformats.org/officeDocument/2006/math" xmlns:a14="http://schemas.microsoft.com/office/drawing/2010/main" xmlns:ma14="http://schemas.microsoft.com/office/mac/drawingml/2011/main" val="1"/>
               </a:ext>
             </a:extLst>
           </p:spPr>
@@ -36759,7 +36759,7 @@
             </a:ln>
             <a:extLst>
               <a:ext uri="{C572A759-6A51-4108-AA02-DFA0A04FC94B}">
-                <ma14:wrappingTextBoxFlag xmlns:ma14="http://schemas.microsoft.com/office/mac/drawingml/2011/main" xmlns:a14="http://schemas.microsoft.com/office/drawing/2010/main" xmlns:m="http://schemas.openxmlformats.org/officeDocument/2006/math" xmlns="" val="1"/>
+                <ma14:wrappingTextBoxFlag xmlns="" xmlns:m="http://schemas.openxmlformats.org/officeDocument/2006/math" xmlns:a14="http://schemas.microsoft.com/office/drawing/2010/main" xmlns:ma14="http://schemas.microsoft.com/office/mac/drawingml/2011/main" val="1"/>
               </a:ext>
             </a:extLst>
           </p:spPr>
@@ -36813,7 +36813,7 @@
             </a:ln>
             <a:extLst>
               <a:ext uri="{C572A759-6A51-4108-AA02-DFA0A04FC94B}">
-                <ma14:wrappingTextBoxFlag xmlns:ma14="http://schemas.microsoft.com/office/mac/drawingml/2011/main" xmlns:a14="http://schemas.microsoft.com/office/drawing/2010/main" xmlns:m="http://schemas.openxmlformats.org/officeDocument/2006/math" xmlns="" val="1"/>
+                <ma14:wrappingTextBoxFlag xmlns="" xmlns:m="http://schemas.openxmlformats.org/officeDocument/2006/math" xmlns:a14="http://schemas.microsoft.com/office/drawing/2010/main" xmlns:ma14="http://schemas.microsoft.com/office/mac/drawingml/2011/main" val="1"/>
               </a:ext>
             </a:extLst>
           </p:spPr>
@@ -36867,7 +36867,7 @@
             </a:ln>
             <a:extLst>
               <a:ext uri="{C572A759-6A51-4108-AA02-DFA0A04FC94B}">
-                <ma14:wrappingTextBoxFlag xmlns:ma14="http://schemas.microsoft.com/office/mac/drawingml/2011/main" xmlns:a14="http://schemas.microsoft.com/office/drawing/2010/main" xmlns:m="http://schemas.openxmlformats.org/officeDocument/2006/math" xmlns="" val="1"/>
+                <ma14:wrappingTextBoxFlag xmlns="" xmlns:m="http://schemas.openxmlformats.org/officeDocument/2006/math" xmlns:a14="http://schemas.microsoft.com/office/drawing/2010/main" xmlns:ma14="http://schemas.microsoft.com/office/mac/drawingml/2011/main" val="1"/>
               </a:ext>
             </a:extLst>
           </p:spPr>
@@ -36920,7 +36920,7 @@
             </a:ln>
             <a:extLst>
               <a:ext uri="{C572A759-6A51-4108-AA02-DFA0A04FC94B}">
-                <ma14:wrappingTextBoxFlag xmlns:ma14="http://schemas.microsoft.com/office/mac/drawingml/2011/main" xmlns:a14="http://schemas.microsoft.com/office/drawing/2010/main" xmlns:m="http://schemas.openxmlformats.org/officeDocument/2006/math" xmlns="" val="1"/>
+                <ma14:wrappingTextBoxFlag xmlns="" xmlns:m="http://schemas.openxmlformats.org/officeDocument/2006/math" xmlns:a14="http://schemas.microsoft.com/office/drawing/2010/main" xmlns:ma14="http://schemas.microsoft.com/office/mac/drawingml/2011/main" val="1"/>
               </a:ext>
             </a:extLst>
           </p:spPr>
@@ -36973,7 +36973,7 @@
             </a:ln>
             <a:extLst>
               <a:ext uri="{C572A759-6A51-4108-AA02-DFA0A04FC94B}">
-                <ma14:wrappingTextBoxFlag xmlns:ma14="http://schemas.microsoft.com/office/mac/drawingml/2011/main" xmlns:a14="http://schemas.microsoft.com/office/drawing/2010/main" xmlns:m="http://schemas.openxmlformats.org/officeDocument/2006/math" xmlns="" val="1"/>
+                <ma14:wrappingTextBoxFlag xmlns="" xmlns:m="http://schemas.openxmlformats.org/officeDocument/2006/math" xmlns:a14="http://schemas.microsoft.com/office/drawing/2010/main" xmlns:ma14="http://schemas.microsoft.com/office/mac/drawingml/2011/main" val="1"/>
               </a:ext>
             </a:extLst>
           </p:spPr>
@@ -37026,7 +37026,7 @@
             </a:ln>
             <a:extLst>
               <a:ext uri="{C572A759-6A51-4108-AA02-DFA0A04FC94B}">
-                <ma14:wrappingTextBoxFlag xmlns:ma14="http://schemas.microsoft.com/office/mac/drawingml/2011/main" xmlns:a14="http://schemas.microsoft.com/office/drawing/2010/main" xmlns:m="http://schemas.openxmlformats.org/officeDocument/2006/math" xmlns="" val="1"/>
+                <ma14:wrappingTextBoxFlag xmlns="" xmlns:m="http://schemas.openxmlformats.org/officeDocument/2006/math" xmlns:a14="http://schemas.microsoft.com/office/drawing/2010/main" xmlns:ma14="http://schemas.microsoft.com/office/mac/drawingml/2011/main" val="1"/>
               </a:ext>
             </a:extLst>
           </p:spPr>
@@ -37853,7 +37853,7 @@
             </a:ln>
             <a:extLst>
               <a:ext uri="{C572A759-6A51-4108-AA02-DFA0A04FC94B}">
-                <ma14:wrappingTextBoxFlag xmlns:m="http://schemas.openxmlformats.org/officeDocument/2006/math" xmlns:a14="http://schemas.microsoft.com/office/drawing/2010/main" xmlns:ma14="http://schemas.microsoft.com/office/mac/drawingml/2011/main" xmlns="" val="1"/>
+                <ma14:wrappingTextBoxFlag xmlns="" xmlns:ma14="http://schemas.microsoft.com/office/mac/drawingml/2011/main" xmlns:a14="http://schemas.microsoft.com/office/drawing/2010/main" xmlns:m="http://schemas.openxmlformats.org/officeDocument/2006/math" val="1"/>
               </a:ext>
             </a:extLst>
           </p:spPr>
@@ -37901,7 +37901,7 @@
             </a:ln>
             <a:extLst>
               <a:ext uri="{C572A759-6A51-4108-AA02-DFA0A04FC94B}">
-                <ma14:wrappingTextBoxFlag xmlns:m="http://schemas.openxmlformats.org/officeDocument/2006/math" xmlns:a14="http://schemas.microsoft.com/office/drawing/2010/main" xmlns:ma14="http://schemas.microsoft.com/office/mac/drawingml/2011/main" xmlns="" val="1"/>
+                <ma14:wrappingTextBoxFlag xmlns="" xmlns:ma14="http://schemas.microsoft.com/office/mac/drawingml/2011/main" xmlns:a14="http://schemas.microsoft.com/office/drawing/2010/main" xmlns:m="http://schemas.openxmlformats.org/officeDocument/2006/math" val="1"/>
               </a:ext>
             </a:extLst>
           </p:spPr>
@@ -37949,7 +37949,7 @@
             </a:ln>
             <a:extLst>
               <a:ext uri="{C572A759-6A51-4108-AA02-DFA0A04FC94B}">
-                <ma14:wrappingTextBoxFlag xmlns:m="http://schemas.openxmlformats.org/officeDocument/2006/math" xmlns:a14="http://schemas.microsoft.com/office/drawing/2010/main" xmlns:ma14="http://schemas.microsoft.com/office/mac/drawingml/2011/main" xmlns="" val="1"/>
+                <ma14:wrappingTextBoxFlag xmlns="" xmlns:ma14="http://schemas.microsoft.com/office/mac/drawingml/2011/main" xmlns:a14="http://schemas.microsoft.com/office/drawing/2010/main" xmlns:m="http://schemas.openxmlformats.org/officeDocument/2006/math" val="1"/>
               </a:ext>
             </a:extLst>
           </p:spPr>
@@ -38001,7 +38001,7 @@
             </a:ln>
             <a:extLst>
               <a:ext uri="{C572A759-6A51-4108-AA02-DFA0A04FC94B}">
-                <ma14:wrappingTextBoxFlag xmlns:m="http://schemas.openxmlformats.org/officeDocument/2006/math" xmlns:a14="http://schemas.microsoft.com/office/drawing/2010/main" xmlns:ma14="http://schemas.microsoft.com/office/mac/drawingml/2011/main" xmlns="" val="1"/>
+                <ma14:wrappingTextBoxFlag xmlns="" xmlns:ma14="http://schemas.microsoft.com/office/mac/drawingml/2011/main" xmlns:a14="http://schemas.microsoft.com/office/drawing/2010/main" xmlns:m="http://schemas.openxmlformats.org/officeDocument/2006/math" val="1"/>
               </a:ext>
             </a:extLst>
           </p:spPr>
@@ -38049,7 +38049,7 @@
             </a:ln>
             <a:extLst>
               <a:ext uri="{C572A759-6A51-4108-AA02-DFA0A04FC94B}">
-                <ma14:wrappingTextBoxFlag xmlns:m="http://schemas.openxmlformats.org/officeDocument/2006/math" xmlns:a14="http://schemas.microsoft.com/office/drawing/2010/main" xmlns:ma14="http://schemas.microsoft.com/office/mac/drawingml/2011/main" xmlns="" val="1"/>
+                <ma14:wrappingTextBoxFlag xmlns="" xmlns:ma14="http://schemas.microsoft.com/office/mac/drawingml/2011/main" xmlns:a14="http://schemas.microsoft.com/office/drawing/2010/main" xmlns:m="http://schemas.openxmlformats.org/officeDocument/2006/math" val="1"/>
               </a:ext>
             </a:extLst>
           </p:spPr>
@@ -38097,7 +38097,7 @@
             </a:ln>
             <a:extLst>
               <a:ext uri="{C572A759-6A51-4108-AA02-DFA0A04FC94B}">
-                <ma14:wrappingTextBoxFlag xmlns:m="http://schemas.openxmlformats.org/officeDocument/2006/math" xmlns:a14="http://schemas.microsoft.com/office/drawing/2010/main" xmlns:ma14="http://schemas.microsoft.com/office/mac/drawingml/2011/main" xmlns="" val="1"/>
+                <ma14:wrappingTextBoxFlag xmlns="" xmlns:ma14="http://schemas.microsoft.com/office/mac/drawingml/2011/main" xmlns:a14="http://schemas.microsoft.com/office/drawing/2010/main" xmlns:m="http://schemas.openxmlformats.org/officeDocument/2006/math" val="1"/>
               </a:ext>
             </a:extLst>
           </p:spPr>
@@ -38154,7 +38154,7 @@
             </a:ln>
             <a:extLst>
               <a:ext uri="{C572A759-6A51-4108-AA02-DFA0A04FC94B}">
-                <ma14:wrappingTextBoxFlag xmlns:m="http://schemas.openxmlformats.org/officeDocument/2006/math" xmlns:a14="http://schemas.microsoft.com/office/drawing/2010/main" xmlns:ma14="http://schemas.microsoft.com/office/mac/drawingml/2011/main" xmlns="" val="1"/>
+                <ma14:wrappingTextBoxFlag xmlns="" xmlns:ma14="http://schemas.microsoft.com/office/mac/drawingml/2011/main" xmlns:a14="http://schemas.microsoft.com/office/drawing/2010/main" xmlns:m="http://schemas.openxmlformats.org/officeDocument/2006/math" val="1"/>
               </a:ext>
             </a:extLst>
           </p:spPr>
@@ -38212,7 +38212,7 @@
             </a:ln>
             <a:extLst>
               <a:ext uri="{C572A759-6A51-4108-AA02-DFA0A04FC94B}">
-                <ma14:wrappingTextBoxFlag xmlns:m="http://schemas.openxmlformats.org/officeDocument/2006/math" xmlns:a14="http://schemas.microsoft.com/office/drawing/2010/main" xmlns:ma14="http://schemas.microsoft.com/office/mac/drawingml/2011/main" xmlns="" val="1"/>
+                <ma14:wrappingTextBoxFlag xmlns="" xmlns:ma14="http://schemas.microsoft.com/office/mac/drawingml/2011/main" xmlns:a14="http://schemas.microsoft.com/office/drawing/2010/main" xmlns:m="http://schemas.openxmlformats.org/officeDocument/2006/math" val="1"/>
               </a:ext>
             </a:extLst>
           </p:spPr>
@@ -38260,7 +38260,7 @@
             </a:ln>
             <a:extLst>
               <a:ext uri="{C572A759-6A51-4108-AA02-DFA0A04FC94B}">
-                <ma14:wrappingTextBoxFlag xmlns:m="http://schemas.openxmlformats.org/officeDocument/2006/math" xmlns:a14="http://schemas.microsoft.com/office/drawing/2010/main" xmlns:ma14="http://schemas.microsoft.com/office/mac/drawingml/2011/main" xmlns="" val="1"/>
+                <ma14:wrappingTextBoxFlag xmlns="" xmlns:ma14="http://schemas.microsoft.com/office/mac/drawingml/2011/main" xmlns:a14="http://schemas.microsoft.com/office/drawing/2010/main" xmlns:m="http://schemas.openxmlformats.org/officeDocument/2006/math" val="1"/>
               </a:ext>
             </a:extLst>
           </p:spPr>
@@ -38308,7 +38308,7 @@
             </a:ln>
             <a:extLst>
               <a:ext uri="{C572A759-6A51-4108-AA02-DFA0A04FC94B}">
-                <ma14:wrappingTextBoxFlag xmlns:m="http://schemas.openxmlformats.org/officeDocument/2006/math" xmlns:a14="http://schemas.microsoft.com/office/drawing/2010/main" xmlns:ma14="http://schemas.microsoft.com/office/mac/drawingml/2011/main" xmlns="" val="1"/>
+                <ma14:wrappingTextBoxFlag xmlns="" xmlns:ma14="http://schemas.microsoft.com/office/mac/drawingml/2011/main" xmlns:a14="http://schemas.microsoft.com/office/drawing/2010/main" xmlns:m="http://schemas.openxmlformats.org/officeDocument/2006/math" val="1"/>
               </a:ext>
             </a:extLst>
           </p:spPr>
@@ -38356,7 +38356,7 @@
             </a:ln>
             <a:extLst>
               <a:ext uri="{C572A759-6A51-4108-AA02-DFA0A04FC94B}">
-                <ma14:wrappingTextBoxFlag xmlns:m="http://schemas.openxmlformats.org/officeDocument/2006/math" xmlns:a14="http://schemas.microsoft.com/office/drawing/2010/main" xmlns:ma14="http://schemas.microsoft.com/office/mac/drawingml/2011/main" xmlns="" val="1"/>
+                <ma14:wrappingTextBoxFlag xmlns="" xmlns:ma14="http://schemas.microsoft.com/office/mac/drawingml/2011/main" xmlns:a14="http://schemas.microsoft.com/office/drawing/2010/main" xmlns:m="http://schemas.openxmlformats.org/officeDocument/2006/math" val="1"/>
               </a:ext>
             </a:extLst>
           </p:spPr>
@@ -38414,7 +38414,7 @@
             </a:ln>
             <a:extLst>
               <a:ext uri="{C572A759-6A51-4108-AA02-DFA0A04FC94B}">
-                <ma14:wrappingTextBoxFlag xmlns:m="http://schemas.openxmlformats.org/officeDocument/2006/math" xmlns:a14="http://schemas.microsoft.com/office/drawing/2010/main" xmlns:ma14="http://schemas.microsoft.com/office/mac/drawingml/2011/main" xmlns="" val="1"/>
+                <ma14:wrappingTextBoxFlag xmlns="" xmlns:ma14="http://schemas.microsoft.com/office/mac/drawingml/2011/main" xmlns:a14="http://schemas.microsoft.com/office/drawing/2010/main" xmlns:m="http://schemas.openxmlformats.org/officeDocument/2006/math" val="1"/>
               </a:ext>
             </a:extLst>
           </p:spPr>
@@ -38471,7 +38471,7 @@
             </a:ln>
             <a:extLst>
               <a:ext uri="{C572A759-6A51-4108-AA02-DFA0A04FC94B}">
-                <ma14:wrappingTextBoxFlag xmlns:m="http://schemas.openxmlformats.org/officeDocument/2006/math" xmlns:a14="http://schemas.microsoft.com/office/drawing/2010/main" xmlns:ma14="http://schemas.microsoft.com/office/mac/drawingml/2011/main" xmlns="" val="1"/>
+                <ma14:wrappingTextBoxFlag xmlns="" xmlns:ma14="http://schemas.microsoft.com/office/mac/drawingml/2011/main" xmlns:a14="http://schemas.microsoft.com/office/drawing/2010/main" xmlns:m="http://schemas.openxmlformats.org/officeDocument/2006/math" val="1"/>
               </a:ext>
             </a:extLst>
           </p:spPr>
@@ -38519,7 +38519,7 @@
             </a:ln>
             <a:extLst>
               <a:ext uri="{C572A759-6A51-4108-AA02-DFA0A04FC94B}">
-                <ma14:wrappingTextBoxFlag xmlns:m="http://schemas.openxmlformats.org/officeDocument/2006/math" xmlns:a14="http://schemas.microsoft.com/office/drawing/2010/main" xmlns:ma14="http://schemas.microsoft.com/office/mac/drawingml/2011/main" xmlns="" val="1"/>
+                <ma14:wrappingTextBoxFlag xmlns="" xmlns:ma14="http://schemas.microsoft.com/office/mac/drawingml/2011/main" xmlns:a14="http://schemas.microsoft.com/office/drawing/2010/main" xmlns:m="http://schemas.openxmlformats.org/officeDocument/2006/math" val="1"/>
               </a:ext>
             </a:extLst>
           </p:spPr>
@@ -38571,7 +38571,7 @@
             </a:ln>
             <a:extLst>
               <a:ext uri="{C572A759-6A51-4108-AA02-DFA0A04FC94B}">
-                <ma14:wrappingTextBoxFlag xmlns:m="http://schemas.openxmlformats.org/officeDocument/2006/math" xmlns:a14="http://schemas.microsoft.com/office/drawing/2010/main" xmlns:ma14="http://schemas.microsoft.com/office/mac/drawingml/2011/main" xmlns="" val="1"/>
+                <ma14:wrappingTextBoxFlag xmlns="" xmlns:ma14="http://schemas.microsoft.com/office/mac/drawingml/2011/main" xmlns:a14="http://schemas.microsoft.com/office/drawing/2010/main" xmlns:m="http://schemas.openxmlformats.org/officeDocument/2006/math" val="1"/>
               </a:ext>
             </a:extLst>
           </p:spPr>
@@ -38629,7 +38629,7 @@
             </a:ln>
             <a:extLst>
               <a:ext uri="{C572A759-6A51-4108-AA02-DFA0A04FC94B}">
-                <ma14:wrappingTextBoxFlag xmlns:m="http://schemas.openxmlformats.org/officeDocument/2006/math" xmlns:a14="http://schemas.microsoft.com/office/drawing/2010/main" xmlns:ma14="http://schemas.microsoft.com/office/mac/drawingml/2011/main" xmlns="" val="1"/>
+                <ma14:wrappingTextBoxFlag xmlns="" xmlns:ma14="http://schemas.microsoft.com/office/mac/drawingml/2011/main" xmlns:a14="http://schemas.microsoft.com/office/drawing/2010/main" xmlns:m="http://schemas.openxmlformats.org/officeDocument/2006/math" val="1"/>
               </a:ext>
             </a:extLst>
           </p:spPr>
@@ -38677,7 +38677,7 @@
             </a:ln>
             <a:extLst>
               <a:ext uri="{C572A759-6A51-4108-AA02-DFA0A04FC94B}">
-                <ma14:wrappingTextBoxFlag xmlns:m="http://schemas.openxmlformats.org/officeDocument/2006/math" xmlns:a14="http://schemas.microsoft.com/office/drawing/2010/main" xmlns:ma14="http://schemas.microsoft.com/office/mac/drawingml/2011/main" xmlns="" val="1"/>
+                <ma14:wrappingTextBoxFlag xmlns="" xmlns:ma14="http://schemas.microsoft.com/office/mac/drawingml/2011/main" xmlns:a14="http://schemas.microsoft.com/office/drawing/2010/main" xmlns:m="http://schemas.openxmlformats.org/officeDocument/2006/math" val="1"/>
               </a:ext>
             </a:extLst>
           </p:spPr>
@@ -38730,7 +38730,7 @@
             </a:ln>
             <a:extLst>
               <a:ext uri="{C572A759-6A51-4108-AA02-DFA0A04FC94B}">
-                <ma14:wrappingTextBoxFlag xmlns:m="http://schemas.openxmlformats.org/officeDocument/2006/math" xmlns:a14="http://schemas.microsoft.com/office/drawing/2010/main" xmlns:ma14="http://schemas.microsoft.com/office/mac/drawingml/2011/main" xmlns="" val="1"/>
+                <ma14:wrappingTextBoxFlag xmlns="" xmlns:ma14="http://schemas.microsoft.com/office/mac/drawingml/2011/main" xmlns:a14="http://schemas.microsoft.com/office/drawing/2010/main" xmlns:m="http://schemas.openxmlformats.org/officeDocument/2006/math" val="1"/>
               </a:ext>
             </a:extLst>
           </p:spPr>
@@ -38778,7 +38778,7 @@
             </a:ln>
             <a:extLst>
               <a:ext uri="{C572A759-6A51-4108-AA02-DFA0A04FC94B}">
-                <ma14:wrappingTextBoxFlag xmlns:m="http://schemas.openxmlformats.org/officeDocument/2006/math" xmlns:a14="http://schemas.microsoft.com/office/drawing/2010/main" xmlns:ma14="http://schemas.microsoft.com/office/mac/drawingml/2011/main" xmlns="" val="1"/>
+                <ma14:wrappingTextBoxFlag xmlns="" xmlns:ma14="http://schemas.microsoft.com/office/mac/drawingml/2011/main" xmlns:a14="http://schemas.microsoft.com/office/drawing/2010/main" xmlns:m="http://schemas.openxmlformats.org/officeDocument/2006/math" val="1"/>
               </a:ext>
             </a:extLst>
           </p:spPr>
@@ -38830,7 +38830,7 @@
             </a:ln>
             <a:extLst>
               <a:ext uri="{C572A759-6A51-4108-AA02-DFA0A04FC94B}">
-                <ma14:wrappingTextBoxFlag xmlns:m="http://schemas.openxmlformats.org/officeDocument/2006/math" xmlns:a14="http://schemas.microsoft.com/office/drawing/2010/main" xmlns:ma14="http://schemas.microsoft.com/office/mac/drawingml/2011/main" xmlns="" val="1"/>
+                <ma14:wrappingTextBoxFlag xmlns="" xmlns:ma14="http://schemas.microsoft.com/office/mac/drawingml/2011/main" xmlns:a14="http://schemas.microsoft.com/office/drawing/2010/main" xmlns:m="http://schemas.openxmlformats.org/officeDocument/2006/math" val="1"/>
               </a:ext>
             </a:extLst>
           </p:spPr>
@@ -38878,7 +38878,7 @@
             </a:ln>
             <a:extLst>
               <a:ext uri="{C572A759-6A51-4108-AA02-DFA0A04FC94B}">
-                <ma14:wrappingTextBoxFlag xmlns:m="http://schemas.openxmlformats.org/officeDocument/2006/math" xmlns:a14="http://schemas.microsoft.com/office/drawing/2010/main" xmlns:ma14="http://schemas.microsoft.com/office/mac/drawingml/2011/main" xmlns="" val="1"/>
+                <ma14:wrappingTextBoxFlag xmlns="" xmlns:ma14="http://schemas.microsoft.com/office/mac/drawingml/2011/main" xmlns:a14="http://schemas.microsoft.com/office/drawing/2010/main" xmlns:m="http://schemas.openxmlformats.org/officeDocument/2006/math" val="1"/>
               </a:ext>
             </a:extLst>
           </p:spPr>
@@ -38932,7 +38932,7 @@
             </a:ln>
             <a:extLst>
               <a:ext uri="{C572A759-6A51-4108-AA02-DFA0A04FC94B}">
-                <ma14:wrappingTextBoxFlag xmlns:m="http://schemas.openxmlformats.org/officeDocument/2006/math" xmlns:a14="http://schemas.microsoft.com/office/drawing/2010/main" xmlns:ma14="http://schemas.microsoft.com/office/mac/drawingml/2011/main" xmlns="" val="1"/>
+                <ma14:wrappingTextBoxFlag xmlns="" xmlns:ma14="http://schemas.microsoft.com/office/mac/drawingml/2011/main" xmlns:a14="http://schemas.microsoft.com/office/drawing/2010/main" xmlns:m="http://schemas.openxmlformats.org/officeDocument/2006/math" val="1"/>
               </a:ext>
             </a:extLst>
           </p:spPr>
@@ -38989,7 +38989,7 @@
             </a:ln>
             <a:extLst>
               <a:ext uri="{C572A759-6A51-4108-AA02-DFA0A04FC94B}">
-                <ma14:wrappingTextBoxFlag xmlns:m="http://schemas.openxmlformats.org/officeDocument/2006/math" xmlns:a14="http://schemas.microsoft.com/office/drawing/2010/main" xmlns:ma14="http://schemas.microsoft.com/office/mac/drawingml/2011/main" xmlns="" val="1"/>
+                <ma14:wrappingTextBoxFlag xmlns="" xmlns:ma14="http://schemas.microsoft.com/office/mac/drawingml/2011/main" xmlns:a14="http://schemas.microsoft.com/office/drawing/2010/main" xmlns:m="http://schemas.openxmlformats.org/officeDocument/2006/math" val="1"/>
               </a:ext>
             </a:extLst>
           </p:spPr>
@@ -39047,7 +39047,7 @@
             </a:ln>
             <a:extLst>
               <a:ext uri="{C572A759-6A51-4108-AA02-DFA0A04FC94B}">
-                <ma14:wrappingTextBoxFlag xmlns:m="http://schemas.openxmlformats.org/officeDocument/2006/math" xmlns:a14="http://schemas.microsoft.com/office/drawing/2010/main" xmlns:ma14="http://schemas.microsoft.com/office/mac/drawingml/2011/main" xmlns="" val="1"/>
+                <ma14:wrappingTextBoxFlag xmlns="" xmlns:ma14="http://schemas.microsoft.com/office/mac/drawingml/2011/main" xmlns:a14="http://schemas.microsoft.com/office/drawing/2010/main" xmlns:m="http://schemas.openxmlformats.org/officeDocument/2006/math" val="1"/>
               </a:ext>
             </a:extLst>
           </p:spPr>
@@ -39128,7 +39128,7 @@
             </a:ln>
             <a:extLst>
               <a:ext uri="{C572A759-6A51-4108-AA02-DFA0A04FC94B}">
-                <ma14:wrappingTextBoxFlag xmlns:m="http://schemas.openxmlformats.org/officeDocument/2006/math" xmlns:a14="http://schemas.microsoft.com/office/drawing/2010/main" xmlns:ma14="http://schemas.microsoft.com/office/mac/drawingml/2011/main" xmlns="" val="1"/>
+                <ma14:wrappingTextBoxFlag xmlns="" xmlns:ma14="http://schemas.microsoft.com/office/mac/drawingml/2011/main" xmlns:a14="http://schemas.microsoft.com/office/drawing/2010/main" xmlns:m="http://schemas.openxmlformats.org/officeDocument/2006/math" val="1"/>
               </a:ext>
             </a:extLst>
           </p:spPr>
@@ -39186,7 +39186,7 @@
             </a:ln>
             <a:extLst>
               <a:ext uri="{C572A759-6A51-4108-AA02-DFA0A04FC94B}">
-                <ma14:wrappingTextBoxFlag xmlns:m="http://schemas.openxmlformats.org/officeDocument/2006/math" xmlns:a14="http://schemas.microsoft.com/office/drawing/2010/main" xmlns:ma14="http://schemas.microsoft.com/office/mac/drawingml/2011/main" xmlns="" val="1"/>
+                <ma14:wrappingTextBoxFlag xmlns="" xmlns:ma14="http://schemas.microsoft.com/office/mac/drawingml/2011/main" xmlns:a14="http://schemas.microsoft.com/office/drawing/2010/main" xmlns:m="http://schemas.openxmlformats.org/officeDocument/2006/math" val="1"/>
               </a:ext>
             </a:extLst>
           </p:spPr>
@@ -39244,7 +39244,7 @@
             </a:ln>
             <a:extLst>
               <a:ext uri="{C572A759-6A51-4108-AA02-DFA0A04FC94B}">
-                <ma14:wrappingTextBoxFlag xmlns:m="http://schemas.openxmlformats.org/officeDocument/2006/math" xmlns:a14="http://schemas.microsoft.com/office/drawing/2010/main" xmlns:ma14="http://schemas.microsoft.com/office/mac/drawingml/2011/main" xmlns="" val="1"/>
+                <ma14:wrappingTextBoxFlag xmlns="" xmlns:ma14="http://schemas.microsoft.com/office/mac/drawingml/2011/main" xmlns:a14="http://schemas.microsoft.com/office/drawing/2010/main" xmlns:m="http://schemas.openxmlformats.org/officeDocument/2006/math" val="1"/>
               </a:ext>
             </a:extLst>
           </p:spPr>
@@ -39302,7 +39302,7 @@
             </a:ln>
             <a:extLst>
               <a:ext uri="{C572A759-6A51-4108-AA02-DFA0A04FC94B}">
-                <ma14:wrappingTextBoxFlag xmlns:m="http://schemas.openxmlformats.org/officeDocument/2006/math" xmlns:a14="http://schemas.microsoft.com/office/drawing/2010/main" xmlns:ma14="http://schemas.microsoft.com/office/mac/drawingml/2011/main" xmlns="" val="1"/>
+                <ma14:wrappingTextBoxFlag xmlns="" xmlns:ma14="http://schemas.microsoft.com/office/mac/drawingml/2011/main" xmlns:a14="http://schemas.microsoft.com/office/drawing/2010/main" xmlns:m="http://schemas.openxmlformats.org/officeDocument/2006/math" val="1"/>
               </a:ext>
             </a:extLst>
           </p:spPr>
@@ -39350,7 +39350,7 @@
             </a:ln>
             <a:extLst>
               <a:ext uri="{C572A759-6A51-4108-AA02-DFA0A04FC94B}">
-                <ma14:wrappingTextBoxFlag xmlns:m="http://schemas.openxmlformats.org/officeDocument/2006/math" xmlns:a14="http://schemas.microsoft.com/office/drawing/2010/main" xmlns:ma14="http://schemas.microsoft.com/office/mac/drawingml/2011/main" xmlns="" val="1"/>
+                <ma14:wrappingTextBoxFlag xmlns="" xmlns:ma14="http://schemas.microsoft.com/office/mac/drawingml/2011/main" xmlns:a14="http://schemas.microsoft.com/office/drawing/2010/main" xmlns:m="http://schemas.openxmlformats.org/officeDocument/2006/math" val="1"/>
               </a:ext>
             </a:extLst>
           </p:spPr>
@@ -39398,7 +39398,7 @@
             </a:ln>
             <a:extLst>
               <a:ext uri="{C572A759-6A51-4108-AA02-DFA0A04FC94B}">
-                <ma14:wrappingTextBoxFlag xmlns:m="http://schemas.openxmlformats.org/officeDocument/2006/math" xmlns:a14="http://schemas.microsoft.com/office/drawing/2010/main" xmlns:ma14="http://schemas.microsoft.com/office/mac/drawingml/2011/main" xmlns="" val="1"/>
+                <ma14:wrappingTextBoxFlag xmlns="" xmlns:ma14="http://schemas.microsoft.com/office/mac/drawingml/2011/main" xmlns:a14="http://schemas.microsoft.com/office/drawing/2010/main" xmlns:m="http://schemas.openxmlformats.org/officeDocument/2006/math" val="1"/>
               </a:ext>
             </a:extLst>
           </p:spPr>
@@ -39452,7 +39452,7 @@
             </a:ln>
             <a:extLst>
               <a:ext uri="{C572A759-6A51-4108-AA02-DFA0A04FC94B}">
-                <ma14:wrappingTextBoxFlag xmlns:m="http://schemas.openxmlformats.org/officeDocument/2006/math" xmlns:a14="http://schemas.microsoft.com/office/drawing/2010/main" xmlns:ma14="http://schemas.microsoft.com/office/mac/drawingml/2011/main" xmlns="" val="1"/>
+                <ma14:wrappingTextBoxFlag xmlns="" xmlns:ma14="http://schemas.microsoft.com/office/mac/drawingml/2011/main" xmlns:a14="http://schemas.microsoft.com/office/drawing/2010/main" xmlns:m="http://schemas.openxmlformats.org/officeDocument/2006/math" val="1"/>
               </a:ext>
             </a:extLst>
           </p:spPr>
@@ -39506,7 +39506,7 @@
             </a:ln>
             <a:extLst>
               <a:ext uri="{C572A759-6A51-4108-AA02-DFA0A04FC94B}">
-                <ma14:wrappingTextBoxFlag xmlns:m="http://schemas.openxmlformats.org/officeDocument/2006/math" xmlns:a14="http://schemas.microsoft.com/office/drawing/2010/main" xmlns:ma14="http://schemas.microsoft.com/office/mac/drawingml/2011/main" xmlns="" val="1"/>
+                <ma14:wrappingTextBoxFlag xmlns="" xmlns:ma14="http://schemas.microsoft.com/office/mac/drawingml/2011/main" xmlns:a14="http://schemas.microsoft.com/office/drawing/2010/main" xmlns:m="http://schemas.openxmlformats.org/officeDocument/2006/math" val="1"/>
               </a:ext>
             </a:extLst>
           </p:spPr>
@@ -39559,7 +39559,7 @@
             </a:ln>
             <a:extLst>
               <a:ext uri="{C572A759-6A51-4108-AA02-DFA0A04FC94B}">
-                <ma14:wrappingTextBoxFlag xmlns:m="http://schemas.openxmlformats.org/officeDocument/2006/math" xmlns:a14="http://schemas.microsoft.com/office/drawing/2010/main" xmlns:ma14="http://schemas.microsoft.com/office/mac/drawingml/2011/main" xmlns="" val="1"/>
+                <ma14:wrappingTextBoxFlag xmlns="" xmlns:ma14="http://schemas.microsoft.com/office/mac/drawingml/2011/main" xmlns:a14="http://schemas.microsoft.com/office/drawing/2010/main" xmlns:m="http://schemas.openxmlformats.org/officeDocument/2006/math" val="1"/>
               </a:ext>
             </a:extLst>
           </p:spPr>
@@ -39612,7 +39612,7 @@
             </a:ln>
             <a:extLst>
               <a:ext uri="{C572A759-6A51-4108-AA02-DFA0A04FC94B}">
-                <ma14:wrappingTextBoxFlag xmlns:m="http://schemas.openxmlformats.org/officeDocument/2006/math" xmlns:a14="http://schemas.microsoft.com/office/drawing/2010/main" xmlns:ma14="http://schemas.microsoft.com/office/mac/drawingml/2011/main" xmlns="" val="1"/>
+                <ma14:wrappingTextBoxFlag xmlns="" xmlns:ma14="http://schemas.microsoft.com/office/mac/drawingml/2011/main" xmlns:a14="http://schemas.microsoft.com/office/drawing/2010/main" xmlns:m="http://schemas.openxmlformats.org/officeDocument/2006/math" val="1"/>
               </a:ext>
             </a:extLst>
           </p:spPr>
@@ -39665,7 +39665,7 @@
             </a:ln>
             <a:extLst>
               <a:ext uri="{C572A759-6A51-4108-AA02-DFA0A04FC94B}">
-                <ma14:wrappingTextBoxFlag xmlns:m="http://schemas.openxmlformats.org/officeDocument/2006/math" xmlns:a14="http://schemas.microsoft.com/office/drawing/2010/main" xmlns:ma14="http://schemas.microsoft.com/office/mac/drawingml/2011/main" xmlns="" val="1"/>
+                <ma14:wrappingTextBoxFlag xmlns="" xmlns:ma14="http://schemas.microsoft.com/office/mac/drawingml/2011/main" xmlns:a14="http://schemas.microsoft.com/office/drawing/2010/main" xmlns:m="http://schemas.openxmlformats.org/officeDocument/2006/math" val="1"/>
               </a:ext>
             </a:extLst>
           </p:spPr>
@@ -43671,10 +43671,10 @@
       </p:sp>
       <p:sp>
         <p:nvSpPr>
-          <p:cNvPr id="3" name="Subtitle 2">
+          <p:cNvPr id="5" name="Subtitle 4">
             <a:extLst>
               <a:ext uri="{FF2B5EF4-FFF2-40B4-BE49-F238E27FC236}">
-                <a16:creationId xmlns:a16="http://schemas.microsoft.com/office/drawing/2014/main" id="{78BC2C14-5B54-4319-BA1D-46B0C6B5B674}"/>
+                <a16:creationId xmlns:a16="http://schemas.microsoft.com/office/drawing/2014/main" id="{D7839E76-9C28-45D3-A6E0-C84F6407665A}"/>
               </a:ext>
             </a:extLst>
           </p:cNvPr>
@@ -43685,20 +43685,12 @@
             <p:ph type="subTitle" idx="1"/>
           </p:nvPr>
         </p:nvSpPr>
-        <p:spPr>
-          <a:xfrm>
-            <a:off x="1387813" y="4843830"/>
-            <a:ext cx="9144000" cy="531554"/>
-          </a:xfrm>
-        </p:spPr>
+        <p:spPr/>
         <p:txBody>
           <a:bodyPr/>
           <a:lstStyle/>
           <a:p>
-            <a:r>
-              <a:rPr lang="en-US" dirty="0"/>
-              <a:t>Subtitle Goes Here</a:t>
-            </a:r>
+            <a:endParaRPr lang="en-US"/>
           </a:p>
         </p:txBody>
       </p:sp>
